--- a/src/SE_ELAN/Stimuli/Instructions_Rewarded.pptx
+++ b/src/SE_ELAN/Stimuli/Instructions_Rewarded.pptx
@@ -4,6 +4,9 @@
   <p:sldMasterIdLst>
     <p:sldMasterId id="2147483648" r:id="rId1"/>
   </p:sldMasterIdLst>
+  <p:handoutMasterIdLst>
+    <p:handoutMasterId r:id="rId37"/>
+  </p:handoutMasterIdLst>
   <p:sldIdLst>
     <p:sldId id="256" r:id="rId2"/>
     <p:sldId id="270" r:id="rId3"/>
@@ -146,6 +149,171 @@
 </p:presentation>
 </file>
 
+<file path=ppt/handoutMasters/handoutMaster1.xml><?xml version="1.0" encoding="utf-8"?>
+<p:handoutMaster xmlns:a="http://schemas.openxmlformats.org/drawingml/2006/main" xmlns:r="http://schemas.openxmlformats.org/officeDocument/2006/relationships" xmlns:p="http://schemas.openxmlformats.org/presentationml/2006/main">
+  <p:cSld>
+    <p:bg>
+      <p:bgRef idx="1001">
+        <a:schemeClr val="bg1"/>
+      </p:bgRef>
+    </p:bg>
+    <p:spTree>
+      <p:nvGrpSpPr>
+        <p:cNvPr id="1" name=""/>
+        <p:cNvGrpSpPr/>
+        <p:nvPr/>
+      </p:nvGrpSpPr>
+      <p:grpSpPr>
+        <a:xfrm>
+          <a:off x="0" y="0"/>
+          <a:ext cx="0" cy="0"/>
+          <a:chOff x="0" y="0"/>
+          <a:chExt cx="0" cy="0"/>
+        </a:xfrm>
+      </p:grpSpPr>
+      <p:sp>
+        <p:nvSpPr>
+          <p:cNvPr id="2" name="Espace réservé de l'en-tête 1"/>
+          <p:cNvSpPr>
+            <a:spLocks noGrp="1"/>
+          </p:cNvSpPr>
+          <p:nvPr>
+            <p:ph type="hdr" sz="quarter"/>
+          </p:nvPr>
+        </p:nvSpPr>
+        <p:spPr>
+          <a:xfrm>
+            <a:off x="0" y="0"/>
+            <a:ext cx="2971800" cy="458788"/>
+          </a:xfrm>
+          <a:prstGeom prst="rect">
+            <a:avLst/>
+          </a:prstGeom>
+        </p:spPr>
+        <p:txBody>
+          <a:bodyPr vert="horz" lIns="91440" tIns="45720" rIns="91440" bIns="45720" rtlCol="0"/>
+          <a:lstStyle>
+            <a:lvl1pPr algn="l">
+              <a:defRPr sz="1200"/>
+            </a:lvl1pPr>
+          </a:lstStyle>
+          <a:p>
+            <a:endParaRPr lang="en-GB"/>
+          </a:p>
+        </p:txBody>
+      </p:sp>
+      <p:sp>
+        <p:nvSpPr>
+          <p:cNvPr id="3" name="Espace réservé de la date 2"/>
+          <p:cNvSpPr>
+            <a:spLocks noGrp="1"/>
+          </p:cNvSpPr>
+          <p:nvPr>
+            <p:ph type="dt" sz="quarter" idx="1"/>
+          </p:nvPr>
+        </p:nvSpPr>
+        <p:spPr>
+          <a:xfrm>
+            <a:off x="3884614" y="0"/>
+            <a:ext cx="2971800" cy="458788"/>
+          </a:xfrm>
+          <a:prstGeom prst="rect">
+            <a:avLst/>
+          </a:prstGeom>
+        </p:spPr>
+        <p:txBody>
+          <a:bodyPr vert="horz" lIns="91440" tIns="45720" rIns="91440" bIns="45720" rtlCol="0"/>
+          <a:lstStyle>
+            <a:lvl1pPr algn="r">
+              <a:defRPr sz="1200"/>
+            </a:lvl1pPr>
+          </a:lstStyle>
+          <a:p>
+            <a:fld id="{457B588A-FAB3-4C3F-A999-7E77BA0B8118}" type="datetimeFigureOut">
+              <a:rPr lang="en-GB" smtClean="0"/>
+              <a:t>20/10/2021</a:t>
+            </a:fld>
+            <a:endParaRPr lang="en-GB"/>
+          </a:p>
+        </p:txBody>
+      </p:sp>
+      <p:sp>
+        <p:nvSpPr>
+          <p:cNvPr id="4" name="Espace réservé du pied de page 3"/>
+          <p:cNvSpPr>
+            <a:spLocks noGrp="1"/>
+          </p:cNvSpPr>
+          <p:nvPr>
+            <p:ph type="ftr" sz="quarter" idx="2"/>
+          </p:nvPr>
+        </p:nvSpPr>
+        <p:spPr>
+          <a:xfrm>
+            <a:off x="0" y="8685214"/>
+            <a:ext cx="2971800" cy="458787"/>
+          </a:xfrm>
+          <a:prstGeom prst="rect">
+            <a:avLst/>
+          </a:prstGeom>
+        </p:spPr>
+        <p:txBody>
+          <a:bodyPr vert="horz" lIns="91440" tIns="45720" rIns="91440" bIns="45720" rtlCol="0" anchor="b"/>
+          <a:lstStyle>
+            <a:lvl1pPr algn="l">
+              <a:defRPr sz="1200"/>
+            </a:lvl1pPr>
+          </a:lstStyle>
+          <a:p>
+            <a:endParaRPr lang="en-GB"/>
+          </a:p>
+        </p:txBody>
+      </p:sp>
+      <p:sp>
+        <p:nvSpPr>
+          <p:cNvPr id="5" name="Espace réservé du numéro de diapositive 4"/>
+          <p:cNvSpPr>
+            <a:spLocks noGrp="1"/>
+          </p:cNvSpPr>
+          <p:nvPr>
+            <p:ph type="sldNum" sz="quarter" idx="3"/>
+          </p:nvPr>
+        </p:nvSpPr>
+        <p:spPr>
+          <a:xfrm>
+            <a:off x="3884614" y="8685214"/>
+            <a:ext cx="2971800" cy="458787"/>
+          </a:xfrm>
+          <a:prstGeom prst="rect">
+            <a:avLst/>
+          </a:prstGeom>
+        </p:spPr>
+        <p:txBody>
+          <a:bodyPr vert="horz" lIns="91440" tIns="45720" rIns="91440" bIns="45720" rtlCol="0" anchor="b"/>
+          <a:lstStyle>
+            <a:lvl1pPr algn="r">
+              <a:defRPr sz="1200"/>
+            </a:lvl1pPr>
+          </a:lstStyle>
+          <a:p>
+            <a:fld id="{756993CC-A683-496E-881E-006544134775}" type="slidenum">
+              <a:rPr lang="en-GB" smtClean="0"/>
+              <a:t>‹N°›</a:t>
+            </a:fld>
+            <a:endParaRPr lang="en-GB"/>
+          </a:p>
+        </p:txBody>
+      </p:sp>
+    </p:spTree>
+    <p:extLst>
+      <p:ext uri="{BB962C8B-B14F-4D97-AF65-F5344CB8AC3E}">
+        <p14:creationId xmlns:p14="http://schemas.microsoft.com/office/powerpoint/2010/main" val="1058301140"/>
+      </p:ext>
+    </p:extLst>
+  </p:cSld>
+  <p:clrMap bg1="lt1" tx1="dk1" bg2="lt2" tx2="dk2" accent1="accent1" accent2="accent2" accent3="accent3" accent4="accent4" accent5="accent5" accent6="accent6" hlink="hlink" folHlink="folHlink"/>
+</p:handoutMaster>
+</file>
+
 <file path=ppt/slideLayouts/slideLayout1.xml><?xml version="1.0" encoding="utf-8"?>
 <p:sldLayout xmlns:a="http://schemas.openxmlformats.org/drawingml/2006/main" xmlns:r="http://schemas.openxmlformats.org/officeDocument/2006/relationships" xmlns:p="http://schemas.openxmlformats.org/presentationml/2006/main" type="title" preserve="1">
   <p:cSld name="Diapositive de titre">
@@ -277,7 +445,7 @@
           <a:p>
             <a:fld id="{1C2A38D2-D57A-4E64-B95F-0826012D069A}" type="datetimeFigureOut">
               <a:rPr lang="en-GB" smtClean="0"/>
-              <a:t>19/10/2021</a:t>
+              <a:t>20/10/2021</a:t>
             </a:fld>
             <a:endParaRPr lang="en-GB" dirty="0"/>
           </a:p>
@@ -319,7 +487,7 @@
           <a:p>
             <a:fld id="{9D7F7A4F-C86B-4E97-8396-79EF10BBD040}" type="slidenum">
               <a:rPr lang="en-GB" smtClean="0"/>
-              <a:t>‹#›</a:t>
+              <a:t>‹N°›</a:t>
             </a:fld>
             <a:endParaRPr lang="en-GB" dirty="0"/>
           </a:p>
@@ -447,7 +615,7 @@
           <a:p>
             <a:fld id="{1C2A38D2-D57A-4E64-B95F-0826012D069A}" type="datetimeFigureOut">
               <a:rPr lang="en-GB" smtClean="0"/>
-              <a:t>19/10/2021</a:t>
+              <a:t>20/10/2021</a:t>
             </a:fld>
             <a:endParaRPr lang="en-GB" dirty="0"/>
           </a:p>
@@ -489,7 +657,7 @@
           <a:p>
             <a:fld id="{9D7F7A4F-C86B-4E97-8396-79EF10BBD040}" type="slidenum">
               <a:rPr lang="en-GB" smtClean="0"/>
-              <a:t>‹#›</a:t>
+              <a:t>‹N°›</a:t>
             </a:fld>
             <a:endParaRPr lang="en-GB" dirty="0"/>
           </a:p>
@@ -627,7 +795,7 @@
           <a:p>
             <a:fld id="{1C2A38D2-D57A-4E64-B95F-0826012D069A}" type="datetimeFigureOut">
               <a:rPr lang="en-GB" smtClean="0"/>
-              <a:t>19/10/2021</a:t>
+              <a:t>20/10/2021</a:t>
             </a:fld>
             <a:endParaRPr lang="en-GB" dirty="0"/>
           </a:p>
@@ -669,7 +837,7 @@
           <a:p>
             <a:fld id="{9D7F7A4F-C86B-4E97-8396-79EF10BBD040}" type="slidenum">
               <a:rPr lang="en-GB" smtClean="0"/>
-              <a:t>‹#›</a:t>
+              <a:t>‹N°›</a:t>
             </a:fld>
             <a:endParaRPr lang="en-GB" dirty="0"/>
           </a:p>
@@ -797,7 +965,7 @@
           <a:p>
             <a:fld id="{1C2A38D2-D57A-4E64-B95F-0826012D069A}" type="datetimeFigureOut">
               <a:rPr lang="en-GB" smtClean="0"/>
-              <a:t>19/10/2021</a:t>
+              <a:t>20/10/2021</a:t>
             </a:fld>
             <a:endParaRPr lang="en-GB" dirty="0"/>
           </a:p>
@@ -839,7 +1007,7 @@
           <a:p>
             <a:fld id="{9D7F7A4F-C86B-4E97-8396-79EF10BBD040}" type="slidenum">
               <a:rPr lang="en-GB" smtClean="0"/>
-              <a:t>‹#›</a:t>
+              <a:t>‹N°›</a:t>
             </a:fld>
             <a:endParaRPr lang="en-GB" dirty="0"/>
           </a:p>
@@ -1043,7 +1211,7 @@
           <a:p>
             <a:fld id="{1C2A38D2-D57A-4E64-B95F-0826012D069A}" type="datetimeFigureOut">
               <a:rPr lang="en-GB" smtClean="0"/>
-              <a:t>19/10/2021</a:t>
+              <a:t>20/10/2021</a:t>
             </a:fld>
             <a:endParaRPr lang="en-GB" dirty="0"/>
           </a:p>
@@ -1085,7 +1253,7 @@
           <a:p>
             <a:fld id="{9D7F7A4F-C86B-4E97-8396-79EF10BBD040}" type="slidenum">
               <a:rPr lang="en-GB" smtClean="0"/>
-              <a:t>‹#›</a:t>
+              <a:t>‹N°›</a:t>
             </a:fld>
             <a:endParaRPr lang="en-GB" dirty="0"/>
           </a:p>
@@ -1275,7 +1443,7 @@
           <a:p>
             <a:fld id="{1C2A38D2-D57A-4E64-B95F-0826012D069A}" type="datetimeFigureOut">
               <a:rPr lang="en-GB" smtClean="0"/>
-              <a:t>19/10/2021</a:t>
+              <a:t>20/10/2021</a:t>
             </a:fld>
             <a:endParaRPr lang="en-GB" dirty="0"/>
           </a:p>
@@ -1317,7 +1485,7 @@
           <a:p>
             <a:fld id="{9D7F7A4F-C86B-4E97-8396-79EF10BBD040}" type="slidenum">
               <a:rPr lang="en-GB" smtClean="0"/>
-              <a:t>‹#›</a:t>
+              <a:t>‹N°›</a:t>
             </a:fld>
             <a:endParaRPr lang="en-GB" dirty="0"/>
           </a:p>
@@ -1642,7 +1810,7 @@
           <a:p>
             <a:fld id="{1C2A38D2-D57A-4E64-B95F-0826012D069A}" type="datetimeFigureOut">
               <a:rPr lang="en-GB" smtClean="0"/>
-              <a:t>19/10/2021</a:t>
+              <a:t>20/10/2021</a:t>
             </a:fld>
             <a:endParaRPr lang="en-GB" dirty="0"/>
           </a:p>
@@ -1684,7 +1852,7 @@
           <a:p>
             <a:fld id="{9D7F7A4F-C86B-4E97-8396-79EF10BBD040}" type="slidenum">
               <a:rPr lang="en-GB" smtClean="0"/>
-              <a:t>‹#›</a:t>
+              <a:t>‹N°›</a:t>
             </a:fld>
             <a:endParaRPr lang="en-GB" dirty="0"/>
           </a:p>
@@ -1760,7 +1928,7 @@
           <a:p>
             <a:fld id="{1C2A38D2-D57A-4E64-B95F-0826012D069A}" type="datetimeFigureOut">
               <a:rPr lang="en-GB" smtClean="0"/>
-              <a:t>19/10/2021</a:t>
+              <a:t>20/10/2021</a:t>
             </a:fld>
             <a:endParaRPr lang="en-GB" dirty="0"/>
           </a:p>
@@ -1802,7 +1970,7 @@
           <a:p>
             <a:fld id="{9D7F7A4F-C86B-4E97-8396-79EF10BBD040}" type="slidenum">
               <a:rPr lang="en-GB" smtClean="0"/>
-              <a:t>‹#›</a:t>
+              <a:t>‹N°›</a:t>
             </a:fld>
             <a:endParaRPr lang="en-GB" dirty="0"/>
           </a:p>
@@ -1855,7 +2023,7 @@
           <a:p>
             <a:fld id="{1C2A38D2-D57A-4E64-B95F-0826012D069A}" type="datetimeFigureOut">
               <a:rPr lang="en-GB" smtClean="0"/>
-              <a:t>19/10/2021</a:t>
+              <a:t>20/10/2021</a:t>
             </a:fld>
             <a:endParaRPr lang="en-GB" dirty="0"/>
           </a:p>
@@ -1897,7 +2065,7 @@
           <a:p>
             <a:fld id="{9D7F7A4F-C86B-4E97-8396-79EF10BBD040}" type="slidenum">
               <a:rPr lang="en-GB" smtClean="0"/>
-              <a:t>‹#›</a:t>
+              <a:t>‹N°›</a:t>
             </a:fld>
             <a:endParaRPr lang="en-GB" dirty="0"/>
           </a:p>
@@ -2132,7 +2300,7 @@
           <a:p>
             <a:fld id="{1C2A38D2-D57A-4E64-B95F-0826012D069A}" type="datetimeFigureOut">
               <a:rPr lang="en-GB" smtClean="0"/>
-              <a:t>19/10/2021</a:t>
+              <a:t>20/10/2021</a:t>
             </a:fld>
             <a:endParaRPr lang="en-GB" dirty="0"/>
           </a:p>
@@ -2174,7 +2342,7 @@
           <a:p>
             <a:fld id="{9D7F7A4F-C86B-4E97-8396-79EF10BBD040}" type="slidenum">
               <a:rPr lang="en-GB" smtClean="0"/>
-              <a:t>‹#›</a:t>
+              <a:t>‹N°›</a:t>
             </a:fld>
             <a:endParaRPr lang="en-GB" dirty="0"/>
           </a:p>
@@ -2385,7 +2553,7 @@
           <a:p>
             <a:fld id="{1C2A38D2-D57A-4E64-B95F-0826012D069A}" type="datetimeFigureOut">
               <a:rPr lang="en-GB" smtClean="0"/>
-              <a:t>19/10/2021</a:t>
+              <a:t>20/10/2021</a:t>
             </a:fld>
             <a:endParaRPr lang="en-GB" dirty="0"/>
           </a:p>
@@ -2427,7 +2595,7 @@
           <a:p>
             <a:fld id="{9D7F7A4F-C86B-4E97-8396-79EF10BBD040}" type="slidenum">
               <a:rPr lang="en-GB" smtClean="0"/>
-              <a:t>‹#›</a:t>
+              <a:t>‹N°›</a:t>
             </a:fld>
             <a:endParaRPr lang="en-GB" dirty="0"/>
           </a:p>
@@ -2598,7 +2766,7 @@
           <a:p>
             <a:fld id="{1C2A38D2-D57A-4E64-B95F-0826012D069A}" type="datetimeFigureOut">
               <a:rPr lang="en-GB" smtClean="0"/>
-              <a:t>19/10/2021</a:t>
+              <a:t>20/10/2021</a:t>
             </a:fld>
             <a:endParaRPr lang="en-GB" dirty="0"/>
           </a:p>
@@ -2676,7 +2844,7 @@
           <a:p>
             <a:fld id="{9D7F7A4F-C86B-4E97-8396-79EF10BBD040}" type="slidenum">
               <a:rPr lang="en-GB" smtClean="0"/>
-              <a:t>‹#›</a:t>
+              <a:t>‹N°›</a:t>
             </a:fld>
             <a:endParaRPr lang="en-GB" dirty="0"/>
           </a:p>
@@ -4537,7 +4705,7 @@
         </p:nvSpPr>
         <p:spPr>
           <a:xfrm>
-            <a:off x="3099106" y="350357"/>
+            <a:off x="3099106" y="366983"/>
             <a:ext cx="5993789" cy="461665"/>
           </a:xfrm>
           <a:prstGeom prst="rect">
@@ -4792,6 +4960,214 @@
           </a:prstGeom>
         </p:spPr>
       </p:pic>
+      <p:grpSp>
+        <p:nvGrpSpPr>
+          <p:cNvPr id="8" name="Groupe 7"/>
+          <p:cNvGrpSpPr/>
+          <p:nvPr/>
+        </p:nvGrpSpPr>
+        <p:grpSpPr>
+          <a:xfrm>
+            <a:off x="4819152" y="3429000"/>
+            <a:ext cx="2553693" cy="2475203"/>
+            <a:chOff x="4807226" y="3724111"/>
+            <a:chExt cx="2553693" cy="2475203"/>
+          </a:xfrm>
+        </p:grpSpPr>
+        <p:grpSp>
+          <p:nvGrpSpPr>
+            <p:cNvPr id="10" name="Groupe 9"/>
+            <p:cNvGrpSpPr/>
+            <p:nvPr/>
+          </p:nvGrpSpPr>
+          <p:grpSpPr>
+            <a:xfrm>
+              <a:off x="4807226" y="3724111"/>
+              <a:ext cx="2553693" cy="2475203"/>
+              <a:chOff x="4807226" y="3724111"/>
+              <a:chExt cx="2553693" cy="2475203"/>
+            </a:xfrm>
+          </p:grpSpPr>
+          <p:pic>
+            <p:nvPicPr>
+              <p:cNvPr id="13" name="Picture 1">
+                <a:extLst>
+                  <a:ext uri="{FF2B5EF4-FFF2-40B4-BE49-F238E27FC236}">
+                    <a16:creationId xmlns:a16="http://schemas.microsoft.com/office/drawing/2014/main" id="{88F87B56-3A1F-46ED-B0F7-1E813590C499}"/>
+                  </a:ext>
+                </a:extLst>
+              </p:cNvPr>
+              <p:cNvPicPr>
+                <a:picLocks noChangeAspect="1"/>
+              </p:cNvPicPr>
+              <p:nvPr/>
+            </p:nvPicPr>
+            <p:blipFill rotWithShape="1">
+              <a:blip r:embed="rId3"/>
+              <a:srcRect l="25294" t="16027" r="25294" b="12133"/>
+              <a:stretch/>
+            </p:blipFill>
+            <p:spPr>
+              <a:xfrm>
+                <a:off x="4807226" y="3724111"/>
+                <a:ext cx="2553693" cy="2475203"/>
+              </a:xfrm>
+              <a:prstGeom prst="rect">
+                <a:avLst/>
+              </a:prstGeom>
+            </p:spPr>
+          </p:pic>
+          <p:pic>
+            <p:nvPicPr>
+              <p:cNvPr id="14" name="Picture 1">
+                <a:extLst>
+                  <a:ext uri="{FF2B5EF4-FFF2-40B4-BE49-F238E27FC236}">
+                    <a16:creationId xmlns:a16="http://schemas.microsoft.com/office/drawing/2014/main" id="{88F87B56-3A1F-46ED-B0F7-1E813590C499}"/>
+                  </a:ext>
+                </a:extLst>
+              </p:cNvPr>
+              <p:cNvPicPr>
+                <a:picLocks noChangeAspect="1"/>
+              </p:cNvPicPr>
+              <p:nvPr/>
+            </p:nvPicPr>
+            <p:blipFill rotWithShape="1">
+              <a:blip r:embed="rId3"/>
+              <a:srcRect l="49823" t="69829" r="37838" b="12205"/>
+              <a:stretch/>
+            </p:blipFill>
+            <p:spPr>
+              <a:xfrm>
+                <a:off x="6072272" y="4325560"/>
+                <a:ext cx="637735" cy="618978"/>
+              </a:xfrm>
+              <a:prstGeom prst="rect">
+                <a:avLst/>
+              </a:prstGeom>
+            </p:spPr>
+          </p:pic>
+        </p:grpSp>
+        <p:sp>
+          <p:nvSpPr>
+            <p:cNvPr id="11" name="Rectangle 10"/>
+            <p:cNvSpPr/>
+            <p:nvPr/>
+          </p:nvSpPr>
+          <p:spPr>
+            <a:xfrm>
+              <a:off x="6160294" y="4405464"/>
+              <a:ext cx="469106" cy="464191"/>
+            </a:xfrm>
+            <a:prstGeom prst="rect">
+              <a:avLst/>
+            </a:prstGeom>
+            <a:solidFill>
+              <a:schemeClr val="bg1"/>
+            </a:solidFill>
+            <a:ln>
+              <a:solidFill>
+                <a:schemeClr val="bg1"/>
+              </a:solidFill>
+            </a:ln>
+          </p:spPr>
+          <p:style>
+            <a:lnRef idx="2">
+              <a:schemeClr val="accent1">
+                <a:shade val="50000"/>
+              </a:schemeClr>
+            </a:lnRef>
+            <a:fillRef idx="1">
+              <a:schemeClr val="accent1"/>
+            </a:fillRef>
+            <a:effectRef idx="0">
+              <a:schemeClr val="accent1"/>
+            </a:effectRef>
+            <a:fontRef idx="minor">
+              <a:schemeClr val="lt1"/>
+            </a:fontRef>
+          </p:style>
+          <p:txBody>
+            <a:bodyPr rtlCol="0" anchor="ctr"/>
+            <a:lstStyle/>
+            <a:p>
+              <a:pPr algn="ctr"/>
+              <a:r>
+                <a:rPr lang="en-GB" sz="2800" dirty="0" smtClean="0">
+                  <a:solidFill>
+                    <a:schemeClr val="tx1"/>
+                  </a:solidFill>
+                </a:rPr>
+                <a:t>1</a:t>
+              </a:r>
+              <a:endParaRPr lang="en-GB" dirty="0">
+                <a:solidFill>
+                  <a:schemeClr val="tx1"/>
+                </a:solidFill>
+              </a:endParaRPr>
+            </a:p>
+          </p:txBody>
+        </p:sp>
+        <p:sp>
+          <p:nvSpPr>
+            <p:cNvPr id="12" name="Rectangle 11"/>
+            <p:cNvSpPr/>
+            <p:nvPr/>
+          </p:nvSpPr>
+          <p:spPr>
+            <a:xfrm>
+              <a:off x="6164899" y="5662764"/>
+              <a:ext cx="469106" cy="464191"/>
+            </a:xfrm>
+            <a:prstGeom prst="rect">
+              <a:avLst/>
+            </a:prstGeom>
+            <a:solidFill>
+              <a:schemeClr val="bg1"/>
+            </a:solidFill>
+            <a:ln>
+              <a:solidFill>
+                <a:schemeClr val="bg1"/>
+              </a:solidFill>
+            </a:ln>
+          </p:spPr>
+          <p:style>
+            <a:lnRef idx="2">
+              <a:schemeClr val="accent1">
+                <a:shade val="50000"/>
+              </a:schemeClr>
+            </a:lnRef>
+            <a:fillRef idx="1">
+              <a:schemeClr val="accent1"/>
+            </a:fillRef>
+            <a:effectRef idx="0">
+              <a:schemeClr val="accent1"/>
+            </a:effectRef>
+            <a:fontRef idx="minor">
+              <a:schemeClr val="lt1"/>
+            </a:fontRef>
+          </p:style>
+          <p:txBody>
+            <a:bodyPr rtlCol="0" anchor="ctr"/>
+            <a:lstStyle/>
+            <a:p>
+              <a:pPr algn="ctr"/>
+              <a:r>
+                <a:rPr lang="en-GB" sz="2800" dirty="0">
+                  <a:solidFill>
+                    <a:schemeClr val="tx1"/>
+                  </a:solidFill>
+                </a:rPr>
+                <a:t>1</a:t>
+              </a:r>
+              <a:endParaRPr lang="en-GB" dirty="0">
+                <a:solidFill>
+                  <a:schemeClr val="tx1"/>
+                </a:solidFill>
+              </a:endParaRPr>
+            </a:p>
+          </p:txBody>
+        </p:sp>
+      </p:grpSp>
     </p:spTree>
     <p:extLst>
       <p:ext uri="{BB962C8B-B14F-4D97-AF65-F5344CB8AC3E}">
@@ -5085,6 +5461,273 @@
           </a:p>
         </p:txBody>
       </p:sp>
+      <p:grpSp>
+        <p:nvGrpSpPr>
+          <p:cNvPr id="3" name="Groupe 2"/>
+          <p:cNvGrpSpPr/>
+          <p:nvPr/>
+        </p:nvGrpSpPr>
+        <p:grpSpPr>
+          <a:xfrm>
+            <a:off x="4823852" y="3418718"/>
+            <a:ext cx="2553693" cy="2475203"/>
+            <a:chOff x="4832165" y="3402092"/>
+            <a:chExt cx="2553693" cy="2475203"/>
+          </a:xfrm>
+        </p:grpSpPr>
+        <p:grpSp>
+          <p:nvGrpSpPr>
+            <p:cNvPr id="7" name="Groupe 6"/>
+            <p:cNvGrpSpPr/>
+            <p:nvPr/>
+          </p:nvGrpSpPr>
+          <p:grpSpPr>
+            <a:xfrm>
+              <a:off x="4832165" y="3402092"/>
+              <a:ext cx="2553693" cy="2475203"/>
+              <a:chOff x="4807226" y="3724111"/>
+              <a:chExt cx="2553693" cy="2475203"/>
+            </a:xfrm>
+          </p:grpSpPr>
+          <p:grpSp>
+            <p:nvGrpSpPr>
+              <p:cNvPr id="8" name="Groupe 7"/>
+              <p:cNvGrpSpPr/>
+              <p:nvPr/>
+            </p:nvGrpSpPr>
+            <p:grpSpPr>
+              <a:xfrm>
+                <a:off x="4807226" y="3724111"/>
+                <a:ext cx="2553693" cy="2475203"/>
+                <a:chOff x="4807226" y="3724111"/>
+                <a:chExt cx="2553693" cy="2475203"/>
+              </a:xfrm>
+            </p:grpSpPr>
+            <p:pic>
+              <p:nvPicPr>
+                <p:cNvPr id="12" name="Picture 1">
+                  <a:extLst>
+                    <a:ext uri="{FF2B5EF4-FFF2-40B4-BE49-F238E27FC236}">
+                      <a16:creationId xmlns:a16="http://schemas.microsoft.com/office/drawing/2014/main" id="{88F87B56-3A1F-46ED-B0F7-1E813590C499}"/>
+                    </a:ext>
+                  </a:extLst>
+                </p:cNvPr>
+                <p:cNvPicPr>
+                  <a:picLocks noChangeAspect="1"/>
+                </p:cNvPicPr>
+                <p:nvPr/>
+              </p:nvPicPr>
+              <p:blipFill rotWithShape="1">
+                <a:blip r:embed="rId3"/>
+                <a:srcRect l="25294" t="16027" r="25294" b="12133"/>
+                <a:stretch/>
+              </p:blipFill>
+              <p:spPr>
+                <a:xfrm>
+                  <a:off x="4807226" y="3724111"/>
+                  <a:ext cx="2553693" cy="2475203"/>
+                </a:xfrm>
+                <a:prstGeom prst="rect">
+                  <a:avLst/>
+                </a:prstGeom>
+              </p:spPr>
+            </p:pic>
+            <p:pic>
+              <p:nvPicPr>
+                <p:cNvPr id="13" name="Picture 1">
+                  <a:extLst>
+                    <a:ext uri="{FF2B5EF4-FFF2-40B4-BE49-F238E27FC236}">
+                      <a16:creationId xmlns:a16="http://schemas.microsoft.com/office/drawing/2014/main" id="{88F87B56-3A1F-46ED-B0F7-1E813590C499}"/>
+                    </a:ext>
+                  </a:extLst>
+                </p:cNvPr>
+                <p:cNvPicPr>
+                  <a:picLocks noChangeAspect="1"/>
+                </p:cNvPicPr>
+                <p:nvPr/>
+              </p:nvPicPr>
+              <p:blipFill rotWithShape="1">
+                <a:blip r:embed="rId3"/>
+                <a:srcRect l="49823" t="69829" r="37838" b="12205"/>
+                <a:stretch/>
+              </p:blipFill>
+              <p:spPr>
+                <a:xfrm>
+                  <a:off x="6072272" y="4325560"/>
+                  <a:ext cx="637735" cy="618978"/>
+                </a:xfrm>
+                <a:prstGeom prst="rect">
+                  <a:avLst/>
+                </a:prstGeom>
+              </p:spPr>
+            </p:pic>
+          </p:grpSp>
+          <p:sp>
+            <p:nvSpPr>
+              <p:cNvPr id="10" name="Rectangle 9"/>
+              <p:cNvSpPr/>
+              <p:nvPr/>
+            </p:nvSpPr>
+            <p:spPr>
+              <a:xfrm>
+                <a:off x="6160294" y="4405464"/>
+                <a:ext cx="469106" cy="464191"/>
+              </a:xfrm>
+              <a:prstGeom prst="rect">
+                <a:avLst/>
+              </a:prstGeom>
+              <a:solidFill>
+                <a:schemeClr val="bg1"/>
+              </a:solidFill>
+              <a:ln>
+                <a:solidFill>
+                  <a:schemeClr val="bg1"/>
+                </a:solidFill>
+              </a:ln>
+            </p:spPr>
+            <p:style>
+              <a:lnRef idx="2">
+                <a:schemeClr val="accent1">
+                  <a:shade val="50000"/>
+                </a:schemeClr>
+              </a:lnRef>
+              <a:fillRef idx="1">
+                <a:schemeClr val="accent1"/>
+              </a:fillRef>
+              <a:effectRef idx="0">
+                <a:schemeClr val="accent1"/>
+              </a:effectRef>
+              <a:fontRef idx="minor">
+                <a:schemeClr val="lt1"/>
+              </a:fontRef>
+            </p:style>
+            <p:txBody>
+              <a:bodyPr rtlCol="0" anchor="ctr"/>
+              <a:lstStyle/>
+              <a:p>
+                <a:pPr algn="ctr"/>
+                <a:endParaRPr lang="en-GB" dirty="0">
+                  <a:solidFill>
+                    <a:schemeClr val="tx1"/>
+                  </a:solidFill>
+                </a:endParaRPr>
+              </a:p>
+            </p:txBody>
+          </p:sp>
+          <p:sp>
+            <p:nvSpPr>
+              <p:cNvPr id="11" name="Rectangle 10"/>
+              <p:cNvSpPr/>
+              <p:nvPr/>
+            </p:nvSpPr>
+            <p:spPr>
+              <a:xfrm>
+                <a:off x="6156586" y="5662764"/>
+                <a:ext cx="469106" cy="464191"/>
+              </a:xfrm>
+              <a:prstGeom prst="rect">
+                <a:avLst/>
+              </a:prstGeom>
+              <a:solidFill>
+                <a:schemeClr val="bg1"/>
+              </a:solidFill>
+              <a:ln>
+                <a:solidFill>
+                  <a:schemeClr val="bg1"/>
+                </a:solidFill>
+              </a:ln>
+            </p:spPr>
+            <p:style>
+              <a:lnRef idx="2">
+                <a:schemeClr val="accent1">
+                  <a:shade val="50000"/>
+                </a:schemeClr>
+              </a:lnRef>
+              <a:fillRef idx="1">
+                <a:schemeClr val="accent1"/>
+              </a:fillRef>
+              <a:effectRef idx="0">
+                <a:schemeClr val="accent1"/>
+              </a:effectRef>
+              <a:fontRef idx="minor">
+                <a:schemeClr val="lt1"/>
+              </a:fontRef>
+            </p:style>
+            <p:txBody>
+              <a:bodyPr rtlCol="0" anchor="ctr"/>
+              <a:lstStyle/>
+              <a:p>
+                <a:pPr algn="ctr"/>
+                <a:endParaRPr lang="en-GB" dirty="0">
+                  <a:solidFill>
+                    <a:schemeClr val="tx1"/>
+                  </a:solidFill>
+                </a:endParaRPr>
+              </a:p>
+            </p:txBody>
+          </p:sp>
+        </p:grpSp>
+        <p:sp>
+          <p:nvSpPr>
+            <p:cNvPr id="2" name="ZoneTexte 1"/>
+            <p:cNvSpPr txBox="1"/>
+            <p:nvPr/>
+          </p:nvSpPr>
+          <p:spPr>
+            <a:xfrm>
+              <a:off x="5619405" y="3427022"/>
+              <a:ext cx="367408" cy="523220"/>
+            </a:xfrm>
+            <a:prstGeom prst="rect">
+              <a:avLst/>
+            </a:prstGeom>
+            <a:noFill/>
+          </p:spPr>
+          <p:txBody>
+            <a:bodyPr wrap="none" rtlCol="0">
+              <a:spAutoFit/>
+            </a:bodyPr>
+            <a:lstStyle/>
+            <a:p>
+              <a:r>
+                <a:rPr lang="en-GB" sz="2800" dirty="0" smtClean="0"/>
+                <a:t>2</a:t>
+              </a:r>
+              <a:endParaRPr lang="en-GB" dirty="0"/>
+            </a:p>
+          </p:txBody>
+        </p:sp>
+        <p:sp>
+          <p:nvSpPr>
+            <p:cNvPr id="15" name="ZoneTexte 14"/>
+            <p:cNvSpPr txBox="1"/>
+            <p:nvPr/>
+          </p:nvSpPr>
+          <p:spPr>
+            <a:xfrm>
+              <a:off x="6860772" y="5300157"/>
+              <a:ext cx="367408" cy="523220"/>
+            </a:xfrm>
+            <a:prstGeom prst="rect">
+              <a:avLst/>
+            </a:prstGeom>
+            <a:noFill/>
+          </p:spPr>
+          <p:txBody>
+            <a:bodyPr wrap="none" rtlCol="0">
+              <a:spAutoFit/>
+            </a:bodyPr>
+            <a:lstStyle/>
+            <a:p>
+              <a:r>
+                <a:rPr lang="en-GB" sz="2800" dirty="0" smtClean="0"/>
+                <a:t>2</a:t>
+              </a:r>
+              <a:endParaRPr lang="en-GB" dirty="0"/>
+            </a:p>
+          </p:txBody>
+        </p:sp>
+      </p:grpSp>
     </p:spTree>
     <p:extLst>
       <p:ext uri="{BB962C8B-B14F-4D97-AF65-F5344CB8AC3E}">
@@ -5378,6 +6021,299 @@
           </a:p>
         </p:txBody>
       </p:sp>
+      <p:grpSp>
+        <p:nvGrpSpPr>
+          <p:cNvPr id="8" name="Groupe 7"/>
+          <p:cNvGrpSpPr/>
+          <p:nvPr/>
+        </p:nvGrpSpPr>
+        <p:grpSpPr>
+          <a:xfrm>
+            <a:off x="4819152" y="3429000"/>
+            <a:ext cx="2553693" cy="2475203"/>
+            <a:chOff x="4832165" y="3402092"/>
+            <a:chExt cx="2553693" cy="2475203"/>
+          </a:xfrm>
+        </p:grpSpPr>
+        <p:grpSp>
+          <p:nvGrpSpPr>
+            <p:cNvPr id="10" name="Groupe 9"/>
+            <p:cNvGrpSpPr/>
+            <p:nvPr/>
+          </p:nvGrpSpPr>
+          <p:grpSpPr>
+            <a:xfrm>
+              <a:off x="4832165" y="3402092"/>
+              <a:ext cx="2553693" cy="2475203"/>
+              <a:chOff x="4807226" y="3724111"/>
+              <a:chExt cx="2553693" cy="2475203"/>
+            </a:xfrm>
+          </p:grpSpPr>
+          <p:grpSp>
+            <p:nvGrpSpPr>
+              <p:cNvPr id="14" name="Groupe 13"/>
+              <p:cNvGrpSpPr/>
+              <p:nvPr/>
+            </p:nvGrpSpPr>
+            <p:grpSpPr>
+              <a:xfrm>
+                <a:off x="4807226" y="3724111"/>
+                <a:ext cx="2553693" cy="2475203"/>
+                <a:chOff x="4807226" y="3724111"/>
+                <a:chExt cx="2553693" cy="2475203"/>
+              </a:xfrm>
+            </p:grpSpPr>
+            <p:pic>
+              <p:nvPicPr>
+                <p:cNvPr id="17" name="Picture 1">
+                  <a:extLst>
+                    <a:ext uri="{FF2B5EF4-FFF2-40B4-BE49-F238E27FC236}">
+                      <a16:creationId xmlns:a16="http://schemas.microsoft.com/office/drawing/2014/main" id="{88F87B56-3A1F-46ED-B0F7-1E813590C499}"/>
+                    </a:ext>
+                  </a:extLst>
+                </p:cNvPr>
+                <p:cNvPicPr>
+                  <a:picLocks noChangeAspect="1"/>
+                </p:cNvPicPr>
+                <p:nvPr/>
+              </p:nvPicPr>
+              <p:blipFill rotWithShape="1">
+                <a:blip r:embed="rId3"/>
+                <a:srcRect l="25294" t="16027" r="25294" b="12133"/>
+                <a:stretch/>
+              </p:blipFill>
+              <p:spPr>
+                <a:xfrm>
+                  <a:off x="4807226" y="3724111"/>
+                  <a:ext cx="2553693" cy="2475203"/>
+                </a:xfrm>
+                <a:prstGeom prst="rect">
+                  <a:avLst/>
+                </a:prstGeom>
+              </p:spPr>
+            </p:pic>
+            <p:pic>
+              <p:nvPicPr>
+                <p:cNvPr id="18" name="Picture 1">
+                  <a:extLst>
+                    <a:ext uri="{FF2B5EF4-FFF2-40B4-BE49-F238E27FC236}">
+                      <a16:creationId xmlns:a16="http://schemas.microsoft.com/office/drawing/2014/main" id="{88F87B56-3A1F-46ED-B0F7-1E813590C499}"/>
+                    </a:ext>
+                  </a:extLst>
+                </p:cNvPr>
+                <p:cNvPicPr>
+                  <a:picLocks noChangeAspect="1"/>
+                </p:cNvPicPr>
+                <p:nvPr/>
+              </p:nvPicPr>
+              <p:blipFill rotWithShape="1">
+                <a:blip r:embed="rId3"/>
+                <a:srcRect l="49823" t="69829" r="37838" b="12205"/>
+                <a:stretch/>
+              </p:blipFill>
+              <p:spPr>
+                <a:xfrm>
+                  <a:off x="6072272" y="4325560"/>
+                  <a:ext cx="637735" cy="618978"/>
+                </a:xfrm>
+                <a:prstGeom prst="rect">
+                  <a:avLst/>
+                </a:prstGeom>
+              </p:spPr>
+            </p:pic>
+          </p:grpSp>
+          <p:sp>
+            <p:nvSpPr>
+              <p:cNvPr id="15" name="Rectangle 14"/>
+              <p:cNvSpPr/>
+              <p:nvPr/>
+            </p:nvSpPr>
+            <p:spPr>
+              <a:xfrm>
+                <a:off x="6160294" y="4405464"/>
+                <a:ext cx="469106" cy="464191"/>
+              </a:xfrm>
+              <a:prstGeom prst="rect">
+                <a:avLst/>
+              </a:prstGeom>
+              <a:solidFill>
+                <a:schemeClr val="bg1"/>
+              </a:solidFill>
+              <a:ln>
+                <a:solidFill>
+                  <a:schemeClr val="bg1"/>
+                </a:solidFill>
+              </a:ln>
+            </p:spPr>
+            <p:style>
+              <a:lnRef idx="2">
+                <a:schemeClr val="accent1">
+                  <a:shade val="50000"/>
+                </a:schemeClr>
+              </a:lnRef>
+              <a:fillRef idx="1">
+                <a:schemeClr val="accent1"/>
+              </a:fillRef>
+              <a:effectRef idx="0">
+                <a:schemeClr val="accent1"/>
+              </a:effectRef>
+              <a:fontRef idx="minor">
+                <a:schemeClr val="lt1"/>
+              </a:fontRef>
+            </p:style>
+            <p:txBody>
+              <a:bodyPr rtlCol="0" anchor="ctr"/>
+              <a:lstStyle/>
+              <a:p>
+                <a:pPr algn="ctr"/>
+                <a:endParaRPr lang="en-GB" dirty="0">
+                  <a:solidFill>
+                    <a:schemeClr val="tx1"/>
+                  </a:solidFill>
+                </a:endParaRPr>
+              </a:p>
+            </p:txBody>
+          </p:sp>
+          <p:sp>
+            <p:nvSpPr>
+              <p:cNvPr id="16" name="Rectangle 15"/>
+              <p:cNvSpPr/>
+              <p:nvPr/>
+            </p:nvSpPr>
+            <p:spPr>
+              <a:xfrm>
+                <a:off x="6164899" y="5654451"/>
+                <a:ext cx="469106" cy="464191"/>
+              </a:xfrm>
+              <a:prstGeom prst="rect">
+                <a:avLst/>
+              </a:prstGeom>
+              <a:solidFill>
+                <a:schemeClr val="bg1"/>
+              </a:solidFill>
+              <a:ln>
+                <a:solidFill>
+                  <a:schemeClr val="bg1"/>
+                </a:solidFill>
+              </a:ln>
+            </p:spPr>
+            <p:style>
+              <a:lnRef idx="2">
+                <a:schemeClr val="accent1">
+                  <a:shade val="50000"/>
+                </a:schemeClr>
+              </a:lnRef>
+              <a:fillRef idx="1">
+                <a:schemeClr val="accent1"/>
+              </a:fillRef>
+              <a:effectRef idx="0">
+                <a:schemeClr val="accent1"/>
+              </a:effectRef>
+              <a:fontRef idx="minor">
+                <a:schemeClr val="lt1"/>
+              </a:fontRef>
+            </p:style>
+            <p:txBody>
+              <a:bodyPr rtlCol="0" anchor="ctr"/>
+              <a:lstStyle/>
+              <a:p>
+                <a:pPr algn="ctr"/>
+                <a:endParaRPr lang="en-GB" dirty="0">
+                  <a:solidFill>
+                    <a:schemeClr val="tx1"/>
+                  </a:solidFill>
+                </a:endParaRPr>
+              </a:p>
+            </p:txBody>
+          </p:sp>
+        </p:grpSp>
+        <p:sp>
+          <p:nvSpPr>
+            <p:cNvPr id="11" name="ZoneTexte 10"/>
+            <p:cNvSpPr txBox="1"/>
+            <p:nvPr/>
+          </p:nvSpPr>
+          <p:spPr>
+            <a:xfrm>
+              <a:off x="5619405" y="3427022"/>
+              <a:ext cx="184731" cy="369332"/>
+            </a:xfrm>
+            <a:prstGeom prst="rect">
+              <a:avLst/>
+            </a:prstGeom>
+            <a:noFill/>
+          </p:spPr>
+          <p:txBody>
+            <a:bodyPr wrap="none" rtlCol="0">
+              <a:spAutoFit/>
+            </a:bodyPr>
+            <a:lstStyle/>
+            <a:p>
+              <a:endParaRPr lang="en-GB" dirty="0"/>
+            </a:p>
+          </p:txBody>
+        </p:sp>
+      </p:grpSp>
+      <p:sp>
+        <p:nvSpPr>
+          <p:cNvPr id="2" name="ZoneTexte 1"/>
+          <p:cNvSpPr txBox="1"/>
+          <p:nvPr/>
+        </p:nvSpPr>
+        <p:spPr>
+          <a:xfrm>
+            <a:off x="6252222" y="4738129"/>
+            <a:ext cx="340158" cy="461665"/>
+          </a:xfrm>
+          <a:prstGeom prst="rect">
+            <a:avLst/>
+          </a:prstGeom>
+          <a:noFill/>
+        </p:spPr>
+        <p:txBody>
+          <a:bodyPr wrap="none" rtlCol="0">
+            <a:spAutoFit/>
+          </a:bodyPr>
+          <a:lstStyle/>
+          <a:p>
+            <a:r>
+              <a:rPr lang="en-GB" sz="2400" dirty="0" smtClean="0"/>
+              <a:t>3</a:t>
+            </a:r>
+            <a:endParaRPr lang="en-GB" sz="2400" dirty="0"/>
+          </a:p>
+        </p:txBody>
+      </p:sp>
+      <p:sp>
+        <p:nvSpPr>
+          <p:cNvPr id="19" name="ZoneTexte 18"/>
+          <p:cNvSpPr txBox="1"/>
+          <p:nvPr/>
+        </p:nvSpPr>
+        <p:spPr>
+          <a:xfrm>
+            <a:off x="4987752" y="5361866"/>
+            <a:ext cx="340158" cy="461665"/>
+          </a:xfrm>
+          <a:prstGeom prst="rect">
+            <a:avLst/>
+          </a:prstGeom>
+          <a:noFill/>
+        </p:spPr>
+        <p:txBody>
+          <a:bodyPr wrap="none" rtlCol="0">
+            <a:spAutoFit/>
+          </a:bodyPr>
+          <a:lstStyle/>
+          <a:p>
+            <a:r>
+              <a:rPr lang="en-GB" sz="2400" dirty="0" smtClean="0"/>
+              <a:t>3</a:t>
+            </a:r>
+            <a:endParaRPr lang="en-GB" sz="2400" dirty="0"/>
+          </a:p>
+        </p:txBody>
+      </p:sp>
     </p:spTree>
     <p:extLst>
       <p:ext uri="{BB962C8B-B14F-4D97-AF65-F5344CB8AC3E}">
@@ -5671,6 +6607,298 @@
           </a:p>
         </p:txBody>
       </p:sp>
+      <p:grpSp>
+        <p:nvGrpSpPr>
+          <p:cNvPr id="19" name="Groupe 18"/>
+          <p:cNvGrpSpPr/>
+          <p:nvPr/>
+        </p:nvGrpSpPr>
+        <p:grpSpPr>
+          <a:xfrm>
+            <a:off x="4819152" y="3429000"/>
+            <a:ext cx="2553693" cy="2475203"/>
+            <a:chOff x="4832165" y="3402092"/>
+            <a:chExt cx="2553693" cy="2475203"/>
+          </a:xfrm>
+        </p:grpSpPr>
+        <p:grpSp>
+          <p:nvGrpSpPr>
+            <p:cNvPr id="20" name="Groupe 19"/>
+            <p:cNvGrpSpPr/>
+            <p:nvPr/>
+          </p:nvGrpSpPr>
+          <p:grpSpPr>
+            <a:xfrm>
+              <a:off x="4832165" y="3402092"/>
+              <a:ext cx="2553693" cy="2475203"/>
+              <a:chOff x="4807226" y="3724111"/>
+              <a:chExt cx="2553693" cy="2475203"/>
+            </a:xfrm>
+          </p:grpSpPr>
+          <p:grpSp>
+            <p:nvGrpSpPr>
+              <p:cNvPr id="22" name="Groupe 21"/>
+              <p:cNvGrpSpPr/>
+              <p:nvPr/>
+            </p:nvGrpSpPr>
+            <p:grpSpPr>
+              <a:xfrm>
+                <a:off x="4807226" y="3724111"/>
+                <a:ext cx="2553693" cy="2475203"/>
+                <a:chOff x="4807226" y="3724111"/>
+                <a:chExt cx="2553693" cy="2475203"/>
+              </a:xfrm>
+            </p:grpSpPr>
+            <p:pic>
+              <p:nvPicPr>
+                <p:cNvPr id="25" name="Picture 1">
+                  <a:extLst>
+                    <a:ext uri="{FF2B5EF4-FFF2-40B4-BE49-F238E27FC236}">
+                      <a16:creationId xmlns:a16="http://schemas.microsoft.com/office/drawing/2014/main" id="{88F87B56-3A1F-46ED-B0F7-1E813590C499}"/>
+                    </a:ext>
+                  </a:extLst>
+                </p:cNvPr>
+                <p:cNvPicPr>
+                  <a:picLocks noChangeAspect="1"/>
+                </p:cNvPicPr>
+                <p:nvPr/>
+              </p:nvPicPr>
+              <p:blipFill rotWithShape="1">
+                <a:blip r:embed="rId3"/>
+                <a:srcRect l="25294" t="16027" r="25294" b="12133"/>
+                <a:stretch/>
+              </p:blipFill>
+              <p:spPr>
+                <a:xfrm>
+                  <a:off x="4807226" y="3724111"/>
+                  <a:ext cx="2553693" cy="2475203"/>
+                </a:xfrm>
+                <a:prstGeom prst="rect">
+                  <a:avLst/>
+                </a:prstGeom>
+              </p:spPr>
+            </p:pic>
+            <p:pic>
+              <p:nvPicPr>
+                <p:cNvPr id="26" name="Picture 1">
+                  <a:extLst>
+                    <a:ext uri="{FF2B5EF4-FFF2-40B4-BE49-F238E27FC236}">
+                      <a16:creationId xmlns:a16="http://schemas.microsoft.com/office/drawing/2014/main" id="{88F87B56-3A1F-46ED-B0F7-1E813590C499}"/>
+                    </a:ext>
+                  </a:extLst>
+                </p:cNvPr>
+                <p:cNvPicPr>
+                  <a:picLocks noChangeAspect="1"/>
+                </p:cNvPicPr>
+                <p:nvPr/>
+              </p:nvPicPr>
+              <p:blipFill rotWithShape="1">
+                <a:blip r:embed="rId3"/>
+                <a:srcRect l="49823" t="69829" r="37838" b="12205"/>
+                <a:stretch/>
+              </p:blipFill>
+              <p:spPr>
+                <a:xfrm>
+                  <a:off x="6072272" y="4325560"/>
+                  <a:ext cx="637735" cy="618978"/>
+                </a:xfrm>
+                <a:prstGeom prst="rect">
+                  <a:avLst/>
+                </a:prstGeom>
+              </p:spPr>
+            </p:pic>
+          </p:grpSp>
+          <p:sp>
+            <p:nvSpPr>
+              <p:cNvPr id="23" name="Rectangle 22"/>
+              <p:cNvSpPr/>
+              <p:nvPr/>
+            </p:nvSpPr>
+            <p:spPr>
+              <a:xfrm>
+                <a:off x="6160294" y="4405464"/>
+                <a:ext cx="469106" cy="464191"/>
+              </a:xfrm>
+              <a:prstGeom prst="rect">
+                <a:avLst/>
+              </a:prstGeom>
+              <a:solidFill>
+                <a:schemeClr val="bg1"/>
+              </a:solidFill>
+              <a:ln>
+                <a:solidFill>
+                  <a:schemeClr val="bg1"/>
+                </a:solidFill>
+              </a:ln>
+            </p:spPr>
+            <p:style>
+              <a:lnRef idx="2">
+                <a:schemeClr val="accent1">
+                  <a:shade val="50000"/>
+                </a:schemeClr>
+              </a:lnRef>
+              <a:fillRef idx="1">
+                <a:schemeClr val="accent1"/>
+              </a:fillRef>
+              <a:effectRef idx="0">
+                <a:schemeClr val="accent1"/>
+              </a:effectRef>
+              <a:fontRef idx="minor">
+                <a:schemeClr val="lt1"/>
+              </a:fontRef>
+            </p:style>
+            <p:txBody>
+              <a:bodyPr rtlCol="0" anchor="ctr"/>
+              <a:lstStyle/>
+              <a:p>
+                <a:pPr algn="ctr"/>
+                <a:endParaRPr lang="en-GB" dirty="0">
+                  <a:solidFill>
+                    <a:schemeClr val="tx1"/>
+                  </a:solidFill>
+                </a:endParaRPr>
+              </a:p>
+            </p:txBody>
+          </p:sp>
+          <p:sp>
+            <p:nvSpPr>
+              <p:cNvPr id="24" name="Rectangle 23"/>
+              <p:cNvSpPr/>
+              <p:nvPr/>
+            </p:nvSpPr>
+            <p:spPr>
+              <a:xfrm>
+                <a:off x="6164899" y="5654451"/>
+                <a:ext cx="469106" cy="464191"/>
+              </a:xfrm>
+              <a:prstGeom prst="rect">
+                <a:avLst/>
+              </a:prstGeom>
+              <a:solidFill>
+                <a:schemeClr val="bg1"/>
+              </a:solidFill>
+              <a:ln>
+                <a:solidFill>
+                  <a:schemeClr val="bg1"/>
+                </a:solidFill>
+              </a:ln>
+            </p:spPr>
+            <p:style>
+              <a:lnRef idx="2">
+                <a:schemeClr val="accent1">
+                  <a:shade val="50000"/>
+                </a:schemeClr>
+              </a:lnRef>
+              <a:fillRef idx="1">
+                <a:schemeClr val="accent1"/>
+              </a:fillRef>
+              <a:effectRef idx="0">
+                <a:schemeClr val="accent1"/>
+              </a:effectRef>
+              <a:fontRef idx="minor">
+                <a:schemeClr val="lt1"/>
+              </a:fontRef>
+            </p:style>
+            <p:txBody>
+              <a:bodyPr rtlCol="0" anchor="ctr"/>
+              <a:lstStyle/>
+              <a:p>
+                <a:pPr algn="ctr"/>
+                <a:endParaRPr lang="en-GB" dirty="0">
+                  <a:solidFill>
+                    <a:schemeClr val="tx1"/>
+                  </a:solidFill>
+                </a:endParaRPr>
+              </a:p>
+            </p:txBody>
+          </p:sp>
+        </p:grpSp>
+        <p:sp>
+          <p:nvSpPr>
+            <p:cNvPr id="21" name="ZoneTexte 20"/>
+            <p:cNvSpPr txBox="1"/>
+            <p:nvPr/>
+          </p:nvSpPr>
+          <p:spPr>
+            <a:xfrm>
+              <a:off x="5619405" y="3427022"/>
+              <a:ext cx="184731" cy="369332"/>
+            </a:xfrm>
+            <a:prstGeom prst="rect">
+              <a:avLst/>
+            </a:prstGeom>
+            <a:noFill/>
+          </p:spPr>
+          <p:txBody>
+            <a:bodyPr wrap="none" rtlCol="0">
+              <a:spAutoFit/>
+            </a:bodyPr>
+            <a:lstStyle/>
+            <a:p>
+              <a:endParaRPr lang="en-GB" dirty="0"/>
+            </a:p>
+          </p:txBody>
+        </p:sp>
+      </p:grpSp>
+      <p:sp>
+        <p:nvSpPr>
+          <p:cNvPr id="2" name="ZoneTexte 1"/>
+          <p:cNvSpPr txBox="1"/>
+          <p:nvPr/>
+        </p:nvSpPr>
+        <p:spPr>
+          <a:xfrm>
+            <a:off x="6843003" y="3458095"/>
+            <a:ext cx="367408" cy="523220"/>
+          </a:xfrm>
+          <a:prstGeom prst="rect">
+            <a:avLst/>
+          </a:prstGeom>
+          <a:noFill/>
+        </p:spPr>
+        <p:txBody>
+          <a:bodyPr wrap="none" rtlCol="0">
+            <a:spAutoFit/>
+          </a:bodyPr>
+          <a:lstStyle/>
+          <a:p>
+            <a:r>
+              <a:rPr lang="en-GB" sz="2800" dirty="0"/>
+              <a:t>4</a:t>
+            </a:r>
+          </a:p>
+        </p:txBody>
+      </p:sp>
+      <p:sp>
+        <p:nvSpPr>
+          <p:cNvPr id="3" name="ZoneTexte 2"/>
+          <p:cNvSpPr txBox="1"/>
+          <p:nvPr/>
+        </p:nvSpPr>
+        <p:spPr>
+          <a:xfrm>
+            <a:off x="6847957" y="4073931"/>
+            <a:ext cx="367408" cy="523220"/>
+          </a:xfrm>
+          <a:prstGeom prst="rect">
+            <a:avLst/>
+          </a:prstGeom>
+          <a:noFill/>
+        </p:spPr>
+        <p:txBody>
+          <a:bodyPr wrap="none" rtlCol="0">
+            <a:spAutoFit/>
+          </a:bodyPr>
+          <a:lstStyle/>
+          <a:p>
+            <a:r>
+              <a:rPr lang="en-GB" sz="2800" dirty="0" smtClean="0"/>
+              <a:t>4</a:t>
+            </a:r>
+            <a:endParaRPr lang="en-GB" sz="2800" dirty="0"/>
+          </a:p>
+        </p:txBody>
+      </p:sp>
     </p:spTree>
     <p:extLst>
       <p:ext uri="{BB962C8B-B14F-4D97-AF65-F5344CB8AC3E}">
@@ -5964,6 +7192,299 @@
           </a:p>
         </p:txBody>
       </p:sp>
+      <p:grpSp>
+        <p:nvGrpSpPr>
+          <p:cNvPr id="18" name="Groupe 17"/>
+          <p:cNvGrpSpPr/>
+          <p:nvPr/>
+        </p:nvGrpSpPr>
+        <p:grpSpPr>
+          <a:xfrm>
+            <a:off x="4819152" y="3429000"/>
+            <a:ext cx="2553693" cy="2475203"/>
+            <a:chOff x="4832165" y="3402092"/>
+            <a:chExt cx="2553693" cy="2475203"/>
+          </a:xfrm>
+        </p:grpSpPr>
+        <p:grpSp>
+          <p:nvGrpSpPr>
+            <p:cNvPr id="19" name="Groupe 18"/>
+            <p:cNvGrpSpPr/>
+            <p:nvPr/>
+          </p:nvGrpSpPr>
+          <p:grpSpPr>
+            <a:xfrm>
+              <a:off x="4832165" y="3402092"/>
+              <a:ext cx="2553693" cy="2475203"/>
+              <a:chOff x="4807226" y="3724111"/>
+              <a:chExt cx="2553693" cy="2475203"/>
+            </a:xfrm>
+          </p:grpSpPr>
+          <p:grpSp>
+            <p:nvGrpSpPr>
+              <p:cNvPr id="21" name="Groupe 20"/>
+              <p:cNvGrpSpPr/>
+              <p:nvPr/>
+            </p:nvGrpSpPr>
+            <p:grpSpPr>
+              <a:xfrm>
+                <a:off x="4807226" y="3724111"/>
+                <a:ext cx="2553693" cy="2475203"/>
+                <a:chOff x="4807226" y="3724111"/>
+                <a:chExt cx="2553693" cy="2475203"/>
+              </a:xfrm>
+            </p:grpSpPr>
+            <p:pic>
+              <p:nvPicPr>
+                <p:cNvPr id="24" name="Picture 1">
+                  <a:extLst>
+                    <a:ext uri="{FF2B5EF4-FFF2-40B4-BE49-F238E27FC236}">
+                      <a16:creationId xmlns:a16="http://schemas.microsoft.com/office/drawing/2014/main" id="{88F87B56-3A1F-46ED-B0F7-1E813590C499}"/>
+                    </a:ext>
+                  </a:extLst>
+                </p:cNvPr>
+                <p:cNvPicPr>
+                  <a:picLocks noChangeAspect="1"/>
+                </p:cNvPicPr>
+                <p:nvPr/>
+              </p:nvPicPr>
+              <p:blipFill rotWithShape="1">
+                <a:blip r:embed="rId3"/>
+                <a:srcRect l="25294" t="16027" r="25294" b="12133"/>
+                <a:stretch/>
+              </p:blipFill>
+              <p:spPr>
+                <a:xfrm>
+                  <a:off x="4807226" y="3724111"/>
+                  <a:ext cx="2553693" cy="2475203"/>
+                </a:xfrm>
+                <a:prstGeom prst="rect">
+                  <a:avLst/>
+                </a:prstGeom>
+              </p:spPr>
+            </p:pic>
+            <p:pic>
+              <p:nvPicPr>
+                <p:cNvPr id="25" name="Picture 1">
+                  <a:extLst>
+                    <a:ext uri="{FF2B5EF4-FFF2-40B4-BE49-F238E27FC236}">
+                      <a16:creationId xmlns:a16="http://schemas.microsoft.com/office/drawing/2014/main" id="{88F87B56-3A1F-46ED-B0F7-1E813590C499}"/>
+                    </a:ext>
+                  </a:extLst>
+                </p:cNvPr>
+                <p:cNvPicPr>
+                  <a:picLocks noChangeAspect="1"/>
+                </p:cNvPicPr>
+                <p:nvPr/>
+              </p:nvPicPr>
+              <p:blipFill rotWithShape="1">
+                <a:blip r:embed="rId3"/>
+                <a:srcRect l="49823" t="69829" r="37838" b="12205"/>
+                <a:stretch/>
+              </p:blipFill>
+              <p:spPr>
+                <a:xfrm>
+                  <a:off x="6072272" y="4325560"/>
+                  <a:ext cx="637735" cy="618978"/>
+                </a:xfrm>
+                <a:prstGeom prst="rect">
+                  <a:avLst/>
+                </a:prstGeom>
+              </p:spPr>
+            </p:pic>
+          </p:grpSp>
+          <p:sp>
+            <p:nvSpPr>
+              <p:cNvPr id="22" name="Rectangle 21"/>
+              <p:cNvSpPr/>
+              <p:nvPr/>
+            </p:nvSpPr>
+            <p:spPr>
+              <a:xfrm>
+                <a:off x="6160294" y="4405464"/>
+                <a:ext cx="469106" cy="464191"/>
+              </a:xfrm>
+              <a:prstGeom prst="rect">
+                <a:avLst/>
+              </a:prstGeom>
+              <a:solidFill>
+                <a:schemeClr val="bg1"/>
+              </a:solidFill>
+              <a:ln>
+                <a:solidFill>
+                  <a:schemeClr val="bg1"/>
+                </a:solidFill>
+              </a:ln>
+            </p:spPr>
+            <p:style>
+              <a:lnRef idx="2">
+                <a:schemeClr val="accent1">
+                  <a:shade val="50000"/>
+                </a:schemeClr>
+              </a:lnRef>
+              <a:fillRef idx="1">
+                <a:schemeClr val="accent1"/>
+              </a:fillRef>
+              <a:effectRef idx="0">
+                <a:schemeClr val="accent1"/>
+              </a:effectRef>
+              <a:fontRef idx="minor">
+                <a:schemeClr val="lt1"/>
+              </a:fontRef>
+            </p:style>
+            <p:txBody>
+              <a:bodyPr rtlCol="0" anchor="ctr"/>
+              <a:lstStyle/>
+              <a:p>
+                <a:pPr algn="ctr"/>
+                <a:endParaRPr lang="en-GB" dirty="0">
+                  <a:solidFill>
+                    <a:schemeClr val="tx1"/>
+                  </a:solidFill>
+                </a:endParaRPr>
+              </a:p>
+            </p:txBody>
+          </p:sp>
+          <p:sp>
+            <p:nvSpPr>
+              <p:cNvPr id="23" name="Rectangle 22"/>
+              <p:cNvSpPr/>
+              <p:nvPr/>
+            </p:nvSpPr>
+            <p:spPr>
+              <a:xfrm>
+                <a:off x="6164899" y="5654451"/>
+                <a:ext cx="469106" cy="464191"/>
+              </a:xfrm>
+              <a:prstGeom prst="rect">
+                <a:avLst/>
+              </a:prstGeom>
+              <a:solidFill>
+                <a:schemeClr val="bg1"/>
+              </a:solidFill>
+              <a:ln>
+                <a:solidFill>
+                  <a:schemeClr val="bg1"/>
+                </a:solidFill>
+              </a:ln>
+            </p:spPr>
+            <p:style>
+              <a:lnRef idx="2">
+                <a:schemeClr val="accent1">
+                  <a:shade val="50000"/>
+                </a:schemeClr>
+              </a:lnRef>
+              <a:fillRef idx="1">
+                <a:schemeClr val="accent1"/>
+              </a:fillRef>
+              <a:effectRef idx="0">
+                <a:schemeClr val="accent1"/>
+              </a:effectRef>
+              <a:fontRef idx="minor">
+                <a:schemeClr val="lt1"/>
+              </a:fontRef>
+            </p:style>
+            <p:txBody>
+              <a:bodyPr rtlCol="0" anchor="ctr"/>
+              <a:lstStyle/>
+              <a:p>
+                <a:pPr algn="ctr"/>
+                <a:endParaRPr lang="en-GB" dirty="0">
+                  <a:solidFill>
+                    <a:schemeClr val="tx1"/>
+                  </a:solidFill>
+                </a:endParaRPr>
+              </a:p>
+            </p:txBody>
+          </p:sp>
+        </p:grpSp>
+        <p:sp>
+          <p:nvSpPr>
+            <p:cNvPr id="20" name="ZoneTexte 19"/>
+            <p:cNvSpPr txBox="1"/>
+            <p:nvPr/>
+          </p:nvSpPr>
+          <p:spPr>
+            <a:xfrm>
+              <a:off x="5619405" y="3427022"/>
+              <a:ext cx="184731" cy="369332"/>
+            </a:xfrm>
+            <a:prstGeom prst="rect">
+              <a:avLst/>
+            </a:prstGeom>
+            <a:noFill/>
+          </p:spPr>
+          <p:txBody>
+            <a:bodyPr wrap="none" rtlCol="0">
+              <a:spAutoFit/>
+            </a:bodyPr>
+            <a:lstStyle/>
+            <a:p>
+              <a:endParaRPr lang="en-GB" dirty="0"/>
+            </a:p>
+          </p:txBody>
+        </p:sp>
+      </p:grpSp>
+      <p:sp>
+        <p:nvSpPr>
+          <p:cNvPr id="2" name="ZoneTexte 1"/>
+          <p:cNvSpPr txBox="1"/>
+          <p:nvPr/>
+        </p:nvSpPr>
+        <p:spPr>
+          <a:xfrm>
+            <a:off x="4979323" y="3466408"/>
+            <a:ext cx="367408" cy="523220"/>
+          </a:xfrm>
+          <a:prstGeom prst="rect">
+            <a:avLst/>
+          </a:prstGeom>
+          <a:noFill/>
+        </p:spPr>
+        <p:txBody>
+          <a:bodyPr wrap="none" rtlCol="0">
+            <a:spAutoFit/>
+          </a:bodyPr>
+          <a:lstStyle/>
+          <a:p>
+            <a:r>
+              <a:rPr lang="en-GB" sz="2800" dirty="0" smtClean="0"/>
+              <a:t>5</a:t>
+            </a:r>
+            <a:endParaRPr lang="en-GB" sz="2800" dirty="0"/>
+          </a:p>
+        </p:txBody>
+      </p:sp>
+      <p:sp>
+        <p:nvSpPr>
+          <p:cNvPr id="3" name="ZoneTexte 2"/>
+          <p:cNvSpPr txBox="1"/>
+          <p:nvPr/>
+        </p:nvSpPr>
+        <p:spPr>
+          <a:xfrm>
+            <a:off x="5601606" y="5336770"/>
+            <a:ext cx="367408" cy="523220"/>
+          </a:xfrm>
+          <a:prstGeom prst="rect">
+            <a:avLst/>
+          </a:prstGeom>
+          <a:noFill/>
+        </p:spPr>
+        <p:txBody>
+          <a:bodyPr wrap="none" rtlCol="0">
+            <a:spAutoFit/>
+          </a:bodyPr>
+          <a:lstStyle/>
+          <a:p>
+            <a:r>
+              <a:rPr lang="en-GB" sz="2800" dirty="0" smtClean="0"/>
+              <a:t>5</a:t>
+            </a:r>
+            <a:endParaRPr lang="en-GB" sz="2800" dirty="0"/>
+          </a:p>
+        </p:txBody>
+      </p:sp>
     </p:spTree>
     <p:extLst>
       <p:ext uri="{BB962C8B-B14F-4D97-AF65-F5344CB8AC3E}">
@@ -6360,6 +7881,299 @@
           </a:p>
         </p:txBody>
       </p:sp>
+      <p:grpSp>
+        <p:nvGrpSpPr>
+          <p:cNvPr id="7" name="Groupe 6"/>
+          <p:cNvGrpSpPr/>
+          <p:nvPr/>
+        </p:nvGrpSpPr>
+        <p:grpSpPr>
+          <a:xfrm>
+            <a:off x="4819152" y="3429000"/>
+            <a:ext cx="2553693" cy="2475203"/>
+            <a:chOff x="4832165" y="3402092"/>
+            <a:chExt cx="2553693" cy="2475203"/>
+          </a:xfrm>
+        </p:grpSpPr>
+        <p:grpSp>
+          <p:nvGrpSpPr>
+            <p:cNvPr id="8" name="Groupe 7"/>
+            <p:cNvGrpSpPr/>
+            <p:nvPr/>
+          </p:nvGrpSpPr>
+          <p:grpSpPr>
+            <a:xfrm>
+              <a:off x="4832165" y="3402092"/>
+              <a:ext cx="2553693" cy="2475203"/>
+              <a:chOff x="4807226" y="3724111"/>
+              <a:chExt cx="2553693" cy="2475203"/>
+            </a:xfrm>
+          </p:grpSpPr>
+          <p:grpSp>
+            <p:nvGrpSpPr>
+              <p:cNvPr id="11" name="Groupe 10"/>
+              <p:cNvGrpSpPr/>
+              <p:nvPr/>
+            </p:nvGrpSpPr>
+            <p:grpSpPr>
+              <a:xfrm>
+                <a:off x="4807226" y="3724111"/>
+                <a:ext cx="2553693" cy="2475203"/>
+                <a:chOff x="4807226" y="3724111"/>
+                <a:chExt cx="2553693" cy="2475203"/>
+              </a:xfrm>
+            </p:grpSpPr>
+            <p:pic>
+              <p:nvPicPr>
+                <p:cNvPr id="16" name="Picture 1">
+                  <a:extLst>
+                    <a:ext uri="{FF2B5EF4-FFF2-40B4-BE49-F238E27FC236}">
+                      <a16:creationId xmlns:a16="http://schemas.microsoft.com/office/drawing/2014/main" id="{88F87B56-3A1F-46ED-B0F7-1E813590C499}"/>
+                    </a:ext>
+                  </a:extLst>
+                </p:cNvPr>
+                <p:cNvPicPr>
+                  <a:picLocks noChangeAspect="1"/>
+                </p:cNvPicPr>
+                <p:nvPr/>
+              </p:nvPicPr>
+              <p:blipFill rotWithShape="1">
+                <a:blip r:embed="rId3"/>
+                <a:srcRect l="25294" t="16027" r="25294" b="12133"/>
+                <a:stretch/>
+              </p:blipFill>
+              <p:spPr>
+                <a:xfrm>
+                  <a:off x="4807226" y="3724111"/>
+                  <a:ext cx="2553693" cy="2475203"/>
+                </a:xfrm>
+                <a:prstGeom prst="rect">
+                  <a:avLst/>
+                </a:prstGeom>
+              </p:spPr>
+            </p:pic>
+            <p:pic>
+              <p:nvPicPr>
+                <p:cNvPr id="17" name="Picture 1">
+                  <a:extLst>
+                    <a:ext uri="{FF2B5EF4-FFF2-40B4-BE49-F238E27FC236}">
+                      <a16:creationId xmlns:a16="http://schemas.microsoft.com/office/drawing/2014/main" id="{88F87B56-3A1F-46ED-B0F7-1E813590C499}"/>
+                    </a:ext>
+                  </a:extLst>
+                </p:cNvPr>
+                <p:cNvPicPr>
+                  <a:picLocks noChangeAspect="1"/>
+                </p:cNvPicPr>
+                <p:nvPr/>
+              </p:nvPicPr>
+              <p:blipFill rotWithShape="1">
+                <a:blip r:embed="rId3"/>
+                <a:srcRect l="49823" t="69829" r="37838" b="12205"/>
+                <a:stretch/>
+              </p:blipFill>
+              <p:spPr>
+                <a:xfrm>
+                  <a:off x="6072272" y="4325560"/>
+                  <a:ext cx="637735" cy="618978"/>
+                </a:xfrm>
+                <a:prstGeom prst="rect">
+                  <a:avLst/>
+                </a:prstGeom>
+              </p:spPr>
+            </p:pic>
+          </p:grpSp>
+          <p:sp>
+            <p:nvSpPr>
+              <p:cNvPr id="14" name="Rectangle 13"/>
+              <p:cNvSpPr/>
+              <p:nvPr/>
+            </p:nvSpPr>
+            <p:spPr>
+              <a:xfrm>
+                <a:off x="6160294" y="4405464"/>
+                <a:ext cx="469106" cy="464191"/>
+              </a:xfrm>
+              <a:prstGeom prst="rect">
+                <a:avLst/>
+              </a:prstGeom>
+              <a:solidFill>
+                <a:schemeClr val="bg1"/>
+              </a:solidFill>
+              <a:ln>
+                <a:solidFill>
+                  <a:schemeClr val="bg1"/>
+                </a:solidFill>
+              </a:ln>
+            </p:spPr>
+            <p:style>
+              <a:lnRef idx="2">
+                <a:schemeClr val="accent1">
+                  <a:shade val="50000"/>
+                </a:schemeClr>
+              </a:lnRef>
+              <a:fillRef idx="1">
+                <a:schemeClr val="accent1"/>
+              </a:fillRef>
+              <a:effectRef idx="0">
+                <a:schemeClr val="accent1"/>
+              </a:effectRef>
+              <a:fontRef idx="minor">
+                <a:schemeClr val="lt1"/>
+              </a:fontRef>
+            </p:style>
+            <p:txBody>
+              <a:bodyPr rtlCol="0" anchor="ctr"/>
+              <a:lstStyle/>
+              <a:p>
+                <a:pPr algn="ctr"/>
+                <a:endParaRPr lang="en-GB" dirty="0">
+                  <a:solidFill>
+                    <a:schemeClr val="tx1"/>
+                  </a:solidFill>
+                </a:endParaRPr>
+              </a:p>
+            </p:txBody>
+          </p:sp>
+          <p:sp>
+            <p:nvSpPr>
+              <p:cNvPr id="15" name="Rectangle 14"/>
+              <p:cNvSpPr/>
+              <p:nvPr/>
+            </p:nvSpPr>
+            <p:spPr>
+              <a:xfrm>
+                <a:off x="6164899" y="5654451"/>
+                <a:ext cx="469106" cy="464191"/>
+              </a:xfrm>
+              <a:prstGeom prst="rect">
+                <a:avLst/>
+              </a:prstGeom>
+              <a:solidFill>
+                <a:schemeClr val="bg1"/>
+              </a:solidFill>
+              <a:ln>
+                <a:solidFill>
+                  <a:schemeClr val="bg1"/>
+                </a:solidFill>
+              </a:ln>
+            </p:spPr>
+            <p:style>
+              <a:lnRef idx="2">
+                <a:schemeClr val="accent1">
+                  <a:shade val="50000"/>
+                </a:schemeClr>
+              </a:lnRef>
+              <a:fillRef idx="1">
+                <a:schemeClr val="accent1"/>
+              </a:fillRef>
+              <a:effectRef idx="0">
+                <a:schemeClr val="accent1"/>
+              </a:effectRef>
+              <a:fontRef idx="minor">
+                <a:schemeClr val="lt1"/>
+              </a:fontRef>
+            </p:style>
+            <p:txBody>
+              <a:bodyPr rtlCol="0" anchor="ctr"/>
+              <a:lstStyle/>
+              <a:p>
+                <a:pPr algn="ctr"/>
+                <a:endParaRPr lang="en-GB" dirty="0">
+                  <a:solidFill>
+                    <a:schemeClr val="tx1"/>
+                  </a:solidFill>
+                </a:endParaRPr>
+              </a:p>
+            </p:txBody>
+          </p:sp>
+        </p:grpSp>
+        <p:sp>
+          <p:nvSpPr>
+            <p:cNvPr id="10" name="ZoneTexte 9"/>
+            <p:cNvSpPr txBox="1"/>
+            <p:nvPr/>
+          </p:nvSpPr>
+          <p:spPr>
+            <a:xfrm>
+              <a:off x="5619405" y="3427022"/>
+              <a:ext cx="184731" cy="369332"/>
+            </a:xfrm>
+            <a:prstGeom prst="rect">
+              <a:avLst/>
+            </a:prstGeom>
+            <a:noFill/>
+          </p:spPr>
+          <p:txBody>
+            <a:bodyPr wrap="none" rtlCol="0">
+              <a:spAutoFit/>
+            </a:bodyPr>
+            <a:lstStyle/>
+            <a:p>
+              <a:endParaRPr lang="en-GB" dirty="0"/>
+            </a:p>
+          </p:txBody>
+        </p:sp>
+      </p:grpSp>
+      <p:sp>
+        <p:nvSpPr>
+          <p:cNvPr id="2" name="ZoneTexte 1"/>
+          <p:cNvSpPr txBox="1"/>
+          <p:nvPr/>
+        </p:nvSpPr>
+        <p:spPr>
+          <a:xfrm>
+            <a:off x="4962698" y="4713317"/>
+            <a:ext cx="367408" cy="523220"/>
+          </a:xfrm>
+          <a:prstGeom prst="rect">
+            <a:avLst/>
+          </a:prstGeom>
+          <a:noFill/>
+        </p:spPr>
+        <p:txBody>
+          <a:bodyPr wrap="none" rtlCol="0">
+            <a:spAutoFit/>
+          </a:bodyPr>
+          <a:lstStyle/>
+          <a:p>
+            <a:r>
+              <a:rPr lang="en-GB" sz="2800" dirty="0" smtClean="0"/>
+              <a:t>6</a:t>
+            </a:r>
+            <a:endParaRPr lang="en-GB" sz="2800" dirty="0"/>
+          </a:p>
+        </p:txBody>
+      </p:sp>
+      <p:sp>
+        <p:nvSpPr>
+          <p:cNvPr id="3" name="ZoneTexte 2"/>
+          <p:cNvSpPr txBox="1"/>
+          <p:nvPr/>
+        </p:nvSpPr>
+        <p:spPr>
+          <a:xfrm>
+            <a:off x="5595026" y="4713317"/>
+            <a:ext cx="367408" cy="523220"/>
+          </a:xfrm>
+          <a:prstGeom prst="rect">
+            <a:avLst/>
+          </a:prstGeom>
+          <a:noFill/>
+        </p:spPr>
+        <p:txBody>
+          <a:bodyPr wrap="none" rtlCol="0">
+            <a:spAutoFit/>
+          </a:bodyPr>
+          <a:lstStyle/>
+          <a:p>
+            <a:r>
+              <a:rPr lang="en-GB" sz="2800" dirty="0" smtClean="0"/>
+              <a:t>6</a:t>
+            </a:r>
+            <a:endParaRPr lang="en-GB" dirty="0"/>
+          </a:p>
+        </p:txBody>
+      </p:sp>
     </p:spTree>
     <p:extLst>
       <p:ext uri="{BB962C8B-B14F-4D97-AF65-F5344CB8AC3E}">
@@ -6653,6 +8467,299 @@
           </a:p>
         </p:txBody>
       </p:sp>
+      <p:grpSp>
+        <p:nvGrpSpPr>
+          <p:cNvPr id="7" name="Groupe 6"/>
+          <p:cNvGrpSpPr/>
+          <p:nvPr/>
+        </p:nvGrpSpPr>
+        <p:grpSpPr>
+          <a:xfrm>
+            <a:off x="4819152" y="3429000"/>
+            <a:ext cx="2553693" cy="2475203"/>
+            <a:chOff x="4832165" y="3402092"/>
+            <a:chExt cx="2553693" cy="2475203"/>
+          </a:xfrm>
+        </p:grpSpPr>
+        <p:grpSp>
+          <p:nvGrpSpPr>
+            <p:cNvPr id="8" name="Groupe 7"/>
+            <p:cNvGrpSpPr/>
+            <p:nvPr/>
+          </p:nvGrpSpPr>
+          <p:grpSpPr>
+            <a:xfrm>
+              <a:off x="4832165" y="3402092"/>
+              <a:ext cx="2553693" cy="2475203"/>
+              <a:chOff x="4807226" y="3724111"/>
+              <a:chExt cx="2553693" cy="2475203"/>
+            </a:xfrm>
+          </p:grpSpPr>
+          <p:grpSp>
+            <p:nvGrpSpPr>
+              <p:cNvPr id="11" name="Groupe 10"/>
+              <p:cNvGrpSpPr/>
+              <p:nvPr/>
+            </p:nvGrpSpPr>
+            <p:grpSpPr>
+              <a:xfrm>
+                <a:off x="4807226" y="3724111"/>
+                <a:ext cx="2553693" cy="2475203"/>
+                <a:chOff x="4807226" y="3724111"/>
+                <a:chExt cx="2553693" cy="2475203"/>
+              </a:xfrm>
+            </p:grpSpPr>
+            <p:pic>
+              <p:nvPicPr>
+                <p:cNvPr id="16" name="Picture 1">
+                  <a:extLst>
+                    <a:ext uri="{FF2B5EF4-FFF2-40B4-BE49-F238E27FC236}">
+                      <a16:creationId xmlns:a16="http://schemas.microsoft.com/office/drawing/2014/main" id="{88F87B56-3A1F-46ED-B0F7-1E813590C499}"/>
+                    </a:ext>
+                  </a:extLst>
+                </p:cNvPr>
+                <p:cNvPicPr>
+                  <a:picLocks noChangeAspect="1"/>
+                </p:cNvPicPr>
+                <p:nvPr/>
+              </p:nvPicPr>
+              <p:blipFill rotWithShape="1">
+                <a:blip r:embed="rId3"/>
+                <a:srcRect l="25294" t="16027" r="25294" b="12133"/>
+                <a:stretch/>
+              </p:blipFill>
+              <p:spPr>
+                <a:xfrm>
+                  <a:off x="4807226" y="3724111"/>
+                  <a:ext cx="2553693" cy="2475203"/>
+                </a:xfrm>
+                <a:prstGeom prst="rect">
+                  <a:avLst/>
+                </a:prstGeom>
+              </p:spPr>
+            </p:pic>
+            <p:pic>
+              <p:nvPicPr>
+                <p:cNvPr id="17" name="Picture 1">
+                  <a:extLst>
+                    <a:ext uri="{FF2B5EF4-FFF2-40B4-BE49-F238E27FC236}">
+                      <a16:creationId xmlns:a16="http://schemas.microsoft.com/office/drawing/2014/main" id="{88F87B56-3A1F-46ED-B0F7-1E813590C499}"/>
+                    </a:ext>
+                  </a:extLst>
+                </p:cNvPr>
+                <p:cNvPicPr>
+                  <a:picLocks noChangeAspect="1"/>
+                </p:cNvPicPr>
+                <p:nvPr/>
+              </p:nvPicPr>
+              <p:blipFill rotWithShape="1">
+                <a:blip r:embed="rId3"/>
+                <a:srcRect l="49823" t="69829" r="37838" b="12205"/>
+                <a:stretch/>
+              </p:blipFill>
+              <p:spPr>
+                <a:xfrm>
+                  <a:off x="6072272" y="4325560"/>
+                  <a:ext cx="637735" cy="618978"/>
+                </a:xfrm>
+                <a:prstGeom prst="rect">
+                  <a:avLst/>
+                </a:prstGeom>
+              </p:spPr>
+            </p:pic>
+          </p:grpSp>
+          <p:sp>
+            <p:nvSpPr>
+              <p:cNvPr id="14" name="Rectangle 13"/>
+              <p:cNvSpPr/>
+              <p:nvPr/>
+            </p:nvSpPr>
+            <p:spPr>
+              <a:xfrm>
+                <a:off x="6160294" y="4405464"/>
+                <a:ext cx="469106" cy="464191"/>
+              </a:xfrm>
+              <a:prstGeom prst="rect">
+                <a:avLst/>
+              </a:prstGeom>
+              <a:solidFill>
+                <a:schemeClr val="bg1"/>
+              </a:solidFill>
+              <a:ln>
+                <a:solidFill>
+                  <a:schemeClr val="bg1"/>
+                </a:solidFill>
+              </a:ln>
+            </p:spPr>
+            <p:style>
+              <a:lnRef idx="2">
+                <a:schemeClr val="accent1">
+                  <a:shade val="50000"/>
+                </a:schemeClr>
+              </a:lnRef>
+              <a:fillRef idx="1">
+                <a:schemeClr val="accent1"/>
+              </a:fillRef>
+              <a:effectRef idx="0">
+                <a:schemeClr val="accent1"/>
+              </a:effectRef>
+              <a:fontRef idx="minor">
+                <a:schemeClr val="lt1"/>
+              </a:fontRef>
+            </p:style>
+            <p:txBody>
+              <a:bodyPr rtlCol="0" anchor="ctr"/>
+              <a:lstStyle/>
+              <a:p>
+                <a:pPr algn="ctr"/>
+                <a:endParaRPr lang="en-GB" dirty="0">
+                  <a:solidFill>
+                    <a:schemeClr val="tx1"/>
+                  </a:solidFill>
+                </a:endParaRPr>
+              </a:p>
+            </p:txBody>
+          </p:sp>
+          <p:sp>
+            <p:nvSpPr>
+              <p:cNvPr id="15" name="Rectangle 14"/>
+              <p:cNvSpPr/>
+              <p:nvPr/>
+            </p:nvSpPr>
+            <p:spPr>
+              <a:xfrm>
+                <a:off x="6164899" y="5654451"/>
+                <a:ext cx="469106" cy="464191"/>
+              </a:xfrm>
+              <a:prstGeom prst="rect">
+                <a:avLst/>
+              </a:prstGeom>
+              <a:solidFill>
+                <a:schemeClr val="bg1"/>
+              </a:solidFill>
+              <a:ln>
+                <a:solidFill>
+                  <a:schemeClr val="bg1"/>
+                </a:solidFill>
+              </a:ln>
+            </p:spPr>
+            <p:style>
+              <a:lnRef idx="2">
+                <a:schemeClr val="accent1">
+                  <a:shade val="50000"/>
+                </a:schemeClr>
+              </a:lnRef>
+              <a:fillRef idx="1">
+                <a:schemeClr val="accent1"/>
+              </a:fillRef>
+              <a:effectRef idx="0">
+                <a:schemeClr val="accent1"/>
+              </a:effectRef>
+              <a:fontRef idx="minor">
+                <a:schemeClr val="lt1"/>
+              </a:fontRef>
+            </p:style>
+            <p:txBody>
+              <a:bodyPr rtlCol="0" anchor="ctr"/>
+              <a:lstStyle/>
+              <a:p>
+                <a:pPr algn="ctr"/>
+                <a:endParaRPr lang="en-GB" dirty="0">
+                  <a:solidFill>
+                    <a:schemeClr val="tx1"/>
+                  </a:solidFill>
+                </a:endParaRPr>
+              </a:p>
+            </p:txBody>
+          </p:sp>
+        </p:grpSp>
+        <p:sp>
+          <p:nvSpPr>
+            <p:cNvPr id="10" name="ZoneTexte 9"/>
+            <p:cNvSpPr txBox="1"/>
+            <p:nvPr/>
+          </p:nvSpPr>
+          <p:spPr>
+            <a:xfrm>
+              <a:off x="5619405" y="3427022"/>
+              <a:ext cx="184731" cy="369332"/>
+            </a:xfrm>
+            <a:prstGeom prst="rect">
+              <a:avLst/>
+            </a:prstGeom>
+            <a:noFill/>
+          </p:spPr>
+          <p:txBody>
+            <a:bodyPr wrap="none" rtlCol="0">
+              <a:spAutoFit/>
+            </a:bodyPr>
+            <a:lstStyle/>
+            <a:p>
+              <a:endParaRPr lang="en-GB" dirty="0"/>
+            </a:p>
+          </p:txBody>
+        </p:sp>
+      </p:grpSp>
+      <p:sp>
+        <p:nvSpPr>
+          <p:cNvPr id="2" name="ZoneTexte 1"/>
+          <p:cNvSpPr txBox="1"/>
+          <p:nvPr/>
+        </p:nvSpPr>
+        <p:spPr>
+          <a:xfrm>
+            <a:off x="4988782" y="4086785"/>
+            <a:ext cx="367408" cy="523220"/>
+          </a:xfrm>
+          <a:prstGeom prst="rect">
+            <a:avLst/>
+          </a:prstGeom>
+          <a:noFill/>
+        </p:spPr>
+        <p:txBody>
+          <a:bodyPr wrap="none" rtlCol="0">
+            <a:spAutoFit/>
+          </a:bodyPr>
+          <a:lstStyle/>
+          <a:p>
+            <a:r>
+              <a:rPr lang="en-GB" sz="2800" dirty="0" smtClean="0"/>
+              <a:t>7</a:t>
+            </a:r>
+            <a:endParaRPr lang="en-GB" dirty="0"/>
+          </a:p>
+        </p:txBody>
+      </p:sp>
+      <p:sp>
+        <p:nvSpPr>
+          <p:cNvPr id="3" name="ZoneTexte 2"/>
+          <p:cNvSpPr txBox="1"/>
+          <p:nvPr/>
+        </p:nvSpPr>
+        <p:spPr>
+          <a:xfrm>
+            <a:off x="6858000" y="4721629"/>
+            <a:ext cx="367408" cy="523220"/>
+          </a:xfrm>
+          <a:prstGeom prst="rect">
+            <a:avLst/>
+          </a:prstGeom>
+          <a:noFill/>
+        </p:spPr>
+        <p:txBody>
+          <a:bodyPr wrap="none" rtlCol="0">
+            <a:spAutoFit/>
+          </a:bodyPr>
+          <a:lstStyle/>
+          <a:p>
+            <a:r>
+              <a:rPr lang="en-GB" sz="2800" dirty="0" smtClean="0"/>
+              <a:t>7</a:t>
+            </a:r>
+            <a:endParaRPr lang="en-GB" dirty="0"/>
+          </a:p>
+        </p:txBody>
+      </p:sp>
     </p:spTree>
     <p:extLst>
       <p:ext uri="{BB962C8B-B14F-4D97-AF65-F5344CB8AC3E}">
@@ -6943,6 +9050,299 @@
               <a:rPr lang="en-GB" sz="2400" dirty="0"/>
               <a:t>:</a:t>
             </a:r>
+          </a:p>
+        </p:txBody>
+      </p:sp>
+      <p:grpSp>
+        <p:nvGrpSpPr>
+          <p:cNvPr id="7" name="Groupe 6"/>
+          <p:cNvGrpSpPr/>
+          <p:nvPr/>
+        </p:nvGrpSpPr>
+        <p:grpSpPr>
+          <a:xfrm>
+            <a:off x="4819152" y="3429000"/>
+            <a:ext cx="2553693" cy="2475203"/>
+            <a:chOff x="4832165" y="3402092"/>
+            <a:chExt cx="2553693" cy="2475203"/>
+          </a:xfrm>
+        </p:grpSpPr>
+        <p:grpSp>
+          <p:nvGrpSpPr>
+            <p:cNvPr id="8" name="Groupe 7"/>
+            <p:cNvGrpSpPr/>
+            <p:nvPr/>
+          </p:nvGrpSpPr>
+          <p:grpSpPr>
+            <a:xfrm>
+              <a:off x="4832165" y="3402092"/>
+              <a:ext cx="2553693" cy="2475203"/>
+              <a:chOff x="4807226" y="3724111"/>
+              <a:chExt cx="2553693" cy="2475203"/>
+            </a:xfrm>
+          </p:grpSpPr>
+          <p:grpSp>
+            <p:nvGrpSpPr>
+              <p:cNvPr id="11" name="Groupe 10"/>
+              <p:cNvGrpSpPr/>
+              <p:nvPr/>
+            </p:nvGrpSpPr>
+            <p:grpSpPr>
+              <a:xfrm>
+                <a:off x="4807226" y="3724111"/>
+                <a:ext cx="2553693" cy="2475203"/>
+                <a:chOff x="4807226" y="3724111"/>
+                <a:chExt cx="2553693" cy="2475203"/>
+              </a:xfrm>
+            </p:grpSpPr>
+            <p:pic>
+              <p:nvPicPr>
+                <p:cNvPr id="16" name="Picture 1">
+                  <a:extLst>
+                    <a:ext uri="{FF2B5EF4-FFF2-40B4-BE49-F238E27FC236}">
+                      <a16:creationId xmlns:a16="http://schemas.microsoft.com/office/drawing/2014/main" id="{88F87B56-3A1F-46ED-B0F7-1E813590C499}"/>
+                    </a:ext>
+                  </a:extLst>
+                </p:cNvPr>
+                <p:cNvPicPr>
+                  <a:picLocks noChangeAspect="1"/>
+                </p:cNvPicPr>
+                <p:nvPr/>
+              </p:nvPicPr>
+              <p:blipFill rotWithShape="1">
+                <a:blip r:embed="rId3"/>
+                <a:srcRect l="25294" t="16027" r="25294" b="12133"/>
+                <a:stretch/>
+              </p:blipFill>
+              <p:spPr>
+                <a:xfrm>
+                  <a:off x="4807226" y="3724111"/>
+                  <a:ext cx="2553693" cy="2475203"/>
+                </a:xfrm>
+                <a:prstGeom prst="rect">
+                  <a:avLst/>
+                </a:prstGeom>
+              </p:spPr>
+            </p:pic>
+            <p:pic>
+              <p:nvPicPr>
+                <p:cNvPr id="17" name="Picture 1">
+                  <a:extLst>
+                    <a:ext uri="{FF2B5EF4-FFF2-40B4-BE49-F238E27FC236}">
+                      <a16:creationId xmlns:a16="http://schemas.microsoft.com/office/drawing/2014/main" id="{88F87B56-3A1F-46ED-B0F7-1E813590C499}"/>
+                    </a:ext>
+                  </a:extLst>
+                </p:cNvPr>
+                <p:cNvPicPr>
+                  <a:picLocks noChangeAspect="1"/>
+                </p:cNvPicPr>
+                <p:nvPr/>
+              </p:nvPicPr>
+              <p:blipFill rotWithShape="1">
+                <a:blip r:embed="rId3"/>
+                <a:srcRect l="49823" t="69829" r="37838" b="12205"/>
+                <a:stretch/>
+              </p:blipFill>
+              <p:spPr>
+                <a:xfrm>
+                  <a:off x="6072272" y="4325560"/>
+                  <a:ext cx="637735" cy="618978"/>
+                </a:xfrm>
+                <a:prstGeom prst="rect">
+                  <a:avLst/>
+                </a:prstGeom>
+              </p:spPr>
+            </p:pic>
+          </p:grpSp>
+          <p:sp>
+            <p:nvSpPr>
+              <p:cNvPr id="13" name="Rectangle 12"/>
+              <p:cNvSpPr/>
+              <p:nvPr/>
+            </p:nvSpPr>
+            <p:spPr>
+              <a:xfrm>
+                <a:off x="6160294" y="4405464"/>
+                <a:ext cx="469106" cy="464191"/>
+              </a:xfrm>
+              <a:prstGeom prst="rect">
+                <a:avLst/>
+              </a:prstGeom>
+              <a:solidFill>
+                <a:schemeClr val="bg1"/>
+              </a:solidFill>
+              <a:ln>
+                <a:solidFill>
+                  <a:schemeClr val="bg1"/>
+                </a:solidFill>
+              </a:ln>
+            </p:spPr>
+            <p:style>
+              <a:lnRef idx="2">
+                <a:schemeClr val="accent1">
+                  <a:shade val="50000"/>
+                </a:schemeClr>
+              </a:lnRef>
+              <a:fillRef idx="1">
+                <a:schemeClr val="accent1"/>
+              </a:fillRef>
+              <a:effectRef idx="0">
+                <a:schemeClr val="accent1"/>
+              </a:effectRef>
+              <a:fontRef idx="minor">
+                <a:schemeClr val="lt1"/>
+              </a:fontRef>
+            </p:style>
+            <p:txBody>
+              <a:bodyPr rtlCol="0" anchor="ctr"/>
+              <a:lstStyle/>
+              <a:p>
+                <a:pPr algn="ctr"/>
+                <a:endParaRPr lang="en-GB" dirty="0">
+                  <a:solidFill>
+                    <a:schemeClr val="tx1"/>
+                  </a:solidFill>
+                </a:endParaRPr>
+              </a:p>
+            </p:txBody>
+          </p:sp>
+          <p:sp>
+            <p:nvSpPr>
+              <p:cNvPr id="15" name="Rectangle 14"/>
+              <p:cNvSpPr/>
+              <p:nvPr/>
+            </p:nvSpPr>
+            <p:spPr>
+              <a:xfrm>
+                <a:off x="6164899" y="5654451"/>
+                <a:ext cx="469106" cy="464191"/>
+              </a:xfrm>
+              <a:prstGeom prst="rect">
+                <a:avLst/>
+              </a:prstGeom>
+              <a:solidFill>
+                <a:schemeClr val="bg1"/>
+              </a:solidFill>
+              <a:ln>
+                <a:solidFill>
+                  <a:schemeClr val="bg1"/>
+                </a:solidFill>
+              </a:ln>
+            </p:spPr>
+            <p:style>
+              <a:lnRef idx="2">
+                <a:schemeClr val="accent1">
+                  <a:shade val="50000"/>
+                </a:schemeClr>
+              </a:lnRef>
+              <a:fillRef idx="1">
+                <a:schemeClr val="accent1"/>
+              </a:fillRef>
+              <a:effectRef idx="0">
+                <a:schemeClr val="accent1"/>
+              </a:effectRef>
+              <a:fontRef idx="minor">
+                <a:schemeClr val="lt1"/>
+              </a:fontRef>
+            </p:style>
+            <p:txBody>
+              <a:bodyPr rtlCol="0" anchor="ctr"/>
+              <a:lstStyle/>
+              <a:p>
+                <a:pPr algn="ctr"/>
+                <a:endParaRPr lang="en-GB" dirty="0">
+                  <a:solidFill>
+                    <a:schemeClr val="tx1"/>
+                  </a:solidFill>
+                </a:endParaRPr>
+              </a:p>
+            </p:txBody>
+          </p:sp>
+        </p:grpSp>
+        <p:sp>
+          <p:nvSpPr>
+            <p:cNvPr id="10" name="ZoneTexte 9"/>
+            <p:cNvSpPr txBox="1"/>
+            <p:nvPr/>
+          </p:nvSpPr>
+          <p:spPr>
+            <a:xfrm>
+              <a:off x="5619405" y="3427022"/>
+              <a:ext cx="184731" cy="369332"/>
+            </a:xfrm>
+            <a:prstGeom prst="rect">
+              <a:avLst/>
+            </a:prstGeom>
+            <a:noFill/>
+          </p:spPr>
+          <p:txBody>
+            <a:bodyPr wrap="none" rtlCol="0">
+              <a:spAutoFit/>
+            </a:bodyPr>
+            <a:lstStyle/>
+            <a:p>
+              <a:endParaRPr lang="en-GB" dirty="0"/>
+            </a:p>
+          </p:txBody>
+        </p:sp>
+      </p:grpSp>
+      <p:sp>
+        <p:nvSpPr>
+          <p:cNvPr id="2" name="ZoneTexte 1"/>
+          <p:cNvSpPr txBox="1"/>
+          <p:nvPr/>
+        </p:nvSpPr>
+        <p:spPr>
+          <a:xfrm>
+            <a:off x="6227674" y="3453930"/>
+            <a:ext cx="367408" cy="523220"/>
+          </a:xfrm>
+          <a:prstGeom prst="rect">
+            <a:avLst/>
+          </a:prstGeom>
+          <a:noFill/>
+        </p:spPr>
+        <p:txBody>
+          <a:bodyPr wrap="none" rtlCol="0">
+            <a:spAutoFit/>
+          </a:bodyPr>
+          <a:lstStyle/>
+          <a:p>
+            <a:r>
+              <a:rPr lang="en-GB" sz="2800" dirty="0" smtClean="0"/>
+              <a:t>8</a:t>
+            </a:r>
+            <a:endParaRPr lang="en-GB" dirty="0"/>
+          </a:p>
+        </p:txBody>
+      </p:sp>
+      <p:sp>
+        <p:nvSpPr>
+          <p:cNvPr id="3" name="ZoneTexte 2"/>
+          <p:cNvSpPr txBox="1"/>
+          <p:nvPr/>
+        </p:nvSpPr>
+        <p:spPr>
+          <a:xfrm>
+            <a:off x="5590692" y="4089862"/>
+            <a:ext cx="367408" cy="523220"/>
+          </a:xfrm>
+          <a:prstGeom prst="rect">
+            <a:avLst/>
+          </a:prstGeom>
+          <a:noFill/>
+        </p:spPr>
+        <p:txBody>
+          <a:bodyPr wrap="none" rtlCol="0">
+            <a:spAutoFit/>
+          </a:bodyPr>
+          <a:lstStyle/>
+          <a:p>
+            <a:r>
+              <a:rPr lang="en-GB" sz="2800" dirty="0" smtClean="0"/>
+              <a:t>8</a:t>
+            </a:r>
+            <a:endParaRPr lang="en-GB" dirty="0"/>
           </a:p>
         </p:txBody>
       </p:sp>
@@ -7867,6 +10267,247 @@
           </a:p>
         </p:txBody>
       </p:sp>
+      <p:grpSp>
+        <p:nvGrpSpPr>
+          <p:cNvPr id="7" name="Groupe 6"/>
+          <p:cNvGrpSpPr/>
+          <p:nvPr/>
+        </p:nvGrpSpPr>
+        <p:grpSpPr>
+          <a:xfrm>
+            <a:off x="4785058" y="2477608"/>
+            <a:ext cx="2553693" cy="2475203"/>
+            <a:chOff x="4832165" y="3402092"/>
+            <a:chExt cx="2553693" cy="2475203"/>
+          </a:xfrm>
+        </p:grpSpPr>
+        <p:grpSp>
+          <p:nvGrpSpPr>
+            <p:cNvPr id="12" name="Groupe 11"/>
+            <p:cNvGrpSpPr/>
+            <p:nvPr/>
+          </p:nvGrpSpPr>
+          <p:grpSpPr>
+            <a:xfrm>
+              <a:off x="4832165" y="3402092"/>
+              <a:ext cx="2553693" cy="2475203"/>
+              <a:chOff x="4807226" y="3724111"/>
+              <a:chExt cx="2553693" cy="2475203"/>
+            </a:xfrm>
+          </p:grpSpPr>
+          <p:grpSp>
+            <p:nvGrpSpPr>
+              <p:cNvPr id="14" name="Groupe 13"/>
+              <p:cNvGrpSpPr/>
+              <p:nvPr/>
+            </p:nvGrpSpPr>
+            <p:grpSpPr>
+              <a:xfrm>
+                <a:off x="4807226" y="3724111"/>
+                <a:ext cx="2553693" cy="2475203"/>
+                <a:chOff x="4807226" y="3724111"/>
+                <a:chExt cx="2553693" cy="2475203"/>
+              </a:xfrm>
+            </p:grpSpPr>
+            <p:pic>
+              <p:nvPicPr>
+                <p:cNvPr id="17" name="Picture 1">
+                  <a:extLst>
+                    <a:ext uri="{FF2B5EF4-FFF2-40B4-BE49-F238E27FC236}">
+                      <a16:creationId xmlns:a16="http://schemas.microsoft.com/office/drawing/2014/main" id="{88F87B56-3A1F-46ED-B0F7-1E813590C499}"/>
+                    </a:ext>
+                  </a:extLst>
+                </p:cNvPr>
+                <p:cNvPicPr>
+                  <a:picLocks noChangeAspect="1"/>
+                </p:cNvPicPr>
+                <p:nvPr/>
+              </p:nvPicPr>
+              <p:blipFill rotWithShape="1">
+                <a:blip r:embed="rId2"/>
+                <a:srcRect l="25294" t="16027" r="25294" b="12133"/>
+                <a:stretch/>
+              </p:blipFill>
+              <p:spPr>
+                <a:xfrm>
+                  <a:off x="4807226" y="3724111"/>
+                  <a:ext cx="2553693" cy="2475203"/>
+                </a:xfrm>
+                <a:prstGeom prst="rect">
+                  <a:avLst/>
+                </a:prstGeom>
+              </p:spPr>
+            </p:pic>
+            <p:pic>
+              <p:nvPicPr>
+                <p:cNvPr id="18" name="Picture 1">
+                  <a:extLst>
+                    <a:ext uri="{FF2B5EF4-FFF2-40B4-BE49-F238E27FC236}">
+                      <a16:creationId xmlns:a16="http://schemas.microsoft.com/office/drawing/2014/main" id="{88F87B56-3A1F-46ED-B0F7-1E813590C499}"/>
+                    </a:ext>
+                  </a:extLst>
+                </p:cNvPr>
+                <p:cNvPicPr>
+                  <a:picLocks noChangeAspect="1"/>
+                </p:cNvPicPr>
+                <p:nvPr/>
+              </p:nvPicPr>
+              <p:blipFill rotWithShape="1">
+                <a:blip r:embed="rId2"/>
+                <a:srcRect l="49823" t="69829" r="37838" b="12205"/>
+                <a:stretch/>
+              </p:blipFill>
+              <p:spPr>
+                <a:xfrm>
+                  <a:off x="6072272" y="4325560"/>
+                  <a:ext cx="637735" cy="618978"/>
+                </a:xfrm>
+                <a:prstGeom prst="rect">
+                  <a:avLst/>
+                </a:prstGeom>
+              </p:spPr>
+            </p:pic>
+          </p:grpSp>
+          <p:sp>
+            <p:nvSpPr>
+              <p:cNvPr id="15" name="Rectangle 14"/>
+              <p:cNvSpPr/>
+              <p:nvPr/>
+            </p:nvSpPr>
+            <p:spPr>
+              <a:xfrm>
+                <a:off x="6160294" y="4405464"/>
+                <a:ext cx="469106" cy="464191"/>
+              </a:xfrm>
+              <a:prstGeom prst="rect">
+                <a:avLst/>
+              </a:prstGeom>
+              <a:solidFill>
+                <a:schemeClr val="bg1"/>
+              </a:solidFill>
+              <a:ln>
+                <a:solidFill>
+                  <a:schemeClr val="bg1"/>
+                </a:solidFill>
+              </a:ln>
+            </p:spPr>
+            <p:style>
+              <a:lnRef idx="2">
+                <a:schemeClr val="accent1">
+                  <a:shade val="50000"/>
+                </a:schemeClr>
+              </a:lnRef>
+              <a:fillRef idx="1">
+                <a:schemeClr val="accent1"/>
+              </a:fillRef>
+              <a:effectRef idx="0">
+                <a:schemeClr val="accent1"/>
+              </a:effectRef>
+              <a:fontRef idx="minor">
+                <a:schemeClr val="lt1"/>
+              </a:fontRef>
+            </p:style>
+            <p:txBody>
+              <a:bodyPr rtlCol="0" anchor="ctr"/>
+              <a:lstStyle/>
+              <a:p>
+                <a:pPr algn="ctr"/>
+                <a:endParaRPr lang="en-GB" dirty="0">
+                  <a:solidFill>
+                    <a:schemeClr val="tx1"/>
+                  </a:solidFill>
+                </a:endParaRPr>
+              </a:p>
+            </p:txBody>
+          </p:sp>
+          <p:sp>
+            <p:nvSpPr>
+              <p:cNvPr id="16" name="Rectangle 15"/>
+              <p:cNvSpPr/>
+              <p:nvPr/>
+            </p:nvSpPr>
+            <p:spPr>
+              <a:xfrm>
+                <a:off x="6164899" y="5662764"/>
+                <a:ext cx="469106" cy="464191"/>
+              </a:xfrm>
+              <a:prstGeom prst="rect">
+                <a:avLst/>
+              </a:prstGeom>
+              <a:solidFill>
+                <a:schemeClr val="bg1"/>
+              </a:solidFill>
+              <a:ln>
+                <a:solidFill>
+                  <a:schemeClr val="bg1"/>
+                </a:solidFill>
+              </a:ln>
+            </p:spPr>
+            <p:style>
+              <a:lnRef idx="2">
+                <a:schemeClr val="accent1">
+                  <a:shade val="50000"/>
+                </a:schemeClr>
+              </a:lnRef>
+              <a:fillRef idx="1">
+                <a:schemeClr val="accent1"/>
+              </a:fillRef>
+              <a:effectRef idx="0">
+                <a:schemeClr val="accent1"/>
+              </a:effectRef>
+              <a:fontRef idx="minor">
+                <a:schemeClr val="lt1"/>
+              </a:fontRef>
+            </p:style>
+            <p:txBody>
+              <a:bodyPr rtlCol="0" anchor="ctr"/>
+              <a:lstStyle/>
+              <a:p>
+                <a:pPr algn="ctr"/>
+                <a:r>
+                  <a:rPr lang="en-GB" sz="2800" dirty="0" smtClean="0">
+                    <a:solidFill>
+                      <a:schemeClr val="tx1"/>
+                    </a:solidFill>
+                  </a:rPr>
+                  <a:t>1</a:t>
+                </a:r>
+                <a:endParaRPr lang="en-GB" dirty="0">
+                  <a:solidFill>
+                    <a:schemeClr val="tx1"/>
+                  </a:solidFill>
+                </a:endParaRPr>
+              </a:p>
+            </p:txBody>
+          </p:sp>
+        </p:grpSp>
+        <p:sp>
+          <p:nvSpPr>
+            <p:cNvPr id="13" name="ZoneTexte 12"/>
+            <p:cNvSpPr txBox="1"/>
+            <p:nvPr/>
+          </p:nvSpPr>
+          <p:spPr>
+            <a:xfrm>
+              <a:off x="5619405" y="3427022"/>
+              <a:ext cx="184731" cy="369332"/>
+            </a:xfrm>
+            <a:prstGeom prst="rect">
+              <a:avLst/>
+            </a:prstGeom>
+            <a:noFill/>
+          </p:spPr>
+          <p:txBody>
+            <a:bodyPr wrap="none" rtlCol="0">
+              <a:spAutoFit/>
+            </a:bodyPr>
+            <a:lstStyle/>
+            <a:p>
+              <a:endParaRPr lang="en-GB" dirty="0"/>
+            </a:p>
+          </p:txBody>
+        </p:sp>
+      </p:grpSp>
     </p:spTree>
     <p:extLst>
       <p:ext uri="{BB962C8B-B14F-4D97-AF65-F5344CB8AC3E}">
@@ -9089,6 +11730,162 @@
           </a:p>
         </p:txBody>
       </p:sp>
+      <p:sp>
+        <p:nvSpPr>
+          <p:cNvPr id="4" name="Rectangle 3"/>
+          <p:cNvSpPr/>
+          <p:nvPr/>
+        </p:nvSpPr>
+        <p:spPr>
+          <a:xfrm>
+            <a:off x="4787361" y="3509319"/>
+            <a:ext cx="508392" cy="515453"/>
+          </a:xfrm>
+          <a:prstGeom prst="rect">
+            <a:avLst/>
+          </a:prstGeom>
+          <a:solidFill>
+            <a:schemeClr val="bg1"/>
+          </a:solidFill>
+          <a:ln>
+            <a:solidFill>
+              <a:schemeClr val="bg1"/>
+            </a:solidFill>
+          </a:ln>
+        </p:spPr>
+        <p:style>
+          <a:lnRef idx="2">
+            <a:schemeClr val="accent1">
+              <a:shade val="50000"/>
+            </a:schemeClr>
+          </a:lnRef>
+          <a:fillRef idx="1">
+            <a:schemeClr val="accent1"/>
+          </a:fillRef>
+          <a:effectRef idx="0">
+            <a:schemeClr val="accent1"/>
+          </a:effectRef>
+          <a:fontRef idx="minor">
+            <a:schemeClr val="lt1"/>
+          </a:fontRef>
+        </p:style>
+        <p:txBody>
+          <a:bodyPr rtlCol="0" anchor="ctr"/>
+          <a:lstStyle/>
+          <a:p>
+            <a:pPr algn="ctr"/>
+            <a:endParaRPr lang="en-GB" dirty="0"/>
+          </a:p>
+        </p:txBody>
+      </p:sp>
+      <p:sp>
+        <p:nvSpPr>
+          <p:cNvPr id="5" name="ZoneTexte 4"/>
+          <p:cNvSpPr txBox="1"/>
+          <p:nvPr/>
+        </p:nvSpPr>
+        <p:spPr>
+          <a:xfrm>
+            <a:off x="4857853" y="3501552"/>
+            <a:ext cx="367408" cy="523220"/>
+          </a:xfrm>
+          <a:prstGeom prst="rect">
+            <a:avLst/>
+          </a:prstGeom>
+          <a:noFill/>
+        </p:spPr>
+        <p:txBody>
+          <a:bodyPr wrap="none" rtlCol="0">
+            <a:spAutoFit/>
+          </a:bodyPr>
+          <a:lstStyle/>
+          <a:p>
+            <a:r>
+              <a:rPr lang="en-GB" sz="2800" dirty="0" smtClean="0"/>
+              <a:t>1</a:t>
+            </a:r>
+            <a:endParaRPr lang="en-GB" dirty="0"/>
+          </a:p>
+        </p:txBody>
+      </p:sp>
+      <p:sp>
+        <p:nvSpPr>
+          <p:cNvPr id="14" name="Rectangle 13"/>
+          <p:cNvSpPr/>
+          <p:nvPr/>
+        </p:nvSpPr>
+        <p:spPr>
+          <a:xfrm>
+            <a:off x="6161315" y="4194825"/>
+            <a:ext cx="508392" cy="515453"/>
+          </a:xfrm>
+          <a:prstGeom prst="rect">
+            <a:avLst/>
+          </a:prstGeom>
+          <a:solidFill>
+            <a:schemeClr val="bg1"/>
+          </a:solidFill>
+          <a:ln>
+            <a:solidFill>
+              <a:schemeClr val="bg1"/>
+            </a:solidFill>
+          </a:ln>
+        </p:spPr>
+        <p:style>
+          <a:lnRef idx="2">
+            <a:schemeClr val="accent1">
+              <a:shade val="50000"/>
+            </a:schemeClr>
+          </a:lnRef>
+          <a:fillRef idx="1">
+            <a:schemeClr val="accent1"/>
+          </a:fillRef>
+          <a:effectRef idx="0">
+            <a:schemeClr val="accent1"/>
+          </a:effectRef>
+          <a:fontRef idx="minor">
+            <a:schemeClr val="lt1"/>
+          </a:fontRef>
+        </p:style>
+        <p:txBody>
+          <a:bodyPr rtlCol="0" anchor="ctr"/>
+          <a:lstStyle/>
+          <a:p>
+            <a:pPr algn="ctr"/>
+            <a:endParaRPr lang="en-GB" dirty="0"/>
+          </a:p>
+        </p:txBody>
+      </p:sp>
+      <p:sp>
+        <p:nvSpPr>
+          <p:cNvPr id="6" name="ZoneTexte 5"/>
+          <p:cNvSpPr txBox="1"/>
+          <p:nvPr/>
+        </p:nvSpPr>
+        <p:spPr>
+          <a:xfrm>
+            <a:off x="6245458" y="4197766"/>
+            <a:ext cx="367408" cy="523220"/>
+          </a:xfrm>
+          <a:prstGeom prst="rect">
+            <a:avLst/>
+          </a:prstGeom>
+          <a:noFill/>
+        </p:spPr>
+        <p:txBody>
+          <a:bodyPr wrap="none" rtlCol="0">
+            <a:spAutoFit/>
+          </a:bodyPr>
+          <a:lstStyle/>
+          <a:p>
+            <a:r>
+              <a:rPr lang="en-GB" sz="2800" dirty="0" smtClean="0"/>
+              <a:t>1</a:t>
+            </a:r>
+            <a:endParaRPr lang="en-GB" dirty="0"/>
+          </a:p>
+        </p:txBody>
+      </p:sp>
     </p:spTree>
     <p:extLst>
       <p:ext uri="{BB962C8B-B14F-4D97-AF65-F5344CB8AC3E}">
@@ -9366,7 +12163,7 @@
       </p:sp>
       <p:grpSp>
         <p:nvGrpSpPr>
-          <p:cNvPr id="4" name="Groupe 3"/>
+          <p:cNvPr id="2" name="Groupe 1"/>
           <p:cNvGrpSpPr/>
           <p:nvPr/>
         </p:nvGrpSpPr>
@@ -9378,64 +12175,199 @@
             <a:chExt cx="2553693" cy="2475203"/>
           </a:xfrm>
         </p:grpSpPr>
-        <p:pic>
-          <p:nvPicPr>
-            <p:cNvPr id="12" name="Picture 1">
-              <a:extLst>
-                <a:ext uri="{FF2B5EF4-FFF2-40B4-BE49-F238E27FC236}">
-                  <a16:creationId xmlns:a16="http://schemas.microsoft.com/office/drawing/2014/main" id="{88F87B56-3A1F-46ED-B0F7-1E813590C499}"/>
-                </a:ext>
-              </a:extLst>
-            </p:cNvPr>
-            <p:cNvPicPr>
-              <a:picLocks noChangeAspect="1"/>
-            </p:cNvPicPr>
+        <p:grpSp>
+          <p:nvGrpSpPr>
+            <p:cNvPr id="4" name="Groupe 3"/>
+            <p:cNvGrpSpPr/>
             <p:nvPr/>
-          </p:nvPicPr>
-          <p:blipFill rotWithShape="1">
-            <a:blip r:embed="rId2"/>
-            <a:srcRect l="25294" t="16027" r="25294" b="12133"/>
-            <a:stretch/>
-          </p:blipFill>
-          <p:spPr>
+          </p:nvGrpSpPr>
+          <p:grpSpPr>
             <a:xfrm>
               <a:off x="4807226" y="3724111"/>
               <a:ext cx="2553693" cy="2475203"/>
+              <a:chOff x="4807226" y="3724111"/>
+              <a:chExt cx="2553693" cy="2475203"/>
+            </a:xfrm>
+          </p:grpSpPr>
+          <p:pic>
+            <p:nvPicPr>
+              <p:cNvPr id="12" name="Picture 1">
+                <a:extLst>
+                  <a:ext uri="{FF2B5EF4-FFF2-40B4-BE49-F238E27FC236}">
+                    <a16:creationId xmlns:a16="http://schemas.microsoft.com/office/drawing/2014/main" id="{88F87B56-3A1F-46ED-B0F7-1E813590C499}"/>
+                  </a:ext>
+                </a:extLst>
+              </p:cNvPr>
+              <p:cNvPicPr>
+                <a:picLocks noChangeAspect="1"/>
+              </p:cNvPicPr>
+              <p:nvPr/>
+            </p:nvPicPr>
+            <p:blipFill rotWithShape="1">
+              <a:blip r:embed="rId2"/>
+              <a:srcRect l="25294" t="16027" r="25294" b="12133"/>
+              <a:stretch/>
+            </p:blipFill>
+            <p:spPr>
+              <a:xfrm>
+                <a:off x="4807226" y="3724111"/>
+                <a:ext cx="2553693" cy="2475203"/>
+              </a:xfrm>
+              <a:prstGeom prst="rect">
+                <a:avLst/>
+              </a:prstGeom>
+            </p:spPr>
+          </p:pic>
+          <p:pic>
+            <p:nvPicPr>
+              <p:cNvPr id="13" name="Picture 1">
+                <a:extLst>
+                  <a:ext uri="{FF2B5EF4-FFF2-40B4-BE49-F238E27FC236}">
+                    <a16:creationId xmlns:a16="http://schemas.microsoft.com/office/drawing/2014/main" id="{88F87B56-3A1F-46ED-B0F7-1E813590C499}"/>
+                  </a:ext>
+                </a:extLst>
+              </p:cNvPr>
+              <p:cNvPicPr>
+                <a:picLocks noChangeAspect="1"/>
+              </p:cNvPicPr>
+              <p:nvPr/>
+            </p:nvPicPr>
+            <p:blipFill rotWithShape="1">
+              <a:blip r:embed="rId2"/>
+              <a:srcRect l="49823" t="69829" r="37838" b="12205"/>
+              <a:stretch/>
+            </p:blipFill>
+            <p:spPr>
+              <a:xfrm>
+                <a:off x="6072272" y="4325560"/>
+                <a:ext cx="637735" cy="618978"/>
+              </a:xfrm>
+              <a:prstGeom prst="rect">
+                <a:avLst/>
+              </a:prstGeom>
+            </p:spPr>
+          </p:pic>
+        </p:grpSp>
+        <p:sp>
+          <p:nvSpPr>
+            <p:cNvPr id="6" name="Rectangle 5"/>
+            <p:cNvSpPr/>
+            <p:nvPr/>
+          </p:nvSpPr>
+          <p:spPr>
+            <a:xfrm>
+              <a:off x="6160294" y="4405464"/>
+              <a:ext cx="469106" cy="464191"/>
             </a:xfrm>
             <a:prstGeom prst="rect">
               <a:avLst/>
             </a:prstGeom>
+            <a:solidFill>
+              <a:schemeClr val="bg1"/>
+            </a:solidFill>
+            <a:ln>
+              <a:solidFill>
+                <a:schemeClr val="bg1"/>
+              </a:solidFill>
+            </a:ln>
           </p:spPr>
-        </p:pic>
-        <p:pic>
-          <p:nvPicPr>
-            <p:cNvPr id="13" name="Picture 1">
-              <a:extLst>
-                <a:ext uri="{FF2B5EF4-FFF2-40B4-BE49-F238E27FC236}">
-                  <a16:creationId xmlns:a16="http://schemas.microsoft.com/office/drawing/2014/main" id="{88F87B56-3A1F-46ED-B0F7-1E813590C499}"/>
-                </a:ext>
-              </a:extLst>
-            </p:cNvPr>
-            <p:cNvPicPr>
-              <a:picLocks noChangeAspect="1"/>
-            </p:cNvPicPr>
+          <p:style>
+            <a:lnRef idx="2">
+              <a:schemeClr val="accent1">
+                <a:shade val="50000"/>
+              </a:schemeClr>
+            </a:lnRef>
+            <a:fillRef idx="1">
+              <a:schemeClr val="accent1"/>
+            </a:fillRef>
+            <a:effectRef idx="0">
+              <a:schemeClr val="accent1"/>
+            </a:effectRef>
+            <a:fontRef idx="minor">
+              <a:schemeClr val="lt1"/>
+            </a:fontRef>
+          </p:style>
+          <p:txBody>
+            <a:bodyPr rtlCol="0" anchor="ctr"/>
+            <a:lstStyle/>
+            <a:p>
+              <a:pPr algn="ctr"/>
+              <a:r>
+                <a:rPr lang="en-GB" sz="2800" dirty="0" smtClean="0">
+                  <a:solidFill>
+                    <a:schemeClr val="tx1"/>
+                  </a:solidFill>
+                </a:rPr>
+                <a:t>1</a:t>
+              </a:r>
+              <a:endParaRPr lang="en-GB" dirty="0">
+                <a:solidFill>
+                  <a:schemeClr val="tx1"/>
+                </a:solidFill>
+              </a:endParaRPr>
+            </a:p>
+          </p:txBody>
+        </p:sp>
+        <p:sp>
+          <p:nvSpPr>
+            <p:cNvPr id="10" name="Rectangle 9"/>
+            <p:cNvSpPr/>
             <p:nvPr/>
-          </p:nvPicPr>
-          <p:blipFill rotWithShape="1">
-            <a:blip r:embed="rId2"/>
-            <a:srcRect l="49823" t="69829" r="37838" b="12205"/>
-            <a:stretch/>
-          </p:blipFill>
+          </p:nvSpPr>
           <p:spPr>
             <a:xfrm>
-              <a:off x="6072272" y="4325560"/>
-              <a:ext cx="637735" cy="618978"/>
+              <a:off x="6156586" y="5662764"/>
+              <a:ext cx="469106" cy="464191"/>
             </a:xfrm>
             <a:prstGeom prst="rect">
               <a:avLst/>
             </a:prstGeom>
+            <a:solidFill>
+              <a:schemeClr val="bg1"/>
+            </a:solidFill>
+            <a:ln>
+              <a:solidFill>
+                <a:schemeClr val="bg1"/>
+              </a:solidFill>
+            </a:ln>
           </p:spPr>
-        </p:pic>
+          <p:style>
+            <a:lnRef idx="2">
+              <a:schemeClr val="accent1">
+                <a:shade val="50000"/>
+              </a:schemeClr>
+            </a:lnRef>
+            <a:fillRef idx="1">
+              <a:schemeClr val="accent1"/>
+            </a:fillRef>
+            <a:effectRef idx="0">
+              <a:schemeClr val="accent1"/>
+            </a:effectRef>
+            <a:fontRef idx="minor">
+              <a:schemeClr val="lt1"/>
+            </a:fontRef>
+          </p:style>
+          <p:txBody>
+            <a:bodyPr rtlCol="0" anchor="ctr"/>
+            <a:lstStyle/>
+            <a:p>
+              <a:pPr algn="ctr"/>
+              <a:r>
+                <a:rPr lang="en-GB" sz="2800" dirty="0">
+                  <a:solidFill>
+                    <a:schemeClr val="tx1"/>
+                  </a:solidFill>
+                </a:rPr>
+                <a:t>1</a:t>
+              </a:r>
+              <a:endParaRPr lang="en-GB" dirty="0">
+                <a:solidFill>
+                  <a:schemeClr val="tx1"/>
+                </a:solidFill>
+              </a:endParaRPr>
+            </a:p>
+          </p:txBody>
+        </p:sp>
       </p:grpSp>
     </p:spTree>
     <p:extLst>
@@ -9732,6 +12664,162 @@
           </a:p>
         </p:txBody>
       </p:sp>
+      <p:sp>
+        <p:nvSpPr>
+          <p:cNvPr id="8" name="Rectangle 7"/>
+          <p:cNvSpPr/>
+          <p:nvPr/>
+        </p:nvSpPr>
+        <p:spPr>
+          <a:xfrm>
+            <a:off x="4787361" y="3555216"/>
+            <a:ext cx="508392" cy="515453"/>
+          </a:xfrm>
+          <a:prstGeom prst="rect">
+            <a:avLst/>
+          </a:prstGeom>
+          <a:solidFill>
+            <a:schemeClr val="bg1"/>
+          </a:solidFill>
+          <a:ln>
+            <a:solidFill>
+              <a:schemeClr val="bg1"/>
+            </a:solidFill>
+          </a:ln>
+        </p:spPr>
+        <p:style>
+          <a:lnRef idx="2">
+            <a:schemeClr val="accent1">
+              <a:shade val="50000"/>
+            </a:schemeClr>
+          </a:lnRef>
+          <a:fillRef idx="1">
+            <a:schemeClr val="accent1"/>
+          </a:fillRef>
+          <a:effectRef idx="0">
+            <a:schemeClr val="accent1"/>
+          </a:effectRef>
+          <a:fontRef idx="minor">
+            <a:schemeClr val="lt1"/>
+          </a:fontRef>
+        </p:style>
+        <p:txBody>
+          <a:bodyPr rtlCol="0" anchor="ctr"/>
+          <a:lstStyle/>
+          <a:p>
+            <a:pPr algn="ctr"/>
+            <a:endParaRPr lang="en-GB" dirty="0"/>
+          </a:p>
+        </p:txBody>
+      </p:sp>
+      <p:sp>
+        <p:nvSpPr>
+          <p:cNvPr id="11" name="ZoneTexte 10"/>
+          <p:cNvSpPr txBox="1"/>
+          <p:nvPr/>
+        </p:nvSpPr>
+        <p:spPr>
+          <a:xfrm>
+            <a:off x="4857853" y="3547449"/>
+            <a:ext cx="367408" cy="523220"/>
+          </a:xfrm>
+          <a:prstGeom prst="rect">
+            <a:avLst/>
+          </a:prstGeom>
+          <a:noFill/>
+        </p:spPr>
+        <p:txBody>
+          <a:bodyPr wrap="none" rtlCol="0">
+            <a:spAutoFit/>
+          </a:bodyPr>
+          <a:lstStyle/>
+          <a:p>
+            <a:r>
+              <a:rPr lang="en-GB" sz="2800" dirty="0" smtClean="0"/>
+              <a:t>1</a:t>
+            </a:r>
+            <a:endParaRPr lang="en-GB" dirty="0"/>
+          </a:p>
+        </p:txBody>
+      </p:sp>
+      <p:sp>
+        <p:nvSpPr>
+          <p:cNvPr id="14" name="Rectangle 13"/>
+          <p:cNvSpPr/>
+          <p:nvPr/>
+        </p:nvSpPr>
+        <p:spPr>
+          <a:xfrm>
+            <a:off x="6164846" y="4244253"/>
+            <a:ext cx="508392" cy="515453"/>
+          </a:xfrm>
+          <a:prstGeom prst="rect">
+            <a:avLst/>
+          </a:prstGeom>
+          <a:solidFill>
+            <a:schemeClr val="bg1"/>
+          </a:solidFill>
+          <a:ln>
+            <a:solidFill>
+              <a:schemeClr val="bg1"/>
+            </a:solidFill>
+          </a:ln>
+        </p:spPr>
+        <p:style>
+          <a:lnRef idx="2">
+            <a:schemeClr val="accent1">
+              <a:shade val="50000"/>
+            </a:schemeClr>
+          </a:lnRef>
+          <a:fillRef idx="1">
+            <a:schemeClr val="accent1"/>
+          </a:fillRef>
+          <a:effectRef idx="0">
+            <a:schemeClr val="accent1"/>
+          </a:effectRef>
+          <a:fontRef idx="minor">
+            <a:schemeClr val="lt1"/>
+          </a:fontRef>
+        </p:style>
+        <p:txBody>
+          <a:bodyPr rtlCol="0" anchor="ctr"/>
+          <a:lstStyle/>
+          <a:p>
+            <a:pPr algn="ctr"/>
+            <a:endParaRPr lang="en-GB" dirty="0"/>
+          </a:p>
+        </p:txBody>
+      </p:sp>
+      <p:sp>
+        <p:nvSpPr>
+          <p:cNvPr id="15" name="ZoneTexte 14"/>
+          <p:cNvSpPr txBox="1"/>
+          <p:nvPr/>
+        </p:nvSpPr>
+        <p:spPr>
+          <a:xfrm>
+            <a:off x="6245458" y="4243663"/>
+            <a:ext cx="367408" cy="523220"/>
+          </a:xfrm>
+          <a:prstGeom prst="rect">
+            <a:avLst/>
+          </a:prstGeom>
+          <a:noFill/>
+        </p:spPr>
+        <p:txBody>
+          <a:bodyPr wrap="none" rtlCol="0">
+            <a:spAutoFit/>
+          </a:bodyPr>
+          <a:lstStyle/>
+          <a:p>
+            <a:r>
+              <a:rPr lang="en-GB" sz="2800" dirty="0" smtClean="0"/>
+              <a:t>1</a:t>
+            </a:r>
+            <a:endParaRPr lang="en-GB" dirty="0"/>
+          </a:p>
+        </p:txBody>
+      </p:sp>
     </p:spTree>
     <p:extLst>
       <p:ext uri="{BB962C8B-B14F-4D97-AF65-F5344CB8AC3E}">
@@ -10024,6 +13112,162 @@
               </a:rPr>
               <a:t>ETAPE 6 – ÉVALUATION DE VOS RÉPONSES</a:t>
             </a:r>
+          </a:p>
+        </p:txBody>
+      </p:sp>
+      <p:sp>
+        <p:nvSpPr>
+          <p:cNvPr id="2" name="Rectangle 1"/>
+          <p:cNvSpPr/>
+          <p:nvPr/>
+        </p:nvSpPr>
+        <p:spPr>
+          <a:xfrm>
+            <a:off x="5482869" y="3502258"/>
+            <a:ext cx="501332" cy="501331"/>
+          </a:xfrm>
+          <a:prstGeom prst="rect">
+            <a:avLst/>
+          </a:prstGeom>
+          <a:solidFill>
+            <a:schemeClr val="bg1"/>
+          </a:solidFill>
+          <a:ln>
+            <a:solidFill>
+              <a:schemeClr val="bg1"/>
+            </a:solidFill>
+          </a:ln>
+        </p:spPr>
+        <p:style>
+          <a:lnRef idx="2">
+            <a:schemeClr val="accent1">
+              <a:shade val="50000"/>
+            </a:schemeClr>
+          </a:lnRef>
+          <a:fillRef idx="1">
+            <a:schemeClr val="accent1"/>
+          </a:fillRef>
+          <a:effectRef idx="0">
+            <a:schemeClr val="accent1"/>
+          </a:effectRef>
+          <a:fontRef idx="minor">
+            <a:schemeClr val="lt1"/>
+          </a:fontRef>
+        </p:style>
+        <p:txBody>
+          <a:bodyPr rtlCol="0" anchor="ctr"/>
+          <a:lstStyle/>
+          <a:p>
+            <a:pPr algn="ctr"/>
+            <a:endParaRPr lang="en-GB"/>
+          </a:p>
+        </p:txBody>
+      </p:sp>
+      <p:sp>
+        <p:nvSpPr>
+          <p:cNvPr id="10" name="Rectangle 9"/>
+          <p:cNvSpPr/>
+          <p:nvPr/>
+        </p:nvSpPr>
+        <p:spPr>
+          <a:xfrm>
+            <a:off x="6179064" y="3502258"/>
+            <a:ext cx="501332" cy="501331"/>
+          </a:xfrm>
+          <a:prstGeom prst="rect">
+            <a:avLst/>
+          </a:prstGeom>
+          <a:solidFill>
+            <a:schemeClr val="bg1"/>
+          </a:solidFill>
+          <a:ln>
+            <a:solidFill>
+              <a:schemeClr val="bg1"/>
+            </a:solidFill>
+          </a:ln>
+        </p:spPr>
+        <p:style>
+          <a:lnRef idx="2">
+            <a:schemeClr val="accent1">
+              <a:shade val="50000"/>
+            </a:schemeClr>
+          </a:lnRef>
+          <a:fillRef idx="1">
+            <a:schemeClr val="accent1"/>
+          </a:fillRef>
+          <a:effectRef idx="0">
+            <a:schemeClr val="accent1"/>
+          </a:effectRef>
+          <a:fontRef idx="minor">
+            <a:schemeClr val="lt1"/>
+          </a:fontRef>
+        </p:style>
+        <p:txBody>
+          <a:bodyPr rtlCol="0" anchor="ctr"/>
+          <a:lstStyle/>
+          <a:p>
+            <a:pPr algn="ctr"/>
+            <a:endParaRPr lang="en-GB"/>
+          </a:p>
+        </p:txBody>
+      </p:sp>
+      <p:sp>
+        <p:nvSpPr>
+          <p:cNvPr id="3" name="ZoneTexte 2"/>
+          <p:cNvSpPr txBox="1"/>
+          <p:nvPr/>
+        </p:nvSpPr>
+        <p:spPr>
+          <a:xfrm>
+            <a:off x="5554448" y="3487055"/>
+            <a:ext cx="367408" cy="523220"/>
+          </a:xfrm>
+          <a:prstGeom prst="rect">
+            <a:avLst/>
+          </a:prstGeom>
+          <a:noFill/>
+        </p:spPr>
+        <p:txBody>
+          <a:bodyPr wrap="none" rtlCol="0">
+            <a:spAutoFit/>
+          </a:bodyPr>
+          <a:lstStyle/>
+          <a:p>
+            <a:r>
+              <a:rPr lang="en-GB" sz="2800" dirty="0" smtClean="0"/>
+              <a:t>8</a:t>
+            </a:r>
+            <a:endParaRPr lang="en-GB" sz="2800" dirty="0"/>
+          </a:p>
+        </p:txBody>
+      </p:sp>
+      <p:sp>
+        <p:nvSpPr>
+          <p:cNvPr id="11" name="ZoneTexte 10"/>
+          <p:cNvSpPr txBox="1"/>
+          <p:nvPr/>
+        </p:nvSpPr>
+        <p:spPr>
+          <a:xfrm>
+            <a:off x="6246026" y="3487055"/>
+            <a:ext cx="367408" cy="523220"/>
+          </a:xfrm>
+          <a:prstGeom prst="rect">
+            <a:avLst/>
+          </a:prstGeom>
+          <a:noFill/>
+        </p:spPr>
+        <p:txBody>
+          <a:bodyPr wrap="none" rtlCol="0">
+            <a:spAutoFit/>
+          </a:bodyPr>
+          <a:lstStyle/>
+          <a:p>
+            <a:r>
+              <a:rPr lang="en-GB" sz="2800" dirty="0" smtClean="0"/>
+              <a:t>8</a:t>
+            </a:r>
+            <a:endParaRPr lang="en-GB" sz="2800" dirty="0"/>
           </a:p>
         </p:txBody>
       </p:sp>
@@ -11636,6 +14880,197 @@
           </a:p>
         </p:txBody>
       </p:sp>
+      <p:grpSp>
+        <p:nvGrpSpPr>
+          <p:cNvPr id="3" name="Groupe 2"/>
+          <p:cNvGrpSpPr/>
+          <p:nvPr/>
+        </p:nvGrpSpPr>
+        <p:grpSpPr>
+          <a:xfrm>
+            <a:off x="4819154" y="2186478"/>
+            <a:ext cx="2553693" cy="2475203"/>
+            <a:chOff x="1698266" y="2186478"/>
+            <a:chExt cx="2553693" cy="2475203"/>
+          </a:xfrm>
+        </p:grpSpPr>
+        <p:grpSp>
+          <p:nvGrpSpPr>
+            <p:cNvPr id="7" name="Groupe 6"/>
+            <p:cNvGrpSpPr/>
+            <p:nvPr/>
+          </p:nvGrpSpPr>
+          <p:grpSpPr>
+            <a:xfrm>
+              <a:off x="1698266" y="2186478"/>
+              <a:ext cx="2553693" cy="2475203"/>
+              <a:chOff x="4807226" y="3724111"/>
+              <a:chExt cx="2553693" cy="2475203"/>
+            </a:xfrm>
+          </p:grpSpPr>
+          <p:pic>
+            <p:nvPicPr>
+              <p:cNvPr id="13" name="Picture 1">
+                <a:extLst>
+                  <a:ext uri="{FF2B5EF4-FFF2-40B4-BE49-F238E27FC236}">
+                    <a16:creationId xmlns:a16="http://schemas.microsoft.com/office/drawing/2014/main" id="{88F87B56-3A1F-46ED-B0F7-1E813590C499}"/>
+                  </a:ext>
+                </a:extLst>
+              </p:cNvPr>
+              <p:cNvPicPr>
+                <a:picLocks noChangeAspect="1"/>
+              </p:cNvPicPr>
+              <p:nvPr/>
+            </p:nvPicPr>
+            <p:blipFill rotWithShape="1">
+              <a:blip r:embed="rId2"/>
+              <a:srcRect l="25294" t="16027" r="25294" b="12133"/>
+              <a:stretch/>
+            </p:blipFill>
+            <p:spPr>
+              <a:xfrm>
+                <a:off x="4807226" y="3724111"/>
+                <a:ext cx="2553693" cy="2475203"/>
+              </a:xfrm>
+              <a:prstGeom prst="rect">
+                <a:avLst/>
+              </a:prstGeom>
+            </p:spPr>
+          </p:pic>
+          <p:pic>
+            <p:nvPicPr>
+              <p:cNvPr id="14" name="Picture 1">
+                <a:extLst>
+                  <a:ext uri="{FF2B5EF4-FFF2-40B4-BE49-F238E27FC236}">
+                    <a16:creationId xmlns:a16="http://schemas.microsoft.com/office/drawing/2014/main" id="{88F87B56-3A1F-46ED-B0F7-1E813590C499}"/>
+                  </a:ext>
+                </a:extLst>
+              </p:cNvPr>
+              <p:cNvPicPr>
+                <a:picLocks noChangeAspect="1"/>
+              </p:cNvPicPr>
+              <p:nvPr/>
+            </p:nvPicPr>
+            <p:blipFill rotWithShape="1">
+              <a:blip r:embed="rId2"/>
+              <a:srcRect l="49823" t="69829" r="37838" b="12205"/>
+              <a:stretch/>
+            </p:blipFill>
+            <p:spPr>
+              <a:xfrm>
+                <a:off x="6072272" y="4325560"/>
+                <a:ext cx="637735" cy="618978"/>
+              </a:xfrm>
+              <a:prstGeom prst="rect">
+                <a:avLst/>
+              </a:prstGeom>
+            </p:spPr>
+          </p:pic>
+        </p:grpSp>
+        <p:sp>
+          <p:nvSpPr>
+            <p:cNvPr id="9" name="Rectangle 8"/>
+            <p:cNvSpPr/>
+            <p:nvPr/>
+          </p:nvSpPr>
+          <p:spPr>
+            <a:xfrm>
+              <a:off x="3051334" y="2867831"/>
+              <a:ext cx="469106" cy="464191"/>
+            </a:xfrm>
+            <a:prstGeom prst="rect">
+              <a:avLst/>
+            </a:prstGeom>
+            <a:solidFill>
+              <a:schemeClr val="bg1"/>
+            </a:solidFill>
+            <a:ln>
+              <a:solidFill>
+                <a:schemeClr val="bg1"/>
+              </a:solidFill>
+            </a:ln>
+          </p:spPr>
+          <p:style>
+            <a:lnRef idx="2">
+              <a:schemeClr val="accent1">
+                <a:shade val="50000"/>
+              </a:schemeClr>
+            </a:lnRef>
+            <a:fillRef idx="1">
+              <a:schemeClr val="accent1"/>
+            </a:fillRef>
+            <a:effectRef idx="0">
+              <a:schemeClr val="accent1"/>
+            </a:effectRef>
+            <a:fontRef idx="minor">
+              <a:schemeClr val="lt1"/>
+            </a:fontRef>
+          </p:style>
+          <p:txBody>
+            <a:bodyPr rtlCol="0" anchor="ctr"/>
+            <a:lstStyle/>
+            <a:p>
+              <a:pPr algn="ctr"/>
+              <a:endParaRPr lang="en-GB"/>
+            </a:p>
+          </p:txBody>
+        </p:sp>
+        <p:sp>
+          <p:nvSpPr>
+            <p:cNvPr id="11" name="Rectangle 10"/>
+            <p:cNvSpPr/>
+            <p:nvPr/>
+          </p:nvSpPr>
+          <p:spPr>
+            <a:xfrm>
+              <a:off x="3051334" y="4125131"/>
+              <a:ext cx="469106" cy="464191"/>
+            </a:xfrm>
+            <a:prstGeom prst="rect">
+              <a:avLst/>
+            </a:prstGeom>
+            <a:solidFill>
+              <a:schemeClr val="bg1"/>
+            </a:solidFill>
+            <a:ln>
+              <a:solidFill>
+                <a:schemeClr val="bg1"/>
+              </a:solidFill>
+            </a:ln>
+          </p:spPr>
+          <p:style>
+            <a:lnRef idx="2">
+              <a:schemeClr val="accent1">
+                <a:shade val="50000"/>
+              </a:schemeClr>
+            </a:lnRef>
+            <a:fillRef idx="1">
+              <a:schemeClr val="accent1"/>
+            </a:fillRef>
+            <a:effectRef idx="0">
+              <a:schemeClr val="accent1"/>
+            </a:effectRef>
+            <a:fontRef idx="minor">
+              <a:schemeClr val="lt1"/>
+            </a:fontRef>
+          </p:style>
+          <p:txBody>
+            <a:bodyPr rtlCol="0" anchor="ctr"/>
+            <a:lstStyle/>
+            <a:p>
+              <a:pPr algn="ctr"/>
+              <a:r>
+                <a:rPr lang="en-GB" sz="2800" dirty="0">
+                  <a:solidFill>
+                    <a:schemeClr val="tx1"/>
+                  </a:solidFill>
+                </a:rPr>
+                <a:t>1</a:t>
+              </a:r>
+            </a:p>
+          </p:txBody>
+        </p:sp>
+      </p:grpSp>
     </p:spTree>
     <p:extLst>
       <p:ext uri="{BB962C8B-B14F-4D97-AF65-F5344CB8AC3E}">
@@ -11852,13 +15287,26 @@
               <a:t>financiè</a:t>
             </a:r>
             <a:r>
-              <a:rPr lang="en-GB" sz="2400" dirty="0"/>
-              <a:t>re de 2 € </a:t>
+              <a:rPr lang="en-GB" sz="2400" dirty="0" smtClean="0"/>
+              <a:t>re de 1 </a:t>
+            </a:r>
+            <a:r>
+              <a:rPr lang="en-GB" sz="2400" dirty="0"/>
+              <a:t>€ </a:t>
             </a:r>
             <a:r>
               <a:rPr lang="fr-FR" sz="2400" dirty="0"/>
-              <a:t>en fonction du nombre de fois où vous atteignez (ou dépassez) le score cible</a:t>
-            </a:r>
+              <a:t>en fonction du nombre de fois où vous atteignez (ou dépassez) le </a:t>
+            </a:r>
+            <a:r>
+              <a:rPr lang="fr-FR" sz="2400"/>
+              <a:t>score </a:t>
+            </a:r>
+            <a:r>
+              <a:rPr lang="fr-FR" sz="2400" smtClean="0"/>
+              <a:t>cible.</a:t>
+            </a:r>
+            <a:endParaRPr lang="fr-FR" sz="2400" dirty="0"/>
           </a:p>
         </p:txBody>
       </p:sp>
@@ -12795,4 +16243,265 @@
     </a:ext>
   </a:extLst>
 </a:theme>
+</file>
+
+<file path=ppt/theme/theme2.xml><?xml version="1.0" encoding="utf-8"?>
+<a:theme xmlns:a="http://schemas.openxmlformats.org/drawingml/2006/main" name="Thème Office">
+  <a:themeElements>
+    <a:clrScheme name="Office">
+      <a:dk1>
+        <a:sysClr val="windowText" lastClr="000000"/>
+      </a:dk1>
+      <a:lt1>
+        <a:sysClr val="window" lastClr="FFFFFF"/>
+      </a:lt1>
+      <a:dk2>
+        <a:srgbClr val="44546A"/>
+      </a:dk2>
+      <a:lt2>
+        <a:srgbClr val="E7E6E6"/>
+      </a:lt2>
+      <a:accent1>
+        <a:srgbClr val="5B9BD5"/>
+      </a:accent1>
+      <a:accent2>
+        <a:srgbClr val="ED7D31"/>
+      </a:accent2>
+      <a:accent3>
+        <a:srgbClr val="A5A5A5"/>
+      </a:accent3>
+      <a:accent4>
+        <a:srgbClr val="FFC000"/>
+      </a:accent4>
+      <a:accent5>
+        <a:srgbClr val="4472C4"/>
+      </a:accent5>
+      <a:accent6>
+        <a:srgbClr val="70AD47"/>
+      </a:accent6>
+      <a:hlink>
+        <a:srgbClr val="0563C1"/>
+      </a:hlink>
+      <a:folHlink>
+        <a:srgbClr val="954F72"/>
+      </a:folHlink>
+    </a:clrScheme>
+    <a:fontScheme name="Office">
+      <a:majorFont>
+        <a:latin typeface="Calibri Light" panose="020F0302020204030204"/>
+        <a:ea typeface=""/>
+        <a:cs typeface=""/>
+        <a:font script="Jpan" typeface="游ゴシック Light"/>
+        <a:font script="Hang" typeface="맑은 고딕"/>
+        <a:font script="Hans" typeface="等线 Light"/>
+        <a:font script="Hant" typeface="新細明體"/>
+        <a:font script="Arab" typeface="Times New Roman"/>
+        <a:font script="Hebr" typeface="Times New Roman"/>
+        <a:font script="Thai" typeface="Angsana New"/>
+        <a:font script="Ethi" typeface="Nyala"/>
+        <a:font script="Beng" typeface="Vrinda"/>
+        <a:font script="Gujr" typeface="Shruti"/>
+        <a:font script="Khmr" typeface="MoolBoran"/>
+        <a:font script="Knda" typeface="Tunga"/>
+        <a:font script="Guru" typeface="Raavi"/>
+        <a:font script="Cans" typeface="Euphemia"/>
+        <a:font script="Cher" typeface="Plantagenet Cherokee"/>
+        <a:font script="Yiii" typeface="Microsoft Yi Baiti"/>
+        <a:font script="Tibt" typeface="Microsoft Himalaya"/>
+        <a:font script="Thaa" typeface="MV Boli"/>
+        <a:font script="Deva" typeface="Mangal"/>
+        <a:font script="Telu" typeface="Gautami"/>
+        <a:font script="Taml" typeface="Latha"/>
+        <a:font script="Syrc" typeface="Estrangelo Edessa"/>
+        <a:font script="Orya" typeface="Kalinga"/>
+        <a:font script="Mlym" typeface="Kartika"/>
+        <a:font script="Laoo" typeface="DokChampa"/>
+        <a:font script="Sinh" typeface="Iskoola Pota"/>
+        <a:font script="Mong" typeface="Mongolian Baiti"/>
+        <a:font script="Viet" typeface="Times New Roman"/>
+        <a:font script="Uigh" typeface="Microsoft Uighur"/>
+        <a:font script="Geor" typeface="Sylfaen"/>
+      </a:majorFont>
+      <a:minorFont>
+        <a:latin typeface="Calibri" panose="020F0502020204030204"/>
+        <a:ea typeface=""/>
+        <a:cs typeface=""/>
+        <a:font script="Jpan" typeface="游ゴシック"/>
+        <a:font script="Hang" typeface="맑은 고딕"/>
+        <a:font script="Hans" typeface="等线"/>
+        <a:font script="Hant" typeface="新細明體"/>
+        <a:font script="Arab" typeface="Arial"/>
+        <a:font script="Hebr" typeface="Arial"/>
+        <a:font script="Thai" typeface="Cordia New"/>
+        <a:font script="Ethi" typeface="Nyala"/>
+        <a:font script="Beng" typeface="Vrinda"/>
+        <a:font script="Gujr" typeface="Shruti"/>
+        <a:font script="Khmr" typeface="DaunPenh"/>
+        <a:font script="Knda" typeface="Tunga"/>
+        <a:font script="Guru" typeface="Raavi"/>
+        <a:font script="Cans" typeface="Euphemia"/>
+        <a:font script="Cher" typeface="Plantagenet Cherokee"/>
+        <a:font script="Yiii" typeface="Microsoft Yi Baiti"/>
+        <a:font script="Tibt" typeface="Microsoft Himalaya"/>
+        <a:font script="Thaa" typeface="MV Boli"/>
+        <a:font script="Deva" typeface="Mangal"/>
+        <a:font script="Telu" typeface="Gautami"/>
+        <a:font script="Taml" typeface="Latha"/>
+        <a:font script="Syrc" typeface="Estrangelo Edessa"/>
+        <a:font script="Orya" typeface="Kalinga"/>
+        <a:font script="Mlym" typeface="Kartika"/>
+        <a:font script="Laoo" typeface="DokChampa"/>
+        <a:font script="Sinh" typeface="Iskoola Pota"/>
+        <a:font script="Mong" typeface="Mongolian Baiti"/>
+        <a:font script="Viet" typeface="Arial"/>
+        <a:font script="Uigh" typeface="Microsoft Uighur"/>
+        <a:font script="Geor" typeface="Sylfaen"/>
+      </a:minorFont>
+    </a:fontScheme>
+    <a:fmtScheme name="Office">
+      <a:fillStyleLst>
+        <a:solidFill>
+          <a:schemeClr val="phClr"/>
+        </a:solidFill>
+        <a:gradFill rotWithShape="1">
+          <a:gsLst>
+            <a:gs pos="0">
+              <a:schemeClr val="phClr">
+                <a:lumMod val="110000"/>
+                <a:satMod val="105000"/>
+                <a:tint val="67000"/>
+              </a:schemeClr>
+            </a:gs>
+            <a:gs pos="50000">
+              <a:schemeClr val="phClr">
+                <a:lumMod val="105000"/>
+                <a:satMod val="103000"/>
+                <a:tint val="73000"/>
+              </a:schemeClr>
+            </a:gs>
+            <a:gs pos="100000">
+              <a:schemeClr val="phClr">
+                <a:lumMod val="105000"/>
+                <a:satMod val="109000"/>
+                <a:tint val="81000"/>
+              </a:schemeClr>
+            </a:gs>
+          </a:gsLst>
+          <a:lin ang="5400000" scaled="0"/>
+        </a:gradFill>
+        <a:gradFill rotWithShape="1">
+          <a:gsLst>
+            <a:gs pos="0">
+              <a:schemeClr val="phClr">
+                <a:satMod val="103000"/>
+                <a:lumMod val="102000"/>
+                <a:tint val="94000"/>
+              </a:schemeClr>
+            </a:gs>
+            <a:gs pos="50000">
+              <a:schemeClr val="phClr">
+                <a:satMod val="110000"/>
+                <a:lumMod val="100000"/>
+                <a:shade val="100000"/>
+              </a:schemeClr>
+            </a:gs>
+            <a:gs pos="100000">
+              <a:schemeClr val="phClr">
+                <a:lumMod val="99000"/>
+                <a:satMod val="120000"/>
+                <a:shade val="78000"/>
+              </a:schemeClr>
+            </a:gs>
+          </a:gsLst>
+          <a:lin ang="5400000" scaled="0"/>
+        </a:gradFill>
+      </a:fillStyleLst>
+      <a:lnStyleLst>
+        <a:ln w="6350" cap="flat" cmpd="sng" algn="ctr">
+          <a:solidFill>
+            <a:schemeClr val="phClr"/>
+          </a:solidFill>
+          <a:prstDash val="solid"/>
+          <a:miter lim="800000"/>
+        </a:ln>
+        <a:ln w="12700" cap="flat" cmpd="sng" algn="ctr">
+          <a:solidFill>
+            <a:schemeClr val="phClr"/>
+          </a:solidFill>
+          <a:prstDash val="solid"/>
+          <a:miter lim="800000"/>
+        </a:ln>
+        <a:ln w="19050" cap="flat" cmpd="sng" algn="ctr">
+          <a:solidFill>
+            <a:schemeClr val="phClr"/>
+          </a:solidFill>
+          <a:prstDash val="solid"/>
+          <a:miter lim="800000"/>
+        </a:ln>
+      </a:lnStyleLst>
+      <a:effectStyleLst>
+        <a:effectStyle>
+          <a:effectLst/>
+        </a:effectStyle>
+        <a:effectStyle>
+          <a:effectLst/>
+        </a:effectStyle>
+        <a:effectStyle>
+          <a:effectLst>
+            <a:outerShdw blurRad="57150" dist="19050" dir="5400000" algn="ctr" rotWithShape="0">
+              <a:srgbClr val="000000">
+                <a:alpha val="63000"/>
+              </a:srgbClr>
+            </a:outerShdw>
+          </a:effectLst>
+        </a:effectStyle>
+      </a:effectStyleLst>
+      <a:bgFillStyleLst>
+        <a:solidFill>
+          <a:schemeClr val="phClr"/>
+        </a:solidFill>
+        <a:solidFill>
+          <a:schemeClr val="phClr">
+            <a:tint val="95000"/>
+            <a:satMod val="170000"/>
+          </a:schemeClr>
+        </a:solidFill>
+        <a:gradFill rotWithShape="1">
+          <a:gsLst>
+            <a:gs pos="0">
+              <a:schemeClr val="phClr">
+                <a:tint val="93000"/>
+                <a:satMod val="150000"/>
+                <a:shade val="98000"/>
+                <a:lumMod val="102000"/>
+              </a:schemeClr>
+            </a:gs>
+            <a:gs pos="50000">
+              <a:schemeClr val="phClr">
+                <a:tint val="98000"/>
+                <a:satMod val="130000"/>
+                <a:shade val="90000"/>
+                <a:lumMod val="103000"/>
+              </a:schemeClr>
+            </a:gs>
+            <a:gs pos="100000">
+              <a:schemeClr val="phClr">
+                <a:shade val="63000"/>
+                <a:satMod val="120000"/>
+              </a:schemeClr>
+            </a:gs>
+          </a:gsLst>
+          <a:lin ang="5400000" scaled="0"/>
+        </a:gradFill>
+      </a:bgFillStyleLst>
+    </a:fmtScheme>
+  </a:themeElements>
+  <a:objectDefaults/>
+  <a:extraClrSchemeLst/>
+  <a:extLst>
+    <a:ext uri="{05A4C25C-085E-4340-85A3-A5531E510DB2}">
+      <thm15:themeFamily xmlns:thm15="http://schemas.microsoft.com/office/thememl/2012/main" name="Office Theme" id="{62F939B6-93AF-4DB8-9C6B-D6C7DFDC589F}" vid="{4A3C46E8-61CC-4603-A589-7422A47A8E4A}"/>
+    </a:ext>
+  </a:extLst>
+</a:theme>
 </file>
--- a/src/SE_ELAN/Stimuli/Instructions_Rewarded.pptx
+++ b/src/SE_ELAN/Stimuli/Instructions_Rewarded.pptx
@@ -14477,7 +14477,7 @@
               <a:t>, nous </a:t>
             </a:r>
             <a:r>
-              <a:rPr lang="en-GB" sz="2400"/>
+              <a:rPr lang="en-GB" sz="2400" dirty="0" err="1"/>
               <a:t>voulons</a:t>
             </a:r>
             <a:r>

--- a/src/SE_ELAN/Stimuli/Instructions_Rewarded.pptx
+++ b/src/SE_ELAN/Stimuli/Instructions_Rewarded.pptx
@@ -15280,31 +15280,15 @@
             </a:pPr>
             <a:r>
               <a:rPr lang="fr-FR" sz="2400" dirty="0"/>
-              <a:t>Vous recevrez une indemnisation </a:t>
-            </a:r>
-            <a:r>
-              <a:rPr lang="fr-FR" sz="2400" dirty="0" err="1"/>
-              <a:t>financiè</a:t>
-            </a:r>
-            <a:r>
-              <a:rPr lang="en-GB" sz="2400" dirty="0" smtClean="0"/>
-              <a:t>re de 1 </a:t>
-            </a:r>
-            <a:r>
-              <a:rPr lang="en-GB" sz="2400" dirty="0"/>
-              <a:t>€ </a:t>
+              <a:t>Vous recevrez une indemnisation financière de 1 € pour chaque fois </a:t>
+            </a:r>
+            <a:r>
+              <a:rPr lang="fr-FR" sz="2400" dirty="0" smtClean="0"/>
+              <a:t>que </a:t>
             </a:r>
             <a:r>
               <a:rPr lang="fr-FR" sz="2400" dirty="0"/>
-              <a:t>en fonction du nombre de fois où vous atteignez (ou dépassez) le </a:t>
-            </a:r>
-            <a:r>
-              <a:rPr lang="fr-FR" sz="2400"/>
-              <a:t>score </a:t>
-            </a:r>
-            <a:r>
-              <a:rPr lang="fr-FR" sz="2400" smtClean="0"/>
-              <a:t>cible.</a:t>
+              <a:t>vous atteignez (ou dépassez) le score cible.</a:t>
             </a:r>
             <a:endParaRPr lang="fr-FR" sz="2400" dirty="0"/>
           </a:p>

--- a/src/SE_ELAN/Stimuli/Instructions_Rewarded.pptx
+++ b/src/SE_ELAN/Stimuli/Instructions_Rewarded.pptx
@@ -5,7 +5,7 @@
     <p:sldMasterId id="2147483648" r:id="rId1"/>
   </p:sldMasterIdLst>
   <p:handoutMasterIdLst>
-    <p:handoutMasterId r:id="rId37"/>
+    <p:handoutMasterId r:id="rId36"/>
   </p:handoutMasterIdLst>
   <p:sldIdLst>
     <p:sldId id="256" r:id="rId2"/>
@@ -13,36 +13,35 @@
     <p:sldId id="277" r:id="rId4"/>
     <p:sldId id="265" r:id="rId5"/>
     <p:sldId id="314" r:id="rId6"/>
-    <p:sldId id="317" r:id="rId7"/>
-    <p:sldId id="263" r:id="rId8"/>
-    <p:sldId id="284" r:id="rId9"/>
-    <p:sldId id="280" r:id="rId10"/>
-    <p:sldId id="286" r:id="rId11"/>
-    <p:sldId id="287" r:id="rId12"/>
-    <p:sldId id="289" r:id="rId13"/>
-    <p:sldId id="288" r:id="rId14"/>
-    <p:sldId id="292" r:id="rId15"/>
-    <p:sldId id="283" r:id="rId16"/>
-    <p:sldId id="307" r:id="rId17"/>
-    <p:sldId id="308" r:id="rId18"/>
-    <p:sldId id="309" r:id="rId19"/>
-    <p:sldId id="310" r:id="rId20"/>
-    <p:sldId id="311" r:id="rId21"/>
-    <p:sldId id="312" r:id="rId22"/>
-    <p:sldId id="313" r:id="rId23"/>
-    <p:sldId id="293" r:id="rId24"/>
-    <p:sldId id="294" r:id="rId25"/>
-    <p:sldId id="296" r:id="rId26"/>
-    <p:sldId id="297" r:id="rId27"/>
-    <p:sldId id="298" r:id="rId28"/>
-    <p:sldId id="299" r:id="rId29"/>
-    <p:sldId id="303" r:id="rId30"/>
-    <p:sldId id="301" r:id="rId31"/>
-    <p:sldId id="300" r:id="rId32"/>
-    <p:sldId id="304" r:id="rId33"/>
-    <p:sldId id="306" r:id="rId34"/>
-    <p:sldId id="267" r:id="rId35"/>
-    <p:sldId id="316" r:id="rId36"/>
+    <p:sldId id="263" r:id="rId7"/>
+    <p:sldId id="284" r:id="rId8"/>
+    <p:sldId id="280" r:id="rId9"/>
+    <p:sldId id="286" r:id="rId10"/>
+    <p:sldId id="287" r:id="rId11"/>
+    <p:sldId id="289" r:id="rId12"/>
+    <p:sldId id="288" r:id="rId13"/>
+    <p:sldId id="292" r:id="rId14"/>
+    <p:sldId id="283" r:id="rId15"/>
+    <p:sldId id="307" r:id="rId16"/>
+    <p:sldId id="308" r:id="rId17"/>
+    <p:sldId id="309" r:id="rId18"/>
+    <p:sldId id="310" r:id="rId19"/>
+    <p:sldId id="311" r:id="rId20"/>
+    <p:sldId id="312" r:id="rId21"/>
+    <p:sldId id="313" r:id="rId22"/>
+    <p:sldId id="293" r:id="rId23"/>
+    <p:sldId id="294" r:id="rId24"/>
+    <p:sldId id="296" r:id="rId25"/>
+    <p:sldId id="297" r:id="rId26"/>
+    <p:sldId id="298" r:id="rId27"/>
+    <p:sldId id="299" r:id="rId28"/>
+    <p:sldId id="303" r:id="rId29"/>
+    <p:sldId id="301" r:id="rId30"/>
+    <p:sldId id="300" r:id="rId31"/>
+    <p:sldId id="304" r:id="rId32"/>
+    <p:sldId id="306" r:id="rId33"/>
+    <p:sldId id="267" r:id="rId34"/>
+    <p:sldId id="316" r:id="rId35"/>
   </p:sldIdLst>
   <p:sldSz cx="12192000" cy="6858000"/>
   <p:notesSz cx="6858000" cy="9144000"/>
@@ -231,7 +230,7 @@
           <a:p>
             <a:fld id="{457B588A-FAB3-4C3F-A999-7E77BA0B8118}" type="datetimeFigureOut">
               <a:rPr lang="en-GB" smtClean="0"/>
-              <a:t>20/10/2021</a:t>
+              <a:t>21/10/2021</a:t>
             </a:fld>
             <a:endParaRPr lang="en-GB"/>
           </a:p>
@@ -297,7 +296,7 @@
           <a:p>
             <a:fld id="{756993CC-A683-496E-881E-006544134775}" type="slidenum">
               <a:rPr lang="en-GB" smtClean="0"/>
-              <a:t>‹N°›</a:t>
+              <a:t>‹#›</a:t>
             </a:fld>
             <a:endParaRPr lang="en-GB"/>
           </a:p>
@@ -445,7 +444,7 @@
           <a:p>
             <a:fld id="{1C2A38D2-D57A-4E64-B95F-0826012D069A}" type="datetimeFigureOut">
               <a:rPr lang="en-GB" smtClean="0"/>
-              <a:t>20/10/2021</a:t>
+              <a:t>21/10/2021</a:t>
             </a:fld>
             <a:endParaRPr lang="en-GB" dirty="0"/>
           </a:p>
@@ -487,7 +486,7 @@
           <a:p>
             <a:fld id="{9D7F7A4F-C86B-4E97-8396-79EF10BBD040}" type="slidenum">
               <a:rPr lang="en-GB" smtClean="0"/>
-              <a:t>‹N°›</a:t>
+              <a:t>‹#›</a:t>
             </a:fld>
             <a:endParaRPr lang="en-GB" dirty="0"/>
           </a:p>
@@ -615,7 +614,7 @@
           <a:p>
             <a:fld id="{1C2A38D2-D57A-4E64-B95F-0826012D069A}" type="datetimeFigureOut">
               <a:rPr lang="en-GB" smtClean="0"/>
-              <a:t>20/10/2021</a:t>
+              <a:t>21/10/2021</a:t>
             </a:fld>
             <a:endParaRPr lang="en-GB" dirty="0"/>
           </a:p>
@@ -657,7 +656,7 @@
           <a:p>
             <a:fld id="{9D7F7A4F-C86B-4E97-8396-79EF10BBD040}" type="slidenum">
               <a:rPr lang="en-GB" smtClean="0"/>
-              <a:t>‹N°›</a:t>
+              <a:t>‹#›</a:t>
             </a:fld>
             <a:endParaRPr lang="en-GB" dirty="0"/>
           </a:p>
@@ -795,7 +794,7 @@
           <a:p>
             <a:fld id="{1C2A38D2-D57A-4E64-B95F-0826012D069A}" type="datetimeFigureOut">
               <a:rPr lang="en-GB" smtClean="0"/>
-              <a:t>20/10/2021</a:t>
+              <a:t>21/10/2021</a:t>
             </a:fld>
             <a:endParaRPr lang="en-GB" dirty="0"/>
           </a:p>
@@ -837,7 +836,7 @@
           <a:p>
             <a:fld id="{9D7F7A4F-C86B-4E97-8396-79EF10BBD040}" type="slidenum">
               <a:rPr lang="en-GB" smtClean="0"/>
-              <a:t>‹N°›</a:t>
+              <a:t>‹#›</a:t>
             </a:fld>
             <a:endParaRPr lang="en-GB" dirty="0"/>
           </a:p>
@@ -965,7 +964,7 @@
           <a:p>
             <a:fld id="{1C2A38D2-D57A-4E64-B95F-0826012D069A}" type="datetimeFigureOut">
               <a:rPr lang="en-GB" smtClean="0"/>
-              <a:t>20/10/2021</a:t>
+              <a:t>21/10/2021</a:t>
             </a:fld>
             <a:endParaRPr lang="en-GB" dirty="0"/>
           </a:p>
@@ -1007,7 +1006,7 @@
           <a:p>
             <a:fld id="{9D7F7A4F-C86B-4E97-8396-79EF10BBD040}" type="slidenum">
               <a:rPr lang="en-GB" smtClean="0"/>
-              <a:t>‹N°›</a:t>
+              <a:t>‹#›</a:t>
             </a:fld>
             <a:endParaRPr lang="en-GB" dirty="0"/>
           </a:p>
@@ -1211,7 +1210,7 @@
           <a:p>
             <a:fld id="{1C2A38D2-D57A-4E64-B95F-0826012D069A}" type="datetimeFigureOut">
               <a:rPr lang="en-GB" smtClean="0"/>
-              <a:t>20/10/2021</a:t>
+              <a:t>21/10/2021</a:t>
             </a:fld>
             <a:endParaRPr lang="en-GB" dirty="0"/>
           </a:p>
@@ -1253,7 +1252,7 @@
           <a:p>
             <a:fld id="{9D7F7A4F-C86B-4E97-8396-79EF10BBD040}" type="slidenum">
               <a:rPr lang="en-GB" smtClean="0"/>
-              <a:t>‹N°›</a:t>
+              <a:t>‹#›</a:t>
             </a:fld>
             <a:endParaRPr lang="en-GB" dirty="0"/>
           </a:p>
@@ -1443,7 +1442,7 @@
           <a:p>
             <a:fld id="{1C2A38D2-D57A-4E64-B95F-0826012D069A}" type="datetimeFigureOut">
               <a:rPr lang="en-GB" smtClean="0"/>
-              <a:t>20/10/2021</a:t>
+              <a:t>21/10/2021</a:t>
             </a:fld>
             <a:endParaRPr lang="en-GB" dirty="0"/>
           </a:p>
@@ -1485,7 +1484,7 @@
           <a:p>
             <a:fld id="{9D7F7A4F-C86B-4E97-8396-79EF10BBD040}" type="slidenum">
               <a:rPr lang="en-GB" smtClean="0"/>
-              <a:t>‹N°›</a:t>
+              <a:t>‹#›</a:t>
             </a:fld>
             <a:endParaRPr lang="en-GB" dirty="0"/>
           </a:p>
@@ -1810,7 +1809,7 @@
           <a:p>
             <a:fld id="{1C2A38D2-D57A-4E64-B95F-0826012D069A}" type="datetimeFigureOut">
               <a:rPr lang="en-GB" smtClean="0"/>
-              <a:t>20/10/2021</a:t>
+              <a:t>21/10/2021</a:t>
             </a:fld>
             <a:endParaRPr lang="en-GB" dirty="0"/>
           </a:p>
@@ -1852,7 +1851,7 @@
           <a:p>
             <a:fld id="{9D7F7A4F-C86B-4E97-8396-79EF10BBD040}" type="slidenum">
               <a:rPr lang="en-GB" smtClean="0"/>
-              <a:t>‹N°›</a:t>
+              <a:t>‹#›</a:t>
             </a:fld>
             <a:endParaRPr lang="en-GB" dirty="0"/>
           </a:p>
@@ -1928,7 +1927,7 @@
           <a:p>
             <a:fld id="{1C2A38D2-D57A-4E64-B95F-0826012D069A}" type="datetimeFigureOut">
               <a:rPr lang="en-GB" smtClean="0"/>
-              <a:t>20/10/2021</a:t>
+              <a:t>21/10/2021</a:t>
             </a:fld>
             <a:endParaRPr lang="en-GB" dirty="0"/>
           </a:p>
@@ -1970,7 +1969,7 @@
           <a:p>
             <a:fld id="{9D7F7A4F-C86B-4E97-8396-79EF10BBD040}" type="slidenum">
               <a:rPr lang="en-GB" smtClean="0"/>
-              <a:t>‹N°›</a:t>
+              <a:t>‹#›</a:t>
             </a:fld>
             <a:endParaRPr lang="en-GB" dirty="0"/>
           </a:p>
@@ -2023,7 +2022,7 @@
           <a:p>
             <a:fld id="{1C2A38D2-D57A-4E64-B95F-0826012D069A}" type="datetimeFigureOut">
               <a:rPr lang="en-GB" smtClean="0"/>
-              <a:t>20/10/2021</a:t>
+              <a:t>21/10/2021</a:t>
             </a:fld>
             <a:endParaRPr lang="en-GB" dirty="0"/>
           </a:p>
@@ -2065,7 +2064,7 @@
           <a:p>
             <a:fld id="{9D7F7A4F-C86B-4E97-8396-79EF10BBD040}" type="slidenum">
               <a:rPr lang="en-GB" smtClean="0"/>
-              <a:t>‹N°›</a:t>
+              <a:t>‹#›</a:t>
             </a:fld>
             <a:endParaRPr lang="en-GB" dirty="0"/>
           </a:p>
@@ -2300,7 +2299,7 @@
           <a:p>
             <a:fld id="{1C2A38D2-D57A-4E64-B95F-0826012D069A}" type="datetimeFigureOut">
               <a:rPr lang="en-GB" smtClean="0"/>
-              <a:t>20/10/2021</a:t>
+              <a:t>21/10/2021</a:t>
             </a:fld>
             <a:endParaRPr lang="en-GB" dirty="0"/>
           </a:p>
@@ -2342,7 +2341,7 @@
           <a:p>
             <a:fld id="{9D7F7A4F-C86B-4E97-8396-79EF10BBD040}" type="slidenum">
               <a:rPr lang="en-GB" smtClean="0"/>
-              <a:t>‹N°›</a:t>
+              <a:t>‹#›</a:t>
             </a:fld>
             <a:endParaRPr lang="en-GB" dirty="0"/>
           </a:p>
@@ -2553,7 +2552,7 @@
           <a:p>
             <a:fld id="{1C2A38D2-D57A-4E64-B95F-0826012D069A}" type="datetimeFigureOut">
               <a:rPr lang="en-GB" smtClean="0"/>
-              <a:t>20/10/2021</a:t>
+              <a:t>21/10/2021</a:t>
             </a:fld>
             <a:endParaRPr lang="en-GB" dirty="0"/>
           </a:p>
@@ -2595,7 +2594,7 @@
           <a:p>
             <a:fld id="{9D7F7A4F-C86B-4E97-8396-79EF10BBD040}" type="slidenum">
               <a:rPr lang="en-GB" smtClean="0"/>
-              <a:t>‹N°›</a:t>
+              <a:t>‹#›</a:t>
             </a:fld>
             <a:endParaRPr lang="en-GB" dirty="0"/>
           </a:p>
@@ -2766,7 +2765,7 @@
           <a:p>
             <a:fld id="{1C2A38D2-D57A-4E64-B95F-0826012D069A}" type="datetimeFigureOut">
               <a:rPr lang="en-GB" smtClean="0"/>
-              <a:t>20/10/2021</a:t>
+              <a:t>21/10/2021</a:t>
             </a:fld>
             <a:endParaRPr lang="en-GB" dirty="0"/>
           </a:p>
@@ -2844,7 +2843,7 @@
           <a:p>
             <a:fld id="{9D7F7A4F-C86B-4E97-8396-79EF10BBD040}" type="slidenum">
               <a:rPr lang="en-GB" smtClean="0"/>
-              <a:t>‹N°›</a:t>
+              <a:t>‹#›</a:t>
             </a:fld>
             <a:endParaRPr lang="en-GB" dirty="0"/>
           </a:p>
@@ -3455,8 +3454,8 @@
         </p:nvSpPr>
         <p:spPr>
           <a:xfrm>
-            <a:off x="1874195" y="1160836"/>
-            <a:ext cx="8443609" cy="830997"/>
+            <a:off x="1874192" y="1248963"/>
+            <a:ext cx="8443609" cy="1723549"/>
           </a:xfrm>
           <a:prstGeom prst="rect">
             <a:avLst/>
@@ -3476,7 +3475,18 @@
             </a:pPr>
             <a:r>
               <a:rPr lang="fr-FR" sz="2400" dirty="0"/>
-              <a:t>Vous répondrez à cette question en déplaçant la barre rouge le long de la règle numérique:</a:t>
+              <a:t>Si le score cible est élevé, vous aurez sûrement besoin de visualiser les chiffres de la grille un grand nombre de fois.</a:t>
+            </a:r>
+          </a:p>
+          <a:p>
+            <a:pPr algn="ctr">
+              <a:spcAft>
+                <a:spcPts val="1200"/>
+              </a:spcAft>
+            </a:pPr>
+            <a:r>
+              <a:rPr lang="fr-FR" sz="2400" dirty="0"/>
+              <a:t>Vous pourrez déplacer la barre vers la gauche et la droite en utilisant respectivement les flèches gauche et droite du clavier:</a:t>
             </a:r>
           </a:p>
         </p:txBody>
@@ -3495,7 +3505,7 @@
         </p:nvSpPr>
         <p:spPr>
           <a:xfrm>
-            <a:off x="880108" y="2257327"/>
+            <a:off x="880108" y="3344608"/>
             <a:ext cx="10431779" cy="3026364"/>
           </a:xfrm>
           <a:prstGeom prst="rect">
@@ -3541,10 +3551,10 @@
       </p:sp>
       <p:pic>
         <p:nvPicPr>
-          <p:cNvPr id="2" name="Picture 1">
+          <p:cNvPr id="3" name="Picture 2">
             <a:extLst>
               <a:ext uri="{FF2B5EF4-FFF2-40B4-BE49-F238E27FC236}">
-                <a16:creationId xmlns:a16="http://schemas.microsoft.com/office/drawing/2014/main" id="{86604B23-64CC-48D6-9E97-5644FE03B812}"/>
+                <a16:creationId xmlns:a16="http://schemas.microsoft.com/office/drawing/2014/main" id="{963620DB-4CFA-4111-AF32-463E4AC5369D}"/>
               </a:ext>
             </a:extLst>
           </p:cNvPr>
@@ -3555,13 +3565,13 @@
         </p:nvPicPr>
         <p:blipFill rotWithShape="1">
           <a:blip r:embed="rId2"/>
-          <a:srcRect l="67" t="35200" r="556" b="55467"/>
+          <a:srcRect t="36534" r="1437" b="56133"/>
           <a:stretch/>
         </p:blipFill>
         <p:spPr>
           <a:xfrm>
-            <a:off x="984500" y="3759820"/>
-            <a:ext cx="10222993" cy="640080"/>
+            <a:off x="984500" y="4629190"/>
+            <a:ext cx="10139172" cy="502920"/>
           </a:xfrm>
           <a:prstGeom prst="rect">
             <a:avLst/>
@@ -3570,130 +3580,7 @@
       </p:pic>
       <p:sp>
         <p:nvSpPr>
-          <p:cNvPr id="3" name="Rectangle 2"/>
-          <p:cNvSpPr/>
-          <p:nvPr/>
-        </p:nvSpPr>
-        <p:spPr>
-          <a:xfrm>
-            <a:off x="1437565" y="5607946"/>
-            <a:ext cx="9316871" cy="830997"/>
-          </a:xfrm>
-          <a:prstGeom prst="rect">
-            <a:avLst/>
-          </a:prstGeom>
-        </p:spPr>
-        <p:txBody>
-          <a:bodyPr wrap="square">
-            <a:spAutoFit/>
-          </a:bodyPr>
-          <a:lstStyle/>
-          <a:p>
-            <a:pPr algn="ctr">
-              <a:spcAft>
-                <a:spcPts val="1200"/>
-              </a:spcAft>
-            </a:pPr>
-            <a:r>
-              <a:rPr lang="fr-FR" sz="2400" dirty="0"/>
-              <a:t>Dans l’exemple ci-dessus, j’ai répondu que j’aurai besoin de voir les chiffres de la grille entre 8 et 11 fois pour atteindre le score cible…</a:t>
-            </a:r>
-          </a:p>
-        </p:txBody>
-      </p:sp>
-      <p:sp>
-        <p:nvSpPr>
-          <p:cNvPr id="4" name="Rectangle 3"/>
-          <p:cNvSpPr/>
-          <p:nvPr/>
-        </p:nvSpPr>
-        <p:spPr>
-          <a:xfrm>
-            <a:off x="3048000" y="2953179"/>
-            <a:ext cx="6096000" cy="646331"/>
-          </a:xfrm>
-          <a:prstGeom prst="rect">
-            <a:avLst/>
-          </a:prstGeom>
-        </p:spPr>
-        <p:txBody>
-          <a:bodyPr>
-            <a:spAutoFit/>
-          </a:bodyPr>
-          <a:lstStyle/>
-          <a:p>
-            <a:pPr algn="ctr"/>
-            <a:r>
-              <a:rPr lang="en-GB" dirty="0" err="1"/>
-              <a:t>Combien</a:t>
-            </a:r>
-            <a:r>
-              <a:rPr lang="en-GB" dirty="0"/>
-              <a:t> de </a:t>
-            </a:r>
-            <a:r>
-              <a:rPr lang="en-GB" dirty="0" err="1"/>
-              <a:t>fois</a:t>
-            </a:r>
-            <a:r>
-              <a:rPr lang="en-GB" dirty="0"/>
-              <a:t> </a:t>
-            </a:r>
-            <a:r>
-              <a:rPr lang="en-GB" dirty="0" err="1"/>
-              <a:t>aurez-vous</a:t>
-            </a:r>
-            <a:r>
-              <a:rPr lang="en-GB" dirty="0"/>
-              <a:t> </a:t>
-            </a:r>
-            <a:r>
-              <a:rPr lang="en-GB" dirty="0" err="1"/>
-              <a:t>besoin</a:t>
-            </a:r>
-            <a:r>
-              <a:rPr lang="en-GB" dirty="0"/>
-              <a:t> de </a:t>
-            </a:r>
-            <a:r>
-              <a:rPr lang="en-GB" dirty="0" err="1"/>
-              <a:t>voir</a:t>
-            </a:r>
-            <a:r>
-              <a:rPr lang="en-GB" dirty="0"/>
-              <a:t> les </a:t>
-            </a:r>
-            <a:r>
-              <a:rPr lang="en-GB" dirty="0" err="1"/>
-              <a:t>chiffres</a:t>
-            </a:r>
-            <a:r>
-              <a:rPr lang="en-GB" dirty="0"/>
-              <a:t> de la grille pour </a:t>
-            </a:r>
-            <a:r>
-              <a:rPr lang="en-GB" dirty="0" err="1"/>
-              <a:t>atteindre</a:t>
-            </a:r>
-            <a:r>
-              <a:rPr lang="en-GB" dirty="0"/>
-              <a:t> le score </a:t>
-            </a:r>
-            <a:r>
-              <a:rPr lang="en-GB" dirty="0" err="1"/>
-              <a:t>cible</a:t>
-            </a:r>
-            <a:r>
-              <a:rPr lang="en-GB" dirty="0"/>
-              <a:t> ?</a:t>
-            </a:r>
-            <a:endParaRPr lang="fr-FR" dirty="0"/>
-          </a:p>
-        </p:txBody>
-      </p:sp>
-      <p:sp>
-        <p:nvSpPr>
-          <p:cNvPr id="10" name="ZoneTexte 9"/>
+          <p:cNvPr id="6" name="ZoneTexte 5"/>
           <p:cNvSpPr txBox="1"/>
           <p:nvPr/>
         </p:nvSpPr>
@@ -3743,7 +3630,7 @@
     </p:spTree>
     <p:extLst>
       <p:ext uri="{BB962C8B-B14F-4D97-AF65-F5344CB8AC3E}">
-        <p14:creationId xmlns:p14="http://schemas.microsoft.com/office/powerpoint/2010/main" val="1930955706"/>
+        <p14:creationId xmlns:p14="http://schemas.microsoft.com/office/powerpoint/2010/main" val="3501435358"/>
       </p:ext>
     </p:extLst>
   </p:cSld>
@@ -3778,7 +3665,7 @@
         </p:nvSpPr>
         <p:spPr>
           <a:xfrm>
-            <a:off x="1874192" y="1248963"/>
+            <a:off x="1874192" y="1235319"/>
             <a:ext cx="8443609" cy="1723549"/>
           </a:xfrm>
           <a:prstGeom prst="rect">
@@ -3799,7 +3686,7 @@
             </a:pPr>
             <a:r>
               <a:rPr lang="fr-FR" sz="2400" dirty="0"/>
-              <a:t>Si le score cible est élevé, vous aurez sûrement besoin de visualiser les chiffres de la grille un grand nombre de fois.</a:t>
+              <a:t>Dans certains cas, vous ne saurez pas vraiment combien de fois vous aurez besoin de voir les chiffres de la grille. </a:t>
             </a:r>
           </a:p>
           <a:p>
@@ -3810,8 +3697,21 @@
             </a:pPr>
             <a:r>
               <a:rPr lang="fr-FR" sz="2400" dirty="0"/>
-              <a:t>Vous pourrez déplacer la barre vers la gauche et la droite en utilisant respectivement les flèches gauche et droite du clavier:</a:t>
-            </a:r>
+              <a:t>Vous pourrez alors augmenter la largeur de la barre en utilisant la </a:t>
+            </a:r>
+            <a:r>
+              <a:rPr lang="fr-FR" sz="2400" dirty="0" err="1"/>
+              <a:t>flè</a:t>
+            </a:r>
+            <a:r>
+              <a:rPr lang="en-US" sz="2400" dirty="0" err="1"/>
+              <a:t>che</a:t>
+            </a:r>
+            <a:r>
+              <a:rPr lang="en-US" sz="2400" dirty="0"/>
+              <a:t> du haut du clavier:</a:t>
+            </a:r>
+            <a:endParaRPr lang="fr-FR" sz="2400" dirty="0"/>
           </a:p>
         </p:txBody>
       </p:sp>
@@ -3829,7 +3729,7 @@
         </p:nvSpPr>
         <p:spPr>
           <a:xfrm>
-            <a:off x="880108" y="3344608"/>
+            <a:off x="880108" y="3403746"/>
             <a:ext cx="10431779" cy="3026364"/>
           </a:xfrm>
           <a:prstGeom prst="rect">
@@ -3894,7 +3794,7 @@
         </p:blipFill>
         <p:spPr>
           <a:xfrm>
-            <a:off x="984500" y="4629190"/>
+            <a:off x="984500" y="4688328"/>
             <a:ext cx="10139172" cy="502920"/>
           </a:xfrm>
           <a:prstGeom prst="rect">
@@ -3902,9 +3802,38 @@
           </a:prstGeom>
         </p:spPr>
       </p:pic>
-      <p:sp>
-        <p:nvSpPr>
-          <p:cNvPr id="6" name="ZoneTexte 5"/>
+      <p:pic>
+        <p:nvPicPr>
+          <p:cNvPr id="4" name="Picture 3">
+            <a:extLst>
+              <a:ext uri="{FF2B5EF4-FFF2-40B4-BE49-F238E27FC236}">
+                <a16:creationId xmlns:a16="http://schemas.microsoft.com/office/drawing/2014/main" id="{1D8EC20F-7B23-44F2-A770-70EBAE2ADB90}"/>
+              </a:ext>
+            </a:extLst>
+          </p:cNvPr>
+          <p:cNvPicPr>
+            <a:picLocks noChangeAspect="1"/>
+          </p:cNvPicPr>
+          <p:nvPr/>
+        </p:nvPicPr>
+        <p:blipFill rotWithShape="1">
+          <a:blip r:embed="rId3"/>
+          <a:srcRect l="1015" t="36305" r="1436" b="55417"/>
+          <a:stretch/>
+        </p:blipFill>
+        <p:spPr>
+          <a:xfrm>
+            <a:off x="1099564" y="4674612"/>
+            <a:ext cx="10034780" cy="567707"/>
+          </a:xfrm>
+          <a:prstGeom prst="rect">
+            <a:avLst/>
+          </a:prstGeom>
+        </p:spPr>
+      </p:pic>
+      <p:sp>
+        <p:nvSpPr>
+          <p:cNvPr id="8" name="ZoneTexte 7"/>
           <p:cNvSpPr txBox="1"/>
           <p:nvPr/>
         </p:nvSpPr>
@@ -3954,7 +3883,7 @@
     </p:spTree>
     <p:extLst>
       <p:ext uri="{BB962C8B-B14F-4D97-AF65-F5344CB8AC3E}">
-        <p14:creationId xmlns:p14="http://schemas.microsoft.com/office/powerpoint/2010/main" val="3501435358"/>
+        <p14:creationId xmlns:p14="http://schemas.microsoft.com/office/powerpoint/2010/main" val="1954343868"/>
       </p:ext>
     </p:extLst>
   </p:cSld>
@@ -3989,8 +3918,8 @@
         </p:nvSpPr>
         <p:spPr>
           <a:xfrm>
-            <a:off x="1874192" y="1235319"/>
-            <a:ext cx="8443609" cy="1723549"/>
+            <a:off x="1874192" y="1426388"/>
+            <a:ext cx="8443609" cy="830997"/>
           </a:xfrm>
           <a:prstGeom prst="rect">
             <a:avLst/>
@@ -4010,32 +3939,8 @@
             </a:pPr>
             <a:r>
               <a:rPr lang="fr-FR" sz="2400" dirty="0"/>
-              <a:t>Dans certains cas, vous ne saurez pas vraiment combien de fois vous aurez besoin de voir les chiffres de la grille. </a:t>
-            </a:r>
-          </a:p>
-          <a:p>
-            <a:pPr algn="ctr">
-              <a:spcAft>
-                <a:spcPts val="1200"/>
-              </a:spcAft>
-            </a:pPr>
-            <a:r>
-              <a:rPr lang="fr-FR" sz="2400" dirty="0"/>
-              <a:t>Vous pourrez alors augmenter la largeur de la barre en utilisant la </a:t>
-            </a:r>
-            <a:r>
-              <a:rPr lang="fr-FR" sz="2400" dirty="0" err="1"/>
-              <a:t>flè</a:t>
-            </a:r>
-            <a:r>
-              <a:rPr lang="en-US" sz="2400" dirty="0" err="1"/>
-              <a:t>che</a:t>
-            </a:r>
-            <a:r>
-              <a:rPr lang="en-US" sz="2400" dirty="0"/>
-              <a:t> du haut du clavier:</a:t>
-            </a:r>
-            <a:endParaRPr lang="fr-FR" sz="2400" dirty="0"/>
+              <a:t>Bien évidemment, vous pourrez aussi raccourcir la largeur de la barre en utilisant la flèche du bas:</a:t>
+            </a:r>
           </a:p>
         </p:txBody>
       </p:sp>
@@ -4053,7 +3958,7 @@
         </p:nvSpPr>
         <p:spPr>
           <a:xfrm>
-            <a:off x="880108" y="3403746"/>
+            <a:off x="880108" y="3080749"/>
             <a:ext cx="10431779" cy="3026364"/>
           </a:xfrm>
           <a:prstGeom prst="rect">
@@ -4118,7 +4023,7 @@
         </p:blipFill>
         <p:spPr>
           <a:xfrm>
-            <a:off x="984500" y="4688328"/>
+            <a:off x="984500" y="4365331"/>
             <a:ext cx="10139172" cy="502920"/>
           </a:xfrm>
           <a:prstGeom prst="rect">
@@ -4128,10 +4033,10 @@
       </p:pic>
       <p:pic>
         <p:nvPicPr>
-          <p:cNvPr id="4" name="Picture 3">
+          <p:cNvPr id="9" name="Picture 8">
             <a:extLst>
               <a:ext uri="{FF2B5EF4-FFF2-40B4-BE49-F238E27FC236}">
-                <a16:creationId xmlns:a16="http://schemas.microsoft.com/office/drawing/2014/main" id="{1D8EC20F-7B23-44F2-A770-70EBAE2ADB90}"/>
+                <a16:creationId xmlns:a16="http://schemas.microsoft.com/office/drawing/2014/main" id="{4027480D-F9F5-4728-88AA-1CD183495D1E}"/>
               </a:ext>
             </a:extLst>
           </p:cNvPr>
@@ -4142,13 +4047,13 @@
         </p:nvPicPr>
         <p:blipFill rotWithShape="1">
           <a:blip r:embed="rId3"/>
-          <a:srcRect l="1015" t="36305" r="1436" b="55417"/>
+          <a:srcRect l="311" t="36000" r="1126" b="55078"/>
           <a:stretch/>
         </p:blipFill>
         <p:spPr>
           <a:xfrm>
-            <a:off x="1099564" y="4674612"/>
-            <a:ext cx="10034780" cy="567707"/>
+            <a:off x="1021076" y="4334256"/>
+            <a:ext cx="10139172" cy="611869"/>
           </a:xfrm>
           <a:prstGeom prst="rect">
             <a:avLst/>
@@ -4207,7 +4112,7 @@
     </p:spTree>
     <p:extLst>
       <p:ext uri="{BB962C8B-B14F-4D97-AF65-F5344CB8AC3E}">
-        <p14:creationId xmlns:p14="http://schemas.microsoft.com/office/powerpoint/2010/main" val="1954343868"/>
+        <p14:creationId xmlns:p14="http://schemas.microsoft.com/office/powerpoint/2010/main" val="3261071307"/>
       </p:ext>
     </p:extLst>
   </p:cSld>
@@ -4242,8 +4147,8 @@
         </p:nvSpPr>
         <p:spPr>
           <a:xfrm>
-            <a:off x="1874192" y="1426388"/>
-            <a:ext cx="8443609" cy="830997"/>
+            <a:off x="1874192" y="1367248"/>
+            <a:ext cx="8443609" cy="461665"/>
           </a:xfrm>
           <a:prstGeom prst="rect">
             <a:avLst/>
@@ -4263,7 +4168,7 @@
             </a:pPr>
             <a:r>
               <a:rPr lang="fr-FR" sz="2400" dirty="0"/>
-              <a:t>Bien évidemment, vous pourrez aussi raccourcir la largeur de la barre en utilisant la flèche du bas:</a:t>
+              <a:t>Pour confirmer votre réponse, appuyez sur « Entrée ».</a:t>
             </a:r>
           </a:p>
         </p:txBody>
@@ -4282,7 +4187,7 @@
         </p:nvSpPr>
         <p:spPr>
           <a:xfrm>
-            <a:off x="880108" y="3080749"/>
+            <a:off x="880108" y="2371063"/>
             <a:ext cx="10431779" cy="3026364"/>
           </a:xfrm>
           <a:prstGeom prst="rect">
@@ -4328,235 +4233,6 @@
       </p:sp>
       <p:pic>
         <p:nvPicPr>
-          <p:cNvPr id="3" name="Picture 2">
-            <a:extLst>
-              <a:ext uri="{FF2B5EF4-FFF2-40B4-BE49-F238E27FC236}">
-                <a16:creationId xmlns:a16="http://schemas.microsoft.com/office/drawing/2014/main" id="{963620DB-4CFA-4111-AF32-463E4AC5369D}"/>
-              </a:ext>
-            </a:extLst>
-          </p:cNvPr>
-          <p:cNvPicPr>
-            <a:picLocks noChangeAspect="1"/>
-          </p:cNvPicPr>
-          <p:nvPr/>
-        </p:nvPicPr>
-        <p:blipFill rotWithShape="1">
-          <a:blip r:embed="rId2"/>
-          <a:srcRect t="36534" r="1437" b="56133"/>
-          <a:stretch/>
-        </p:blipFill>
-        <p:spPr>
-          <a:xfrm>
-            <a:off x="984500" y="4365331"/>
-            <a:ext cx="10139172" cy="502920"/>
-          </a:xfrm>
-          <a:prstGeom prst="rect">
-            <a:avLst/>
-          </a:prstGeom>
-        </p:spPr>
-      </p:pic>
-      <p:pic>
-        <p:nvPicPr>
-          <p:cNvPr id="9" name="Picture 8">
-            <a:extLst>
-              <a:ext uri="{FF2B5EF4-FFF2-40B4-BE49-F238E27FC236}">
-                <a16:creationId xmlns:a16="http://schemas.microsoft.com/office/drawing/2014/main" id="{4027480D-F9F5-4728-88AA-1CD183495D1E}"/>
-              </a:ext>
-            </a:extLst>
-          </p:cNvPr>
-          <p:cNvPicPr>
-            <a:picLocks noChangeAspect="1"/>
-          </p:cNvPicPr>
-          <p:nvPr/>
-        </p:nvPicPr>
-        <p:blipFill rotWithShape="1">
-          <a:blip r:embed="rId3"/>
-          <a:srcRect l="311" t="36000" r="1126" b="55078"/>
-          <a:stretch/>
-        </p:blipFill>
-        <p:spPr>
-          <a:xfrm>
-            <a:off x="1021076" y="4334256"/>
-            <a:ext cx="10139172" cy="611869"/>
-          </a:xfrm>
-          <a:prstGeom prst="rect">
-            <a:avLst/>
-          </a:prstGeom>
-        </p:spPr>
-      </p:pic>
-      <p:sp>
-        <p:nvSpPr>
-          <p:cNvPr id="8" name="ZoneTexte 7"/>
-          <p:cNvSpPr txBox="1"/>
-          <p:nvPr/>
-        </p:nvSpPr>
-        <p:spPr>
-          <a:xfrm>
-            <a:off x="3103206" y="333892"/>
-            <a:ext cx="5985588" cy="461665"/>
-          </a:xfrm>
-          <a:prstGeom prst="rect">
-            <a:avLst/>
-          </a:prstGeom>
-          <a:noFill/>
-          <a:ln>
-            <a:noFill/>
-          </a:ln>
-        </p:spPr>
-        <p:txBody>
-          <a:bodyPr wrap="square" rtlCol="0" anchor="ctr">
-            <a:spAutoFit/>
-          </a:bodyPr>
-          <a:lstStyle/>
-          <a:p>
-            <a:pPr algn="ctr">
-              <a:spcBef>
-                <a:spcPts val="1800"/>
-              </a:spcBef>
-              <a:spcAft>
-                <a:spcPts val="1800"/>
-              </a:spcAft>
-            </a:pPr>
-            <a:r>
-              <a:rPr lang="fr-FR" sz="2400" b="1" dirty="0">
-                <a:solidFill>
-                  <a:srgbClr val="0070C0"/>
-                </a:solidFill>
-              </a:rPr>
-              <a:t>ETAPE 2 - IMAGINATION DE L’EFFORT</a:t>
-            </a:r>
-            <a:endParaRPr lang="en-GB" sz="2400" b="1" dirty="0">
-              <a:solidFill>
-                <a:srgbClr val="0070C0"/>
-              </a:solidFill>
-            </a:endParaRPr>
-          </a:p>
-        </p:txBody>
-      </p:sp>
-    </p:spTree>
-    <p:extLst>
-      <p:ext uri="{BB962C8B-B14F-4D97-AF65-F5344CB8AC3E}">
-        <p14:creationId xmlns:p14="http://schemas.microsoft.com/office/powerpoint/2010/main" val="3261071307"/>
-      </p:ext>
-    </p:extLst>
-  </p:cSld>
-  <p:clrMapOvr>
-    <a:masterClrMapping/>
-  </p:clrMapOvr>
-</p:sld>
-</file>
-
-<file path=ppt/slides/slide14.xml><?xml version="1.0" encoding="utf-8"?>
-<p:sld xmlns:a="http://schemas.openxmlformats.org/drawingml/2006/main" xmlns:r="http://schemas.openxmlformats.org/officeDocument/2006/relationships" xmlns:p="http://schemas.openxmlformats.org/presentationml/2006/main">
-  <p:cSld>
-    <p:spTree>
-      <p:nvGrpSpPr>
-        <p:cNvPr id="1" name=""/>
-        <p:cNvGrpSpPr/>
-        <p:nvPr/>
-      </p:nvGrpSpPr>
-      <p:grpSpPr>
-        <a:xfrm>
-          <a:off x="0" y="0"/>
-          <a:ext cx="0" cy="0"/>
-          <a:chOff x="0" y="0"/>
-          <a:chExt cx="0" cy="0"/>
-        </a:xfrm>
-      </p:grpSpPr>
-      <p:sp>
-        <p:nvSpPr>
-          <p:cNvPr id="7" name="ZoneTexte 6"/>
-          <p:cNvSpPr txBox="1"/>
-          <p:nvPr/>
-        </p:nvSpPr>
-        <p:spPr>
-          <a:xfrm>
-            <a:off x="1874192" y="1367248"/>
-            <a:ext cx="8443609" cy="461665"/>
-          </a:xfrm>
-          <a:prstGeom prst="rect">
-            <a:avLst/>
-          </a:prstGeom>
-          <a:noFill/>
-        </p:spPr>
-        <p:txBody>
-          <a:bodyPr wrap="square" rtlCol="0">
-            <a:spAutoFit/>
-          </a:bodyPr>
-          <a:lstStyle/>
-          <a:p>
-            <a:pPr algn="ctr">
-              <a:spcAft>
-                <a:spcPts val="1200"/>
-              </a:spcAft>
-            </a:pPr>
-            <a:r>
-              <a:rPr lang="fr-FR" sz="2400" dirty="0"/>
-              <a:t>Pour confirmer votre réponse, appuyez sur « Entrée ».</a:t>
-            </a:r>
-          </a:p>
-        </p:txBody>
-      </p:sp>
-      <p:sp>
-        <p:nvSpPr>
-          <p:cNvPr id="5" name="Rectangle 4">
-            <a:extLst>
-              <a:ext uri="{FF2B5EF4-FFF2-40B4-BE49-F238E27FC236}">
-                <a16:creationId xmlns:a16="http://schemas.microsoft.com/office/drawing/2014/main" id="{81D94340-0653-49C5-B2BE-24A29E7CE6F2}"/>
-              </a:ext>
-            </a:extLst>
-          </p:cNvPr>
-          <p:cNvSpPr/>
-          <p:nvPr/>
-        </p:nvSpPr>
-        <p:spPr>
-          <a:xfrm>
-            <a:off x="880108" y="2371063"/>
-            <a:ext cx="10431779" cy="3026364"/>
-          </a:xfrm>
-          <a:prstGeom prst="rect">
-            <a:avLst/>
-          </a:prstGeom>
-          <a:noFill/>
-          <a:ln w="76200">
-            <a:solidFill>
-              <a:schemeClr val="bg1">
-                <a:lumMod val="65000"/>
-              </a:schemeClr>
-            </a:solidFill>
-          </a:ln>
-        </p:spPr>
-        <p:style>
-          <a:lnRef idx="2">
-            <a:schemeClr val="accent1">
-              <a:shade val="50000"/>
-            </a:schemeClr>
-          </a:lnRef>
-          <a:fillRef idx="1">
-            <a:schemeClr val="accent1"/>
-          </a:fillRef>
-          <a:effectRef idx="0">
-            <a:schemeClr val="accent1"/>
-          </a:effectRef>
-          <a:fontRef idx="minor">
-            <a:schemeClr val="lt1"/>
-          </a:fontRef>
-        </p:style>
-        <p:txBody>
-          <a:bodyPr rtlCol="0" anchor="ctr"/>
-          <a:lstStyle/>
-          <a:p>
-            <a:pPr algn="ctr"/>
-            <a:endParaRPr lang="en-GB">
-              <a:solidFill>
-                <a:schemeClr val="tx1"/>
-              </a:solidFill>
-            </a:endParaRPr>
-          </a:p>
-        </p:txBody>
-      </p:sp>
-      <p:pic>
-        <p:nvPicPr>
           <p:cNvPr id="10" name="Picture 9">
             <a:extLst>
               <a:ext uri="{FF2B5EF4-FFF2-40B4-BE49-F238E27FC236}">
@@ -4680,7 +4356,7 @@
 </p:sld>
 </file>
 
-<file path=ppt/slides/slide15.xml><?xml version="1.0" encoding="utf-8"?>
+<file path=ppt/slides/slide14.xml><?xml version="1.0" encoding="utf-8"?>
 <p:sld xmlns:a="http://schemas.openxmlformats.org/drawingml/2006/main" xmlns:r="http://schemas.openxmlformats.org/officeDocument/2006/relationships" xmlns:p="http://schemas.openxmlformats.org/presentationml/2006/main">
   <p:cSld>
     <p:spTree>
@@ -5092,7 +4768,7 @@
             <a:p>
               <a:pPr algn="ctr"/>
               <a:r>
-                <a:rPr lang="en-GB" sz="2800" dirty="0" smtClean="0">
+                <a:rPr lang="en-GB" sz="2800" dirty="0">
                   <a:solidFill>
                     <a:schemeClr val="tx1"/>
                   </a:solidFill>
@@ -5181,7 +4857,7 @@
 </p:sld>
 </file>
 
-<file path=ppt/slides/slide16.xml><?xml version="1.0" encoding="utf-8"?>
+<file path=ppt/slides/slide15.xml><?xml version="1.0" encoding="utf-8"?>
 <p:sld xmlns:a="http://schemas.openxmlformats.org/drawingml/2006/main" xmlns:r="http://schemas.openxmlformats.org/officeDocument/2006/relationships" xmlns:p="http://schemas.openxmlformats.org/presentationml/2006/main">
   <p:cSld>
     <p:spTree>
@@ -5690,7 +5366,7 @@
             <a:lstStyle/>
             <a:p>
               <a:r>
-                <a:rPr lang="en-GB" sz="2800" dirty="0" smtClean="0"/>
+                <a:rPr lang="en-GB" sz="2800" dirty="0"/>
                 <a:t>2</a:t>
               </a:r>
               <a:endParaRPr lang="en-GB" dirty="0"/>
@@ -5720,7 +5396,7 @@
             <a:lstStyle/>
             <a:p>
               <a:r>
-                <a:rPr lang="en-GB" sz="2800" dirty="0" smtClean="0"/>
+                <a:rPr lang="en-GB" sz="2800" dirty="0"/>
                 <a:t>2</a:t>
               </a:r>
               <a:endParaRPr lang="en-GB" dirty="0"/>
@@ -5741,7 +5417,7 @@
 </p:sld>
 </file>
 
-<file path=ppt/slides/slide17.xml><?xml version="1.0" encoding="utf-8"?>
+<file path=ppt/slides/slide16.xml><?xml version="1.0" encoding="utf-8"?>
 <p:sld xmlns:a="http://schemas.openxmlformats.org/drawingml/2006/main" xmlns:r="http://schemas.openxmlformats.org/officeDocument/2006/relationships" xmlns:p="http://schemas.openxmlformats.org/presentationml/2006/main">
   <p:cSld>
     <p:spTree>
@@ -6277,10 +5953,9 @@
           <a:lstStyle/>
           <a:p>
             <a:r>
-              <a:rPr lang="en-GB" sz="2400" dirty="0" smtClean="0"/>
+              <a:rPr lang="en-GB" sz="2400" dirty="0"/>
               <a:t>3</a:t>
             </a:r>
-            <a:endParaRPr lang="en-GB" sz="2400" dirty="0"/>
           </a:p>
         </p:txBody>
       </p:sp>
@@ -6307,10 +5982,9 @@
           <a:lstStyle/>
           <a:p>
             <a:r>
-              <a:rPr lang="en-GB" sz="2400" dirty="0" smtClean="0"/>
+              <a:rPr lang="en-GB" sz="2400" dirty="0"/>
               <a:t>3</a:t>
             </a:r>
-            <a:endParaRPr lang="en-GB" sz="2400" dirty="0"/>
           </a:p>
         </p:txBody>
       </p:sp>
@@ -6327,7 +6001,7 @@
 </p:sld>
 </file>
 
-<file path=ppt/slides/slide18.xml><?xml version="1.0" encoding="utf-8"?>
+<file path=ppt/slides/slide17.xml><?xml version="1.0" encoding="utf-8"?>
 <p:sld xmlns:a="http://schemas.openxmlformats.org/drawingml/2006/main" xmlns:r="http://schemas.openxmlformats.org/officeDocument/2006/relationships" xmlns:p="http://schemas.openxmlformats.org/presentationml/2006/main">
   <p:cSld>
     <p:spTree>
@@ -6892,10 +6566,9 @@
           <a:lstStyle/>
           <a:p>
             <a:r>
-              <a:rPr lang="en-GB" sz="2800" dirty="0" smtClean="0"/>
+              <a:rPr lang="en-GB" sz="2800" dirty="0"/>
               <a:t>4</a:t>
             </a:r>
-            <a:endParaRPr lang="en-GB" sz="2800" dirty="0"/>
           </a:p>
         </p:txBody>
       </p:sp>
@@ -6912,7 +6585,7 @@
 </p:sld>
 </file>
 
-<file path=ppt/slides/slide19.xml><?xml version="1.0" encoding="utf-8"?>
+<file path=ppt/slides/slide18.xml><?xml version="1.0" encoding="utf-8"?>
 <p:sld xmlns:a="http://schemas.openxmlformats.org/drawingml/2006/main" xmlns:r="http://schemas.openxmlformats.org/officeDocument/2006/relationships" xmlns:p="http://schemas.openxmlformats.org/presentationml/2006/main">
   <p:cSld>
     <p:spTree>
@@ -7448,10 +7121,9 @@
           <a:lstStyle/>
           <a:p>
             <a:r>
-              <a:rPr lang="en-GB" sz="2800" dirty="0" smtClean="0"/>
+              <a:rPr lang="en-GB" sz="2800" dirty="0"/>
               <a:t>5</a:t>
             </a:r>
-            <a:endParaRPr lang="en-GB" sz="2800" dirty="0"/>
           </a:p>
         </p:txBody>
       </p:sp>
@@ -7478,10 +7150,9 @@
           <a:lstStyle/>
           <a:p>
             <a:r>
-              <a:rPr lang="en-GB" sz="2800" dirty="0" smtClean="0"/>
+              <a:rPr lang="en-GB" sz="2800" dirty="0"/>
               <a:t>5</a:t>
             </a:r>
-            <a:endParaRPr lang="en-GB" sz="2800" dirty="0"/>
           </a:p>
         </p:txBody>
       </p:sp>
@@ -7498,110 +7169,7 @@
 </p:sld>
 </file>
 
-<file path=ppt/slides/slide2.xml><?xml version="1.0" encoding="utf-8"?>
-<p:sld xmlns:a="http://schemas.openxmlformats.org/drawingml/2006/main" xmlns:r="http://schemas.openxmlformats.org/officeDocument/2006/relationships" xmlns:p="http://schemas.openxmlformats.org/presentationml/2006/main">
-  <p:cSld>
-    <p:spTree>
-      <p:nvGrpSpPr>
-        <p:cNvPr id="1" name=""/>
-        <p:cNvGrpSpPr/>
-        <p:nvPr/>
-      </p:nvGrpSpPr>
-      <p:grpSpPr>
-        <a:xfrm>
-          <a:off x="0" y="0"/>
-          <a:ext cx="0" cy="0"/>
-          <a:chOff x="0" y="0"/>
-          <a:chExt cx="0" cy="0"/>
-        </a:xfrm>
-      </p:grpSpPr>
-      <p:sp>
-        <p:nvSpPr>
-          <p:cNvPr id="5" name="ZoneTexte 4"/>
-          <p:cNvSpPr txBox="1"/>
-          <p:nvPr/>
-        </p:nvSpPr>
-        <p:spPr>
-          <a:xfrm>
-            <a:off x="1874196" y="1536174"/>
-            <a:ext cx="8443609" cy="3785652"/>
-          </a:xfrm>
-          <a:prstGeom prst="rect">
-            <a:avLst/>
-          </a:prstGeom>
-          <a:noFill/>
-        </p:spPr>
-        <p:txBody>
-          <a:bodyPr wrap="square" rtlCol="0">
-            <a:spAutoFit/>
-          </a:bodyPr>
-          <a:lstStyle/>
-          <a:p>
-            <a:pPr algn="ctr"/>
-            <a:r>
-              <a:rPr lang="en-GB" sz="2400" dirty="0"/>
-              <a:t>Ce test dure environs 25 minutes.</a:t>
-            </a:r>
-          </a:p>
-          <a:p>
-            <a:pPr algn="ctr"/>
-            <a:endParaRPr lang="en-GB" sz="2400" dirty="0"/>
-          </a:p>
-          <a:p>
-            <a:pPr algn="ctr"/>
-            <a:r>
-              <a:rPr lang="fr-FR" sz="2400" dirty="0"/>
-              <a:t>Il s’agit d’un test mesurant votre capacité à </a:t>
-            </a:r>
-            <a:r>
-              <a:rPr lang="fr-FR" sz="2400" dirty="0" err="1"/>
-              <a:t>auto-évaluer</a:t>
-            </a:r>
-            <a:r>
-              <a:rPr lang="fr-FR" sz="2400" dirty="0"/>
-              <a:t> correctement vos compétences mentales. C’est ce qu’on appelle la </a:t>
-            </a:r>
-            <a:r>
-              <a:rPr lang="fr-FR" sz="2400" i="1" dirty="0"/>
-              <a:t>métacognition</a:t>
-            </a:r>
-            <a:r>
-              <a:rPr lang="fr-FR" sz="2400" dirty="0"/>
-              <a:t>.</a:t>
-            </a:r>
-            <a:endParaRPr lang="en-GB" sz="2400" dirty="0"/>
-          </a:p>
-          <a:p>
-            <a:pPr algn="ctr"/>
-            <a:endParaRPr lang="en-GB" sz="2400" dirty="0"/>
-          </a:p>
-          <a:p>
-            <a:pPr algn="ctr"/>
-            <a:r>
-              <a:rPr lang="fr-FR" sz="2400" dirty="0"/>
-              <a:t>En résumé, vous allez effectuer une série d’exercices de mémoire. Ces exercices seront plus ou moins difficiles. Pour chacun d’entre eux, nous vous demanderons d’auto-évaluer votre performance.</a:t>
-            </a:r>
-          </a:p>
-          <a:p>
-            <a:pPr algn="ctr"/>
-            <a:endParaRPr lang="en-GB" sz="2400" dirty="0"/>
-          </a:p>
-        </p:txBody>
-      </p:sp>
-    </p:spTree>
-    <p:extLst>
-      <p:ext uri="{BB962C8B-B14F-4D97-AF65-F5344CB8AC3E}">
-        <p14:creationId xmlns:p14="http://schemas.microsoft.com/office/powerpoint/2010/main" val="1918833446"/>
-      </p:ext>
-    </p:extLst>
-  </p:cSld>
-  <p:clrMapOvr>
-    <a:masterClrMapping/>
-  </p:clrMapOvr>
-</p:sld>
-</file>
-
-<file path=ppt/slides/slide20.xml><?xml version="1.0" encoding="utf-8"?>
+<file path=ppt/slides/slide19.xml><?xml version="1.0" encoding="utf-8"?>
 <p:sld xmlns:a="http://schemas.openxmlformats.org/drawingml/2006/main" xmlns:r="http://schemas.openxmlformats.org/officeDocument/2006/relationships" xmlns:p="http://schemas.openxmlformats.org/presentationml/2006/main">
   <p:cSld>
     <p:spTree>
@@ -8137,10 +7705,9 @@
           <a:lstStyle/>
           <a:p>
             <a:r>
-              <a:rPr lang="en-GB" sz="2800" dirty="0" smtClean="0"/>
+              <a:rPr lang="en-GB" sz="2800" dirty="0"/>
               <a:t>6</a:t>
             </a:r>
-            <a:endParaRPr lang="en-GB" sz="2800" dirty="0"/>
           </a:p>
         </p:txBody>
       </p:sp>
@@ -8167,7 +7734,7 @@
           <a:lstStyle/>
           <a:p>
             <a:r>
-              <a:rPr lang="en-GB" sz="2800" dirty="0" smtClean="0"/>
+              <a:rPr lang="en-GB" sz="2800" dirty="0"/>
               <a:t>6</a:t>
             </a:r>
             <a:endParaRPr lang="en-GB" dirty="0"/>
@@ -8187,7 +7754,117 @@
 </p:sld>
 </file>
 
-<file path=ppt/slides/slide21.xml><?xml version="1.0" encoding="utf-8"?>
+<file path=ppt/slides/slide2.xml><?xml version="1.0" encoding="utf-8"?>
+<p:sld xmlns:a="http://schemas.openxmlformats.org/drawingml/2006/main" xmlns:r="http://schemas.openxmlformats.org/officeDocument/2006/relationships" xmlns:p="http://schemas.openxmlformats.org/presentationml/2006/main">
+  <p:cSld>
+    <p:spTree>
+      <p:nvGrpSpPr>
+        <p:cNvPr id="1" name=""/>
+        <p:cNvGrpSpPr/>
+        <p:nvPr/>
+      </p:nvGrpSpPr>
+      <p:grpSpPr>
+        <a:xfrm>
+          <a:off x="0" y="0"/>
+          <a:ext cx="0" cy="0"/>
+          <a:chOff x="0" y="0"/>
+          <a:chExt cx="0" cy="0"/>
+        </a:xfrm>
+      </p:grpSpPr>
+      <p:sp>
+        <p:nvSpPr>
+          <p:cNvPr id="5" name="ZoneTexte 4"/>
+          <p:cNvSpPr txBox="1"/>
+          <p:nvPr/>
+        </p:nvSpPr>
+        <p:spPr>
+          <a:xfrm>
+            <a:off x="1874196" y="1166843"/>
+            <a:ext cx="8443609" cy="4524315"/>
+          </a:xfrm>
+          <a:prstGeom prst="rect">
+            <a:avLst/>
+          </a:prstGeom>
+          <a:noFill/>
+        </p:spPr>
+        <p:txBody>
+          <a:bodyPr wrap="square" rtlCol="0">
+            <a:spAutoFit/>
+          </a:bodyPr>
+          <a:lstStyle/>
+          <a:p>
+            <a:pPr algn="ctr"/>
+            <a:r>
+              <a:rPr lang="en-GB" sz="2400" dirty="0"/>
+              <a:t>Ce test dure environs 25 minutes.</a:t>
+            </a:r>
+          </a:p>
+          <a:p>
+            <a:pPr algn="ctr"/>
+            <a:endParaRPr lang="en-GB" sz="2400" dirty="0"/>
+          </a:p>
+          <a:p>
+            <a:pPr algn="ctr"/>
+            <a:r>
+              <a:rPr lang="fr-FR" sz="2400" dirty="0"/>
+              <a:t>Il s’agit d’un test mesurant votre capacité à </a:t>
+            </a:r>
+            <a:r>
+              <a:rPr lang="fr-FR" sz="2400" dirty="0" err="1"/>
+              <a:t>auto-évaluer</a:t>
+            </a:r>
+            <a:r>
+              <a:rPr lang="fr-FR" sz="2400" dirty="0"/>
+              <a:t> correctement vos compétences mentales. C’est ce qu’on appelle la </a:t>
+            </a:r>
+            <a:r>
+              <a:rPr lang="fr-FR" sz="2400" i="1" dirty="0"/>
+              <a:t>métacognition</a:t>
+            </a:r>
+            <a:r>
+              <a:rPr lang="fr-FR" sz="2400" dirty="0"/>
+              <a:t>.</a:t>
+            </a:r>
+            <a:endParaRPr lang="en-GB" sz="2400" dirty="0"/>
+          </a:p>
+          <a:p>
+            <a:pPr algn="ctr"/>
+            <a:endParaRPr lang="en-GB" sz="2400" dirty="0"/>
+          </a:p>
+          <a:p>
+            <a:pPr algn="ctr"/>
+            <a:r>
+              <a:rPr lang="fr-FR" sz="2400" dirty="0"/>
+              <a:t>En résumé, vous allez effectuer une série d’exercices de mémoire. Ces exercices seront plus ou moins difficiles. Pour chacun d’entre eux, nous vous demanderons d’auto-évaluer votre performance.</a:t>
+            </a:r>
+          </a:p>
+          <a:p>
+            <a:pPr algn="ctr"/>
+            <a:endParaRPr lang="fr-FR" sz="2400" dirty="0"/>
+          </a:p>
+          <a:p>
+            <a:pPr algn="ctr"/>
+            <a:r>
+              <a:rPr lang="fr-FR" sz="2400" dirty="0"/>
+              <a:t>Vous recevrez une indemnisation financière de 8 € pour votre participation.</a:t>
+            </a:r>
+          </a:p>
+        </p:txBody>
+      </p:sp>
+    </p:spTree>
+    <p:extLst>
+      <p:ext uri="{BB962C8B-B14F-4D97-AF65-F5344CB8AC3E}">
+        <p14:creationId xmlns:p14="http://schemas.microsoft.com/office/powerpoint/2010/main" val="1918833446"/>
+      </p:ext>
+    </p:extLst>
+  </p:cSld>
+  <p:clrMapOvr>
+    <a:masterClrMapping/>
+  </p:clrMapOvr>
+</p:sld>
+</file>
+
+<file path=ppt/slides/slide20.xml><?xml version="1.0" encoding="utf-8"?>
 <p:sld xmlns:a="http://schemas.openxmlformats.org/drawingml/2006/main" xmlns:r="http://schemas.openxmlformats.org/officeDocument/2006/relationships" xmlns:p="http://schemas.openxmlformats.org/presentationml/2006/main">
   <p:cSld>
     <p:spTree>
@@ -8723,7 +8400,7 @@
           <a:lstStyle/>
           <a:p>
             <a:r>
-              <a:rPr lang="en-GB" sz="2800" dirty="0" smtClean="0"/>
+              <a:rPr lang="en-GB" sz="2800" dirty="0"/>
               <a:t>7</a:t>
             </a:r>
             <a:endParaRPr lang="en-GB" dirty="0"/>
@@ -8753,7 +8430,7 @@
           <a:lstStyle/>
           <a:p>
             <a:r>
-              <a:rPr lang="en-GB" sz="2800" dirty="0" smtClean="0"/>
+              <a:rPr lang="en-GB" sz="2800" dirty="0"/>
               <a:t>7</a:t>
             </a:r>
             <a:endParaRPr lang="en-GB" dirty="0"/>
@@ -8773,7 +8450,7 @@
 </p:sld>
 </file>
 
-<file path=ppt/slides/slide22.xml><?xml version="1.0" encoding="utf-8"?>
+<file path=ppt/slides/slide21.xml><?xml version="1.0" encoding="utf-8"?>
 <p:sld xmlns:a="http://schemas.openxmlformats.org/drawingml/2006/main" xmlns:r="http://schemas.openxmlformats.org/officeDocument/2006/relationships" xmlns:p="http://schemas.openxmlformats.org/presentationml/2006/main">
   <p:cSld>
     <p:spTree>
@@ -9309,7 +8986,7 @@
           <a:lstStyle/>
           <a:p>
             <a:r>
-              <a:rPr lang="en-GB" sz="2800" dirty="0" smtClean="0"/>
+              <a:rPr lang="en-GB" sz="2800" dirty="0"/>
               <a:t>8</a:t>
             </a:r>
             <a:endParaRPr lang="en-GB" dirty="0"/>
@@ -9339,7 +9016,7 @@
           <a:lstStyle/>
           <a:p>
             <a:r>
-              <a:rPr lang="en-GB" sz="2800" dirty="0" smtClean="0"/>
+              <a:rPr lang="en-GB" sz="2800" dirty="0"/>
               <a:t>8</a:t>
             </a:r>
             <a:endParaRPr lang="en-GB" dirty="0"/>
@@ -9359,7 +9036,7 @@
 </p:sld>
 </file>
 
-<file path=ppt/slides/slide23.xml><?xml version="1.0" encoding="utf-8"?>
+<file path=ppt/slides/slide22.xml><?xml version="1.0" encoding="utf-8"?>
 <p:sld xmlns:a="http://schemas.openxmlformats.org/drawingml/2006/main" xmlns:r="http://schemas.openxmlformats.org/officeDocument/2006/relationships" xmlns:p="http://schemas.openxmlformats.org/presentationml/2006/main">
   <p:cSld>
     <p:spTree>
@@ -9714,7 +9391,7 @@
 </p:sld>
 </file>
 
-<file path=ppt/slides/slide24.xml><?xml version="1.0" encoding="utf-8"?>
+<file path=ppt/slides/slide23.xml><?xml version="1.0" encoding="utf-8"?>
 <p:sld xmlns:a="http://schemas.openxmlformats.org/drawingml/2006/main" xmlns:r="http://schemas.openxmlformats.org/officeDocument/2006/relationships" xmlns:p="http://schemas.openxmlformats.org/presentationml/2006/main">
   <p:cSld>
     <p:spTree>
@@ -9925,7 +9602,7 @@
 </p:sld>
 </file>
 
-<file path=ppt/slides/slide25.xml><?xml version="1.0" encoding="utf-8"?>
+<file path=ppt/slides/slide24.xml><?xml version="1.0" encoding="utf-8"?>
 <p:sld xmlns:a="http://schemas.openxmlformats.org/drawingml/2006/main" xmlns:r="http://schemas.openxmlformats.org/officeDocument/2006/relationships" xmlns:p="http://schemas.openxmlformats.org/presentationml/2006/main">
   <p:cSld>
     <p:spTree>
@@ -10465,7 +10142,7 @@
               <a:p>
                 <a:pPr algn="ctr"/>
                 <a:r>
-                  <a:rPr lang="en-GB" sz="2800" dirty="0" smtClean="0">
+                  <a:rPr lang="en-GB" sz="2800" dirty="0">
                     <a:solidFill>
                       <a:schemeClr val="tx1"/>
                     </a:solidFill>
@@ -10521,6 +10198,249 @@
 </p:sld>
 </file>
 
+<file path=ppt/slides/slide25.xml><?xml version="1.0" encoding="utf-8"?>
+<p:sld xmlns:a="http://schemas.openxmlformats.org/drawingml/2006/main" xmlns:r="http://schemas.openxmlformats.org/officeDocument/2006/relationships" xmlns:p="http://schemas.openxmlformats.org/presentationml/2006/main">
+  <p:cSld>
+    <p:spTree>
+      <p:nvGrpSpPr>
+        <p:cNvPr id="1" name=""/>
+        <p:cNvGrpSpPr/>
+        <p:nvPr/>
+      </p:nvGrpSpPr>
+      <p:grpSpPr>
+        <a:xfrm>
+          <a:off x="0" y="0"/>
+          <a:ext cx="0" cy="0"/>
+          <a:chOff x="0" y="0"/>
+          <a:chExt cx="0" cy="0"/>
+        </a:xfrm>
+      </p:grpSpPr>
+      <p:sp>
+        <p:nvSpPr>
+          <p:cNvPr id="9" name="Rectangle 8"/>
+          <p:cNvSpPr/>
+          <p:nvPr/>
+        </p:nvSpPr>
+        <p:spPr>
+          <a:xfrm>
+            <a:off x="3554499" y="3358254"/>
+            <a:ext cx="5083002" cy="3026364"/>
+          </a:xfrm>
+          <a:prstGeom prst="rect">
+            <a:avLst/>
+          </a:prstGeom>
+          <a:noFill/>
+          <a:ln w="76200">
+            <a:solidFill>
+              <a:schemeClr val="bg1">
+                <a:lumMod val="65000"/>
+              </a:schemeClr>
+            </a:solidFill>
+          </a:ln>
+        </p:spPr>
+        <p:style>
+          <a:lnRef idx="2">
+            <a:schemeClr val="accent1">
+              <a:shade val="50000"/>
+            </a:schemeClr>
+          </a:lnRef>
+          <a:fillRef idx="1">
+            <a:schemeClr val="accent1"/>
+          </a:fillRef>
+          <a:effectRef idx="0">
+            <a:schemeClr val="accent1"/>
+          </a:effectRef>
+          <a:fontRef idx="minor">
+            <a:schemeClr val="lt1"/>
+          </a:fontRef>
+        </p:style>
+        <p:txBody>
+          <a:bodyPr rtlCol="0" anchor="ctr"/>
+          <a:lstStyle/>
+          <a:p>
+            <a:pPr algn="ctr"/>
+            <a:endParaRPr lang="en-GB">
+              <a:solidFill>
+                <a:schemeClr val="tx1"/>
+              </a:solidFill>
+            </a:endParaRPr>
+          </a:p>
+        </p:txBody>
+      </p:sp>
+      <p:sp>
+        <p:nvSpPr>
+          <p:cNvPr id="8" name="ZoneTexte 7"/>
+          <p:cNvSpPr txBox="1"/>
+          <p:nvPr/>
+        </p:nvSpPr>
+        <p:spPr>
+          <a:xfrm>
+            <a:off x="1874195" y="1204843"/>
+            <a:ext cx="8443609" cy="1723549"/>
+          </a:xfrm>
+          <a:prstGeom prst="rect">
+            <a:avLst/>
+          </a:prstGeom>
+          <a:noFill/>
+        </p:spPr>
+        <p:txBody>
+          <a:bodyPr wrap="square" rtlCol="0">
+            <a:spAutoFit/>
+          </a:bodyPr>
+          <a:lstStyle/>
+          <a:p>
+            <a:pPr algn="ctr">
+              <a:spcAft>
+                <a:spcPts val="1200"/>
+              </a:spcAft>
+            </a:pPr>
+            <a:r>
+              <a:rPr lang="fr-FR" sz="2400" dirty="0"/>
+              <a:t>Il se peut que vous ne vous rappeliez plus de l’emplacement de l’autre chiffre composant la paire. </a:t>
+            </a:r>
+          </a:p>
+          <a:p>
+            <a:pPr algn="ctr">
+              <a:spcAft>
+                <a:spcPts val="1200"/>
+              </a:spcAft>
+            </a:pPr>
+            <a:r>
+              <a:rPr lang="fr-FR" sz="2400" dirty="0"/>
+              <a:t>Vous pourrez alors cliquer sur le bouton « Montrez-moi la prochaine paire », en bas à gauche de la grille:</a:t>
+            </a:r>
+            <a:endParaRPr lang="fr-FR" sz="2400" b="1" dirty="0"/>
+          </a:p>
+        </p:txBody>
+      </p:sp>
+      <p:pic>
+        <p:nvPicPr>
+          <p:cNvPr id="3" name="Picture 2">
+            <a:extLst>
+              <a:ext uri="{FF2B5EF4-FFF2-40B4-BE49-F238E27FC236}">
+                <a16:creationId xmlns:a16="http://schemas.microsoft.com/office/drawing/2014/main" id="{62E78A33-4A91-4109-8E3B-93A547C80554}"/>
+              </a:ext>
+            </a:extLst>
+          </p:cNvPr>
+          <p:cNvPicPr>
+            <a:picLocks noChangeAspect="1"/>
+          </p:cNvPicPr>
+          <p:nvPr/>
+        </p:nvPicPr>
+        <p:blipFill rotWithShape="1">
+          <a:blip r:embed="rId2"/>
+          <a:srcRect l="25295" t="64490" r="25907" b="5532"/>
+          <a:stretch/>
+        </p:blipFill>
+        <p:spPr>
+          <a:xfrm>
+            <a:off x="3695569" y="3933092"/>
+            <a:ext cx="4800862" cy="1966127"/>
+          </a:xfrm>
+          <a:prstGeom prst="rect">
+            <a:avLst/>
+          </a:prstGeom>
+        </p:spPr>
+      </p:pic>
+      <p:cxnSp>
+        <p:nvCxnSpPr>
+          <p:cNvPr id="6" name="Straight Arrow Connector 5">
+            <a:extLst>
+              <a:ext uri="{FF2B5EF4-FFF2-40B4-BE49-F238E27FC236}">
+                <a16:creationId xmlns:a16="http://schemas.microsoft.com/office/drawing/2014/main" id="{E4312EB6-4D0C-4ED2-AA55-6845DE2C422D}"/>
+              </a:ext>
+            </a:extLst>
+          </p:cNvPr>
+          <p:cNvCxnSpPr/>
+          <p:nvPr/>
+        </p:nvCxnSpPr>
+        <p:spPr>
+          <a:xfrm>
+            <a:off x="1609344" y="5142113"/>
+            <a:ext cx="2335525" cy="566928"/>
+          </a:xfrm>
+          <a:prstGeom prst="straightConnector1">
+            <a:avLst/>
+          </a:prstGeom>
+          <a:ln w="57150">
+            <a:solidFill>
+              <a:srgbClr val="FF0000"/>
+            </a:solidFill>
+            <a:tailEnd type="triangle"/>
+          </a:ln>
+        </p:spPr>
+        <p:style>
+          <a:lnRef idx="3">
+            <a:schemeClr val="accent2"/>
+          </a:lnRef>
+          <a:fillRef idx="0">
+            <a:schemeClr val="accent2"/>
+          </a:fillRef>
+          <a:effectRef idx="2">
+            <a:schemeClr val="accent2"/>
+          </a:effectRef>
+          <a:fontRef idx="minor">
+            <a:schemeClr val="tx1"/>
+          </a:fontRef>
+        </p:style>
+      </p:cxnSp>
+      <p:sp>
+        <p:nvSpPr>
+          <p:cNvPr id="10" name="ZoneTexte 9"/>
+          <p:cNvSpPr txBox="1"/>
+          <p:nvPr/>
+        </p:nvSpPr>
+        <p:spPr>
+          <a:xfrm>
+            <a:off x="3099106" y="379385"/>
+            <a:ext cx="5993789" cy="461665"/>
+          </a:xfrm>
+          <a:prstGeom prst="rect">
+            <a:avLst/>
+          </a:prstGeom>
+          <a:noFill/>
+          <a:ln>
+            <a:noFill/>
+          </a:ln>
+        </p:spPr>
+        <p:txBody>
+          <a:bodyPr wrap="square" rtlCol="0" anchor="ctr">
+            <a:spAutoFit/>
+          </a:bodyPr>
+          <a:lstStyle/>
+          <a:p>
+            <a:pPr algn="ctr">
+              <a:spcBef>
+                <a:spcPts val="1800"/>
+              </a:spcBef>
+              <a:spcAft>
+                <a:spcPts val="1800"/>
+              </a:spcAft>
+            </a:pPr>
+            <a:r>
+              <a:rPr lang="en-GB" sz="2400" b="1" dirty="0">
+                <a:solidFill>
+                  <a:srgbClr val="0070C0"/>
+                </a:solidFill>
+              </a:rPr>
+              <a:t>ETAPE 4 - PHASE DE TEST</a:t>
+            </a:r>
+          </a:p>
+        </p:txBody>
+      </p:sp>
+    </p:spTree>
+    <p:extLst>
+      <p:ext uri="{BB962C8B-B14F-4D97-AF65-F5344CB8AC3E}">
+        <p14:creationId xmlns:p14="http://schemas.microsoft.com/office/powerpoint/2010/main" val="4187121344"/>
+      </p:ext>
+    </p:extLst>
+  </p:cSld>
+  <p:clrMapOvr>
+    <a:masterClrMapping/>
+  </p:clrMapOvr>
+</p:sld>
+</file>
+
 <file path=ppt/slides/slide26.xml><?xml version="1.0" encoding="utf-8"?>
 <p:sld xmlns:a="http://schemas.openxmlformats.org/drawingml/2006/main" xmlns:r="http://schemas.openxmlformats.org/officeDocument/2006/relationships" xmlns:p="http://schemas.openxmlformats.org/presentationml/2006/main">
   <p:cSld>
@@ -10546,7 +10466,7 @@
         </p:nvSpPr>
         <p:spPr>
           <a:xfrm>
-            <a:off x="3554499" y="3358254"/>
+            <a:off x="3554499" y="3080749"/>
             <a:ext cx="5083002" cy="3026364"/>
           </a:xfrm>
           <a:prstGeom prst="rect">
@@ -10598,8 +10518,8 @@
         </p:nvSpPr>
         <p:spPr>
           <a:xfrm>
-            <a:off x="1874195" y="1204843"/>
-            <a:ext cx="8443609" cy="1723549"/>
+            <a:off x="1874195" y="1391734"/>
+            <a:ext cx="8443609" cy="1200329"/>
           </a:xfrm>
           <a:prstGeom prst="rect">
             <a:avLst/>
@@ -10619,20 +10539,8 @@
             </a:pPr>
             <a:r>
               <a:rPr lang="fr-FR" sz="2400" dirty="0"/>
-              <a:t>Il se peut que vous ne vous rappeliez plus de l’emplacement de l’autre chiffre composant la paire. </a:t>
-            </a:r>
-          </a:p>
-          <a:p>
-            <a:pPr algn="ctr">
-              <a:spcAft>
-                <a:spcPts val="1200"/>
-              </a:spcAft>
-            </a:pPr>
-            <a:r>
-              <a:rPr lang="fr-FR" sz="2400" dirty="0"/>
-              <a:t>Vous pourrez alors cliquer sur le bouton « Montrez-moi la prochaine paire », en bas à gauche de la grille:</a:t>
-            </a:r>
-            <a:endParaRPr lang="fr-FR" sz="2400" b="1" dirty="0"/>
+              <a:t>Lorsque vous pensez avoir atteint le score cible, cliquez sur le bouton « je crois avoir atteint le score cible » pour terminer la phase de test:</a:t>
+            </a:r>
           </a:p>
         </p:txBody>
       </p:sp>
@@ -10657,7 +10565,7 @@
         </p:blipFill>
         <p:spPr>
           <a:xfrm>
-            <a:off x="3695569" y="3933092"/>
+            <a:off x="3695569" y="3655587"/>
             <a:ext cx="4800862" cy="1966127"/>
           </a:xfrm>
           <a:prstGeom prst="rect">
@@ -10674,13 +10582,15 @@
               </a:ext>
             </a:extLst>
           </p:cNvPr>
-          <p:cNvCxnSpPr/>
+          <p:cNvCxnSpPr>
+            <a:cxnSpLocks/>
+          </p:cNvCxnSpPr>
           <p:nvPr/>
         </p:nvCxnSpPr>
         <p:spPr>
-          <a:xfrm>
-            <a:off x="1609344" y="5142113"/>
-            <a:ext cx="2335525" cy="566928"/>
+          <a:xfrm flipH="1">
+            <a:off x="8388853" y="4928616"/>
+            <a:ext cx="1815851" cy="539496"/>
           </a:xfrm>
           <a:prstGeom prst="straightConnector1">
             <a:avLst/>
@@ -10754,7 +10664,7 @@
     </p:spTree>
     <p:extLst>
       <p:ext uri="{BB962C8B-B14F-4D97-AF65-F5344CB8AC3E}">
-        <p14:creationId xmlns:p14="http://schemas.microsoft.com/office/powerpoint/2010/main" val="4187121344"/>
+        <p14:creationId xmlns:p14="http://schemas.microsoft.com/office/powerpoint/2010/main" val="2896142137"/>
       </p:ext>
     </p:extLst>
   </p:cSld>
@@ -10789,7 +10699,7 @@
         </p:nvSpPr>
         <p:spPr>
           <a:xfrm>
-            <a:off x="3554499" y="3080749"/>
+            <a:off x="3554499" y="2366514"/>
             <a:ext cx="5083002" cy="3026364"/>
           </a:xfrm>
           <a:prstGeom prst="rect">
@@ -10841,8 +10751,8 @@
         </p:nvSpPr>
         <p:spPr>
           <a:xfrm>
-            <a:off x="1874195" y="1391734"/>
-            <a:ext cx="8443609" cy="1200329"/>
+            <a:off x="1874194" y="1252745"/>
+            <a:ext cx="8457161" cy="830997"/>
           </a:xfrm>
           <a:prstGeom prst="rect">
             <a:avLst/>
@@ -10862,17 +10772,29 @@
             </a:pPr>
             <a:r>
               <a:rPr lang="fr-FR" sz="2400" dirty="0"/>
-              <a:t>Lorsque vous pensez avoir atteint le score cible, cliquez sur le bouton « je crois avoir atteint le score cible » pour terminer la phase de test:</a:t>
+              <a:t>Après la phase de test, nous vous demanderons de vous </a:t>
+            </a:r>
+            <a:r>
+              <a:rPr lang="fr-FR" sz="2400" dirty="0" err="1"/>
+              <a:t>auto-évaluer</a:t>
+            </a:r>
+            <a:r>
+              <a:rPr lang="fr-FR" sz="2400" dirty="0"/>
+              <a:t> </a:t>
+            </a:r>
+            <a:r>
+              <a:rPr lang="en-US" sz="2400" dirty="0"/>
+              <a:t>:</a:t>
             </a:r>
           </a:p>
         </p:txBody>
       </p:sp>
       <p:pic>
         <p:nvPicPr>
-          <p:cNvPr id="3" name="Picture 2">
+          <p:cNvPr id="2" name="Picture 1">
             <a:extLst>
               <a:ext uri="{FF2B5EF4-FFF2-40B4-BE49-F238E27FC236}">
-                <a16:creationId xmlns:a16="http://schemas.microsoft.com/office/drawing/2014/main" id="{62E78A33-4A91-4109-8E3B-93A547C80554}"/>
+                <a16:creationId xmlns:a16="http://schemas.microsoft.com/office/drawing/2014/main" id="{57DC9D53-1594-4637-A7B7-B270E6EB6C27}"/>
               </a:ext>
             </a:extLst>
           </p:cNvPr>
@@ -10883,63 +10805,129 @@
         </p:nvPicPr>
         <p:blipFill rotWithShape="1">
           <a:blip r:embed="rId2"/>
-          <a:srcRect l="25295" t="64490" r="25907" b="5532"/>
+          <a:srcRect l="30564" t="48800" r="29888" b="40933"/>
           <a:stretch/>
         </p:blipFill>
         <p:spPr>
           <a:xfrm>
-            <a:off x="3695569" y="3655587"/>
-            <a:ext cx="4800862" cy="1966127"/>
+            <a:off x="3676396" y="3455318"/>
+            <a:ext cx="4839207" cy="837502"/>
           </a:xfrm>
           <a:prstGeom prst="rect">
             <a:avLst/>
           </a:prstGeom>
         </p:spPr>
       </p:pic>
-      <p:cxnSp>
-        <p:nvCxnSpPr>
-          <p:cNvPr id="6" name="Straight Arrow Connector 5">
-            <a:extLst>
-              <a:ext uri="{FF2B5EF4-FFF2-40B4-BE49-F238E27FC236}">
-                <a16:creationId xmlns:a16="http://schemas.microsoft.com/office/drawing/2014/main" id="{E4312EB6-4D0C-4ED2-AA55-6845DE2C422D}"/>
-              </a:ext>
-            </a:extLst>
-          </p:cNvPr>
-          <p:cNvCxnSpPr>
-            <a:cxnSpLocks/>
-          </p:cNvCxnSpPr>
-          <p:nvPr/>
-        </p:nvCxnSpPr>
-        <p:spPr>
-          <a:xfrm flipH="1">
-            <a:off x="8388853" y="4928616"/>
-            <a:ext cx="1815851" cy="539496"/>
-          </a:xfrm>
-          <a:prstGeom prst="straightConnector1">
+      <p:sp>
+        <p:nvSpPr>
+          <p:cNvPr id="3" name="Rectangle 2"/>
+          <p:cNvSpPr/>
+          <p:nvPr/>
+        </p:nvSpPr>
+        <p:spPr>
+          <a:xfrm>
+            <a:off x="1745466" y="5760071"/>
+            <a:ext cx="8701068" cy="830997"/>
+          </a:xfrm>
+          <a:prstGeom prst="rect">
             <a:avLst/>
           </a:prstGeom>
-          <a:ln w="57150">
-            <a:solidFill>
-              <a:srgbClr val="FF0000"/>
-            </a:solidFill>
-            <a:tailEnd type="triangle"/>
-          </a:ln>
-        </p:spPr>
-        <p:style>
-          <a:lnRef idx="3">
-            <a:schemeClr val="accent2"/>
-          </a:lnRef>
-          <a:fillRef idx="0">
-            <a:schemeClr val="accent2"/>
-          </a:fillRef>
-          <a:effectRef idx="2">
-            <a:schemeClr val="accent2"/>
-          </a:effectRef>
-          <a:fontRef idx="minor">
-            <a:schemeClr val="tx1"/>
-          </a:fontRef>
-        </p:style>
-      </p:cxnSp>
+        </p:spPr>
+        <p:txBody>
+          <a:bodyPr wrap="square">
+            <a:spAutoFit/>
+          </a:bodyPr>
+          <a:lstStyle/>
+          <a:p>
+            <a:pPr algn="ctr">
+              <a:spcAft>
+                <a:spcPts val="1200"/>
+              </a:spcAft>
+            </a:pPr>
+            <a:r>
+              <a:rPr lang="en-US" sz="2400" dirty="0" err="1"/>
+              <a:t>Répondez</a:t>
+            </a:r>
+            <a:r>
+              <a:rPr lang="en-US" sz="2400" dirty="0"/>
+              <a:t> </a:t>
+            </a:r>
+            <a:r>
+              <a:rPr lang="en-US" sz="2400" dirty="0" err="1"/>
+              <a:t>en</a:t>
+            </a:r>
+            <a:r>
+              <a:rPr lang="en-US" sz="2400" dirty="0"/>
+              <a:t> </a:t>
+            </a:r>
+            <a:r>
+              <a:rPr lang="en-US" sz="2400" dirty="0" err="1"/>
+              <a:t>cliquant</a:t>
+            </a:r>
+            <a:r>
+              <a:rPr lang="en-US" sz="2400" dirty="0"/>
+              <a:t> sur le </a:t>
+            </a:r>
+            <a:r>
+              <a:rPr lang="en-US" sz="2400" dirty="0" err="1"/>
+              <a:t>nombre</a:t>
+            </a:r>
+            <a:r>
+              <a:rPr lang="en-US" sz="2400" dirty="0"/>
+              <a:t> </a:t>
+            </a:r>
+            <a:r>
+              <a:rPr lang="en-US" sz="2400" dirty="0" err="1"/>
+              <a:t>d’emplacements</a:t>
+            </a:r>
+            <a:r>
+              <a:rPr lang="en-US" sz="2400" dirty="0"/>
+              <a:t> que </a:t>
+            </a:r>
+            <a:r>
+              <a:rPr lang="en-US" sz="2400" dirty="0" err="1"/>
+              <a:t>vous</a:t>
+            </a:r>
+            <a:r>
+              <a:rPr lang="en-US" sz="2400" dirty="0"/>
+              <a:t> </a:t>
+            </a:r>
+            <a:r>
+              <a:rPr lang="en-US" sz="2400" dirty="0" err="1"/>
+              <a:t>pensez</a:t>
+            </a:r>
+            <a:r>
+              <a:rPr lang="en-US" sz="2400" dirty="0"/>
+              <a:t> </a:t>
+            </a:r>
+            <a:r>
+              <a:rPr lang="en-US" sz="2400" dirty="0" err="1"/>
+              <a:t>avoir</a:t>
+            </a:r>
+            <a:r>
+              <a:rPr lang="en-US" sz="2400" dirty="0"/>
+              <a:t> </a:t>
+            </a:r>
+            <a:r>
+              <a:rPr lang="en-US" sz="2400" dirty="0" err="1"/>
+              <a:t>correctement</a:t>
+            </a:r>
+            <a:r>
+              <a:rPr lang="en-US" sz="2400" dirty="0"/>
+              <a:t> </a:t>
+            </a:r>
+            <a:r>
+              <a:rPr lang="en-US" sz="2400" dirty="0" err="1"/>
+              <a:t>deviné</a:t>
+            </a:r>
+            <a:r>
+              <a:rPr lang="en-US" sz="2400" dirty="0"/>
+              <a:t>!</a:t>
+            </a:r>
+            <a:endParaRPr lang="en-GB" sz="2400" dirty="0"/>
+          </a:p>
+        </p:txBody>
+      </p:sp>
       <p:sp>
         <p:nvSpPr>
           <p:cNvPr id="10" name="ZoneTexte 9"/>
@@ -10979,7 +10967,7 @@
                   <a:srgbClr val="0070C0"/>
                 </a:solidFill>
               </a:rPr>
-              <a:t>ETAPE 4 - PHASE DE TEST</a:t>
+              <a:t>ETAPE 5 : AUTO-ÉVALUATION</a:t>
             </a:r>
           </a:p>
         </p:txBody>
@@ -10987,7 +10975,7 @@
     </p:spTree>
     <p:extLst>
       <p:ext uri="{BB962C8B-B14F-4D97-AF65-F5344CB8AC3E}">
-        <p14:creationId xmlns:p14="http://schemas.microsoft.com/office/powerpoint/2010/main" val="2896142137"/>
+        <p14:creationId xmlns:p14="http://schemas.microsoft.com/office/powerpoint/2010/main" val="606719304"/>
       </p:ext>
     </p:extLst>
   </p:cSld>
@@ -11022,7 +11010,7 @@
         </p:nvSpPr>
         <p:spPr>
           <a:xfrm>
-            <a:off x="3554499" y="2366514"/>
+            <a:off x="3554499" y="2707708"/>
             <a:ext cx="5083002" cy="3026364"/>
           </a:xfrm>
           <a:prstGeom prst="rect">
@@ -11066,58 +11054,12 @@
           </a:p>
         </p:txBody>
       </p:sp>
-      <p:sp>
-        <p:nvSpPr>
-          <p:cNvPr id="8" name="ZoneTexte 7"/>
-          <p:cNvSpPr txBox="1"/>
-          <p:nvPr/>
-        </p:nvSpPr>
-        <p:spPr>
-          <a:xfrm>
-            <a:off x="1874194" y="1252745"/>
-            <a:ext cx="8457161" cy="830997"/>
-          </a:xfrm>
-          <a:prstGeom prst="rect">
-            <a:avLst/>
-          </a:prstGeom>
-          <a:noFill/>
-        </p:spPr>
-        <p:txBody>
-          <a:bodyPr wrap="square" rtlCol="0">
-            <a:spAutoFit/>
-          </a:bodyPr>
-          <a:lstStyle/>
-          <a:p>
-            <a:pPr algn="ctr">
-              <a:spcAft>
-                <a:spcPts val="1200"/>
-              </a:spcAft>
-            </a:pPr>
-            <a:r>
-              <a:rPr lang="fr-FR" sz="2400" dirty="0"/>
-              <a:t>Après la phase de test, nous vous demanderons de vous </a:t>
-            </a:r>
-            <a:r>
-              <a:rPr lang="fr-FR" sz="2400" dirty="0" err="1"/>
-              <a:t>auto-évaluer</a:t>
-            </a:r>
-            <a:r>
-              <a:rPr lang="fr-FR" sz="2400" dirty="0"/>
-              <a:t> </a:t>
-            </a:r>
-            <a:r>
-              <a:rPr lang="en-US" sz="2400" dirty="0"/>
-              <a:t>:</a:t>
-            </a:r>
-          </a:p>
-        </p:txBody>
-      </p:sp>
       <p:pic>
         <p:nvPicPr>
-          <p:cNvPr id="2" name="Picture 1">
+          <p:cNvPr id="10" name="Picture 9">
             <a:extLst>
               <a:ext uri="{FF2B5EF4-FFF2-40B4-BE49-F238E27FC236}">
-                <a16:creationId xmlns:a16="http://schemas.microsoft.com/office/drawing/2014/main" id="{57DC9D53-1594-4637-A7B7-B270E6EB6C27}"/>
+                <a16:creationId xmlns:a16="http://schemas.microsoft.com/office/drawing/2014/main" id="{93D8FE7F-D7E9-4D36-829D-0129FED49DE2}"/>
               </a:ext>
             </a:extLst>
           </p:cNvPr>
@@ -11128,13 +11070,13 @@
         </p:nvPicPr>
         <p:blipFill rotWithShape="1">
           <a:blip r:embed="rId2"/>
-          <a:srcRect l="30564" t="48800" r="29888" b="40933"/>
+          <a:srcRect l="22830" t="10949" r="22948" b="73"/>
           <a:stretch/>
         </p:blipFill>
         <p:spPr>
           <a:xfrm>
-            <a:off x="3676396" y="3455318"/>
-            <a:ext cx="4839207" cy="837502"/>
+            <a:off x="4751830" y="2797824"/>
+            <a:ext cx="2651760" cy="2900996"/>
           </a:xfrm>
           <a:prstGeom prst="rect">
             <a:avLst/>
@@ -11143,21 +11085,28 @@
       </p:pic>
       <p:sp>
         <p:nvSpPr>
-          <p:cNvPr id="3" name="Rectangle 2"/>
-          <p:cNvSpPr/>
-          <p:nvPr/>
-        </p:nvSpPr>
-        <p:spPr>
-          <a:xfrm>
-            <a:off x="1745466" y="5760071"/>
-            <a:ext cx="8701068" cy="830997"/>
+          <p:cNvPr id="11" name="ZoneTexte 7">
+            <a:extLst>
+              <a:ext uri="{FF2B5EF4-FFF2-40B4-BE49-F238E27FC236}">
+                <a16:creationId xmlns:a16="http://schemas.microsoft.com/office/drawing/2014/main" id="{95989657-5D8A-49A2-B814-16BCC8CDACB2}"/>
+              </a:ext>
+            </a:extLst>
+          </p:cNvPr>
+          <p:cNvSpPr txBox="1"/>
+          <p:nvPr/>
+        </p:nvSpPr>
+        <p:spPr>
+          <a:xfrm>
+            <a:off x="1874195" y="1044401"/>
+            <a:ext cx="8443609" cy="1354217"/>
           </a:xfrm>
           <a:prstGeom prst="rect">
             <a:avLst/>
           </a:prstGeom>
-        </p:spPr>
-        <p:txBody>
-          <a:bodyPr wrap="square">
+          <a:noFill/>
+        </p:spPr>
+        <p:txBody>
+          <a:bodyPr wrap="square" rtlCol="0">
             <a:spAutoFit/>
           </a:bodyPr>
           <a:lstStyle/>
@@ -11168,8 +11117,28 @@
               </a:spcAft>
             </a:pPr>
             <a:r>
+              <a:rPr lang="en-GB" sz="2400" dirty="0"/>
+              <a:t>Apr</a:t>
+            </a:r>
+            <a:r>
               <a:rPr lang="en-US" sz="2400" dirty="0" err="1"/>
-              <a:t>Répondez</a:t>
+              <a:t>ès</a:t>
+            </a:r>
+            <a:r>
+              <a:rPr lang="en-US" sz="2400" dirty="0"/>
+              <a:t> le auto-</a:t>
+            </a:r>
+            <a:r>
+              <a:rPr lang="en-US" sz="2400" dirty="0" err="1"/>
+              <a:t>évaluations</a:t>
+            </a:r>
+            <a:r>
+              <a:rPr lang="en-US" sz="2400" dirty="0"/>
+              <a:t>, nous </a:t>
+            </a:r>
+            <a:r>
+              <a:rPr lang="en-US" sz="2400" dirty="0" err="1"/>
+              <a:t>vous</a:t>
             </a:r>
             <a:r>
               <a:rPr lang="en-US" sz="2400" dirty="0"/>
@@ -11177,7 +11146,34 @@
             </a:r>
             <a:r>
               <a:rPr lang="en-US" sz="2400" dirty="0" err="1"/>
-              <a:t>en</a:t>
+              <a:t>donnerons</a:t>
+            </a:r>
+            <a:r>
+              <a:rPr lang="en-US" sz="2400" dirty="0"/>
+              <a:t> un retour sur </a:t>
+            </a:r>
+            <a:r>
+              <a:rPr lang="en-US" sz="2400" dirty="0" err="1"/>
+              <a:t>votre</a:t>
+            </a:r>
+            <a:r>
+              <a:rPr lang="en-US" sz="2400" dirty="0"/>
+              <a:t> performance.</a:t>
+            </a:r>
+          </a:p>
+          <a:p>
+            <a:pPr algn="ctr">
+              <a:spcAft>
+                <a:spcPts val="1200"/>
+              </a:spcAft>
+            </a:pPr>
+            <a:r>
+              <a:rPr lang="en-US" sz="2400" dirty="0"/>
+              <a:t>Nous </a:t>
+            </a:r>
+            <a:r>
+              <a:rPr lang="en-US" sz="2400" dirty="0" err="1"/>
+              <a:t>vous</a:t>
             </a:r>
             <a:r>
               <a:rPr lang="en-US" sz="2400" dirty="0"/>
@@ -11185,15 +11181,31 @@
             </a:r>
             <a:r>
               <a:rPr lang="en-US" sz="2400" dirty="0" err="1"/>
-              <a:t>cliquant</a:t>
+              <a:t>montrerons</a:t>
             </a:r>
             <a:r>
               <a:rPr lang="en-US" sz="2400" dirty="0"/>
-              <a:t> sur le </a:t>
+              <a:t>, </a:t>
             </a:r>
             <a:r>
               <a:rPr lang="en-US" sz="2400" dirty="0" err="1"/>
-              <a:t>nombre</a:t>
+              <a:t>une</a:t>
+            </a:r>
+            <a:r>
+              <a:rPr lang="en-US" sz="2400" dirty="0"/>
+              <a:t> à </a:t>
+            </a:r>
+            <a:r>
+              <a:rPr lang="en-US" sz="2400" dirty="0" err="1"/>
+              <a:t>une</a:t>
+            </a:r>
+            <a:r>
+              <a:rPr lang="en-US" sz="2400" dirty="0"/>
+              <a:t>, </a:t>
+            </a:r>
+            <a:r>
+              <a:rPr lang="en-US" sz="2400" dirty="0" err="1"/>
+              <a:t>chaque</a:t>
             </a:r>
             <a:r>
               <a:rPr lang="en-US" sz="2400" dirty="0"/>
@@ -11201,59 +11213,159 @@
             </a:r>
             <a:r>
               <a:rPr lang="en-US" sz="2400" dirty="0" err="1"/>
-              <a:t>d’emplacements</a:t>
+              <a:t>paire</a:t>
             </a:r>
             <a:r>
               <a:rPr lang="en-US" sz="2400" dirty="0"/>
-              <a:t> que </a:t>
+              <a:t> de </a:t>
             </a:r>
             <a:r>
               <a:rPr lang="en-US" sz="2400" dirty="0" err="1"/>
+              <a:t>chiffres</a:t>
+            </a:r>
+            <a:r>
+              <a:rPr lang="en-US" sz="2400" dirty="0"/>
+              <a:t>:</a:t>
+            </a:r>
+          </a:p>
+        </p:txBody>
+      </p:sp>
+      <p:cxnSp>
+        <p:nvCxnSpPr>
+          <p:cNvPr id="12" name="Straight Arrow Connector 11">
+            <a:extLst>
+              <a:ext uri="{FF2B5EF4-FFF2-40B4-BE49-F238E27FC236}">
+                <a16:creationId xmlns:a16="http://schemas.microsoft.com/office/drawing/2014/main" id="{016FCF26-4DF1-442A-897B-9167C8A5216B}"/>
+              </a:ext>
+            </a:extLst>
+          </p:cNvPr>
+          <p:cNvCxnSpPr>
+            <a:cxnSpLocks/>
+          </p:cNvCxnSpPr>
+          <p:nvPr/>
+        </p:nvCxnSpPr>
+        <p:spPr>
+          <a:xfrm>
+            <a:off x="2578608" y="3183975"/>
+            <a:ext cx="2103120" cy="588859"/>
+          </a:xfrm>
+          <a:prstGeom prst="straightConnector1">
+            <a:avLst/>
+          </a:prstGeom>
+          <a:ln w="57150">
+            <a:solidFill>
+              <a:srgbClr val="FF0000"/>
+            </a:solidFill>
+            <a:tailEnd type="triangle"/>
+          </a:ln>
+        </p:spPr>
+        <p:style>
+          <a:lnRef idx="3">
+            <a:schemeClr val="accent2"/>
+          </a:lnRef>
+          <a:fillRef idx="0">
+            <a:schemeClr val="accent2"/>
+          </a:fillRef>
+          <a:effectRef idx="2">
+            <a:schemeClr val="accent2"/>
+          </a:effectRef>
+          <a:fontRef idx="minor">
+            <a:schemeClr val="tx1"/>
+          </a:fontRef>
+        </p:style>
+      </p:cxnSp>
+      <p:sp>
+        <p:nvSpPr>
+          <p:cNvPr id="2" name="Rectangle 1"/>
+          <p:cNvSpPr/>
+          <p:nvPr/>
+        </p:nvSpPr>
+        <p:spPr>
+          <a:xfrm>
+            <a:off x="797257" y="6049226"/>
+            <a:ext cx="10597486" cy="461665"/>
+          </a:xfrm>
+          <a:prstGeom prst="rect">
+            <a:avLst/>
+          </a:prstGeom>
+        </p:spPr>
+        <p:txBody>
+          <a:bodyPr wrap="square">
+            <a:spAutoFit/>
+          </a:bodyPr>
+          <a:lstStyle/>
+          <a:p>
+            <a:pPr algn="ctr">
+              <a:spcAft>
+                <a:spcPts val="1200"/>
+              </a:spcAft>
+            </a:pPr>
+            <a:r>
+              <a:rPr lang="en-GB" sz="2400" dirty="0"/>
+              <a:t>Le </a:t>
+            </a:r>
+            <a:r>
+              <a:rPr lang="en-GB" sz="2400" dirty="0" err="1"/>
+              <a:t>chiffre</a:t>
+            </a:r>
+            <a:r>
+              <a:rPr lang="en-GB" sz="2400" dirty="0"/>
+              <a:t> qui </a:t>
+            </a:r>
+            <a:r>
+              <a:rPr lang="en-GB" sz="2400" dirty="0" err="1"/>
               <a:t>vous</a:t>
             </a:r>
             <a:r>
-              <a:rPr lang="en-US" sz="2400" dirty="0"/>
+              <a:rPr lang="en-GB" sz="2400" dirty="0"/>
+              <a:t> a </a:t>
+            </a:r>
+            <a:r>
+              <a:rPr lang="en-GB" sz="2400" dirty="0" err="1"/>
+              <a:t>été</a:t>
+            </a:r>
+            <a:r>
+              <a:rPr lang="en-GB" sz="2400" dirty="0"/>
               <a:t> </a:t>
             </a:r>
             <a:r>
-              <a:rPr lang="en-US" sz="2400" dirty="0" err="1"/>
-              <a:t>pensez</a:t>
-            </a:r>
-            <a:r>
-              <a:rPr lang="en-US" sz="2400" dirty="0"/>
+              <a:rPr lang="en-GB" sz="2400" dirty="0" err="1"/>
+              <a:t>montré</a:t>
+            </a:r>
+            <a:r>
+              <a:rPr lang="en-GB" sz="2400" dirty="0"/>
+              <a:t> pendant la phase de test sera </a:t>
+            </a:r>
+            <a:r>
+              <a:rPr lang="en-GB" sz="2400" dirty="0" err="1"/>
+              <a:t>surligné</a:t>
+            </a:r>
+            <a:r>
+              <a:rPr lang="en-GB" sz="2400" dirty="0"/>
               <a:t> </a:t>
             </a:r>
             <a:r>
-              <a:rPr lang="en-US" sz="2400" dirty="0" err="1"/>
-              <a:t>avoir</a:t>
-            </a:r>
-            <a:r>
-              <a:rPr lang="en-US" sz="2400" dirty="0"/>
+              <a:rPr lang="en-GB" sz="2400" dirty="0" err="1"/>
+              <a:t>en</a:t>
+            </a:r>
+            <a:r>
+              <a:rPr lang="en-GB" sz="2400" dirty="0"/>
               <a:t> </a:t>
             </a:r>
             <a:r>
-              <a:rPr lang="en-US" sz="2400" dirty="0" err="1"/>
-              <a:t>correctement</a:t>
-            </a:r>
-            <a:r>
-              <a:rPr lang="en-US" sz="2400" dirty="0"/>
-              <a:t> </a:t>
-            </a:r>
-            <a:r>
-              <a:rPr lang="en-US" sz="2400" dirty="0" err="1"/>
-              <a:t>deviné</a:t>
-            </a:r>
-            <a:r>
-              <a:rPr lang="en-US" sz="2400" dirty="0"/>
-              <a:t>!</a:t>
-            </a:r>
-            <a:endParaRPr lang="en-GB" sz="2400" dirty="0"/>
-          </a:p>
-        </p:txBody>
-      </p:sp>
-      <p:sp>
-        <p:nvSpPr>
-          <p:cNvPr id="10" name="ZoneTexte 9"/>
+              <a:rPr lang="en-GB" sz="2400" dirty="0" err="1"/>
+              <a:t>jaune</a:t>
+            </a:r>
+            <a:r>
+              <a:rPr lang="en-GB" sz="2400" dirty="0"/>
+              <a:t>.</a:t>
+            </a:r>
+          </a:p>
+        </p:txBody>
+      </p:sp>
+      <p:sp>
+        <p:nvSpPr>
+          <p:cNvPr id="13" name="ZoneTexte 12"/>
           <p:cNvSpPr txBox="1"/>
           <p:nvPr/>
         </p:nvSpPr>
@@ -11290,15 +11402,171 @@
                   <a:srgbClr val="0070C0"/>
                 </a:solidFill>
               </a:rPr>
-              <a:t>ETAPE 5 : AUTO-ÉVALUATION</a:t>
-            </a:r>
+              <a:t>ETAPE 6 – ÉVALUATION DE VOS RÉPONSES</a:t>
+            </a:r>
+          </a:p>
+        </p:txBody>
+      </p:sp>
+      <p:sp>
+        <p:nvSpPr>
+          <p:cNvPr id="4" name="Rectangle 3"/>
+          <p:cNvSpPr/>
+          <p:nvPr/>
+        </p:nvSpPr>
+        <p:spPr>
+          <a:xfrm>
+            <a:off x="4787361" y="3509319"/>
+            <a:ext cx="508392" cy="515453"/>
+          </a:xfrm>
+          <a:prstGeom prst="rect">
+            <a:avLst/>
+          </a:prstGeom>
+          <a:solidFill>
+            <a:schemeClr val="bg1"/>
+          </a:solidFill>
+          <a:ln>
+            <a:solidFill>
+              <a:schemeClr val="bg1"/>
+            </a:solidFill>
+          </a:ln>
+        </p:spPr>
+        <p:style>
+          <a:lnRef idx="2">
+            <a:schemeClr val="accent1">
+              <a:shade val="50000"/>
+            </a:schemeClr>
+          </a:lnRef>
+          <a:fillRef idx="1">
+            <a:schemeClr val="accent1"/>
+          </a:fillRef>
+          <a:effectRef idx="0">
+            <a:schemeClr val="accent1"/>
+          </a:effectRef>
+          <a:fontRef idx="minor">
+            <a:schemeClr val="lt1"/>
+          </a:fontRef>
+        </p:style>
+        <p:txBody>
+          <a:bodyPr rtlCol="0" anchor="ctr"/>
+          <a:lstStyle/>
+          <a:p>
+            <a:pPr algn="ctr"/>
+            <a:endParaRPr lang="en-GB" dirty="0"/>
+          </a:p>
+        </p:txBody>
+      </p:sp>
+      <p:sp>
+        <p:nvSpPr>
+          <p:cNvPr id="5" name="ZoneTexte 4"/>
+          <p:cNvSpPr txBox="1"/>
+          <p:nvPr/>
+        </p:nvSpPr>
+        <p:spPr>
+          <a:xfrm>
+            <a:off x="4857853" y="3501552"/>
+            <a:ext cx="367408" cy="523220"/>
+          </a:xfrm>
+          <a:prstGeom prst="rect">
+            <a:avLst/>
+          </a:prstGeom>
+          <a:noFill/>
+        </p:spPr>
+        <p:txBody>
+          <a:bodyPr wrap="none" rtlCol="0">
+            <a:spAutoFit/>
+          </a:bodyPr>
+          <a:lstStyle/>
+          <a:p>
+            <a:r>
+              <a:rPr lang="en-GB" sz="2800" dirty="0"/>
+              <a:t>1</a:t>
+            </a:r>
+            <a:endParaRPr lang="en-GB" dirty="0"/>
+          </a:p>
+        </p:txBody>
+      </p:sp>
+      <p:sp>
+        <p:nvSpPr>
+          <p:cNvPr id="14" name="Rectangle 13"/>
+          <p:cNvSpPr/>
+          <p:nvPr/>
+        </p:nvSpPr>
+        <p:spPr>
+          <a:xfrm>
+            <a:off x="6161315" y="4194825"/>
+            <a:ext cx="508392" cy="515453"/>
+          </a:xfrm>
+          <a:prstGeom prst="rect">
+            <a:avLst/>
+          </a:prstGeom>
+          <a:solidFill>
+            <a:schemeClr val="bg1"/>
+          </a:solidFill>
+          <a:ln>
+            <a:solidFill>
+              <a:schemeClr val="bg1"/>
+            </a:solidFill>
+          </a:ln>
+        </p:spPr>
+        <p:style>
+          <a:lnRef idx="2">
+            <a:schemeClr val="accent1">
+              <a:shade val="50000"/>
+            </a:schemeClr>
+          </a:lnRef>
+          <a:fillRef idx="1">
+            <a:schemeClr val="accent1"/>
+          </a:fillRef>
+          <a:effectRef idx="0">
+            <a:schemeClr val="accent1"/>
+          </a:effectRef>
+          <a:fontRef idx="minor">
+            <a:schemeClr val="lt1"/>
+          </a:fontRef>
+        </p:style>
+        <p:txBody>
+          <a:bodyPr rtlCol="0" anchor="ctr"/>
+          <a:lstStyle/>
+          <a:p>
+            <a:pPr algn="ctr"/>
+            <a:endParaRPr lang="en-GB" dirty="0"/>
+          </a:p>
+        </p:txBody>
+      </p:sp>
+      <p:sp>
+        <p:nvSpPr>
+          <p:cNvPr id="6" name="ZoneTexte 5"/>
+          <p:cNvSpPr txBox="1"/>
+          <p:nvPr/>
+        </p:nvSpPr>
+        <p:spPr>
+          <a:xfrm>
+            <a:off x="6245458" y="4197766"/>
+            <a:ext cx="367408" cy="523220"/>
+          </a:xfrm>
+          <a:prstGeom prst="rect">
+            <a:avLst/>
+          </a:prstGeom>
+          <a:noFill/>
+        </p:spPr>
+        <p:txBody>
+          <a:bodyPr wrap="none" rtlCol="0">
+            <a:spAutoFit/>
+          </a:bodyPr>
+          <a:lstStyle/>
+          <a:p>
+            <a:r>
+              <a:rPr lang="en-GB" sz="2800" dirty="0"/>
+              <a:t>1</a:t>
+            </a:r>
+            <a:endParaRPr lang="en-GB" dirty="0"/>
           </a:p>
         </p:txBody>
       </p:sp>
     </p:spTree>
     <p:extLst>
       <p:ext uri="{BB962C8B-B14F-4D97-AF65-F5344CB8AC3E}">
-        <p14:creationId xmlns:p14="http://schemas.microsoft.com/office/powerpoint/2010/main" val="606719304"/>
+        <p14:creationId xmlns:p14="http://schemas.microsoft.com/office/powerpoint/2010/main" val="3322692336"/>
       </p:ext>
     </p:extLst>
   </p:cSld>
@@ -11333,7 +11601,7 @@
         </p:nvSpPr>
         <p:spPr>
           <a:xfrm>
-            <a:off x="3554499" y="2707708"/>
+            <a:off x="3554499" y="2757750"/>
             <a:ext cx="5083002" cy="3026364"/>
           </a:xfrm>
           <a:prstGeom prst="rect">
@@ -11398,7 +11666,7 @@
         </p:blipFill>
         <p:spPr>
           <a:xfrm>
-            <a:off x="4751830" y="2797824"/>
+            <a:off x="4751830" y="2847866"/>
             <a:ext cx="2651760" cy="2900996"/>
           </a:xfrm>
           <a:prstGeom prst="rect">
@@ -11408,10 +11676,10 @@
       </p:pic>
       <p:sp>
         <p:nvSpPr>
-          <p:cNvPr id="11" name="ZoneTexte 7">
+          <p:cNvPr id="12" name="ZoneTexte 7">
             <a:extLst>
               <a:ext uri="{FF2B5EF4-FFF2-40B4-BE49-F238E27FC236}">
-                <a16:creationId xmlns:a16="http://schemas.microsoft.com/office/drawing/2014/main" id="{95989657-5D8A-49A2-B814-16BCC8CDACB2}"/>
+                <a16:creationId xmlns:a16="http://schemas.microsoft.com/office/drawing/2014/main" id="{F02FD1A1-9929-44D9-9F07-EED2E9FF9F21}"/>
               </a:ext>
             </a:extLst>
           </p:cNvPr>
@@ -11420,8 +11688,8 @@
         </p:nvSpPr>
         <p:spPr>
           <a:xfrm>
-            <a:off x="1874195" y="1044401"/>
-            <a:ext cx="8443609" cy="1354217"/>
+            <a:off x="1467110" y="1545401"/>
+            <a:ext cx="9257780" cy="461665"/>
           </a:xfrm>
           <a:prstGeom prst="rect">
             <a:avLst/>
@@ -11441,124 +11709,73 @@
             </a:pPr>
             <a:r>
               <a:rPr lang="en-GB" sz="2400" dirty="0"/>
-              <a:t>Apr</a:t>
-            </a:r>
-            <a:r>
-              <a:rPr lang="en-US" sz="2400" dirty="0" err="1"/>
-              <a:t>ès</a:t>
-            </a:r>
-            <a:r>
-              <a:rPr lang="en-US" sz="2400" dirty="0"/>
-              <a:t> le auto-</a:t>
-            </a:r>
-            <a:r>
-              <a:rPr lang="en-US" sz="2400" dirty="0" err="1"/>
-              <a:t>évaluations</a:t>
-            </a:r>
-            <a:r>
-              <a:rPr lang="en-US" sz="2400" dirty="0"/>
-              <a:t>, nous </a:t>
-            </a:r>
-            <a:r>
-              <a:rPr lang="en-US" sz="2400" dirty="0" err="1"/>
+              <a:t>Si </a:t>
+            </a:r>
+            <a:r>
+              <a:rPr lang="en-GB" sz="2400" dirty="0" err="1"/>
               <a:t>vous</a:t>
             </a:r>
             <a:r>
-              <a:rPr lang="en-US" sz="2400" dirty="0"/>
+              <a:rPr lang="en-GB" sz="2400" dirty="0"/>
               <a:t> </a:t>
             </a:r>
             <a:r>
-              <a:rPr lang="en-US" sz="2400" dirty="0" err="1"/>
-              <a:t>donnerons</a:t>
-            </a:r>
-            <a:r>
-              <a:rPr lang="en-US" sz="2400" dirty="0"/>
-              <a:t> un retour sur </a:t>
-            </a:r>
-            <a:r>
-              <a:rPr lang="en-US" sz="2400" dirty="0" err="1"/>
-              <a:t>votre</a:t>
-            </a:r>
-            <a:r>
-              <a:rPr lang="en-US" sz="2400" dirty="0"/>
-              <a:t> performance.</a:t>
-            </a:r>
-          </a:p>
-          <a:p>
-            <a:pPr algn="ctr">
-              <a:spcAft>
-                <a:spcPts val="1200"/>
-              </a:spcAft>
-            </a:pPr>
-            <a:r>
-              <a:rPr lang="en-US" sz="2400" dirty="0"/>
-              <a:t>Nous </a:t>
-            </a:r>
-            <a:r>
-              <a:rPr lang="en-US" sz="2400" dirty="0" err="1"/>
-              <a:t>vous</a:t>
-            </a:r>
-            <a:r>
-              <a:rPr lang="en-US" sz="2400" dirty="0"/>
+              <a:rPr lang="en-GB" sz="2400" dirty="0" err="1"/>
+              <a:t>avez</a:t>
+            </a:r>
+            <a:r>
+              <a:rPr lang="en-GB" sz="2400" dirty="0"/>
               <a:t> </a:t>
             </a:r>
             <a:r>
-              <a:rPr lang="en-US" sz="2400" dirty="0" err="1"/>
-              <a:t>montrerons</a:t>
-            </a:r>
-            <a:r>
-              <a:rPr lang="en-US" sz="2400" dirty="0"/>
+              <a:rPr lang="en-GB" sz="2400" dirty="0" err="1"/>
+              <a:t>désigné</a:t>
+            </a:r>
+            <a:r>
+              <a:rPr lang="en-GB" sz="2400" dirty="0"/>
+              <a:t> un emplacement </a:t>
+            </a:r>
+            <a:r>
+              <a:rPr lang="en-GB" sz="2400" dirty="0" err="1"/>
+              <a:t>erronné</a:t>
+            </a:r>
+            <a:r>
+              <a:rPr lang="en-GB" sz="2400" dirty="0"/>
               <a:t>, </a:t>
             </a:r>
             <a:r>
-              <a:rPr lang="en-US" sz="2400" dirty="0" err="1"/>
-              <a:t>une</a:t>
-            </a:r>
-            <a:r>
-              <a:rPr lang="en-US" sz="2400" dirty="0"/>
-              <a:t> à </a:t>
-            </a:r>
-            <a:r>
-              <a:rPr lang="en-US" sz="2400" dirty="0" err="1"/>
-              <a:t>une</a:t>
-            </a:r>
-            <a:r>
-              <a:rPr lang="en-US" sz="2400" dirty="0"/>
-              <a:t>, </a:t>
-            </a:r>
-            <a:r>
-              <a:rPr lang="en-US" sz="2400" dirty="0" err="1"/>
-              <a:t>chaque</a:t>
-            </a:r>
-            <a:r>
-              <a:rPr lang="en-US" sz="2400" dirty="0"/>
+              <a:rPr lang="en-GB" sz="2400" dirty="0" err="1"/>
+              <a:t>il</a:t>
+            </a:r>
+            <a:r>
+              <a:rPr lang="en-GB" sz="2400" dirty="0"/>
+              <a:t> sera </a:t>
+            </a:r>
+            <a:r>
+              <a:rPr lang="en-GB" sz="2400" dirty="0" err="1"/>
+              <a:t>surligné</a:t>
+            </a:r>
+            <a:r>
+              <a:rPr lang="en-GB" sz="2400" dirty="0"/>
               <a:t> </a:t>
             </a:r>
             <a:r>
-              <a:rPr lang="en-US" sz="2400" dirty="0" err="1"/>
-              <a:t>paire</a:t>
-            </a:r>
-            <a:r>
-              <a:rPr lang="en-US" sz="2400" dirty="0"/>
-              <a:t> de </a:t>
-            </a:r>
-            <a:r>
-              <a:rPr lang="en-US" sz="2400" dirty="0" err="1"/>
-              <a:t>chiffres</a:t>
-            </a:r>
-            <a:r>
-              <a:rPr lang="en-US" sz="2400" dirty="0"/>
-              <a:t>:</a:t>
+              <a:rPr lang="en-GB" sz="2400" dirty="0" err="1"/>
+              <a:t>en</a:t>
+            </a:r>
+            <a:r>
+              <a:rPr lang="en-GB" sz="2400" dirty="0"/>
+              <a:t> rouge:</a:t>
             </a:r>
           </a:p>
         </p:txBody>
       </p:sp>
       <p:cxnSp>
         <p:nvCxnSpPr>
-          <p:cNvPr id="12" name="Straight Arrow Connector 11">
+          <p:cNvPr id="13" name="Straight Arrow Connector 12">
             <a:extLst>
               <a:ext uri="{FF2B5EF4-FFF2-40B4-BE49-F238E27FC236}">
-                <a16:creationId xmlns:a16="http://schemas.microsoft.com/office/drawing/2014/main" id="{016FCF26-4DF1-442A-897B-9167C8A5216B}"/>
+                <a16:creationId xmlns:a16="http://schemas.microsoft.com/office/drawing/2014/main" id="{FCCD4248-E6AC-4B59-A117-145AA482BE3A}"/>
               </a:ext>
             </a:extLst>
           </p:cNvPr>
@@ -11568,9 +11785,9 @@
           <p:nvPr/>
         </p:nvCxnSpPr>
         <p:spPr>
-          <a:xfrm>
-            <a:off x="2578608" y="3183975"/>
-            <a:ext cx="2103120" cy="588859"/>
+          <a:xfrm flipV="1">
+            <a:off x="2331720" y="4572684"/>
+            <a:ext cx="2350008" cy="917916"/>
           </a:xfrm>
           <a:prstGeom prst="straightConnector1">
             <a:avLst/>
@@ -11599,96 +11816,7 @@
       </p:cxnSp>
       <p:sp>
         <p:nvSpPr>
-          <p:cNvPr id="2" name="Rectangle 1"/>
-          <p:cNvSpPr/>
-          <p:nvPr/>
-        </p:nvSpPr>
-        <p:spPr>
-          <a:xfrm>
-            <a:off x="797257" y="6049226"/>
-            <a:ext cx="10597486" cy="461665"/>
-          </a:xfrm>
-          <a:prstGeom prst="rect">
-            <a:avLst/>
-          </a:prstGeom>
-        </p:spPr>
-        <p:txBody>
-          <a:bodyPr wrap="square">
-            <a:spAutoFit/>
-          </a:bodyPr>
-          <a:lstStyle/>
-          <a:p>
-            <a:pPr algn="ctr">
-              <a:spcAft>
-                <a:spcPts val="1200"/>
-              </a:spcAft>
-            </a:pPr>
-            <a:r>
-              <a:rPr lang="en-GB" sz="2400" dirty="0"/>
-              <a:t>Le </a:t>
-            </a:r>
-            <a:r>
-              <a:rPr lang="en-GB" sz="2400" dirty="0" err="1"/>
-              <a:t>chiffre</a:t>
-            </a:r>
-            <a:r>
-              <a:rPr lang="en-GB" sz="2400" dirty="0"/>
-              <a:t> qui </a:t>
-            </a:r>
-            <a:r>
-              <a:rPr lang="en-GB" sz="2400" dirty="0" err="1"/>
-              <a:t>vous</a:t>
-            </a:r>
-            <a:r>
-              <a:rPr lang="en-GB" sz="2400" dirty="0"/>
-              <a:t> a </a:t>
-            </a:r>
-            <a:r>
-              <a:rPr lang="en-GB" sz="2400" dirty="0" err="1"/>
-              <a:t>été</a:t>
-            </a:r>
-            <a:r>
-              <a:rPr lang="en-GB" sz="2400" dirty="0"/>
-              <a:t> </a:t>
-            </a:r>
-            <a:r>
-              <a:rPr lang="en-GB" sz="2400" dirty="0" err="1"/>
-              <a:t>montré</a:t>
-            </a:r>
-            <a:r>
-              <a:rPr lang="en-GB" sz="2400" dirty="0"/>
-              <a:t> pendant la phase de test sera </a:t>
-            </a:r>
-            <a:r>
-              <a:rPr lang="en-GB" sz="2400" dirty="0" err="1"/>
-              <a:t>surligné</a:t>
-            </a:r>
-            <a:r>
-              <a:rPr lang="en-GB" sz="2400" dirty="0"/>
-              <a:t> </a:t>
-            </a:r>
-            <a:r>
-              <a:rPr lang="en-GB" sz="2400" dirty="0" err="1"/>
-              <a:t>en</a:t>
-            </a:r>
-            <a:r>
-              <a:rPr lang="en-GB" sz="2400" dirty="0"/>
-              <a:t> </a:t>
-            </a:r>
-            <a:r>
-              <a:rPr lang="en-GB" sz="2400" dirty="0" err="1"/>
-              <a:t>jaune</a:t>
-            </a:r>
-            <a:r>
-              <a:rPr lang="en-GB" sz="2400" dirty="0"/>
-              <a:t>.</a:t>
-            </a:r>
-          </a:p>
-        </p:txBody>
-      </p:sp>
-      <p:sp>
-        <p:nvSpPr>
-          <p:cNvPr id="13" name="ZoneTexte 12"/>
+          <p:cNvPr id="7" name="ZoneTexte 6"/>
           <p:cNvSpPr txBox="1"/>
           <p:nvPr/>
         </p:nvSpPr>
@@ -11732,13 +11860,13 @@
       </p:sp>
       <p:sp>
         <p:nvSpPr>
-          <p:cNvPr id="4" name="Rectangle 3"/>
+          <p:cNvPr id="8" name="Rectangle 7"/>
           <p:cNvSpPr/>
           <p:nvPr/>
         </p:nvSpPr>
         <p:spPr>
           <a:xfrm>
-            <a:off x="4787361" y="3509319"/>
+            <a:off x="4787361" y="3555216"/>
             <a:ext cx="508392" cy="515453"/>
           </a:xfrm>
           <a:prstGeom prst="rect">
@@ -11780,13 +11908,13 @@
       </p:sp>
       <p:sp>
         <p:nvSpPr>
-          <p:cNvPr id="5" name="ZoneTexte 4"/>
+          <p:cNvPr id="11" name="ZoneTexte 10"/>
           <p:cNvSpPr txBox="1"/>
           <p:nvPr/>
         </p:nvSpPr>
         <p:spPr>
           <a:xfrm>
-            <a:off x="4857853" y="3501552"/>
+            <a:off x="4857853" y="3547449"/>
             <a:ext cx="367408" cy="523220"/>
           </a:xfrm>
           <a:prstGeom prst="rect">
@@ -11801,7 +11929,7 @@
           <a:lstStyle/>
           <a:p>
             <a:r>
-              <a:rPr lang="en-GB" sz="2800" dirty="0" smtClean="0"/>
+              <a:rPr lang="en-GB" sz="2800" dirty="0"/>
               <a:t>1</a:t>
             </a:r>
             <a:endParaRPr lang="en-GB" dirty="0"/>
@@ -11816,7 +11944,7 @@
         </p:nvSpPr>
         <p:spPr>
           <a:xfrm>
-            <a:off x="6161315" y="4194825"/>
+            <a:off x="6164846" y="4244253"/>
             <a:ext cx="508392" cy="515453"/>
           </a:xfrm>
           <a:prstGeom prst="rect">
@@ -11858,13 +11986,13 @@
       </p:sp>
       <p:sp>
         <p:nvSpPr>
-          <p:cNvPr id="6" name="ZoneTexte 5"/>
+          <p:cNvPr id="15" name="ZoneTexte 14"/>
           <p:cNvSpPr txBox="1"/>
           <p:nvPr/>
         </p:nvSpPr>
         <p:spPr>
           <a:xfrm>
-            <a:off x="6245458" y="4197766"/>
+            <a:off x="6245458" y="4243663"/>
             <a:ext cx="367408" cy="523220"/>
           </a:xfrm>
           <a:prstGeom prst="rect">
@@ -11879,7 +12007,7 @@
           <a:lstStyle/>
           <a:p>
             <a:r>
-              <a:rPr lang="en-GB" sz="2800" dirty="0" smtClean="0"/>
+              <a:rPr lang="en-GB" sz="2800" dirty="0"/>
               <a:t>1</a:t>
             </a:r>
             <a:endParaRPr lang="en-GB" dirty="0"/>
@@ -11889,7 +12017,7 @@
     </p:spTree>
     <p:extLst>
       <p:ext uri="{BB962C8B-B14F-4D97-AF65-F5344CB8AC3E}">
-        <p14:creationId xmlns:p14="http://schemas.microsoft.com/office/powerpoint/2010/main" val="3322692336"/>
+        <p14:creationId xmlns:p14="http://schemas.microsoft.com/office/powerpoint/2010/main" val="857338445"/>
       </p:ext>
     </p:extLst>
   </p:cSld>
@@ -12293,7 +12421,7 @@
             <a:p>
               <a:pPr algn="ctr"/>
               <a:r>
-                <a:rPr lang="en-GB" sz="2800" dirty="0" smtClean="0">
+                <a:rPr lang="en-GB" sz="2800" dirty="0">
                   <a:solidFill>
                     <a:schemeClr val="tx1"/>
                   </a:solidFill>
@@ -12407,7 +12535,7 @@
         </p:nvSpPr>
         <p:spPr>
           <a:xfrm>
-            <a:off x="3554499" y="2757750"/>
+            <a:off x="3554499" y="2694060"/>
             <a:ext cx="5083002" cy="3026364"/>
           </a:xfrm>
           <a:prstGeom prst="rect">
@@ -12453,10 +12581,10 @@
       </p:sp>
       <p:pic>
         <p:nvPicPr>
-          <p:cNvPr id="10" name="Picture 9">
+          <p:cNvPr id="6" name="Picture 5">
             <a:extLst>
               <a:ext uri="{FF2B5EF4-FFF2-40B4-BE49-F238E27FC236}">
-                <a16:creationId xmlns:a16="http://schemas.microsoft.com/office/drawing/2014/main" id="{93D8FE7F-D7E9-4D36-829D-0129FED49DE2}"/>
+                <a16:creationId xmlns:a16="http://schemas.microsoft.com/office/drawing/2014/main" id="{1BA460D6-8CE1-4EEE-AE87-3496959FE4AD}"/>
               </a:ext>
             </a:extLst>
           </p:cNvPr>
@@ -12467,121 +12595,25 @@
         </p:nvPicPr>
         <p:blipFill rotWithShape="1">
           <a:blip r:embed="rId2"/>
-          <a:srcRect l="22830" t="10949" r="22948" b="73"/>
+          <a:srcRect l="22258" t="9539" r="21855" b="462"/>
           <a:stretch/>
         </p:blipFill>
         <p:spPr>
           <a:xfrm>
-            <a:off x="4751830" y="2847866"/>
-            <a:ext cx="2651760" cy="2900996"/>
+            <a:off x="4728970" y="2739630"/>
+            <a:ext cx="2734056" cy="2935224"/>
           </a:xfrm>
           <a:prstGeom prst="rect">
             <a:avLst/>
           </a:prstGeom>
         </p:spPr>
       </p:pic>
-      <p:sp>
-        <p:nvSpPr>
-          <p:cNvPr id="12" name="ZoneTexte 7">
+      <p:cxnSp>
+        <p:nvCxnSpPr>
+          <p:cNvPr id="15" name="Straight Arrow Connector 14">
             <a:extLst>
               <a:ext uri="{FF2B5EF4-FFF2-40B4-BE49-F238E27FC236}">
-                <a16:creationId xmlns:a16="http://schemas.microsoft.com/office/drawing/2014/main" id="{F02FD1A1-9929-44D9-9F07-EED2E9FF9F21}"/>
-              </a:ext>
-            </a:extLst>
-          </p:cNvPr>
-          <p:cNvSpPr txBox="1"/>
-          <p:nvPr/>
-        </p:nvSpPr>
-        <p:spPr>
-          <a:xfrm>
-            <a:off x="1467110" y="1545401"/>
-            <a:ext cx="9257780" cy="461665"/>
-          </a:xfrm>
-          <a:prstGeom prst="rect">
-            <a:avLst/>
-          </a:prstGeom>
-          <a:noFill/>
-        </p:spPr>
-        <p:txBody>
-          <a:bodyPr wrap="square" rtlCol="0">
-            <a:spAutoFit/>
-          </a:bodyPr>
-          <a:lstStyle/>
-          <a:p>
-            <a:pPr algn="ctr">
-              <a:spcAft>
-                <a:spcPts val="1200"/>
-              </a:spcAft>
-            </a:pPr>
-            <a:r>
-              <a:rPr lang="en-GB" sz="2400" dirty="0"/>
-              <a:t>Si </a:t>
-            </a:r>
-            <a:r>
-              <a:rPr lang="en-GB" sz="2400" dirty="0" err="1"/>
-              <a:t>vous</a:t>
-            </a:r>
-            <a:r>
-              <a:rPr lang="en-GB" sz="2400" dirty="0"/>
-              <a:t> </a:t>
-            </a:r>
-            <a:r>
-              <a:rPr lang="en-GB" sz="2400" dirty="0" err="1"/>
-              <a:t>avez</a:t>
-            </a:r>
-            <a:r>
-              <a:rPr lang="en-GB" sz="2400" dirty="0"/>
-              <a:t> </a:t>
-            </a:r>
-            <a:r>
-              <a:rPr lang="en-GB" sz="2400" dirty="0" err="1"/>
-              <a:t>désigné</a:t>
-            </a:r>
-            <a:r>
-              <a:rPr lang="en-GB" sz="2400" dirty="0"/>
-              <a:t> un emplacement </a:t>
-            </a:r>
-            <a:r>
-              <a:rPr lang="en-GB" sz="2400" dirty="0" err="1"/>
-              <a:t>erronné</a:t>
-            </a:r>
-            <a:r>
-              <a:rPr lang="en-GB" sz="2400" dirty="0"/>
-              <a:t>, </a:t>
-            </a:r>
-            <a:r>
-              <a:rPr lang="en-GB" sz="2400" dirty="0" err="1"/>
-              <a:t>il</a:t>
-            </a:r>
-            <a:r>
-              <a:rPr lang="en-GB" sz="2400" dirty="0"/>
-              <a:t> sera </a:t>
-            </a:r>
-            <a:r>
-              <a:rPr lang="en-GB" sz="2400" dirty="0" err="1"/>
-              <a:t>surligné</a:t>
-            </a:r>
-            <a:r>
-              <a:rPr lang="en-GB" sz="2400" dirty="0"/>
-              <a:t> </a:t>
-            </a:r>
-            <a:r>
-              <a:rPr lang="en-GB" sz="2400" dirty="0" err="1"/>
-              <a:t>en</a:t>
-            </a:r>
-            <a:r>
-              <a:rPr lang="en-GB" sz="2400" dirty="0"/>
-              <a:t> rouge:</a:t>
-            </a:r>
-          </a:p>
-        </p:txBody>
-      </p:sp>
-      <p:cxnSp>
-        <p:nvCxnSpPr>
-          <p:cNvPr id="13" name="Straight Arrow Connector 12">
-            <a:extLst>
-              <a:ext uri="{FF2B5EF4-FFF2-40B4-BE49-F238E27FC236}">
-                <a16:creationId xmlns:a16="http://schemas.microsoft.com/office/drawing/2014/main" id="{FCCD4248-E6AC-4B59-A117-145AA482BE3A}"/>
+                <a16:creationId xmlns:a16="http://schemas.microsoft.com/office/drawing/2014/main" id="{ADEE2DD0-CFF8-4106-BE71-63AD01162339}"/>
               </a:ext>
             </a:extLst>
           </p:cNvPr>
@@ -12591,9 +12623,9 @@
           <p:nvPr/>
         </p:nvCxnSpPr>
         <p:spPr>
-          <a:xfrm flipV="1">
-            <a:off x="2331720" y="4572684"/>
-            <a:ext cx="2350008" cy="917916"/>
+          <a:xfrm flipH="1">
+            <a:off x="6875260" y="3819551"/>
+            <a:ext cx="2497340" cy="1"/>
           </a:xfrm>
           <a:prstGeom prst="straightConnector1">
             <a:avLst/>
@@ -12622,6 +12654,102 @@
       </p:cxnSp>
       <p:sp>
         <p:nvSpPr>
+          <p:cNvPr id="8" name="ZoneTexte 7">
+            <a:extLst>
+              <a:ext uri="{FF2B5EF4-FFF2-40B4-BE49-F238E27FC236}">
+                <a16:creationId xmlns:a16="http://schemas.microsoft.com/office/drawing/2014/main" id="{F02FD1A1-9929-44D9-9F07-EED2E9FF9F21}"/>
+              </a:ext>
+            </a:extLst>
+          </p:cNvPr>
+          <p:cNvSpPr txBox="1"/>
+          <p:nvPr/>
+        </p:nvSpPr>
+        <p:spPr>
+          <a:xfrm>
+            <a:off x="1646781" y="1545401"/>
+            <a:ext cx="8898438" cy="461665"/>
+          </a:xfrm>
+          <a:prstGeom prst="rect">
+            <a:avLst/>
+          </a:prstGeom>
+          <a:noFill/>
+        </p:spPr>
+        <p:txBody>
+          <a:bodyPr wrap="square" rtlCol="0">
+            <a:spAutoFit/>
+          </a:bodyPr>
+          <a:lstStyle/>
+          <a:p>
+            <a:pPr algn="ctr">
+              <a:spcAft>
+                <a:spcPts val="1200"/>
+              </a:spcAft>
+            </a:pPr>
+            <a:r>
+              <a:rPr lang="en-GB" sz="2400" dirty="0"/>
+              <a:t>Si </a:t>
+            </a:r>
+            <a:r>
+              <a:rPr lang="en-GB" sz="2400" dirty="0" err="1"/>
+              <a:t>vous</a:t>
+            </a:r>
+            <a:r>
+              <a:rPr lang="en-GB" sz="2400" dirty="0"/>
+              <a:t> </a:t>
+            </a:r>
+            <a:r>
+              <a:rPr lang="en-GB" sz="2400" dirty="0" err="1"/>
+              <a:t>avez</a:t>
+            </a:r>
+            <a:r>
+              <a:rPr lang="en-GB" sz="2400" dirty="0"/>
+              <a:t> </a:t>
+            </a:r>
+            <a:r>
+              <a:rPr lang="en-GB" sz="2400" dirty="0" err="1"/>
+              <a:t>désigné</a:t>
+            </a:r>
+            <a:r>
+              <a:rPr lang="en-GB" sz="2400" dirty="0"/>
+              <a:t> un emplacement correct, </a:t>
+            </a:r>
+            <a:r>
+              <a:rPr lang="en-GB" sz="2400" dirty="0" err="1"/>
+              <a:t>il</a:t>
+            </a:r>
+            <a:r>
+              <a:rPr lang="en-GB" sz="2400" dirty="0"/>
+              <a:t> sera </a:t>
+            </a:r>
+            <a:r>
+              <a:rPr lang="en-GB" sz="2400" dirty="0" err="1"/>
+              <a:t>surligné</a:t>
+            </a:r>
+            <a:r>
+              <a:rPr lang="en-GB" sz="2400" dirty="0"/>
+              <a:t> </a:t>
+            </a:r>
+            <a:r>
+              <a:rPr lang="en-GB" sz="2400" dirty="0" err="1"/>
+              <a:t>en</a:t>
+            </a:r>
+            <a:r>
+              <a:rPr lang="en-GB" sz="2400" dirty="0"/>
+              <a:t> </a:t>
+            </a:r>
+            <a:r>
+              <a:rPr lang="en-GB" sz="2400" dirty="0" err="1"/>
+              <a:t>vert</a:t>
+            </a:r>
+            <a:r>
+              <a:rPr lang="en-GB" sz="2400" dirty="0"/>
+              <a:t>:</a:t>
+            </a:r>
+          </a:p>
+        </p:txBody>
+      </p:sp>
+      <p:sp>
+        <p:nvSpPr>
           <p:cNvPr id="7" name="ZoneTexte 6"/>
           <p:cNvSpPr txBox="1"/>
           <p:nvPr/>
@@ -12666,14 +12794,14 @@
       </p:sp>
       <p:sp>
         <p:nvSpPr>
-          <p:cNvPr id="8" name="Rectangle 7"/>
+          <p:cNvPr id="2" name="Rectangle 1"/>
           <p:cNvSpPr/>
           <p:nvPr/>
         </p:nvSpPr>
         <p:spPr>
           <a:xfrm>
-            <a:off x="4787361" y="3555216"/>
-            <a:ext cx="508392" cy="515453"/>
+            <a:off x="5482869" y="3502258"/>
+            <a:ext cx="501332" cy="501331"/>
           </a:xfrm>
           <a:prstGeom prst="rect">
             <a:avLst/>
@@ -12708,50 +12836,20 @@
           <a:lstStyle/>
           <a:p>
             <a:pPr algn="ctr"/>
-            <a:endParaRPr lang="en-GB" dirty="0"/>
-          </a:p>
-        </p:txBody>
-      </p:sp>
-      <p:sp>
-        <p:nvSpPr>
-          <p:cNvPr id="11" name="ZoneTexte 10"/>
-          <p:cNvSpPr txBox="1"/>
-          <p:nvPr/>
-        </p:nvSpPr>
-        <p:spPr>
-          <a:xfrm>
-            <a:off x="4857853" y="3547449"/>
-            <a:ext cx="367408" cy="523220"/>
-          </a:xfrm>
-          <a:prstGeom prst="rect">
-            <a:avLst/>
-          </a:prstGeom>
-          <a:noFill/>
-        </p:spPr>
-        <p:txBody>
-          <a:bodyPr wrap="none" rtlCol="0">
-            <a:spAutoFit/>
-          </a:bodyPr>
-          <a:lstStyle/>
-          <a:p>
-            <a:r>
-              <a:rPr lang="en-GB" sz="2800" dirty="0" smtClean="0"/>
-              <a:t>1</a:t>
-            </a:r>
-            <a:endParaRPr lang="en-GB" dirty="0"/>
-          </a:p>
-        </p:txBody>
-      </p:sp>
-      <p:sp>
-        <p:nvSpPr>
-          <p:cNvPr id="14" name="Rectangle 13"/>
+            <a:endParaRPr lang="en-GB"/>
+          </a:p>
+        </p:txBody>
+      </p:sp>
+      <p:sp>
+        <p:nvSpPr>
+          <p:cNvPr id="10" name="Rectangle 9"/>
           <p:cNvSpPr/>
           <p:nvPr/>
         </p:nvSpPr>
         <p:spPr>
           <a:xfrm>
-            <a:off x="6164846" y="4244253"/>
-            <a:ext cx="508392" cy="515453"/>
+            <a:off x="6179064" y="3502258"/>
+            <a:ext cx="501332" cy="501331"/>
           </a:xfrm>
           <a:prstGeom prst="rect">
             <a:avLst/>
@@ -12786,19 +12884,19 @@
           <a:lstStyle/>
           <a:p>
             <a:pPr algn="ctr"/>
-            <a:endParaRPr lang="en-GB" dirty="0"/>
-          </a:p>
-        </p:txBody>
-      </p:sp>
-      <p:sp>
-        <p:nvSpPr>
-          <p:cNvPr id="15" name="ZoneTexte 14"/>
+            <a:endParaRPr lang="en-GB"/>
+          </a:p>
+        </p:txBody>
+      </p:sp>
+      <p:sp>
+        <p:nvSpPr>
+          <p:cNvPr id="3" name="ZoneTexte 2"/>
           <p:cNvSpPr txBox="1"/>
           <p:nvPr/>
         </p:nvSpPr>
         <p:spPr>
           <a:xfrm>
-            <a:off x="6245458" y="4243663"/>
+            <a:off x="5554448" y="3487055"/>
             <a:ext cx="367408" cy="523220"/>
           </a:xfrm>
           <a:prstGeom prst="rect">
@@ -12813,17 +12911,45 @@
           <a:lstStyle/>
           <a:p>
             <a:r>
-              <a:rPr lang="en-GB" sz="2800" dirty="0" smtClean="0"/>
-              <a:t>1</a:t>
-            </a:r>
-            <a:endParaRPr lang="en-GB" dirty="0"/>
+              <a:rPr lang="en-GB" sz="2800" dirty="0"/>
+              <a:t>8</a:t>
+            </a:r>
+          </a:p>
+        </p:txBody>
+      </p:sp>
+      <p:sp>
+        <p:nvSpPr>
+          <p:cNvPr id="11" name="ZoneTexte 10"/>
+          <p:cNvSpPr txBox="1"/>
+          <p:nvPr/>
+        </p:nvSpPr>
+        <p:spPr>
+          <a:xfrm>
+            <a:off x="6246026" y="3487055"/>
+            <a:ext cx="367408" cy="523220"/>
+          </a:xfrm>
+          <a:prstGeom prst="rect">
+            <a:avLst/>
+          </a:prstGeom>
+          <a:noFill/>
+        </p:spPr>
+        <p:txBody>
+          <a:bodyPr wrap="none" rtlCol="0">
+            <a:spAutoFit/>
+          </a:bodyPr>
+          <a:lstStyle/>
+          <a:p>
+            <a:r>
+              <a:rPr lang="en-GB" sz="2800" dirty="0"/>
+              <a:t>8</a:t>
+            </a:r>
           </a:p>
         </p:txBody>
       </p:sp>
     </p:spTree>
     <p:extLst>
       <p:ext uri="{BB962C8B-B14F-4D97-AF65-F5344CB8AC3E}">
-        <p14:creationId xmlns:p14="http://schemas.microsoft.com/office/powerpoint/2010/main" val="857338445"/>
+        <p14:creationId xmlns:p14="http://schemas.microsoft.com/office/powerpoint/2010/main" val="3208989387"/>
       </p:ext>
     </p:extLst>
   </p:cSld>
@@ -12852,235 +12978,14 @@
       </p:grpSpPr>
       <p:sp>
         <p:nvSpPr>
-          <p:cNvPr id="9" name="Rectangle 8"/>
-          <p:cNvSpPr/>
-          <p:nvPr/>
-        </p:nvSpPr>
-        <p:spPr>
-          <a:xfrm>
-            <a:off x="3554499" y="2694060"/>
-            <a:ext cx="5083002" cy="3026364"/>
-          </a:xfrm>
-          <a:prstGeom prst="rect">
-            <a:avLst/>
-          </a:prstGeom>
-          <a:noFill/>
-          <a:ln w="76200">
-            <a:solidFill>
-              <a:schemeClr val="bg1">
-                <a:lumMod val="65000"/>
-              </a:schemeClr>
-            </a:solidFill>
-          </a:ln>
-        </p:spPr>
-        <p:style>
-          <a:lnRef idx="2">
-            <a:schemeClr val="accent1">
-              <a:shade val="50000"/>
-            </a:schemeClr>
-          </a:lnRef>
-          <a:fillRef idx="1">
-            <a:schemeClr val="accent1"/>
-          </a:fillRef>
-          <a:effectRef idx="0">
-            <a:schemeClr val="accent1"/>
-          </a:effectRef>
-          <a:fontRef idx="minor">
-            <a:schemeClr val="lt1"/>
-          </a:fontRef>
-        </p:style>
-        <p:txBody>
-          <a:bodyPr rtlCol="0" anchor="ctr"/>
-          <a:lstStyle/>
-          <a:p>
-            <a:pPr algn="ctr"/>
-            <a:endParaRPr lang="en-GB">
-              <a:solidFill>
-                <a:schemeClr val="tx1"/>
-              </a:solidFill>
-            </a:endParaRPr>
-          </a:p>
-        </p:txBody>
-      </p:sp>
-      <p:pic>
-        <p:nvPicPr>
-          <p:cNvPr id="6" name="Picture 5">
-            <a:extLst>
-              <a:ext uri="{FF2B5EF4-FFF2-40B4-BE49-F238E27FC236}">
-                <a16:creationId xmlns:a16="http://schemas.microsoft.com/office/drawing/2014/main" id="{1BA460D6-8CE1-4EEE-AE87-3496959FE4AD}"/>
-              </a:ext>
-            </a:extLst>
-          </p:cNvPr>
-          <p:cNvPicPr>
-            <a:picLocks noChangeAspect="1"/>
-          </p:cNvPicPr>
-          <p:nvPr/>
-        </p:nvPicPr>
-        <p:blipFill rotWithShape="1">
-          <a:blip r:embed="rId2"/>
-          <a:srcRect l="22258" t="9539" r="21855" b="462"/>
-          <a:stretch/>
-        </p:blipFill>
-        <p:spPr>
-          <a:xfrm>
-            <a:off x="4728970" y="2739630"/>
-            <a:ext cx="2734056" cy="2935224"/>
-          </a:xfrm>
-          <a:prstGeom prst="rect">
-            <a:avLst/>
-          </a:prstGeom>
-        </p:spPr>
-      </p:pic>
-      <p:cxnSp>
-        <p:nvCxnSpPr>
-          <p:cNvPr id="15" name="Straight Arrow Connector 14">
-            <a:extLst>
-              <a:ext uri="{FF2B5EF4-FFF2-40B4-BE49-F238E27FC236}">
-                <a16:creationId xmlns:a16="http://schemas.microsoft.com/office/drawing/2014/main" id="{ADEE2DD0-CFF8-4106-BE71-63AD01162339}"/>
-              </a:ext>
-            </a:extLst>
-          </p:cNvPr>
-          <p:cNvCxnSpPr>
-            <a:cxnSpLocks/>
-          </p:cNvCxnSpPr>
-          <p:nvPr/>
-        </p:nvCxnSpPr>
-        <p:spPr>
-          <a:xfrm flipH="1">
-            <a:off x="6875260" y="3819551"/>
-            <a:ext cx="2497340" cy="1"/>
-          </a:xfrm>
-          <a:prstGeom prst="straightConnector1">
-            <a:avLst/>
-          </a:prstGeom>
-          <a:ln w="57150">
-            <a:solidFill>
-              <a:srgbClr val="FF0000"/>
-            </a:solidFill>
-            <a:tailEnd type="triangle"/>
-          </a:ln>
-        </p:spPr>
-        <p:style>
-          <a:lnRef idx="3">
-            <a:schemeClr val="accent2"/>
-          </a:lnRef>
-          <a:fillRef idx="0">
-            <a:schemeClr val="accent2"/>
-          </a:fillRef>
-          <a:effectRef idx="2">
-            <a:schemeClr val="accent2"/>
-          </a:effectRef>
-          <a:fontRef idx="minor">
-            <a:schemeClr val="tx1"/>
-          </a:fontRef>
-        </p:style>
-      </p:cxnSp>
-      <p:sp>
-        <p:nvSpPr>
-          <p:cNvPr id="8" name="ZoneTexte 7">
-            <a:extLst>
-              <a:ext uri="{FF2B5EF4-FFF2-40B4-BE49-F238E27FC236}">
-                <a16:creationId xmlns:a16="http://schemas.microsoft.com/office/drawing/2014/main" id="{F02FD1A1-9929-44D9-9F07-EED2E9FF9F21}"/>
-              </a:ext>
-            </a:extLst>
-          </p:cNvPr>
+          <p:cNvPr id="5" name="ZoneTexte 4"/>
           <p:cNvSpPr txBox="1"/>
           <p:nvPr/>
         </p:nvSpPr>
         <p:spPr>
           <a:xfrm>
-            <a:off x="1646781" y="1545401"/>
-            <a:ext cx="8898438" cy="461665"/>
-          </a:xfrm>
-          <a:prstGeom prst="rect">
-            <a:avLst/>
-          </a:prstGeom>
-          <a:noFill/>
-        </p:spPr>
-        <p:txBody>
-          <a:bodyPr wrap="square" rtlCol="0">
-            <a:spAutoFit/>
-          </a:bodyPr>
-          <a:lstStyle/>
-          <a:p>
-            <a:pPr algn="ctr">
-              <a:spcAft>
-                <a:spcPts val="1200"/>
-              </a:spcAft>
-            </a:pPr>
-            <a:r>
-              <a:rPr lang="en-GB" sz="2400" dirty="0"/>
-              <a:t>Si </a:t>
-            </a:r>
-            <a:r>
-              <a:rPr lang="en-GB" sz="2400" dirty="0" err="1"/>
-              <a:t>vous</a:t>
-            </a:r>
-            <a:r>
-              <a:rPr lang="en-GB" sz="2400" dirty="0"/>
-              <a:t> </a:t>
-            </a:r>
-            <a:r>
-              <a:rPr lang="en-GB" sz="2400" dirty="0" err="1"/>
-              <a:t>avez</a:t>
-            </a:r>
-            <a:r>
-              <a:rPr lang="en-GB" sz="2400" dirty="0"/>
-              <a:t> </a:t>
-            </a:r>
-            <a:r>
-              <a:rPr lang="en-GB" sz="2400" dirty="0" err="1"/>
-              <a:t>désigné</a:t>
-            </a:r>
-            <a:r>
-              <a:rPr lang="en-GB" sz="2400" dirty="0"/>
-              <a:t> un emplacement correct, </a:t>
-            </a:r>
-            <a:r>
-              <a:rPr lang="en-GB" sz="2400" dirty="0" err="1"/>
-              <a:t>il</a:t>
-            </a:r>
-            <a:r>
-              <a:rPr lang="en-GB" sz="2400" dirty="0"/>
-              <a:t> sera </a:t>
-            </a:r>
-            <a:r>
-              <a:rPr lang="en-GB" sz="2400" dirty="0" err="1"/>
-              <a:t>surligné</a:t>
-            </a:r>
-            <a:r>
-              <a:rPr lang="en-GB" sz="2400" dirty="0"/>
-              <a:t> </a:t>
-            </a:r>
-            <a:r>
-              <a:rPr lang="en-GB" sz="2400" dirty="0" err="1"/>
-              <a:t>en</a:t>
-            </a:r>
-            <a:r>
-              <a:rPr lang="en-GB" sz="2400" dirty="0"/>
-              <a:t> </a:t>
-            </a:r>
-            <a:r>
-              <a:rPr lang="en-GB" sz="2400" dirty="0" err="1"/>
-              <a:t>vert</a:t>
-            </a:r>
-            <a:r>
-              <a:rPr lang="en-GB" sz="2400" dirty="0"/>
-              <a:t>:</a:t>
-            </a:r>
-          </a:p>
-        </p:txBody>
-      </p:sp>
-      <p:sp>
-        <p:nvSpPr>
-          <p:cNvPr id="7" name="ZoneTexte 6"/>
-          <p:cNvSpPr txBox="1"/>
-          <p:nvPr/>
-        </p:nvSpPr>
-        <p:spPr>
-          <a:xfrm>
-            <a:off x="3099106" y="379385"/>
-            <a:ext cx="5993789" cy="461665"/>
+            <a:off x="3557275" y="379385"/>
+            <a:ext cx="5077450" cy="461665"/>
           </a:xfrm>
           <a:prstGeom prst="rect">
             <a:avLst/>
@@ -13110,117 +13015,27 @@
                   <a:srgbClr val="0070C0"/>
                 </a:solidFill>
               </a:rPr>
-              <a:t>ETAPE 6 – ÉVALUATION DE VOS RÉPONSES</a:t>
-            </a:r>
-          </a:p>
-        </p:txBody>
-      </p:sp>
-      <p:sp>
-        <p:nvSpPr>
-          <p:cNvPr id="2" name="Rectangle 1"/>
-          <p:cNvSpPr/>
-          <p:nvPr/>
-        </p:nvSpPr>
-        <p:spPr>
-          <a:xfrm>
-            <a:off x="5482869" y="3502258"/>
-            <a:ext cx="501332" cy="501331"/>
-          </a:xfrm>
-          <a:prstGeom prst="rect">
-            <a:avLst/>
-          </a:prstGeom>
-          <a:solidFill>
-            <a:schemeClr val="bg1"/>
-          </a:solidFill>
-          <a:ln>
-            <a:solidFill>
-              <a:schemeClr val="bg1"/>
-            </a:solidFill>
-          </a:ln>
-        </p:spPr>
-        <p:style>
-          <a:lnRef idx="2">
-            <a:schemeClr val="accent1">
-              <a:shade val="50000"/>
-            </a:schemeClr>
-          </a:lnRef>
-          <a:fillRef idx="1">
-            <a:schemeClr val="accent1"/>
-          </a:fillRef>
-          <a:effectRef idx="0">
-            <a:schemeClr val="accent1"/>
-          </a:effectRef>
-          <a:fontRef idx="minor">
-            <a:schemeClr val="lt1"/>
-          </a:fontRef>
-        </p:style>
-        <p:txBody>
-          <a:bodyPr rtlCol="0" anchor="ctr"/>
-          <a:lstStyle/>
-          <a:p>
-            <a:pPr algn="ctr"/>
-            <a:endParaRPr lang="en-GB"/>
-          </a:p>
-        </p:txBody>
-      </p:sp>
-      <p:sp>
-        <p:nvSpPr>
-          <p:cNvPr id="10" name="Rectangle 9"/>
-          <p:cNvSpPr/>
-          <p:nvPr/>
-        </p:nvSpPr>
-        <p:spPr>
-          <a:xfrm>
-            <a:off x="6179064" y="3502258"/>
-            <a:ext cx="501332" cy="501331"/>
-          </a:xfrm>
-          <a:prstGeom prst="rect">
-            <a:avLst/>
-          </a:prstGeom>
-          <a:solidFill>
-            <a:schemeClr val="bg1"/>
-          </a:solidFill>
-          <a:ln>
-            <a:solidFill>
-              <a:schemeClr val="bg1"/>
-            </a:solidFill>
-          </a:ln>
-        </p:spPr>
-        <p:style>
-          <a:lnRef idx="2">
-            <a:schemeClr val="accent1">
-              <a:shade val="50000"/>
-            </a:schemeClr>
-          </a:lnRef>
-          <a:fillRef idx="1">
-            <a:schemeClr val="accent1"/>
-          </a:fillRef>
-          <a:effectRef idx="0">
-            <a:schemeClr val="accent1"/>
-          </a:effectRef>
-          <a:fontRef idx="minor">
-            <a:schemeClr val="lt1"/>
-          </a:fontRef>
-        </p:style>
-        <p:txBody>
-          <a:bodyPr rtlCol="0" anchor="ctr"/>
-          <a:lstStyle/>
-          <a:p>
-            <a:pPr algn="ctr"/>
-            <a:endParaRPr lang="en-GB"/>
-          </a:p>
-        </p:txBody>
-      </p:sp>
-      <p:sp>
-        <p:nvSpPr>
-          <p:cNvPr id="3" name="ZoneTexte 2"/>
+              <a:t>FIN D’UN EXERCICE</a:t>
+            </a:r>
+          </a:p>
+        </p:txBody>
+      </p:sp>
+      <p:sp>
+        <p:nvSpPr>
+          <p:cNvPr id="14" name="ZoneTexte 7">
+            <a:extLst>
+              <a:ext uri="{FF2B5EF4-FFF2-40B4-BE49-F238E27FC236}">
+                <a16:creationId xmlns:a16="http://schemas.microsoft.com/office/drawing/2014/main" id="{6ED12362-E7CD-45EA-BA24-48CBC31A52FA}"/>
+              </a:ext>
+            </a:extLst>
+          </p:cNvPr>
           <p:cNvSpPr txBox="1"/>
           <p:nvPr/>
         </p:nvSpPr>
         <p:spPr>
           <a:xfrm>
-            <a:off x="5554448" y="3487055"/>
-            <a:ext cx="367408" cy="523220"/>
+            <a:off x="1874195" y="2120950"/>
+            <a:ext cx="8443609" cy="2616101"/>
           </a:xfrm>
           <a:prstGeom prst="rect">
             <a:avLst/>
@@ -13228,53 +13043,211 @@
           <a:noFill/>
         </p:spPr>
         <p:txBody>
-          <a:bodyPr wrap="none" rtlCol="0">
+          <a:bodyPr wrap="square" rtlCol="0">
             <a:spAutoFit/>
           </a:bodyPr>
           <a:lstStyle/>
           <a:p>
-            <a:r>
-              <a:rPr lang="en-GB" sz="2800" dirty="0" smtClean="0"/>
-              <a:t>8</a:t>
-            </a:r>
-            <a:endParaRPr lang="en-GB" sz="2800" dirty="0"/>
-          </a:p>
-        </p:txBody>
-      </p:sp>
-      <p:sp>
-        <p:nvSpPr>
-          <p:cNvPr id="11" name="ZoneTexte 10"/>
-          <p:cNvSpPr txBox="1"/>
-          <p:nvPr/>
-        </p:nvSpPr>
-        <p:spPr>
-          <a:xfrm>
-            <a:off x="6246026" y="3487055"/>
-            <a:ext cx="367408" cy="523220"/>
-          </a:xfrm>
-          <a:prstGeom prst="rect">
-            <a:avLst/>
-          </a:prstGeom>
-          <a:noFill/>
-        </p:spPr>
-        <p:txBody>
-          <a:bodyPr wrap="none" rtlCol="0">
-            <a:spAutoFit/>
-          </a:bodyPr>
-          <a:lstStyle/>
-          <a:p>
-            <a:r>
-              <a:rPr lang="en-GB" sz="2800" dirty="0" smtClean="0"/>
-              <a:t>8</a:t>
-            </a:r>
-            <a:endParaRPr lang="en-GB" sz="2800" dirty="0"/>
+            <a:pPr algn="ctr">
+              <a:spcAft>
+                <a:spcPts val="1200"/>
+              </a:spcAft>
+            </a:pPr>
+            <a:r>
+              <a:rPr lang="en-GB" sz="2400" dirty="0"/>
+              <a:t>Apr</a:t>
+            </a:r>
+            <a:r>
+              <a:rPr lang="en-US" sz="2400" dirty="0" err="1"/>
+              <a:t>ès</a:t>
+            </a:r>
+            <a:r>
+              <a:rPr lang="en-US" sz="2400" dirty="0"/>
+              <a:t> </a:t>
+            </a:r>
+            <a:r>
+              <a:rPr lang="en-US" sz="2400" dirty="0" err="1"/>
+              <a:t>l’étape</a:t>
+            </a:r>
+            <a:r>
+              <a:rPr lang="en-US" sz="2400" dirty="0"/>
+              <a:t> 6 (retour sur </a:t>
+            </a:r>
+            <a:r>
+              <a:rPr lang="en-US" sz="2400" dirty="0" err="1"/>
+              <a:t>votre</a:t>
+            </a:r>
+            <a:r>
+              <a:rPr lang="en-US" sz="2400" dirty="0"/>
+              <a:t> performance), </a:t>
+            </a:r>
+            <a:r>
+              <a:rPr lang="en-US" sz="2400" dirty="0" err="1"/>
+              <a:t>vous</a:t>
+            </a:r>
+            <a:r>
+              <a:rPr lang="en-US" sz="2400" dirty="0"/>
+              <a:t> </a:t>
+            </a:r>
+            <a:r>
+              <a:rPr lang="en-US" sz="2400" dirty="0" err="1"/>
+              <a:t>aurez</a:t>
+            </a:r>
+            <a:r>
+              <a:rPr lang="en-US" sz="2400" dirty="0"/>
+              <a:t> </a:t>
+            </a:r>
+            <a:r>
+              <a:rPr lang="en-US" sz="2400" dirty="0" err="1"/>
+              <a:t>completé</a:t>
+            </a:r>
+            <a:r>
+              <a:rPr lang="en-US" sz="2400" dirty="0"/>
+              <a:t> un </a:t>
+            </a:r>
+            <a:r>
+              <a:rPr lang="en-US" sz="2400" dirty="0" err="1"/>
+              <a:t>exercice</a:t>
+            </a:r>
+            <a:r>
+              <a:rPr lang="en-US" sz="2400" dirty="0"/>
+              <a:t> – bravo!</a:t>
+            </a:r>
+          </a:p>
+          <a:p>
+            <a:pPr algn="ctr">
+              <a:spcAft>
+                <a:spcPts val="1200"/>
+              </a:spcAft>
+            </a:pPr>
+            <a:r>
+              <a:rPr lang="en-US" sz="2400" dirty="0" err="1"/>
+              <a:t>Vous</a:t>
+            </a:r>
+            <a:r>
+              <a:rPr lang="en-US" sz="2400" dirty="0"/>
+              <a:t> </a:t>
+            </a:r>
+            <a:r>
+              <a:rPr lang="en-US" sz="2400" dirty="0" err="1"/>
+              <a:t>pourrez</a:t>
+            </a:r>
+            <a:r>
+              <a:rPr lang="en-US" sz="2400" dirty="0"/>
+              <a:t> </a:t>
+            </a:r>
+            <a:r>
+              <a:rPr lang="fr-FR" sz="2400" dirty="0"/>
+              <a:t>prendre autant de temps que vous le souhaitez avant de démarrer le prochain exercice.</a:t>
+            </a:r>
+            <a:endParaRPr lang="en-US" sz="2400" dirty="0"/>
+          </a:p>
+          <a:p>
+            <a:pPr algn="ctr">
+              <a:spcAft>
+                <a:spcPts val="1200"/>
+              </a:spcAft>
+            </a:pPr>
+            <a:r>
+              <a:rPr lang="en-US" sz="2400" dirty="0"/>
+              <a:t>Par </a:t>
+            </a:r>
+            <a:r>
+              <a:rPr lang="en-US" sz="2400" dirty="0" err="1"/>
+              <a:t>contre</a:t>
+            </a:r>
+            <a:r>
+              <a:rPr lang="en-US" sz="2400" dirty="0"/>
+              <a:t>, </a:t>
+            </a:r>
+            <a:r>
+              <a:rPr lang="en-US" sz="2400" dirty="0" err="1"/>
+              <a:t>si</a:t>
+            </a:r>
+            <a:r>
+              <a:rPr lang="en-US" sz="2400" dirty="0"/>
+              <a:t> </a:t>
+            </a:r>
+            <a:r>
+              <a:rPr lang="en-US" sz="2400" dirty="0" err="1"/>
+              <a:t>vous</a:t>
+            </a:r>
+            <a:r>
+              <a:rPr lang="en-US" sz="2400" dirty="0"/>
+              <a:t> </a:t>
+            </a:r>
+            <a:r>
+              <a:rPr lang="en-US" sz="2400" dirty="0" err="1"/>
+              <a:t>fermez</a:t>
+            </a:r>
+            <a:r>
+              <a:rPr lang="en-US" sz="2400" dirty="0"/>
+              <a:t> </a:t>
+            </a:r>
+            <a:r>
+              <a:rPr lang="en-US" sz="2400" dirty="0" err="1"/>
+              <a:t>l’onglet</a:t>
+            </a:r>
+            <a:r>
+              <a:rPr lang="en-US" sz="2400" dirty="0"/>
+              <a:t> de </a:t>
+            </a:r>
+            <a:r>
+              <a:rPr lang="en-US" sz="2400" dirty="0" err="1"/>
+              <a:t>votre</a:t>
+            </a:r>
+            <a:r>
+              <a:rPr lang="en-US" sz="2400" dirty="0"/>
+              <a:t> </a:t>
+            </a:r>
+            <a:r>
+              <a:rPr lang="en-US" sz="2400" dirty="0" err="1"/>
+              <a:t>navigateur</a:t>
+            </a:r>
+            <a:r>
+              <a:rPr lang="en-US" sz="2400" dirty="0"/>
+              <a:t>, </a:t>
+            </a:r>
+            <a:r>
+              <a:rPr lang="en-US" sz="2400" dirty="0" err="1"/>
+              <a:t>vous</a:t>
+            </a:r>
+            <a:r>
+              <a:rPr lang="en-US" sz="2400" dirty="0"/>
+              <a:t> </a:t>
+            </a:r>
+            <a:r>
+              <a:rPr lang="en-US" sz="2400" dirty="0" err="1"/>
+              <a:t>devrez</a:t>
+            </a:r>
+            <a:r>
+              <a:rPr lang="en-US" sz="2400" dirty="0"/>
+              <a:t> </a:t>
+            </a:r>
+            <a:r>
+              <a:rPr lang="en-US" sz="2400" dirty="0" err="1"/>
+              <a:t>recommencer</a:t>
+            </a:r>
+            <a:r>
+              <a:rPr lang="en-US" sz="2400" dirty="0"/>
+              <a:t> le test </a:t>
+            </a:r>
+            <a:r>
+              <a:rPr lang="en-US" sz="2400" dirty="0" err="1"/>
+              <a:t>depuis</a:t>
+            </a:r>
+            <a:r>
+              <a:rPr lang="en-US" sz="2400" dirty="0"/>
+              <a:t> la début…</a:t>
+            </a:r>
+            <a:endParaRPr lang="en-GB" sz="2400" b="1" dirty="0"/>
           </a:p>
         </p:txBody>
       </p:sp>
     </p:spTree>
     <p:extLst>
       <p:ext uri="{BB962C8B-B14F-4D97-AF65-F5344CB8AC3E}">
-        <p14:creationId xmlns:p14="http://schemas.microsoft.com/office/powerpoint/2010/main" val="3208989387"/>
+        <p14:creationId xmlns:p14="http://schemas.microsoft.com/office/powerpoint/2010/main" val="3731612808"/>
       </p:ext>
     </p:extLst>
   </p:cSld>
@@ -13340,304 +13313,6 @@
                   <a:srgbClr val="0070C0"/>
                 </a:solidFill>
               </a:rPr>
-              <a:t>FIN D’UN EXERCICE</a:t>
-            </a:r>
-          </a:p>
-        </p:txBody>
-      </p:sp>
-      <p:sp>
-        <p:nvSpPr>
-          <p:cNvPr id="14" name="ZoneTexte 7">
-            <a:extLst>
-              <a:ext uri="{FF2B5EF4-FFF2-40B4-BE49-F238E27FC236}">
-                <a16:creationId xmlns:a16="http://schemas.microsoft.com/office/drawing/2014/main" id="{6ED12362-E7CD-45EA-BA24-48CBC31A52FA}"/>
-              </a:ext>
-            </a:extLst>
-          </p:cNvPr>
-          <p:cNvSpPr txBox="1"/>
-          <p:nvPr/>
-        </p:nvSpPr>
-        <p:spPr>
-          <a:xfrm>
-            <a:off x="1874195" y="2120950"/>
-            <a:ext cx="8443609" cy="2616101"/>
-          </a:xfrm>
-          <a:prstGeom prst="rect">
-            <a:avLst/>
-          </a:prstGeom>
-          <a:noFill/>
-        </p:spPr>
-        <p:txBody>
-          <a:bodyPr wrap="square" rtlCol="0">
-            <a:spAutoFit/>
-          </a:bodyPr>
-          <a:lstStyle/>
-          <a:p>
-            <a:pPr algn="ctr">
-              <a:spcAft>
-                <a:spcPts val="1200"/>
-              </a:spcAft>
-            </a:pPr>
-            <a:r>
-              <a:rPr lang="en-GB" sz="2400" dirty="0"/>
-              <a:t>Apr</a:t>
-            </a:r>
-            <a:r>
-              <a:rPr lang="en-US" sz="2400" dirty="0" err="1"/>
-              <a:t>ès</a:t>
-            </a:r>
-            <a:r>
-              <a:rPr lang="en-US" sz="2400" dirty="0"/>
-              <a:t> </a:t>
-            </a:r>
-            <a:r>
-              <a:rPr lang="en-US" sz="2400" dirty="0" err="1"/>
-              <a:t>l’étape</a:t>
-            </a:r>
-            <a:r>
-              <a:rPr lang="en-US" sz="2400" dirty="0"/>
-              <a:t> 6 (retour sur </a:t>
-            </a:r>
-            <a:r>
-              <a:rPr lang="en-US" sz="2400" dirty="0" err="1"/>
-              <a:t>votre</a:t>
-            </a:r>
-            <a:r>
-              <a:rPr lang="en-US" sz="2400" dirty="0"/>
-              <a:t> performance), </a:t>
-            </a:r>
-            <a:r>
-              <a:rPr lang="en-US" sz="2400" dirty="0" err="1"/>
-              <a:t>vous</a:t>
-            </a:r>
-            <a:r>
-              <a:rPr lang="en-US" sz="2400" dirty="0"/>
-              <a:t> </a:t>
-            </a:r>
-            <a:r>
-              <a:rPr lang="en-US" sz="2400" dirty="0" err="1"/>
-              <a:t>aurez</a:t>
-            </a:r>
-            <a:r>
-              <a:rPr lang="en-US" sz="2400" dirty="0"/>
-              <a:t> </a:t>
-            </a:r>
-            <a:r>
-              <a:rPr lang="en-US" sz="2400" dirty="0" err="1"/>
-              <a:t>completé</a:t>
-            </a:r>
-            <a:r>
-              <a:rPr lang="en-US" sz="2400" dirty="0"/>
-              <a:t> un </a:t>
-            </a:r>
-            <a:r>
-              <a:rPr lang="en-US" sz="2400" dirty="0" err="1"/>
-              <a:t>exercice</a:t>
-            </a:r>
-            <a:r>
-              <a:rPr lang="en-US" sz="2400" dirty="0"/>
-              <a:t> – bravo!</a:t>
-            </a:r>
-          </a:p>
-          <a:p>
-            <a:pPr algn="ctr">
-              <a:spcAft>
-                <a:spcPts val="1200"/>
-              </a:spcAft>
-            </a:pPr>
-            <a:r>
-              <a:rPr lang="en-US" sz="2400" dirty="0" err="1"/>
-              <a:t>Vous</a:t>
-            </a:r>
-            <a:r>
-              <a:rPr lang="en-US" sz="2400" dirty="0"/>
-              <a:t> </a:t>
-            </a:r>
-            <a:r>
-              <a:rPr lang="en-US" sz="2400" dirty="0" err="1"/>
-              <a:t>pourrez</a:t>
-            </a:r>
-            <a:r>
-              <a:rPr lang="en-US" sz="2400" dirty="0"/>
-              <a:t> </a:t>
-            </a:r>
-            <a:r>
-              <a:rPr lang="fr-FR" sz="2400" dirty="0"/>
-              <a:t>prendre autant de temps que vous le souhaitez avant de démarrer le prochain exercice.</a:t>
-            </a:r>
-            <a:endParaRPr lang="en-US" sz="2400" dirty="0"/>
-          </a:p>
-          <a:p>
-            <a:pPr algn="ctr">
-              <a:spcAft>
-                <a:spcPts val="1200"/>
-              </a:spcAft>
-            </a:pPr>
-            <a:r>
-              <a:rPr lang="en-US" sz="2400" dirty="0"/>
-              <a:t>Par </a:t>
-            </a:r>
-            <a:r>
-              <a:rPr lang="en-US" sz="2400" dirty="0" err="1"/>
-              <a:t>contre</a:t>
-            </a:r>
-            <a:r>
-              <a:rPr lang="en-US" sz="2400" dirty="0"/>
-              <a:t>, </a:t>
-            </a:r>
-            <a:r>
-              <a:rPr lang="en-US" sz="2400" dirty="0" err="1"/>
-              <a:t>si</a:t>
-            </a:r>
-            <a:r>
-              <a:rPr lang="en-US" sz="2400" dirty="0"/>
-              <a:t> </a:t>
-            </a:r>
-            <a:r>
-              <a:rPr lang="en-US" sz="2400" dirty="0" err="1"/>
-              <a:t>vous</a:t>
-            </a:r>
-            <a:r>
-              <a:rPr lang="en-US" sz="2400" dirty="0"/>
-              <a:t> </a:t>
-            </a:r>
-            <a:r>
-              <a:rPr lang="en-US" sz="2400" dirty="0" err="1"/>
-              <a:t>fermez</a:t>
-            </a:r>
-            <a:r>
-              <a:rPr lang="en-US" sz="2400" dirty="0"/>
-              <a:t> </a:t>
-            </a:r>
-            <a:r>
-              <a:rPr lang="en-US" sz="2400" dirty="0" err="1"/>
-              <a:t>l’onglet</a:t>
-            </a:r>
-            <a:r>
-              <a:rPr lang="en-US" sz="2400" dirty="0"/>
-              <a:t> de </a:t>
-            </a:r>
-            <a:r>
-              <a:rPr lang="en-US" sz="2400" dirty="0" err="1"/>
-              <a:t>votre</a:t>
-            </a:r>
-            <a:r>
-              <a:rPr lang="en-US" sz="2400" dirty="0"/>
-              <a:t> </a:t>
-            </a:r>
-            <a:r>
-              <a:rPr lang="en-US" sz="2400" dirty="0" err="1"/>
-              <a:t>navigateur</a:t>
-            </a:r>
-            <a:r>
-              <a:rPr lang="en-US" sz="2400" dirty="0"/>
-              <a:t>, </a:t>
-            </a:r>
-            <a:r>
-              <a:rPr lang="en-US" sz="2400" dirty="0" err="1"/>
-              <a:t>vous</a:t>
-            </a:r>
-            <a:r>
-              <a:rPr lang="en-US" sz="2400" dirty="0"/>
-              <a:t> </a:t>
-            </a:r>
-            <a:r>
-              <a:rPr lang="en-US" sz="2400" dirty="0" err="1"/>
-              <a:t>devrez</a:t>
-            </a:r>
-            <a:r>
-              <a:rPr lang="en-US" sz="2400" dirty="0"/>
-              <a:t> </a:t>
-            </a:r>
-            <a:r>
-              <a:rPr lang="en-US" sz="2400" dirty="0" err="1"/>
-              <a:t>recommencer</a:t>
-            </a:r>
-            <a:r>
-              <a:rPr lang="en-US" sz="2400" dirty="0"/>
-              <a:t> le test </a:t>
-            </a:r>
-            <a:r>
-              <a:rPr lang="en-US" sz="2400" dirty="0" err="1"/>
-              <a:t>depuis</a:t>
-            </a:r>
-            <a:r>
-              <a:rPr lang="en-US" sz="2400" dirty="0"/>
-              <a:t> la début…</a:t>
-            </a:r>
-            <a:endParaRPr lang="en-GB" sz="2400" b="1" dirty="0"/>
-          </a:p>
-        </p:txBody>
-      </p:sp>
-    </p:spTree>
-    <p:extLst>
-      <p:ext uri="{BB962C8B-B14F-4D97-AF65-F5344CB8AC3E}">
-        <p14:creationId xmlns:p14="http://schemas.microsoft.com/office/powerpoint/2010/main" val="3731612808"/>
-      </p:ext>
-    </p:extLst>
-  </p:cSld>
-  <p:clrMapOvr>
-    <a:masterClrMapping/>
-  </p:clrMapOvr>
-</p:sld>
-</file>
-
-<file path=ppt/slides/slide33.xml><?xml version="1.0" encoding="utf-8"?>
-<p:sld xmlns:a="http://schemas.openxmlformats.org/drawingml/2006/main" xmlns:r="http://schemas.openxmlformats.org/officeDocument/2006/relationships" xmlns:p="http://schemas.openxmlformats.org/presentationml/2006/main">
-  <p:cSld>
-    <p:spTree>
-      <p:nvGrpSpPr>
-        <p:cNvPr id="1" name=""/>
-        <p:cNvGrpSpPr/>
-        <p:nvPr/>
-      </p:nvGrpSpPr>
-      <p:grpSpPr>
-        <a:xfrm>
-          <a:off x="0" y="0"/>
-          <a:ext cx="0" cy="0"/>
-          <a:chOff x="0" y="0"/>
-          <a:chExt cx="0" cy="0"/>
-        </a:xfrm>
-      </p:grpSpPr>
-      <p:sp>
-        <p:nvSpPr>
-          <p:cNvPr id="5" name="ZoneTexte 4"/>
-          <p:cNvSpPr txBox="1"/>
-          <p:nvPr/>
-        </p:nvSpPr>
-        <p:spPr>
-          <a:xfrm>
-            <a:off x="3557275" y="379385"/>
-            <a:ext cx="5077450" cy="461665"/>
-          </a:xfrm>
-          <a:prstGeom prst="rect">
-            <a:avLst/>
-          </a:prstGeom>
-          <a:noFill/>
-          <a:ln>
-            <a:noFill/>
-          </a:ln>
-        </p:spPr>
-        <p:txBody>
-          <a:bodyPr wrap="square" rtlCol="0" anchor="ctr">
-            <a:spAutoFit/>
-          </a:bodyPr>
-          <a:lstStyle/>
-          <a:p>
-            <a:pPr algn="ctr">
-              <a:spcBef>
-                <a:spcPts val="1800"/>
-              </a:spcBef>
-              <a:spcAft>
-                <a:spcPts val="1800"/>
-              </a:spcAft>
-            </a:pPr>
-            <a:r>
-              <a:rPr lang="en-GB" sz="2400" b="1" dirty="0">
-                <a:solidFill>
-                  <a:srgbClr val="0070C0"/>
-                </a:solidFill>
-              </a:rPr>
               <a:t>UNE PETITE VARIATION</a:t>
             </a:r>
           </a:p>
@@ -13979,7 +13654,7 @@
 </p:sld>
 </file>
 
-<file path=ppt/slides/slide34.xml><?xml version="1.0" encoding="utf-8"?>
+<file path=ppt/slides/slide33.xml><?xml version="1.0" encoding="utf-8"?>
 <p:sld xmlns:a="http://schemas.openxmlformats.org/drawingml/2006/main" xmlns:r="http://schemas.openxmlformats.org/officeDocument/2006/relationships" xmlns:p="http://schemas.openxmlformats.org/presentationml/2006/main">
   <p:cSld>
     <p:spTree>
@@ -14376,7 +14051,7 @@
 </p:sld>
 </file>
 
-<file path=ppt/slides/slide35.xml><?xml version="1.0" encoding="utf-8"?>
+<file path=ppt/slides/slide34.xml><?xml version="1.0" encoding="utf-8"?>
 <p:sld xmlns:a="http://schemas.openxmlformats.org/drawingml/2006/main" xmlns:r="http://schemas.openxmlformats.org/officeDocument/2006/relationships" xmlns:p="http://schemas.openxmlformats.org/presentationml/2006/main">
   <p:cSld>
     <p:spTree>
@@ -15253,56 +14928,13 @@
       </p:grpSpPr>
       <p:sp>
         <p:nvSpPr>
-          <p:cNvPr id="7" name="ZoneTexte 6"/>
+          <p:cNvPr id="5" name="ZoneTexte 4"/>
           <p:cNvSpPr txBox="1"/>
           <p:nvPr/>
         </p:nvSpPr>
         <p:spPr>
           <a:xfrm>
-            <a:off x="1874195" y="1737755"/>
-            <a:ext cx="8443609" cy="830997"/>
-          </a:xfrm>
-          <a:prstGeom prst="rect">
-            <a:avLst/>
-          </a:prstGeom>
-          <a:noFill/>
-        </p:spPr>
-        <p:txBody>
-          <a:bodyPr wrap="square" rtlCol="0">
-            <a:spAutoFit/>
-          </a:bodyPr>
-          <a:lstStyle/>
-          <a:p>
-            <a:pPr algn="ctr">
-              <a:spcAft>
-                <a:spcPts val="1200"/>
-              </a:spcAft>
-            </a:pPr>
-            <a:r>
-              <a:rPr lang="fr-FR" sz="2400" dirty="0"/>
-              <a:t>Vous recevrez une indemnisation financière de 1 € pour chaque fois </a:t>
-            </a:r>
-            <a:r>
-              <a:rPr lang="fr-FR" sz="2400" dirty="0" smtClean="0"/>
-              <a:t>que </a:t>
-            </a:r>
-            <a:r>
-              <a:rPr lang="fr-FR" sz="2400" dirty="0"/>
-              <a:t>vous atteignez (ou dépassez) le score cible.</a:t>
-            </a:r>
-            <a:endParaRPr lang="fr-FR" sz="2400" dirty="0"/>
-          </a:p>
-        </p:txBody>
-      </p:sp>
-      <p:sp>
-        <p:nvSpPr>
-          <p:cNvPr id="10" name="ZoneTexte 9"/>
-          <p:cNvSpPr txBox="1"/>
-          <p:nvPr/>
-        </p:nvSpPr>
-        <p:spPr>
-          <a:xfrm>
-            <a:off x="3878093" y="194719"/>
+            <a:off x="3878098" y="194719"/>
             <a:ext cx="4435815" cy="830997"/>
           </a:xfrm>
           <a:prstGeom prst="rect">
@@ -15319,13 +14951,9 @@
           </a:bodyPr>
           <a:lstStyle/>
           <a:p>
-            <a:pPr algn="ctr">
-              <a:spcBef>
-                <a:spcPts val="1800"/>
-              </a:spcBef>
-            </a:pPr>
-            <a:r>
-              <a:rPr lang="en-GB" sz="2400" b="1" dirty="0">
+            <a:pPr algn="ctr"/>
+            <a:r>
+              <a:rPr lang="fr-FR" sz="2400" b="1" dirty="0">
                 <a:solidFill>
                   <a:srgbClr val="0070C0"/>
                 </a:solidFill>
@@ -15340,12 +14968,104 @@
               </a:spcAft>
             </a:pPr>
             <a:r>
-              <a:rPr lang="en-GB" sz="2400" b="1" dirty="0">
+              <a:rPr lang="fr-FR" sz="2400" b="1" dirty="0">
                 <a:solidFill>
                   <a:srgbClr val="0070C0"/>
                 </a:solidFill>
               </a:rPr>
-              <a:t>LE SCORE CIBLE</a:t>
+              <a:t>AUTO-ÉVALUATION</a:t>
+            </a:r>
+            <a:endParaRPr lang="en-GB" sz="2400" b="1" dirty="0">
+              <a:solidFill>
+                <a:srgbClr val="0070C0"/>
+              </a:solidFill>
+            </a:endParaRPr>
+          </a:p>
+        </p:txBody>
+      </p:sp>
+      <p:sp>
+        <p:nvSpPr>
+          <p:cNvPr id="7" name="ZoneTexte 6"/>
+          <p:cNvSpPr txBox="1"/>
+          <p:nvPr/>
+        </p:nvSpPr>
+        <p:spPr>
+          <a:xfrm>
+            <a:off x="1874195" y="1624292"/>
+            <a:ext cx="8443609" cy="4893647"/>
+          </a:xfrm>
+          <a:prstGeom prst="rect">
+            <a:avLst/>
+          </a:prstGeom>
+          <a:noFill/>
+        </p:spPr>
+        <p:txBody>
+          <a:bodyPr wrap="square" rtlCol="0">
+            <a:spAutoFit/>
+          </a:bodyPr>
+          <a:lstStyle/>
+          <a:p>
+            <a:pPr algn="ctr"/>
+            <a:r>
+              <a:rPr lang="en-GB" sz="2400" dirty="0"/>
+              <a:t>Au total, le test </a:t>
+            </a:r>
+            <a:r>
+              <a:rPr lang="en-GB" sz="2400" dirty="0" err="1"/>
+              <a:t>comprend</a:t>
+            </a:r>
+            <a:r>
+              <a:rPr lang="en-GB" sz="2400" dirty="0"/>
+              <a:t> 20 </a:t>
+            </a:r>
+            <a:r>
+              <a:rPr lang="fr-FR" sz="2400" dirty="0"/>
+              <a:t>exercices</a:t>
+            </a:r>
+            <a:r>
+              <a:rPr lang="en-GB" sz="2400" dirty="0"/>
+              <a:t> de </a:t>
+            </a:r>
+            <a:r>
+              <a:rPr lang="en-GB" sz="2400" dirty="0" err="1"/>
+              <a:t>mémoire</a:t>
+            </a:r>
+            <a:r>
+              <a:rPr lang="en-GB" sz="2400" dirty="0"/>
+              <a:t>.</a:t>
+            </a:r>
+          </a:p>
+          <a:p>
+            <a:pPr algn="ctr"/>
+            <a:endParaRPr lang="en-GB" sz="2400" dirty="0"/>
+          </a:p>
+          <a:p>
+            <a:pPr algn="ctr"/>
+            <a:r>
+              <a:rPr lang="fr-FR" sz="2400" dirty="0"/>
+              <a:t>Lors de chaque exercice de mémoire, vous adapterez votre effort pour essayer d’atteindre le score cible de l’exercice. Cela dit, vous ne serez pas toujours capable de réussir.</a:t>
+            </a:r>
+          </a:p>
+          <a:p>
+            <a:pPr algn="ctr"/>
+            <a:endParaRPr lang="fr-FR" sz="2400" dirty="0"/>
+          </a:p>
+          <a:p>
+            <a:pPr algn="ctr"/>
+            <a:r>
+              <a:rPr lang="fr-FR" sz="2400" dirty="0"/>
+              <a:t>A la fin de chaque exercice, nous vous demanderons donc de vous auto-évaluer. Ces auto-évaluations sont aussi importantes que la réussite des exercices !</a:t>
+            </a:r>
+          </a:p>
+          <a:p>
+            <a:pPr algn="ctr"/>
+            <a:endParaRPr lang="fr-FR" sz="2400" dirty="0"/>
+          </a:p>
+          <a:p>
+            <a:pPr algn="ctr"/>
+            <a:r>
+              <a:rPr lang="fr-FR" sz="2400" dirty="0"/>
+              <a:t>En plus de cette auto-évaluation, nous allons vous poser quelques questions supplémentaires. Nous allons maintenant vous détailler toutes les étapes des exercices de mémoire. </a:t>
             </a:r>
           </a:p>
         </p:txBody>
@@ -15353,7 +15073,7 @@
     </p:spTree>
     <p:extLst>
       <p:ext uri="{BB962C8B-B14F-4D97-AF65-F5344CB8AC3E}">
-        <p14:creationId xmlns:p14="http://schemas.microsoft.com/office/powerpoint/2010/main" val="1129581323"/>
+        <p14:creationId xmlns:p14="http://schemas.microsoft.com/office/powerpoint/2010/main" val="205549586"/>
       </p:ext>
     </p:extLst>
   </p:cSld>
@@ -15388,8 +15108,8 @@
         </p:nvSpPr>
         <p:spPr>
           <a:xfrm>
-            <a:off x="3878098" y="194719"/>
-            <a:ext cx="4435815" cy="830997"/>
+            <a:off x="3576701" y="393899"/>
+            <a:ext cx="5038598" cy="461665"/>
           </a:xfrm>
           <a:prstGeom prst="rect">
             <a:avLst/>
@@ -15405,35 +15125,22 @@
           </a:bodyPr>
           <a:lstStyle/>
           <a:p>
-            <a:pPr algn="ctr"/>
-            <a:r>
-              <a:rPr lang="fr-FR" sz="2400" b="1" dirty="0">
+            <a:pPr algn="ctr">
+              <a:spcBef>
+                <a:spcPts val="1800"/>
+              </a:spcBef>
+              <a:spcAft>
+                <a:spcPts val="1800"/>
+              </a:spcAft>
+            </a:pPr>
+            <a:r>
+              <a:rPr lang="en-GB" sz="2400" b="1" dirty="0">
                 <a:solidFill>
                   <a:srgbClr val="0070C0"/>
                 </a:solidFill>
               </a:rPr>
-              <a:t>LES EXERCICES DE MEMOIRE :</a:t>
-            </a:r>
-          </a:p>
-          <a:p>
-            <a:pPr algn="ctr">
-              <a:spcAft>
-                <a:spcPts val="1800"/>
-              </a:spcAft>
-            </a:pPr>
-            <a:r>
-              <a:rPr lang="fr-FR" sz="2400" b="1" dirty="0">
-                <a:solidFill>
-                  <a:srgbClr val="0070C0"/>
-                </a:solidFill>
-              </a:rPr>
-              <a:t>AUTO-ÉVALUATION</a:t>
-            </a:r>
-            <a:endParaRPr lang="en-GB" sz="2400" b="1" dirty="0">
-              <a:solidFill>
-                <a:srgbClr val="0070C0"/>
-              </a:solidFill>
-            </a:endParaRPr>
+              <a:t>ETAPE 1 - AFFICHAGE DU SCORE CIBLE</a:t>
+            </a:r>
           </a:p>
         </p:txBody>
       </p:sp>
@@ -15445,8 +15152,8 @@
         </p:nvSpPr>
         <p:spPr>
           <a:xfrm>
-            <a:off x="1874195" y="1624292"/>
-            <a:ext cx="8443609" cy="4893647"/>
+            <a:off x="1874194" y="1243122"/>
+            <a:ext cx="8443609" cy="1200329"/>
           </a:xfrm>
           <a:prstGeom prst="rect">
             <a:avLst/>
@@ -15459,75 +15166,151 @@
           </a:bodyPr>
           <a:lstStyle/>
           <a:p>
+            <a:pPr algn="ctr">
+              <a:spcAft>
+                <a:spcPts val="1200"/>
+              </a:spcAft>
+            </a:pPr>
+            <a:r>
+              <a:rPr lang="fr-FR" sz="2400" dirty="0"/>
+              <a:t>Au début de chaque exercice, nous vous indiquerons le numéro de l’exercice et le score cible (c’est-à-dire le nombre de réponses correctes que vous devrez donner pour réussir l’exercice). </a:t>
+            </a:r>
+            <a:endParaRPr lang="en-GB" sz="2400" dirty="0"/>
+          </a:p>
+        </p:txBody>
+      </p:sp>
+      <p:sp>
+        <p:nvSpPr>
+          <p:cNvPr id="9" name="Rectangle 8"/>
+          <p:cNvSpPr/>
+          <p:nvPr/>
+        </p:nvSpPr>
+        <p:spPr>
+          <a:xfrm>
+            <a:off x="3554499" y="3080749"/>
+            <a:ext cx="5083002" cy="3026364"/>
+          </a:xfrm>
+          <a:prstGeom prst="rect">
+            <a:avLst/>
+          </a:prstGeom>
+          <a:noFill/>
+          <a:ln w="76200">
+            <a:solidFill>
+              <a:schemeClr val="bg1">
+                <a:lumMod val="65000"/>
+              </a:schemeClr>
+            </a:solidFill>
+          </a:ln>
+        </p:spPr>
+        <p:style>
+          <a:lnRef idx="2">
+            <a:schemeClr val="accent1">
+              <a:shade val="50000"/>
+            </a:schemeClr>
+          </a:lnRef>
+          <a:fillRef idx="1">
+            <a:schemeClr val="accent1"/>
+          </a:fillRef>
+          <a:effectRef idx="0">
+            <a:schemeClr val="accent1"/>
+          </a:effectRef>
+          <a:fontRef idx="minor">
+            <a:schemeClr val="lt1"/>
+          </a:fontRef>
+        </p:style>
+        <p:txBody>
+          <a:bodyPr rtlCol="0" anchor="ctr"/>
+          <a:lstStyle/>
+          <a:p>
             <a:pPr algn="ctr"/>
-            <a:r>
-              <a:rPr lang="en-GB" sz="2400" dirty="0"/>
-              <a:t>Au total, le test </a:t>
-            </a:r>
-            <a:r>
-              <a:rPr lang="en-GB" sz="2400" dirty="0" err="1"/>
-              <a:t>comprend</a:t>
-            </a:r>
-            <a:r>
-              <a:rPr lang="en-GB" sz="2400" dirty="0"/>
-              <a:t> 20 </a:t>
-            </a:r>
-            <a:r>
-              <a:rPr lang="fr-FR" sz="2400" dirty="0"/>
-              <a:t>exercices</a:t>
-            </a:r>
-            <a:r>
-              <a:rPr lang="en-GB" sz="2400" dirty="0"/>
-              <a:t> de </a:t>
-            </a:r>
-            <a:r>
-              <a:rPr lang="en-GB" sz="2400" dirty="0" err="1"/>
-              <a:t>mémoire</a:t>
-            </a:r>
-            <a:r>
-              <a:rPr lang="en-GB" sz="2400" dirty="0"/>
-              <a:t>.</a:t>
-            </a:r>
-          </a:p>
+            <a:endParaRPr lang="en-GB">
+              <a:solidFill>
+                <a:schemeClr val="tx1"/>
+              </a:solidFill>
+            </a:endParaRPr>
+          </a:p>
+        </p:txBody>
+      </p:sp>
+      <p:sp>
+        <p:nvSpPr>
+          <p:cNvPr id="11" name="ZoneTexte 9">
+            <a:extLst>
+              <a:ext uri="{FF2B5EF4-FFF2-40B4-BE49-F238E27FC236}">
+                <a16:creationId xmlns:a16="http://schemas.microsoft.com/office/drawing/2014/main" id="{C6521428-2C03-4866-9240-C0CA0E9FD4A9}"/>
+              </a:ext>
+            </a:extLst>
+          </p:cNvPr>
+          <p:cNvSpPr txBox="1"/>
+          <p:nvPr/>
+        </p:nvSpPr>
+        <p:spPr>
+          <a:xfrm>
+            <a:off x="4779798" y="3993766"/>
+            <a:ext cx="2632399" cy="1200329"/>
+          </a:xfrm>
+          <a:prstGeom prst="rect">
+            <a:avLst/>
+          </a:prstGeom>
+          <a:noFill/>
+        </p:spPr>
+        <p:txBody>
+          <a:bodyPr wrap="square" rtlCol="0">
+            <a:spAutoFit/>
+          </a:bodyPr>
+          <a:lstStyle/>
           <a:p>
             <a:pPr algn="ctr"/>
+            <a:r>
+              <a:rPr lang="en-GB" sz="2400" dirty="0" err="1"/>
+              <a:t>Exercice</a:t>
+            </a:r>
+            <a:r>
+              <a:rPr lang="en-GB" sz="2400" dirty="0"/>
+              <a:t> </a:t>
+            </a:r>
+            <a:r>
+              <a:rPr lang="en-GB" sz="2400" dirty="0" err="1"/>
+              <a:t>numéro</a:t>
+            </a:r>
+            <a:r>
+              <a:rPr lang="en-GB" sz="2400" dirty="0"/>
+              <a:t>: </a:t>
+            </a:r>
+            <a:r>
+              <a:rPr lang="en-GB" sz="2400" b="1" dirty="0"/>
+              <a:t>6</a:t>
+            </a:r>
+          </a:p>
+          <a:p>
+            <a:pPr algn="ctr"/>
+            <a:endParaRPr lang="en-GB" sz="2400" b="1" dirty="0"/>
+          </a:p>
+          <a:p>
+            <a:pPr algn="ctr"/>
+            <a:r>
+              <a:rPr lang="en-GB" sz="2400" dirty="0"/>
+              <a:t>Score </a:t>
+            </a:r>
+            <a:r>
+              <a:rPr lang="en-GB" sz="2400" dirty="0" err="1"/>
+              <a:t>cible</a:t>
+            </a:r>
+            <a:r>
+              <a:rPr lang="en-GB" sz="2400" dirty="0"/>
+              <a:t>: </a:t>
+            </a:r>
+            <a:r>
+              <a:rPr lang="en-GB" sz="2400" b="1" dirty="0"/>
+              <a:t>4</a:t>
+            </a:r>
             <a:endParaRPr lang="en-GB" sz="2400" dirty="0"/>
-          </a:p>
-          <a:p>
-            <a:pPr algn="ctr"/>
-            <a:r>
-              <a:rPr lang="fr-FR" sz="2400" dirty="0"/>
-              <a:t>Lors de chaque exercice de mémoire, vous adapterez votre effort pour essayer d’atteindre le score cible de l’exercice. Cela dit, vous ne serez pas toujours capable de réussir.</a:t>
-            </a:r>
-          </a:p>
-          <a:p>
-            <a:pPr algn="ctr"/>
-            <a:endParaRPr lang="fr-FR" sz="2400" dirty="0"/>
-          </a:p>
-          <a:p>
-            <a:pPr algn="ctr"/>
-            <a:r>
-              <a:rPr lang="fr-FR" sz="2400" dirty="0"/>
-              <a:t>A la fin de chaque exercice, nous vous demanderons donc de vous auto-évaluer. Ces auto-évaluations sont aussi importantes que la réussite des exercices !</a:t>
-            </a:r>
-          </a:p>
-          <a:p>
-            <a:pPr algn="ctr"/>
-            <a:endParaRPr lang="fr-FR" sz="2400" dirty="0"/>
-          </a:p>
-          <a:p>
-            <a:pPr algn="ctr"/>
-            <a:r>
-              <a:rPr lang="fr-FR" sz="2400" dirty="0"/>
-              <a:t>En plus de cette auto-évaluation, nous allons vous poser quelques questions supplémentaires. Nous allons maintenant vous détailler toutes les étapes des exercices de mémoire. </a:t>
-            </a:r>
           </a:p>
         </p:txBody>
       </p:sp>
     </p:spTree>
     <p:extLst>
       <p:ext uri="{BB962C8B-B14F-4D97-AF65-F5344CB8AC3E}">
-        <p14:creationId xmlns:p14="http://schemas.microsoft.com/office/powerpoint/2010/main" val="205549586"/>
+        <p14:creationId xmlns:p14="http://schemas.microsoft.com/office/powerpoint/2010/main" val="4029809452"/>
       </p:ext>
     </p:extLst>
   </p:cSld>
@@ -15562,8 +15345,8 @@
         </p:nvSpPr>
         <p:spPr>
           <a:xfrm>
-            <a:off x="3576701" y="393899"/>
-            <a:ext cx="5038598" cy="461665"/>
+            <a:off x="3103206" y="333892"/>
+            <a:ext cx="5985588" cy="461665"/>
           </a:xfrm>
           <a:prstGeom prst="rect">
             <a:avLst/>
@@ -15588,13 +15371,18 @@
               </a:spcAft>
             </a:pPr>
             <a:r>
-              <a:rPr lang="en-GB" sz="2400" b="1" dirty="0">
+              <a:rPr lang="fr-FR" sz="2400" b="1" dirty="0">
                 <a:solidFill>
                   <a:srgbClr val="0070C0"/>
                 </a:solidFill>
               </a:rPr>
-              <a:t>ETAPE 1 - AFFICHAGE DU SCORE CIBLE</a:t>
-            </a:r>
+              <a:t>ETAPE 2 - IMAGINATION DE L’EFFORT</a:t>
+            </a:r>
+            <a:endParaRPr lang="en-GB" sz="2400" b="1" dirty="0">
+              <a:solidFill>
+                <a:srgbClr val="0070C0"/>
+              </a:solidFill>
+            </a:endParaRPr>
           </a:p>
         </p:txBody>
       </p:sp>
@@ -15606,8 +15394,8 @@
         </p:nvSpPr>
         <p:spPr>
           <a:xfrm>
-            <a:off x="1874194" y="1243122"/>
-            <a:ext cx="8443609" cy="1200329"/>
+            <a:off x="1874195" y="999519"/>
+            <a:ext cx="8443609" cy="5524589"/>
           </a:xfrm>
           <a:prstGeom prst="rect">
             <a:avLst/>
@@ -15626,145 +15414,97 @@
               </a:spcAft>
             </a:pPr>
             <a:r>
-              <a:rPr lang="fr-FR" sz="2400" dirty="0"/>
-              <a:t>Au début de chaque exercice, nous vous indiquerons le numéro de l’exercice et le score cible (c’est-à-dire le nombre de réponses correctes que vous devrez donner pour réussir l’exercice). </a:t>
-            </a:r>
-            <a:endParaRPr lang="en-GB" sz="2400" dirty="0"/>
-          </a:p>
-        </p:txBody>
-      </p:sp>
-      <p:sp>
-        <p:nvSpPr>
-          <p:cNvPr id="9" name="Rectangle 8"/>
-          <p:cNvSpPr/>
-          <p:nvPr/>
-        </p:nvSpPr>
-        <p:spPr>
-          <a:xfrm>
-            <a:off x="3554499" y="3080749"/>
-            <a:ext cx="5083002" cy="3026364"/>
-          </a:xfrm>
-          <a:prstGeom prst="rect">
-            <a:avLst/>
-          </a:prstGeom>
-          <a:noFill/>
-          <a:ln w="76200">
-            <a:solidFill>
-              <a:schemeClr val="bg1">
-                <a:lumMod val="65000"/>
-              </a:schemeClr>
-            </a:solidFill>
-          </a:ln>
-        </p:spPr>
-        <p:style>
-          <a:lnRef idx="2">
-            <a:schemeClr val="accent1">
-              <a:shade val="50000"/>
-            </a:schemeClr>
-          </a:lnRef>
-          <a:fillRef idx="1">
-            <a:schemeClr val="accent1"/>
-          </a:fillRef>
-          <a:effectRef idx="0">
-            <a:schemeClr val="accent1"/>
-          </a:effectRef>
-          <a:fontRef idx="minor">
-            <a:schemeClr val="lt1"/>
-          </a:fontRef>
-        </p:style>
-        <p:txBody>
-          <a:bodyPr rtlCol="0" anchor="ctr"/>
-          <a:lstStyle/>
-          <a:p>
-            <a:pPr algn="ctr"/>
-            <a:endParaRPr lang="en-GB">
-              <a:solidFill>
-                <a:schemeClr val="tx1"/>
-              </a:solidFill>
-            </a:endParaRPr>
-          </a:p>
-        </p:txBody>
-      </p:sp>
-      <p:sp>
-        <p:nvSpPr>
-          <p:cNvPr id="11" name="ZoneTexte 9">
-            <a:extLst>
-              <a:ext uri="{FF2B5EF4-FFF2-40B4-BE49-F238E27FC236}">
-                <a16:creationId xmlns:a16="http://schemas.microsoft.com/office/drawing/2014/main" id="{C6521428-2C03-4866-9240-C0CA0E9FD4A9}"/>
-              </a:ext>
-            </a:extLst>
-          </p:cNvPr>
-          <p:cNvSpPr txBox="1"/>
-          <p:nvPr/>
-        </p:nvSpPr>
-        <p:spPr>
-          <a:xfrm>
-            <a:off x="4779798" y="3993766"/>
-            <a:ext cx="2632399" cy="1200329"/>
-          </a:xfrm>
-          <a:prstGeom prst="rect">
-            <a:avLst/>
-          </a:prstGeom>
-          <a:noFill/>
-        </p:spPr>
-        <p:txBody>
-          <a:bodyPr wrap="square" rtlCol="0">
-            <a:spAutoFit/>
-          </a:bodyPr>
-          <a:lstStyle/>
-          <a:p>
-            <a:pPr algn="ctr"/>
-            <a:r>
-              <a:rPr lang="en-GB" sz="2400" dirty="0" err="1"/>
-              <a:t>Exercice</a:t>
-            </a:r>
-            <a:r>
-              <a:rPr lang="en-GB" sz="2400" dirty="0"/>
-              <a:t> </a:t>
-            </a:r>
-            <a:r>
-              <a:rPr lang="en-GB" sz="2400" dirty="0" err="1"/>
-              <a:t>numéro</a:t>
-            </a:r>
-            <a:r>
-              <a:rPr lang="en-GB" sz="2400" dirty="0"/>
-              <a:t>: </a:t>
-            </a:r>
-            <a:r>
-              <a:rPr lang="en-GB" sz="2400" b="1" dirty="0"/>
-              <a:t>6</a:t>
-            </a:r>
-          </a:p>
-          <a:p>
-            <a:pPr algn="ctr"/>
-            <a:endParaRPr lang="en-GB" sz="2400" b="1" dirty="0"/>
-          </a:p>
-          <a:p>
-            <a:pPr algn="ctr"/>
-            <a:r>
-              <a:rPr lang="en-GB" sz="2400" dirty="0"/>
-              <a:t>Score </a:t>
-            </a:r>
-            <a:r>
-              <a:rPr lang="en-GB" sz="2400" dirty="0" err="1"/>
-              <a:t>cible</a:t>
-            </a:r>
-            <a:r>
-              <a:rPr lang="en-GB" sz="2400" dirty="0"/>
-              <a:t>: </a:t>
-            </a:r>
-            <a:r>
-              <a:rPr lang="en-GB" sz="2400" b="1" dirty="0"/>
-              <a:t>4</a:t>
-            </a:r>
-            <a:endParaRPr lang="en-GB" sz="2400" dirty="0"/>
+              <a:rPr lang="fr-FR" sz="2300" dirty="0"/>
+              <a:t>Ensuite, nous allons vous demander d’imaginer combien d’effort cela vous demanderait pour atteindre le score cible. </a:t>
+            </a:r>
+          </a:p>
+          <a:p>
+            <a:pPr algn="ctr">
+              <a:spcAft>
+                <a:spcPts val="1200"/>
+              </a:spcAft>
+            </a:pPr>
+            <a:endParaRPr lang="fr-FR" sz="1400" dirty="0"/>
+          </a:p>
+          <a:p>
+            <a:pPr algn="ctr">
+              <a:spcAft>
+                <a:spcPts val="1200"/>
+              </a:spcAft>
+            </a:pPr>
+            <a:r>
+              <a:rPr lang="fr-FR" sz="2300" dirty="0"/>
+              <a:t>La question sera : </a:t>
+            </a:r>
+          </a:p>
+          <a:p>
+            <a:pPr algn="ctr">
+              <a:spcAft>
+                <a:spcPts val="1200"/>
+              </a:spcAft>
+            </a:pPr>
+            <a:r>
+              <a:rPr lang="fr-FR" sz="2300" dirty="0"/>
+              <a:t>« </a:t>
+            </a:r>
+            <a:r>
+              <a:rPr lang="fr-FR" sz="2300" b="1" dirty="0"/>
+              <a:t>Combien de fois pensez-vous avoir besoin de voir les chiffres de la grille pour atteindre le score cible ? </a:t>
+            </a:r>
+            <a:r>
+              <a:rPr lang="fr-FR" sz="2300" dirty="0"/>
+              <a:t>»</a:t>
+            </a:r>
+          </a:p>
+          <a:p>
+            <a:pPr algn="ctr">
+              <a:spcAft>
+                <a:spcPts val="1200"/>
+              </a:spcAft>
+            </a:pPr>
+            <a:endParaRPr lang="en-GB" sz="2300" dirty="0"/>
+          </a:p>
+          <a:p>
+            <a:pPr algn="ctr">
+              <a:spcAft>
+                <a:spcPts val="1200"/>
+              </a:spcAft>
+            </a:pPr>
+            <a:r>
+              <a:rPr lang="fr-FR" sz="2300" dirty="0"/>
+              <a:t>Au début, vous pourriez trouver cette question difficile. C’est normal: essayez simplement de répondre le mieux possible</a:t>
+            </a:r>
+            <a:r>
+              <a:rPr lang="en-GB" sz="2300" dirty="0"/>
+              <a:t>.</a:t>
+            </a:r>
+          </a:p>
+          <a:p>
+            <a:pPr algn="ctr">
+              <a:spcAft>
+                <a:spcPts val="1200"/>
+              </a:spcAft>
+            </a:pPr>
+            <a:endParaRPr lang="en-GB" sz="1600" dirty="0"/>
+          </a:p>
+          <a:p>
+            <a:pPr algn="ctr">
+              <a:spcAft>
+                <a:spcPts val="1200"/>
+              </a:spcAft>
+            </a:pPr>
+            <a:r>
+              <a:rPr lang="fr-FR" sz="2300" dirty="0"/>
+              <a:t>Lors de la phase de mémorisation, vous pourriez avoir besoin de plus (ou moins) d’effort qu’attendu. Pas de problème : vous serez libre de choisir votre effort (quelle qu’ait été votre réponse à cette question). </a:t>
+            </a:r>
+            <a:endParaRPr lang="en-GB" sz="2300" dirty="0"/>
           </a:p>
         </p:txBody>
       </p:sp>
     </p:spTree>
     <p:extLst>
       <p:ext uri="{BB962C8B-B14F-4D97-AF65-F5344CB8AC3E}">
-        <p14:creationId xmlns:p14="http://schemas.microsoft.com/office/powerpoint/2010/main" val="4029809452"/>
+        <p14:creationId xmlns:p14="http://schemas.microsoft.com/office/powerpoint/2010/main" val="2178442365"/>
       </p:ext>
     </p:extLst>
   </p:cSld>
@@ -15793,7 +15533,251 @@
       </p:grpSpPr>
       <p:sp>
         <p:nvSpPr>
-          <p:cNvPr id="5" name="ZoneTexte 4"/>
+          <p:cNvPr id="7" name="ZoneTexte 6"/>
+          <p:cNvSpPr txBox="1"/>
+          <p:nvPr/>
+        </p:nvSpPr>
+        <p:spPr>
+          <a:xfrm>
+            <a:off x="1874195" y="1160836"/>
+            <a:ext cx="8443609" cy="830997"/>
+          </a:xfrm>
+          <a:prstGeom prst="rect">
+            <a:avLst/>
+          </a:prstGeom>
+          <a:noFill/>
+        </p:spPr>
+        <p:txBody>
+          <a:bodyPr wrap="square" rtlCol="0">
+            <a:spAutoFit/>
+          </a:bodyPr>
+          <a:lstStyle/>
+          <a:p>
+            <a:pPr algn="ctr">
+              <a:spcAft>
+                <a:spcPts val="1200"/>
+              </a:spcAft>
+            </a:pPr>
+            <a:r>
+              <a:rPr lang="fr-FR" sz="2400" dirty="0"/>
+              <a:t>Vous répondrez à cette question en déplaçant la barre rouge le long de la règle numérique:</a:t>
+            </a:r>
+          </a:p>
+        </p:txBody>
+      </p:sp>
+      <p:sp>
+        <p:nvSpPr>
+          <p:cNvPr id="5" name="Rectangle 4">
+            <a:extLst>
+              <a:ext uri="{FF2B5EF4-FFF2-40B4-BE49-F238E27FC236}">
+                <a16:creationId xmlns:a16="http://schemas.microsoft.com/office/drawing/2014/main" id="{81D94340-0653-49C5-B2BE-24A29E7CE6F2}"/>
+              </a:ext>
+            </a:extLst>
+          </p:cNvPr>
+          <p:cNvSpPr/>
+          <p:nvPr/>
+        </p:nvSpPr>
+        <p:spPr>
+          <a:xfrm>
+            <a:off x="880108" y="2257327"/>
+            <a:ext cx="10431779" cy="3026364"/>
+          </a:xfrm>
+          <a:prstGeom prst="rect">
+            <a:avLst/>
+          </a:prstGeom>
+          <a:noFill/>
+          <a:ln w="76200">
+            <a:solidFill>
+              <a:schemeClr val="bg1">
+                <a:lumMod val="65000"/>
+              </a:schemeClr>
+            </a:solidFill>
+          </a:ln>
+        </p:spPr>
+        <p:style>
+          <a:lnRef idx="2">
+            <a:schemeClr val="accent1">
+              <a:shade val="50000"/>
+            </a:schemeClr>
+          </a:lnRef>
+          <a:fillRef idx="1">
+            <a:schemeClr val="accent1"/>
+          </a:fillRef>
+          <a:effectRef idx="0">
+            <a:schemeClr val="accent1"/>
+          </a:effectRef>
+          <a:fontRef idx="minor">
+            <a:schemeClr val="lt1"/>
+          </a:fontRef>
+        </p:style>
+        <p:txBody>
+          <a:bodyPr rtlCol="0" anchor="ctr"/>
+          <a:lstStyle/>
+          <a:p>
+            <a:pPr algn="ctr"/>
+            <a:endParaRPr lang="en-GB">
+              <a:solidFill>
+                <a:schemeClr val="tx1"/>
+              </a:solidFill>
+            </a:endParaRPr>
+          </a:p>
+        </p:txBody>
+      </p:sp>
+      <p:pic>
+        <p:nvPicPr>
+          <p:cNvPr id="2" name="Picture 1">
+            <a:extLst>
+              <a:ext uri="{FF2B5EF4-FFF2-40B4-BE49-F238E27FC236}">
+                <a16:creationId xmlns:a16="http://schemas.microsoft.com/office/drawing/2014/main" id="{86604B23-64CC-48D6-9E97-5644FE03B812}"/>
+              </a:ext>
+            </a:extLst>
+          </p:cNvPr>
+          <p:cNvPicPr>
+            <a:picLocks noChangeAspect="1"/>
+          </p:cNvPicPr>
+          <p:nvPr/>
+        </p:nvPicPr>
+        <p:blipFill rotWithShape="1">
+          <a:blip r:embed="rId2"/>
+          <a:srcRect l="67" t="35200" r="556" b="55467"/>
+          <a:stretch/>
+        </p:blipFill>
+        <p:spPr>
+          <a:xfrm>
+            <a:off x="984500" y="3759820"/>
+            <a:ext cx="10222993" cy="640080"/>
+          </a:xfrm>
+          <a:prstGeom prst="rect">
+            <a:avLst/>
+          </a:prstGeom>
+        </p:spPr>
+      </p:pic>
+      <p:sp>
+        <p:nvSpPr>
+          <p:cNvPr id="3" name="Rectangle 2"/>
+          <p:cNvSpPr/>
+          <p:nvPr/>
+        </p:nvSpPr>
+        <p:spPr>
+          <a:xfrm>
+            <a:off x="1437565" y="5607946"/>
+            <a:ext cx="9316871" cy="830997"/>
+          </a:xfrm>
+          <a:prstGeom prst="rect">
+            <a:avLst/>
+          </a:prstGeom>
+        </p:spPr>
+        <p:txBody>
+          <a:bodyPr wrap="square">
+            <a:spAutoFit/>
+          </a:bodyPr>
+          <a:lstStyle/>
+          <a:p>
+            <a:pPr algn="ctr">
+              <a:spcAft>
+                <a:spcPts val="1200"/>
+              </a:spcAft>
+            </a:pPr>
+            <a:r>
+              <a:rPr lang="fr-FR" sz="2400" dirty="0"/>
+              <a:t>Dans l’exemple ci-dessus, j’ai répondu que j’aurai besoin de voir les chiffres de la grille entre 8 et 11 fois pour atteindre le score cible…</a:t>
+            </a:r>
+          </a:p>
+        </p:txBody>
+      </p:sp>
+      <p:sp>
+        <p:nvSpPr>
+          <p:cNvPr id="4" name="Rectangle 3"/>
+          <p:cNvSpPr/>
+          <p:nvPr/>
+        </p:nvSpPr>
+        <p:spPr>
+          <a:xfrm>
+            <a:off x="3048000" y="2953179"/>
+            <a:ext cx="6096000" cy="646331"/>
+          </a:xfrm>
+          <a:prstGeom prst="rect">
+            <a:avLst/>
+          </a:prstGeom>
+        </p:spPr>
+        <p:txBody>
+          <a:bodyPr>
+            <a:spAutoFit/>
+          </a:bodyPr>
+          <a:lstStyle/>
+          <a:p>
+            <a:pPr algn="ctr"/>
+            <a:r>
+              <a:rPr lang="en-GB" dirty="0" err="1"/>
+              <a:t>Combien</a:t>
+            </a:r>
+            <a:r>
+              <a:rPr lang="en-GB" dirty="0"/>
+              <a:t> de </a:t>
+            </a:r>
+            <a:r>
+              <a:rPr lang="en-GB" dirty="0" err="1"/>
+              <a:t>fois</a:t>
+            </a:r>
+            <a:r>
+              <a:rPr lang="en-GB" dirty="0"/>
+              <a:t> </a:t>
+            </a:r>
+            <a:r>
+              <a:rPr lang="en-GB" dirty="0" err="1"/>
+              <a:t>aurez-vous</a:t>
+            </a:r>
+            <a:r>
+              <a:rPr lang="en-GB" dirty="0"/>
+              <a:t> </a:t>
+            </a:r>
+            <a:r>
+              <a:rPr lang="en-GB" dirty="0" err="1"/>
+              <a:t>besoin</a:t>
+            </a:r>
+            <a:r>
+              <a:rPr lang="en-GB" dirty="0"/>
+              <a:t> de </a:t>
+            </a:r>
+            <a:r>
+              <a:rPr lang="en-GB" dirty="0" err="1"/>
+              <a:t>voir</a:t>
+            </a:r>
+            <a:r>
+              <a:rPr lang="en-GB" dirty="0"/>
+              <a:t> les </a:t>
+            </a:r>
+            <a:r>
+              <a:rPr lang="en-GB" dirty="0" err="1"/>
+              <a:t>chiffres</a:t>
+            </a:r>
+            <a:r>
+              <a:rPr lang="en-GB" dirty="0"/>
+              <a:t> de la grille pour </a:t>
+            </a:r>
+            <a:r>
+              <a:rPr lang="en-GB" dirty="0" err="1"/>
+              <a:t>atteindre</a:t>
+            </a:r>
+            <a:r>
+              <a:rPr lang="en-GB" dirty="0"/>
+              <a:t> le score </a:t>
+            </a:r>
+            <a:r>
+              <a:rPr lang="en-GB" dirty="0" err="1"/>
+              <a:t>cible</a:t>
+            </a:r>
+            <a:r>
+              <a:rPr lang="en-GB" dirty="0"/>
+              <a:t> ?</a:t>
+            </a:r>
+            <a:endParaRPr lang="fr-FR" dirty="0"/>
+          </a:p>
+        </p:txBody>
+      </p:sp>
+      <p:sp>
+        <p:nvSpPr>
+          <p:cNvPr id="10" name="ZoneTexte 9"/>
           <p:cNvSpPr txBox="1"/>
           <p:nvPr/>
         </p:nvSpPr>
@@ -15840,125 +15824,10 @@
           </a:p>
         </p:txBody>
       </p:sp>
-      <p:sp>
-        <p:nvSpPr>
-          <p:cNvPr id="7" name="ZoneTexte 6"/>
-          <p:cNvSpPr txBox="1"/>
-          <p:nvPr/>
-        </p:nvSpPr>
-        <p:spPr>
-          <a:xfrm>
-            <a:off x="1874195" y="999519"/>
-            <a:ext cx="8443609" cy="5524589"/>
-          </a:xfrm>
-          <a:prstGeom prst="rect">
-            <a:avLst/>
-          </a:prstGeom>
-          <a:noFill/>
-        </p:spPr>
-        <p:txBody>
-          <a:bodyPr wrap="square" rtlCol="0">
-            <a:spAutoFit/>
-          </a:bodyPr>
-          <a:lstStyle/>
-          <a:p>
-            <a:pPr algn="ctr">
-              <a:spcAft>
-                <a:spcPts val="1200"/>
-              </a:spcAft>
-            </a:pPr>
-            <a:r>
-              <a:rPr lang="fr-FR" sz="2300" dirty="0"/>
-              <a:t>Ensuite, nous allons vous demander d’imaginer combien d’effort cela vous demanderait pour atteindre le score cible. </a:t>
-            </a:r>
-          </a:p>
-          <a:p>
-            <a:pPr algn="ctr">
-              <a:spcAft>
-                <a:spcPts val="1200"/>
-              </a:spcAft>
-            </a:pPr>
-            <a:endParaRPr lang="fr-FR" sz="1400" dirty="0"/>
-          </a:p>
-          <a:p>
-            <a:pPr algn="ctr">
-              <a:spcAft>
-                <a:spcPts val="1200"/>
-              </a:spcAft>
-            </a:pPr>
-            <a:r>
-              <a:rPr lang="fr-FR" sz="2300" dirty="0"/>
-              <a:t>La question sera : </a:t>
-            </a:r>
-          </a:p>
-          <a:p>
-            <a:pPr algn="ctr">
-              <a:spcAft>
-                <a:spcPts val="1200"/>
-              </a:spcAft>
-            </a:pPr>
-            <a:r>
-              <a:rPr lang="fr-FR" sz="2300" dirty="0"/>
-              <a:t>« </a:t>
-            </a:r>
-            <a:r>
-              <a:rPr lang="fr-FR" sz="2300" b="1" dirty="0"/>
-              <a:t>Combien de fois pensez-vous avoir besoin de voir les chiffres de la grille pour atteindre le score cible ? </a:t>
-            </a:r>
-            <a:r>
-              <a:rPr lang="fr-FR" sz="2300" dirty="0"/>
-              <a:t>»</a:t>
-            </a:r>
-          </a:p>
-          <a:p>
-            <a:pPr algn="ctr">
-              <a:spcAft>
-                <a:spcPts val="1200"/>
-              </a:spcAft>
-            </a:pPr>
-            <a:endParaRPr lang="en-GB" sz="2300" dirty="0"/>
-          </a:p>
-          <a:p>
-            <a:pPr algn="ctr">
-              <a:spcAft>
-                <a:spcPts val="1200"/>
-              </a:spcAft>
-            </a:pPr>
-            <a:r>
-              <a:rPr lang="fr-FR" sz="2300" dirty="0"/>
-              <a:t>Au début, vous pourriez trouver cette question difficile. C’est normal: essayez simplement de répondre le mieux possible</a:t>
-            </a:r>
-            <a:r>
-              <a:rPr lang="en-GB" sz="2300" dirty="0"/>
-              <a:t>.</a:t>
-            </a:r>
-          </a:p>
-          <a:p>
-            <a:pPr algn="ctr">
-              <a:spcAft>
-                <a:spcPts val="1200"/>
-              </a:spcAft>
-            </a:pPr>
-            <a:endParaRPr lang="en-GB" sz="1600" dirty="0"/>
-          </a:p>
-          <a:p>
-            <a:pPr algn="ctr">
-              <a:spcAft>
-                <a:spcPts val="1200"/>
-              </a:spcAft>
-            </a:pPr>
-            <a:r>
-              <a:rPr lang="fr-FR" sz="2300" dirty="0"/>
-              <a:t>Lors de la phase de mémorisation, vous pourriez avoir besoin de plus (ou moins) d’effort qu’attendu. Pas de problème : vous serez libre de choisir votre effort (quelle qu’ait été votre réponse à cette question). </a:t>
-            </a:r>
-            <a:endParaRPr lang="en-GB" sz="2300" dirty="0"/>
-          </a:p>
-        </p:txBody>
-      </p:sp>
     </p:spTree>
     <p:extLst>
       <p:ext uri="{BB962C8B-B14F-4D97-AF65-F5344CB8AC3E}">
-        <p14:creationId xmlns:p14="http://schemas.microsoft.com/office/powerpoint/2010/main" val="2178442365"/>
+        <p14:creationId xmlns:p14="http://schemas.microsoft.com/office/powerpoint/2010/main" val="1930955706"/>
       </p:ext>
     </p:extLst>
   </p:cSld>

--- a/src/SE_ELAN/Stimuli/Instructions_Rewarded.pptx
+++ b/src/SE_ELAN/Stimuli/Instructions_Rewarded.pptx
@@ -5,43 +5,44 @@
     <p:sldMasterId id="2147483648" r:id="rId1"/>
   </p:sldMasterIdLst>
   <p:handoutMasterIdLst>
-    <p:handoutMasterId r:id="rId36"/>
+    <p:handoutMasterId r:id="rId37"/>
   </p:handoutMasterIdLst>
   <p:sldIdLst>
     <p:sldId id="256" r:id="rId2"/>
     <p:sldId id="270" r:id="rId3"/>
-    <p:sldId id="277" r:id="rId4"/>
-    <p:sldId id="265" r:id="rId5"/>
-    <p:sldId id="314" r:id="rId6"/>
-    <p:sldId id="263" r:id="rId7"/>
-    <p:sldId id="284" r:id="rId8"/>
-    <p:sldId id="280" r:id="rId9"/>
-    <p:sldId id="286" r:id="rId10"/>
-    <p:sldId id="287" r:id="rId11"/>
-    <p:sldId id="289" r:id="rId12"/>
-    <p:sldId id="288" r:id="rId13"/>
-    <p:sldId id="292" r:id="rId14"/>
-    <p:sldId id="283" r:id="rId15"/>
-    <p:sldId id="307" r:id="rId16"/>
-    <p:sldId id="308" r:id="rId17"/>
-    <p:sldId id="309" r:id="rId18"/>
-    <p:sldId id="310" r:id="rId19"/>
-    <p:sldId id="311" r:id="rId20"/>
-    <p:sldId id="312" r:id="rId21"/>
-    <p:sldId id="313" r:id="rId22"/>
-    <p:sldId id="293" r:id="rId23"/>
-    <p:sldId id="294" r:id="rId24"/>
-    <p:sldId id="296" r:id="rId25"/>
-    <p:sldId id="297" r:id="rId26"/>
-    <p:sldId id="298" r:id="rId27"/>
-    <p:sldId id="299" r:id="rId28"/>
-    <p:sldId id="303" r:id="rId29"/>
-    <p:sldId id="301" r:id="rId30"/>
-    <p:sldId id="300" r:id="rId31"/>
-    <p:sldId id="304" r:id="rId32"/>
-    <p:sldId id="306" r:id="rId33"/>
-    <p:sldId id="267" r:id="rId34"/>
-    <p:sldId id="316" r:id="rId35"/>
+    <p:sldId id="317" r:id="rId4"/>
+    <p:sldId id="277" r:id="rId5"/>
+    <p:sldId id="265" r:id="rId6"/>
+    <p:sldId id="314" r:id="rId7"/>
+    <p:sldId id="263" r:id="rId8"/>
+    <p:sldId id="284" r:id="rId9"/>
+    <p:sldId id="280" r:id="rId10"/>
+    <p:sldId id="286" r:id="rId11"/>
+    <p:sldId id="287" r:id="rId12"/>
+    <p:sldId id="289" r:id="rId13"/>
+    <p:sldId id="288" r:id="rId14"/>
+    <p:sldId id="292" r:id="rId15"/>
+    <p:sldId id="283" r:id="rId16"/>
+    <p:sldId id="307" r:id="rId17"/>
+    <p:sldId id="308" r:id="rId18"/>
+    <p:sldId id="309" r:id="rId19"/>
+    <p:sldId id="310" r:id="rId20"/>
+    <p:sldId id="311" r:id="rId21"/>
+    <p:sldId id="312" r:id="rId22"/>
+    <p:sldId id="313" r:id="rId23"/>
+    <p:sldId id="293" r:id="rId24"/>
+    <p:sldId id="294" r:id="rId25"/>
+    <p:sldId id="296" r:id="rId26"/>
+    <p:sldId id="297" r:id="rId27"/>
+    <p:sldId id="298" r:id="rId28"/>
+    <p:sldId id="299" r:id="rId29"/>
+    <p:sldId id="303" r:id="rId30"/>
+    <p:sldId id="301" r:id="rId31"/>
+    <p:sldId id="300" r:id="rId32"/>
+    <p:sldId id="304" r:id="rId33"/>
+    <p:sldId id="306" r:id="rId34"/>
+    <p:sldId id="267" r:id="rId35"/>
+    <p:sldId id="316" r:id="rId36"/>
   </p:sldIdLst>
   <p:sldSz cx="12192000" cy="6858000"/>
   <p:notesSz cx="6858000" cy="9144000"/>
@@ -3454,8 +3455,8 @@
         </p:nvSpPr>
         <p:spPr>
           <a:xfrm>
-            <a:off x="1874192" y="1248963"/>
-            <a:ext cx="8443609" cy="1723549"/>
+            <a:off x="1874195" y="1160836"/>
+            <a:ext cx="8443609" cy="830997"/>
           </a:xfrm>
           <a:prstGeom prst="rect">
             <a:avLst/>
@@ -3475,18 +3476,7 @@
             </a:pPr>
             <a:r>
               <a:rPr lang="fr-FR" sz="2400" dirty="0"/>
-              <a:t>Si le score cible est élevé, vous aurez sûrement besoin de visualiser les chiffres de la grille un grand nombre de fois.</a:t>
-            </a:r>
-          </a:p>
-          <a:p>
-            <a:pPr algn="ctr">
-              <a:spcAft>
-                <a:spcPts val="1200"/>
-              </a:spcAft>
-            </a:pPr>
-            <a:r>
-              <a:rPr lang="fr-FR" sz="2400" dirty="0"/>
-              <a:t>Vous pourrez déplacer la barre vers la gauche et la droite en utilisant respectivement les flèches gauche et droite du clavier:</a:t>
+              <a:t>Vous répondrez à cette question en déplaçant la barre rouge le long de la règle numérique:</a:t>
             </a:r>
           </a:p>
         </p:txBody>
@@ -3505,7 +3495,7 @@
         </p:nvSpPr>
         <p:spPr>
           <a:xfrm>
-            <a:off x="880108" y="3344608"/>
+            <a:off x="880108" y="2257327"/>
             <a:ext cx="10431779" cy="3026364"/>
           </a:xfrm>
           <a:prstGeom prst="rect">
@@ -3551,10 +3541,10 @@
       </p:sp>
       <p:pic>
         <p:nvPicPr>
-          <p:cNvPr id="3" name="Picture 2">
+          <p:cNvPr id="2" name="Picture 1">
             <a:extLst>
               <a:ext uri="{FF2B5EF4-FFF2-40B4-BE49-F238E27FC236}">
-                <a16:creationId xmlns:a16="http://schemas.microsoft.com/office/drawing/2014/main" id="{963620DB-4CFA-4111-AF32-463E4AC5369D}"/>
+                <a16:creationId xmlns:a16="http://schemas.microsoft.com/office/drawing/2014/main" id="{86604B23-64CC-48D6-9E97-5644FE03B812}"/>
               </a:ext>
             </a:extLst>
           </p:cNvPr>
@@ -3565,13 +3555,13 @@
         </p:nvPicPr>
         <p:blipFill rotWithShape="1">
           <a:blip r:embed="rId2"/>
-          <a:srcRect t="36534" r="1437" b="56133"/>
+          <a:srcRect l="67" t="35200" r="556" b="55467"/>
           <a:stretch/>
         </p:blipFill>
         <p:spPr>
           <a:xfrm>
-            <a:off x="984500" y="4629190"/>
-            <a:ext cx="10139172" cy="502920"/>
+            <a:off x="984500" y="3759820"/>
+            <a:ext cx="10222993" cy="640080"/>
           </a:xfrm>
           <a:prstGeom prst="rect">
             <a:avLst/>
@@ -3580,7 +3570,130 @@
       </p:pic>
       <p:sp>
         <p:nvSpPr>
-          <p:cNvPr id="6" name="ZoneTexte 5"/>
+          <p:cNvPr id="3" name="Rectangle 2"/>
+          <p:cNvSpPr/>
+          <p:nvPr/>
+        </p:nvSpPr>
+        <p:spPr>
+          <a:xfrm>
+            <a:off x="1437565" y="5607946"/>
+            <a:ext cx="9316871" cy="830997"/>
+          </a:xfrm>
+          <a:prstGeom prst="rect">
+            <a:avLst/>
+          </a:prstGeom>
+        </p:spPr>
+        <p:txBody>
+          <a:bodyPr wrap="square">
+            <a:spAutoFit/>
+          </a:bodyPr>
+          <a:lstStyle/>
+          <a:p>
+            <a:pPr algn="ctr">
+              <a:spcAft>
+                <a:spcPts val="1200"/>
+              </a:spcAft>
+            </a:pPr>
+            <a:r>
+              <a:rPr lang="fr-FR" sz="2400" dirty="0"/>
+              <a:t>Dans l’exemple ci-dessus, j’ai répondu que j’aurai besoin de voir les chiffres de la grille entre 8 et 11 fois pour atteindre le score cible…</a:t>
+            </a:r>
+          </a:p>
+        </p:txBody>
+      </p:sp>
+      <p:sp>
+        <p:nvSpPr>
+          <p:cNvPr id="4" name="Rectangle 3"/>
+          <p:cNvSpPr/>
+          <p:nvPr/>
+        </p:nvSpPr>
+        <p:spPr>
+          <a:xfrm>
+            <a:off x="3048000" y="2953179"/>
+            <a:ext cx="6096000" cy="646331"/>
+          </a:xfrm>
+          <a:prstGeom prst="rect">
+            <a:avLst/>
+          </a:prstGeom>
+        </p:spPr>
+        <p:txBody>
+          <a:bodyPr>
+            <a:spAutoFit/>
+          </a:bodyPr>
+          <a:lstStyle/>
+          <a:p>
+            <a:pPr algn="ctr"/>
+            <a:r>
+              <a:rPr lang="en-GB" dirty="0" err="1"/>
+              <a:t>Combien</a:t>
+            </a:r>
+            <a:r>
+              <a:rPr lang="en-GB" dirty="0"/>
+              <a:t> de </a:t>
+            </a:r>
+            <a:r>
+              <a:rPr lang="en-GB" dirty="0" err="1"/>
+              <a:t>fois</a:t>
+            </a:r>
+            <a:r>
+              <a:rPr lang="en-GB" dirty="0"/>
+              <a:t> </a:t>
+            </a:r>
+            <a:r>
+              <a:rPr lang="en-GB" dirty="0" err="1"/>
+              <a:t>aurez-vous</a:t>
+            </a:r>
+            <a:r>
+              <a:rPr lang="en-GB" dirty="0"/>
+              <a:t> </a:t>
+            </a:r>
+            <a:r>
+              <a:rPr lang="en-GB" dirty="0" err="1"/>
+              <a:t>besoin</a:t>
+            </a:r>
+            <a:r>
+              <a:rPr lang="en-GB" dirty="0"/>
+              <a:t> de </a:t>
+            </a:r>
+            <a:r>
+              <a:rPr lang="en-GB" dirty="0" err="1"/>
+              <a:t>voir</a:t>
+            </a:r>
+            <a:r>
+              <a:rPr lang="en-GB" dirty="0"/>
+              <a:t> les </a:t>
+            </a:r>
+            <a:r>
+              <a:rPr lang="en-GB" dirty="0" err="1"/>
+              <a:t>chiffres</a:t>
+            </a:r>
+            <a:r>
+              <a:rPr lang="en-GB" dirty="0"/>
+              <a:t> de la grille pour </a:t>
+            </a:r>
+            <a:r>
+              <a:rPr lang="en-GB" dirty="0" err="1"/>
+              <a:t>atteindre</a:t>
+            </a:r>
+            <a:r>
+              <a:rPr lang="en-GB" dirty="0"/>
+              <a:t> le score </a:t>
+            </a:r>
+            <a:r>
+              <a:rPr lang="en-GB" dirty="0" err="1"/>
+              <a:t>cible</a:t>
+            </a:r>
+            <a:r>
+              <a:rPr lang="en-GB" dirty="0"/>
+              <a:t> ?</a:t>
+            </a:r>
+            <a:endParaRPr lang="fr-FR" dirty="0"/>
+          </a:p>
+        </p:txBody>
+      </p:sp>
+      <p:sp>
+        <p:nvSpPr>
+          <p:cNvPr id="10" name="ZoneTexte 9"/>
           <p:cNvSpPr txBox="1"/>
           <p:nvPr/>
         </p:nvSpPr>
@@ -3630,7 +3743,7 @@
     </p:spTree>
     <p:extLst>
       <p:ext uri="{BB962C8B-B14F-4D97-AF65-F5344CB8AC3E}">
-        <p14:creationId xmlns:p14="http://schemas.microsoft.com/office/powerpoint/2010/main" val="3501435358"/>
+        <p14:creationId xmlns:p14="http://schemas.microsoft.com/office/powerpoint/2010/main" val="1930955706"/>
       </p:ext>
     </p:extLst>
   </p:cSld>
@@ -3665,7 +3778,7 @@
         </p:nvSpPr>
         <p:spPr>
           <a:xfrm>
-            <a:off x="1874192" y="1235319"/>
+            <a:off x="1874192" y="1248963"/>
             <a:ext cx="8443609" cy="1723549"/>
           </a:xfrm>
           <a:prstGeom prst="rect">
@@ -3686,7 +3799,7 @@
             </a:pPr>
             <a:r>
               <a:rPr lang="fr-FR" sz="2400" dirty="0"/>
-              <a:t>Dans certains cas, vous ne saurez pas vraiment combien de fois vous aurez besoin de voir les chiffres de la grille. </a:t>
+              <a:t>Si le score cible est élevé, vous aurez sûrement besoin de visualiser les chiffres de la grille un grand nombre de fois.</a:t>
             </a:r>
           </a:p>
           <a:p>
@@ -3697,21 +3810,8 @@
             </a:pPr>
             <a:r>
               <a:rPr lang="fr-FR" sz="2400" dirty="0"/>
-              <a:t>Vous pourrez alors augmenter la largeur de la barre en utilisant la </a:t>
-            </a:r>
-            <a:r>
-              <a:rPr lang="fr-FR" sz="2400" dirty="0" err="1"/>
-              <a:t>flè</a:t>
-            </a:r>
-            <a:r>
-              <a:rPr lang="en-US" sz="2400" dirty="0" err="1"/>
-              <a:t>che</a:t>
-            </a:r>
-            <a:r>
-              <a:rPr lang="en-US" sz="2400" dirty="0"/>
-              <a:t> du haut du clavier:</a:t>
-            </a:r>
-            <a:endParaRPr lang="fr-FR" sz="2400" dirty="0"/>
+              <a:t>Vous pourrez déplacer la barre vers la gauche et la droite en utilisant respectivement les flèches gauche et droite du clavier:</a:t>
+            </a:r>
           </a:p>
         </p:txBody>
       </p:sp>
@@ -3729,7 +3829,7 @@
         </p:nvSpPr>
         <p:spPr>
           <a:xfrm>
-            <a:off x="880108" y="3403746"/>
+            <a:off x="880108" y="3344608"/>
             <a:ext cx="10431779" cy="3026364"/>
           </a:xfrm>
           <a:prstGeom prst="rect">
@@ -3794,7 +3894,7 @@
         </p:blipFill>
         <p:spPr>
           <a:xfrm>
-            <a:off x="984500" y="4688328"/>
+            <a:off x="984500" y="4629190"/>
             <a:ext cx="10139172" cy="502920"/>
           </a:xfrm>
           <a:prstGeom prst="rect">
@@ -3802,38 +3902,9 @@
           </a:prstGeom>
         </p:spPr>
       </p:pic>
-      <p:pic>
-        <p:nvPicPr>
-          <p:cNvPr id="4" name="Picture 3">
-            <a:extLst>
-              <a:ext uri="{FF2B5EF4-FFF2-40B4-BE49-F238E27FC236}">
-                <a16:creationId xmlns:a16="http://schemas.microsoft.com/office/drawing/2014/main" id="{1D8EC20F-7B23-44F2-A770-70EBAE2ADB90}"/>
-              </a:ext>
-            </a:extLst>
-          </p:cNvPr>
-          <p:cNvPicPr>
-            <a:picLocks noChangeAspect="1"/>
-          </p:cNvPicPr>
-          <p:nvPr/>
-        </p:nvPicPr>
-        <p:blipFill rotWithShape="1">
-          <a:blip r:embed="rId3"/>
-          <a:srcRect l="1015" t="36305" r="1436" b="55417"/>
-          <a:stretch/>
-        </p:blipFill>
-        <p:spPr>
-          <a:xfrm>
-            <a:off x="1099564" y="4674612"/>
-            <a:ext cx="10034780" cy="567707"/>
-          </a:xfrm>
-          <a:prstGeom prst="rect">
-            <a:avLst/>
-          </a:prstGeom>
-        </p:spPr>
-      </p:pic>
-      <p:sp>
-        <p:nvSpPr>
-          <p:cNvPr id="8" name="ZoneTexte 7"/>
+      <p:sp>
+        <p:nvSpPr>
+          <p:cNvPr id="6" name="ZoneTexte 5"/>
           <p:cNvSpPr txBox="1"/>
           <p:nvPr/>
         </p:nvSpPr>
@@ -3883,7 +3954,7 @@
     </p:spTree>
     <p:extLst>
       <p:ext uri="{BB962C8B-B14F-4D97-AF65-F5344CB8AC3E}">
-        <p14:creationId xmlns:p14="http://schemas.microsoft.com/office/powerpoint/2010/main" val="1954343868"/>
+        <p14:creationId xmlns:p14="http://schemas.microsoft.com/office/powerpoint/2010/main" val="3501435358"/>
       </p:ext>
     </p:extLst>
   </p:cSld>
@@ -3918,8 +3989,8 @@
         </p:nvSpPr>
         <p:spPr>
           <a:xfrm>
-            <a:off x="1874192" y="1426388"/>
-            <a:ext cx="8443609" cy="830997"/>
+            <a:off x="1874192" y="1235319"/>
+            <a:ext cx="8443609" cy="1723549"/>
           </a:xfrm>
           <a:prstGeom prst="rect">
             <a:avLst/>
@@ -3939,8 +4010,32 @@
             </a:pPr>
             <a:r>
               <a:rPr lang="fr-FR" sz="2400" dirty="0"/>
-              <a:t>Bien évidemment, vous pourrez aussi raccourcir la largeur de la barre en utilisant la flèche du bas:</a:t>
-            </a:r>
+              <a:t>Dans certains cas, vous ne saurez pas vraiment combien de fois vous aurez besoin de voir les chiffres de la grille. </a:t>
+            </a:r>
+          </a:p>
+          <a:p>
+            <a:pPr algn="ctr">
+              <a:spcAft>
+                <a:spcPts val="1200"/>
+              </a:spcAft>
+            </a:pPr>
+            <a:r>
+              <a:rPr lang="fr-FR" sz="2400" dirty="0"/>
+              <a:t>Vous pourrez alors augmenter la largeur de la barre en utilisant la </a:t>
+            </a:r>
+            <a:r>
+              <a:rPr lang="fr-FR" sz="2400" dirty="0" err="1"/>
+              <a:t>flè</a:t>
+            </a:r>
+            <a:r>
+              <a:rPr lang="en-US" sz="2400" dirty="0" err="1"/>
+              <a:t>che</a:t>
+            </a:r>
+            <a:r>
+              <a:rPr lang="en-US" sz="2400" dirty="0"/>
+              <a:t> du haut du clavier:</a:t>
+            </a:r>
+            <a:endParaRPr lang="fr-FR" sz="2400" dirty="0"/>
           </a:p>
         </p:txBody>
       </p:sp>
@@ -3958,7 +4053,7 @@
         </p:nvSpPr>
         <p:spPr>
           <a:xfrm>
-            <a:off x="880108" y="3080749"/>
+            <a:off x="880108" y="3403746"/>
             <a:ext cx="10431779" cy="3026364"/>
           </a:xfrm>
           <a:prstGeom prst="rect">
@@ -4023,7 +4118,7 @@
         </p:blipFill>
         <p:spPr>
           <a:xfrm>
-            <a:off x="984500" y="4365331"/>
+            <a:off x="984500" y="4688328"/>
             <a:ext cx="10139172" cy="502920"/>
           </a:xfrm>
           <a:prstGeom prst="rect">
@@ -4033,10 +4128,10 @@
       </p:pic>
       <p:pic>
         <p:nvPicPr>
-          <p:cNvPr id="9" name="Picture 8">
+          <p:cNvPr id="4" name="Picture 3">
             <a:extLst>
               <a:ext uri="{FF2B5EF4-FFF2-40B4-BE49-F238E27FC236}">
-                <a16:creationId xmlns:a16="http://schemas.microsoft.com/office/drawing/2014/main" id="{4027480D-F9F5-4728-88AA-1CD183495D1E}"/>
+                <a16:creationId xmlns:a16="http://schemas.microsoft.com/office/drawing/2014/main" id="{1D8EC20F-7B23-44F2-A770-70EBAE2ADB90}"/>
               </a:ext>
             </a:extLst>
           </p:cNvPr>
@@ -4047,13 +4142,13 @@
         </p:nvPicPr>
         <p:blipFill rotWithShape="1">
           <a:blip r:embed="rId3"/>
-          <a:srcRect l="311" t="36000" r="1126" b="55078"/>
+          <a:srcRect l="1015" t="36305" r="1436" b="55417"/>
           <a:stretch/>
         </p:blipFill>
         <p:spPr>
           <a:xfrm>
-            <a:off x="1021076" y="4334256"/>
-            <a:ext cx="10139172" cy="611869"/>
+            <a:off x="1099564" y="4674612"/>
+            <a:ext cx="10034780" cy="567707"/>
           </a:xfrm>
           <a:prstGeom prst="rect">
             <a:avLst/>
@@ -4112,7 +4207,7 @@
     </p:spTree>
     <p:extLst>
       <p:ext uri="{BB962C8B-B14F-4D97-AF65-F5344CB8AC3E}">
-        <p14:creationId xmlns:p14="http://schemas.microsoft.com/office/powerpoint/2010/main" val="3261071307"/>
+        <p14:creationId xmlns:p14="http://schemas.microsoft.com/office/powerpoint/2010/main" val="1954343868"/>
       </p:ext>
     </p:extLst>
   </p:cSld>
@@ -4147,8 +4242,8 @@
         </p:nvSpPr>
         <p:spPr>
           <a:xfrm>
-            <a:off x="1874192" y="1367248"/>
-            <a:ext cx="8443609" cy="461665"/>
+            <a:off x="1874192" y="1426388"/>
+            <a:ext cx="8443609" cy="830997"/>
           </a:xfrm>
           <a:prstGeom prst="rect">
             <a:avLst/>
@@ -4168,7 +4263,7 @@
             </a:pPr>
             <a:r>
               <a:rPr lang="fr-FR" sz="2400" dirty="0"/>
-              <a:t>Pour confirmer votre réponse, appuyez sur « Entrée ».</a:t>
+              <a:t>Bien évidemment, vous pourrez aussi raccourcir la largeur de la barre en utilisant la flèche du bas:</a:t>
             </a:r>
           </a:p>
         </p:txBody>
@@ -4187,7 +4282,7 @@
         </p:nvSpPr>
         <p:spPr>
           <a:xfrm>
-            <a:off x="880108" y="2371063"/>
+            <a:off x="880108" y="3080749"/>
             <a:ext cx="10431779" cy="3026364"/>
           </a:xfrm>
           <a:prstGeom prst="rect">
@@ -4233,6 +4328,235 @@
       </p:sp>
       <p:pic>
         <p:nvPicPr>
+          <p:cNvPr id="3" name="Picture 2">
+            <a:extLst>
+              <a:ext uri="{FF2B5EF4-FFF2-40B4-BE49-F238E27FC236}">
+                <a16:creationId xmlns:a16="http://schemas.microsoft.com/office/drawing/2014/main" id="{963620DB-4CFA-4111-AF32-463E4AC5369D}"/>
+              </a:ext>
+            </a:extLst>
+          </p:cNvPr>
+          <p:cNvPicPr>
+            <a:picLocks noChangeAspect="1"/>
+          </p:cNvPicPr>
+          <p:nvPr/>
+        </p:nvPicPr>
+        <p:blipFill rotWithShape="1">
+          <a:blip r:embed="rId2"/>
+          <a:srcRect t="36534" r="1437" b="56133"/>
+          <a:stretch/>
+        </p:blipFill>
+        <p:spPr>
+          <a:xfrm>
+            <a:off x="984500" y="4365331"/>
+            <a:ext cx="10139172" cy="502920"/>
+          </a:xfrm>
+          <a:prstGeom prst="rect">
+            <a:avLst/>
+          </a:prstGeom>
+        </p:spPr>
+      </p:pic>
+      <p:pic>
+        <p:nvPicPr>
+          <p:cNvPr id="9" name="Picture 8">
+            <a:extLst>
+              <a:ext uri="{FF2B5EF4-FFF2-40B4-BE49-F238E27FC236}">
+                <a16:creationId xmlns:a16="http://schemas.microsoft.com/office/drawing/2014/main" id="{4027480D-F9F5-4728-88AA-1CD183495D1E}"/>
+              </a:ext>
+            </a:extLst>
+          </p:cNvPr>
+          <p:cNvPicPr>
+            <a:picLocks noChangeAspect="1"/>
+          </p:cNvPicPr>
+          <p:nvPr/>
+        </p:nvPicPr>
+        <p:blipFill rotWithShape="1">
+          <a:blip r:embed="rId3"/>
+          <a:srcRect l="311" t="36000" r="1126" b="55078"/>
+          <a:stretch/>
+        </p:blipFill>
+        <p:spPr>
+          <a:xfrm>
+            <a:off x="1021076" y="4334256"/>
+            <a:ext cx="10139172" cy="611869"/>
+          </a:xfrm>
+          <a:prstGeom prst="rect">
+            <a:avLst/>
+          </a:prstGeom>
+        </p:spPr>
+      </p:pic>
+      <p:sp>
+        <p:nvSpPr>
+          <p:cNvPr id="8" name="ZoneTexte 7"/>
+          <p:cNvSpPr txBox="1"/>
+          <p:nvPr/>
+        </p:nvSpPr>
+        <p:spPr>
+          <a:xfrm>
+            <a:off x="3103206" y="333892"/>
+            <a:ext cx="5985588" cy="461665"/>
+          </a:xfrm>
+          <a:prstGeom prst="rect">
+            <a:avLst/>
+          </a:prstGeom>
+          <a:noFill/>
+          <a:ln>
+            <a:noFill/>
+          </a:ln>
+        </p:spPr>
+        <p:txBody>
+          <a:bodyPr wrap="square" rtlCol="0" anchor="ctr">
+            <a:spAutoFit/>
+          </a:bodyPr>
+          <a:lstStyle/>
+          <a:p>
+            <a:pPr algn="ctr">
+              <a:spcBef>
+                <a:spcPts val="1800"/>
+              </a:spcBef>
+              <a:spcAft>
+                <a:spcPts val="1800"/>
+              </a:spcAft>
+            </a:pPr>
+            <a:r>
+              <a:rPr lang="fr-FR" sz="2400" b="1" dirty="0">
+                <a:solidFill>
+                  <a:srgbClr val="0070C0"/>
+                </a:solidFill>
+              </a:rPr>
+              <a:t>ETAPE 2 - IMAGINATION DE L’EFFORT</a:t>
+            </a:r>
+            <a:endParaRPr lang="en-GB" sz="2400" b="1" dirty="0">
+              <a:solidFill>
+                <a:srgbClr val="0070C0"/>
+              </a:solidFill>
+            </a:endParaRPr>
+          </a:p>
+        </p:txBody>
+      </p:sp>
+    </p:spTree>
+    <p:extLst>
+      <p:ext uri="{BB962C8B-B14F-4D97-AF65-F5344CB8AC3E}">
+        <p14:creationId xmlns:p14="http://schemas.microsoft.com/office/powerpoint/2010/main" val="3261071307"/>
+      </p:ext>
+    </p:extLst>
+  </p:cSld>
+  <p:clrMapOvr>
+    <a:masterClrMapping/>
+  </p:clrMapOvr>
+</p:sld>
+</file>
+
+<file path=ppt/slides/slide14.xml><?xml version="1.0" encoding="utf-8"?>
+<p:sld xmlns:a="http://schemas.openxmlformats.org/drawingml/2006/main" xmlns:r="http://schemas.openxmlformats.org/officeDocument/2006/relationships" xmlns:p="http://schemas.openxmlformats.org/presentationml/2006/main">
+  <p:cSld>
+    <p:spTree>
+      <p:nvGrpSpPr>
+        <p:cNvPr id="1" name=""/>
+        <p:cNvGrpSpPr/>
+        <p:nvPr/>
+      </p:nvGrpSpPr>
+      <p:grpSpPr>
+        <a:xfrm>
+          <a:off x="0" y="0"/>
+          <a:ext cx="0" cy="0"/>
+          <a:chOff x="0" y="0"/>
+          <a:chExt cx="0" cy="0"/>
+        </a:xfrm>
+      </p:grpSpPr>
+      <p:sp>
+        <p:nvSpPr>
+          <p:cNvPr id="7" name="ZoneTexte 6"/>
+          <p:cNvSpPr txBox="1"/>
+          <p:nvPr/>
+        </p:nvSpPr>
+        <p:spPr>
+          <a:xfrm>
+            <a:off x="1874192" y="1367248"/>
+            <a:ext cx="8443609" cy="461665"/>
+          </a:xfrm>
+          <a:prstGeom prst="rect">
+            <a:avLst/>
+          </a:prstGeom>
+          <a:noFill/>
+        </p:spPr>
+        <p:txBody>
+          <a:bodyPr wrap="square" rtlCol="0">
+            <a:spAutoFit/>
+          </a:bodyPr>
+          <a:lstStyle/>
+          <a:p>
+            <a:pPr algn="ctr">
+              <a:spcAft>
+                <a:spcPts val="1200"/>
+              </a:spcAft>
+            </a:pPr>
+            <a:r>
+              <a:rPr lang="fr-FR" sz="2400" dirty="0"/>
+              <a:t>Pour confirmer votre réponse, appuyez sur « Entrée ».</a:t>
+            </a:r>
+          </a:p>
+        </p:txBody>
+      </p:sp>
+      <p:sp>
+        <p:nvSpPr>
+          <p:cNvPr id="5" name="Rectangle 4">
+            <a:extLst>
+              <a:ext uri="{FF2B5EF4-FFF2-40B4-BE49-F238E27FC236}">
+                <a16:creationId xmlns:a16="http://schemas.microsoft.com/office/drawing/2014/main" id="{81D94340-0653-49C5-B2BE-24A29E7CE6F2}"/>
+              </a:ext>
+            </a:extLst>
+          </p:cNvPr>
+          <p:cNvSpPr/>
+          <p:nvPr/>
+        </p:nvSpPr>
+        <p:spPr>
+          <a:xfrm>
+            <a:off x="880108" y="2371063"/>
+            <a:ext cx="10431779" cy="3026364"/>
+          </a:xfrm>
+          <a:prstGeom prst="rect">
+            <a:avLst/>
+          </a:prstGeom>
+          <a:noFill/>
+          <a:ln w="76200">
+            <a:solidFill>
+              <a:schemeClr val="bg1">
+                <a:lumMod val="65000"/>
+              </a:schemeClr>
+            </a:solidFill>
+          </a:ln>
+        </p:spPr>
+        <p:style>
+          <a:lnRef idx="2">
+            <a:schemeClr val="accent1">
+              <a:shade val="50000"/>
+            </a:schemeClr>
+          </a:lnRef>
+          <a:fillRef idx="1">
+            <a:schemeClr val="accent1"/>
+          </a:fillRef>
+          <a:effectRef idx="0">
+            <a:schemeClr val="accent1"/>
+          </a:effectRef>
+          <a:fontRef idx="minor">
+            <a:schemeClr val="lt1"/>
+          </a:fontRef>
+        </p:style>
+        <p:txBody>
+          <a:bodyPr rtlCol="0" anchor="ctr"/>
+          <a:lstStyle/>
+          <a:p>
+            <a:pPr algn="ctr"/>
+            <a:endParaRPr lang="en-GB">
+              <a:solidFill>
+                <a:schemeClr val="tx1"/>
+              </a:solidFill>
+            </a:endParaRPr>
+          </a:p>
+        </p:txBody>
+      </p:sp>
+      <p:pic>
+        <p:nvPicPr>
           <p:cNvPr id="10" name="Picture 9">
             <a:extLst>
               <a:ext uri="{FF2B5EF4-FFF2-40B4-BE49-F238E27FC236}">
@@ -4356,7 +4680,7 @@
 </p:sld>
 </file>
 
-<file path=ppt/slides/slide14.xml><?xml version="1.0" encoding="utf-8"?>
+<file path=ppt/slides/slide15.xml><?xml version="1.0" encoding="utf-8"?>
 <p:sld xmlns:a="http://schemas.openxmlformats.org/drawingml/2006/main" xmlns:r="http://schemas.openxmlformats.org/officeDocument/2006/relationships" xmlns:p="http://schemas.openxmlformats.org/presentationml/2006/main">
   <p:cSld>
     <p:spTree>
@@ -4857,7 +5181,7 @@
 </p:sld>
 </file>
 
-<file path=ppt/slides/slide15.xml><?xml version="1.0" encoding="utf-8"?>
+<file path=ppt/slides/slide16.xml><?xml version="1.0" encoding="utf-8"?>
 <p:sld xmlns:a="http://schemas.openxmlformats.org/drawingml/2006/main" xmlns:r="http://schemas.openxmlformats.org/officeDocument/2006/relationships" xmlns:p="http://schemas.openxmlformats.org/presentationml/2006/main">
   <p:cSld>
     <p:spTree>
@@ -5417,7 +5741,7 @@
 </p:sld>
 </file>
 
-<file path=ppt/slides/slide16.xml><?xml version="1.0" encoding="utf-8"?>
+<file path=ppt/slides/slide17.xml><?xml version="1.0" encoding="utf-8"?>
 <p:sld xmlns:a="http://schemas.openxmlformats.org/drawingml/2006/main" xmlns:r="http://schemas.openxmlformats.org/officeDocument/2006/relationships" xmlns:p="http://schemas.openxmlformats.org/presentationml/2006/main">
   <p:cSld>
     <p:spTree>
@@ -6001,7 +6325,7 @@
 </p:sld>
 </file>
 
-<file path=ppt/slides/slide17.xml><?xml version="1.0" encoding="utf-8"?>
+<file path=ppt/slides/slide18.xml><?xml version="1.0" encoding="utf-8"?>
 <p:sld xmlns:a="http://schemas.openxmlformats.org/drawingml/2006/main" xmlns:r="http://schemas.openxmlformats.org/officeDocument/2006/relationships" xmlns:p="http://schemas.openxmlformats.org/presentationml/2006/main">
   <p:cSld>
     <p:spTree>
@@ -6585,7 +6909,7 @@
 </p:sld>
 </file>
 
-<file path=ppt/slides/slide18.xml><?xml version="1.0" encoding="utf-8"?>
+<file path=ppt/slides/slide19.xml><?xml version="1.0" encoding="utf-8"?>
 <p:sld xmlns:a="http://schemas.openxmlformats.org/drawingml/2006/main" xmlns:r="http://schemas.openxmlformats.org/officeDocument/2006/relationships" xmlns:p="http://schemas.openxmlformats.org/presentationml/2006/main">
   <p:cSld>
     <p:spTree>
@@ -7169,7 +7493,106 @@
 </p:sld>
 </file>
 
-<file path=ppt/slides/slide19.xml><?xml version="1.0" encoding="utf-8"?>
+<file path=ppt/slides/slide2.xml><?xml version="1.0" encoding="utf-8"?>
+<p:sld xmlns:a="http://schemas.openxmlformats.org/drawingml/2006/main" xmlns:r="http://schemas.openxmlformats.org/officeDocument/2006/relationships" xmlns:p="http://schemas.openxmlformats.org/presentationml/2006/main">
+  <p:cSld>
+    <p:spTree>
+      <p:nvGrpSpPr>
+        <p:cNvPr id="1" name=""/>
+        <p:cNvGrpSpPr/>
+        <p:nvPr/>
+      </p:nvGrpSpPr>
+      <p:grpSpPr>
+        <a:xfrm>
+          <a:off x="0" y="0"/>
+          <a:ext cx="0" cy="0"/>
+          <a:chOff x="0" y="0"/>
+          <a:chExt cx="0" cy="0"/>
+        </a:xfrm>
+      </p:grpSpPr>
+      <p:sp>
+        <p:nvSpPr>
+          <p:cNvPr id="5" name="ZoneTexte 4"/>
+          <p:cNvSpPr txBox="1"/>
+          <p:nvPr/>
+        </p:nvSpPr>
+        <p:spPr>
+          <a:xfrm>
+            <a:off x="1874196" y="1720840"/>
+            <a:ext cx="8443609" cy="3416320"/>
+          </a:xfrm>
+          <a:prstGeom prst="rect">
+            <a:avLst/>
+          </a:prstGeom>
+          <a:noFill/>
+        </p:spPr>
+        <p:txBody>
+          <a:bodyPr wrap="square" rtlCol="0">
+            <a:spAutoFit/>
+          </a:bodyPr>
+          <a:lstStyle/>
+          <a:p>
+            <a:pPr algn="ctr"/>
+            <a:r>
+              <a:rPr lang="en-GB" sz="2400" dirty="0"/>
+              <a:t>Ce test dure environs 25 minutes.</a:t>
+            </a:r>
+          </a:p>
+          <a:p>
+            <a:pPr algn="ctr"/>
+            <a:endParaRPr lang="en-GB" sz="2400" dirty="0"/>
+          </a:p>
+          <a:p>
+            <a:pPr algn="ctr"/>
+            <a:r>
+              <a:rPr lang="fr-FR" sz="2400" dirty="0"/>
+              <a:t>Il s’agit d’un test mesurant votre capacité à </a:t>
+            </a:r>
+            <a:r>
+              <a:rPr lang="fr-FR" sz="2400" dirty="0" err="1"/>
+              <a:t>auto-évaluer</a:t>
+            </a:r>
+            <a:r>
+              <a:rPr lang="fr-FR" sz="2400" dirty="0"/>
+              <a:t> correctement vos compétences mentales. C’est ce qu’on appelle la </a:t>
+            </a:r>
+            <a:r>
+              <a:rPr lang="fr-FR" sz="2400" i="1" dirty="0"/>
+              <a:t>métacognition</a:t>
+            </a:r>
+            <a:r>
+              <a:rPr lang="fr-FR" sz="2400" dirty="0"/>
+              <a:t>.</a:t>
+            </a:r>
+            <a:endParaRPr lang="en-GB" sz="2400" dirty="0"/>
+          </a:p>
+          <a:p>
+            <a:pPr algn="ctr"/>
+            <a:endParaRPr lang="en-GB" sz="2400" dirty="0"/>
+          </a:p>
+          <a:p>
+            <a:pPr algn="ctr"/>
+            <a:r>
+              <a:rPr lang="fr-FR" sz="2400" dirty="0"/>
+              <a:t>En résumé, vous allez effectuer une série d’exercices de mémoire. Ces exercices seront plus ou moins difficiles. Pour chacun d’entre eux, nous vous demanderons d’auto-évaluer votre performance.</a:t>
+            </a:r>
+          </a:p>
+        </p:txBody>
+      </p:sp>
+    </p:spTree>
+    <p:extLst>
+      <p:ext uri="{BB962C8B-B14F-4D97-AF65-F5344CB8AC3E}">
+        <p14:creationId xmlns:p14="http://schemas.microsoft.com/office/powerpoint/2010/main" val="1918833446"/>
+      </p:ext>
+    </p:extLst>
+  </p:cSld>
+  <p:clrMapOvr>
+    <a:masterClrMapping/>
+  </p:clrMapOvr>
+</p:sld>
+</file>
+
+<file path=ppt/slides/slide20.xml><?xml version="1.0" encoding="utf-8"?>
 <p:sld xmlns:a="http://schemas.openxmlformats.org/drawingml/2006/main" xmlns:r="http://schemas.openxmlformats.org/officeDocument/2006/relationships" xmlns:p="http://schemas.openxmlformats.org/presentationml/2006/main">
   <p:cSld>
     <p:spTree>
@@ -7754,117 +8177,7 @@
 </p:sld>
 </file>
 
-<file path=ppt/slides/slide2.xml><?xml version="1.0" encoding="utf-8"?>
-<p:sld xmlns:a="http://schemas.openxmlformats.org/drawingml/2006/main" xmlns:r="http://schemas.openxmlformats.org/officeDocument/2006/relationships" xmlns:p="http://schemas.openxmlformats.org/presentationml/2006/main">
-  <p:cSld>
-    <p:spTree>
-      <p:nvGrpSpPr>
-        <p:cNvPr id="1" name=""/>
-        <p:cNvGrpSpPr/>
-        <p:nvPr/>
-      </p:nvGrpSpPr>
-      <p:grpSpPr>
-        <a:xfrm>
-          <a:off x="0" y="0"/>
-          <a:ext cx="0" cy="0"/>
-          <a:chOff x="0" y="0"/>
-          <a:chExt cx="0" cy="0"/>
-        </a:xfrm>
-      </p:grpSpPr>
-      <p:sp>
-        <p:nvSpPr>
-          <p:cNvPr id="5" name="ZoneTexte 4"/>
-          <p:cNvSpPr txBox="1"/>
-          <p:nvPr/>
-        </p:nvSpPr>
-        <p:spPr>
-          <a:xfrm>
-            <a:off x="1874196" y="1166843"/>
-            <a:ext cx="8443609" cy="4524315"/>
-          </a:xfrm>
-          <a:prstGeom prst="rect">
-            <a:avLst/>
-          </a:prstGeom>
-          <a:noFill/>
-        </p:spPr>
-        <p:txBody>
-          <a:bodyPr wrap="square" rtlCol="0">
-            <a:spAutoFit/>
-          </a:bodyPr>
-          <a:lstStyle/>
-          <a:p>
-            <a:pPr algn="ctr"/>
-            <a:r>
-              <a:rPr lang="en-GB" sz="2400" dirty="0"/>
-              <a:t>Ce test dure environs 25 minutes.</a:t>
-            </a:r>
-          </a:p>
-          <a:p>
-            <a:pPr algn="ctr"/>
-            <a:endParaRPr lang="en-GB" sz="2400" dirty="0"/>
-          </a:p>
-          <a:p>
-            <a:pPr algn="ctr"/>
-            <a:r>
-              <a:rPr lang="fr-FR" sz="2400" dirty="0"/>
-              <a:t>Il s’agit d’un test mesurant votre capacité à </a:t>
-            </a:r>
-            <a:r>
-              <a:rPr lang="fr-FR" sz="2400" dirty="0" err="1"/>
-              <a:t>auto-évaluer</a:t>
-            </a:r>
-            <a:r>
-              <a:rPr lang="fr-FR" sz="2400" dirty="0"/>
-              <a:t> correctement vos compétences mentales. C’est ce qu’on appelle la </a:t>
-            </a:r>
-            <a:r>
-              <a:rPr lang="fr-FR" sz="2400" i="1" dirty="0"/>
-              <a:t>métacognition</a:t>
-            </a:r>
-            <a:r>
-              <a:rPr lang="fr-FR" sz="2400" dirty="0"/>
-              <a:t>.</a:t>
-            </a:r>
-            <a:endParaRPr lang="en-GB" sz="2400" dirty="0"/>
-          </a:p>
-          <a:p>
-            <a:pPr algn="ctr"/>
-            <a:endParaRPr lang="en-GB" sz="2400" dirty="0"/>
-          </a:p>
-          <a:p>
-            <a:pPr algn="ctr"/>
-            <a:r>
-              <a:rPr lang="fr-FR" sz="2400" dirty="0"/>
-              <a:t>En résumé, vous allez effectuer une série d’exercices de mémoire. Ces exercices seront plus ou moins difficiles. Pour chacun d’entre eux, nous vous demanderons d’auto-évaluer votre performance.</a:t>
-            </a:r>
-          </a:p>
-          <a:p>
-            <a:pPr algn="ctr"/>
-            <a:endParaRPr lang="fr-FR" sz="2400" dirty="0"/>
-          </a:p>
-          <a:p>
-            <a:pPr algn="ctr"/>
-            <a:r>
-              <a:rPr lang="fr-FR" sz="2400" dirty="0"/>
-              <a:t>Vous recevrez une indemnisation financière de 8 € pour votre participation.</a:t>
-            </a:r>
-          </a:p>
-        </p:txBody>
-      </p:sp>
-    </p:spTree>
-    <p:extLst>
-      <p:ext uri="{BB962C8B-B14F-4D97-AF65-F5344CB8AC3E}">
-        <p14:creationId xmlns:p14="http://schemas.microsoft.com/office/powerpoint/2010/main" val="1918833446"/>
-      </p:ext>
-    </p:extLst>
-  </p:cSld>
-  <p:clrMapOvr>
-    <a:masterClrMapping/>
-  </p:clrMapOvr>
-</p:sld>
-</file>
-
-<file path=ppt/slides/slide20.xml><?xml version="1.0" encoding="utf-8"?>
+<file path=ppt/slides/slide21.xml><?xml version="1.0" encoding="utf-8"?>
 <p:sld xmlns:a="http://schemas.openxmlformats.org/drawingml/2006/main" xmlns:r="http://schemas.openxmlformats.org/officeDocument/2006/relationships" xmlns:p="http://schemas.openxmlformats.org/presentationml/2006/main">
   <p:cSld>
     <p:spTree>
@@ -8450,7 +8763,7 @@
 </p:sld>
 </file>
 
-<file path=ppt/slides/slide21.xml><?xml version="1.0" encoding="utf-8"?>
+<file path=ppt/slides/slide22.xml><?xml version="1.0" encoding="utf-8"?>
 <p:sld xmlns:a="http://schemas.openxmlformats.org/drawingml/2006/main" xmlns:r="http://schemas.openxmlformats.org/officeDocument/2006/relationships" xmlns:p="http://schemas.openxmlformats.org/presentationml/2006/main">
   <p:cSld>
     <p:spTree>
@@ -9036,7 +9349,7 @@
 </p:sld>
 </file>
 
-<file path=ppt/slides/slide22.xml><?xml version="1.0" encoding="utf-8"?>
+<file path=ppt/slides/slide23.xml><?xml version="1.0" encoding="utf-8"?>
 <p:sld xmlns:a="http://schemas.openxmlformats.org/drawingml/2006/main" xmlns:r="http://schemas.openxmlformats.org/officeDocument/2006/relationships" xmlns:p="http://schemas.openxmlformats.org/presentationml/2006/main">
   <p:cSld>
     <p:spTree>
@@ -9391,7 +9704,7 @@
 </p:sld>
 </file>
 
-<file path=ppt/slides/slide23.xml><?xml version="1.0" encoding="utf-8"?>
+<file path=ppt/slides/slide24.xml><?xml version="1.0" encoding="utf-8"?>
 <p:sld xmlns:a="http://schemas.openxmlformats.org/drawingml/2006/main" xmlns:r="http://schemas.openxmlformats.org/officeDocument/2006/relationships" xmlns:p="http://schemas.openxmlformats.org/presentationml/2006/main">
   <p:cSld>
     <p:spTree>
@@ -9602,7 +9915,7 @@
 </p:sld>
 </file>
 
-<file path=ppt/slides/slide24.xml><?xml version="1.0" encoding="utf-8"?>
+<file path=ppt/slides/slide25.xml><?xml version="1.0" encoding="utf-8"?>
 <p:sld xmlns:a="http://schemas.openxmlformats.org/drawingml/2006/main" xmlns:r="http://schemas.openxmlformats.org/officeDocument/2006/relationships" xmlns:p="http://schemas.openxmlformats.org/presentationml/2006/main">
   <p:cSld>
     <p:spTree>
@@ -10198,249 +10511,6 @@
 </p:sld>
 </file>
 
-<file path=ppt/slides/slide25.xml><?xml version="1.0" encoding="utf-8"?>
-<p:sld xmlns:a="http://schemas.openxmlformats.org/drawingml/2006/main" xmlns:r="http://schemas.openxmlformats.org/officeDocument/2006/relationships" xmlns:p="http://schemas.openxmlformats.org/presentationml/2006/main">
-  <p:cSld>
-    <p:spTree>
-      <p:nvGrpSpPr>
-        <p:cNvPr id="1" name=""/>
-        <p:cNvGrpSpPr/>
-        <p:nvPr/>
-      </p:nvGrpSpPr>
-      <p:grpSpPr>
-        <a:xfrm>
-          <a:off x="0" y="0"/>
-          <a:ext cx="0" cy="0"/>
-          <a:chOff x="0" y="0"/>
-          <a:chExt cx="0" cy="0"/>
-        </a:xfrm>
-      </p:grpSpPr>
-      <p:sp>
-        <p:nvSpPr>
-          <p:cNvPr id="9" name="Rectangle 8"/>
-          <p:cNvSpPr/>
-          <p:nvPr/>
-        </p:nvSpPr>
-        <p:spPr>
-          <a:xfrm>
-            <a:off x="3554499" y="3358254"/>
-            <a:ext cx="5083002" cy="3026364"/>
-          </a:xfrm>
-          <a:prstGeom prst="rect">
-            <a:avLst/>
-          </a:prstGeom>
-          <a:noFill/>
-          <a:ln w="76200">
-            <a:solidFill>
-              <a:schemeClr val="bg1">
-                <a:lumMod val="65000"/>
-              </a:schemeClr>
-            </a:solidFill>
-          </a:ln>
-        </p:spPr>
-        <p:style>
-          <a:lnRef idx="2">
-            <a:schemeClr val="accent1">
-              <a:shade val="50000"/>
-            </a:schemeClr>
-          </a:lnRef>
-          <a:fillRef idx="1">
-            <a:schemeClr val="accent1"/>
-          </a:fillRef>
-          <a:effectRef idx="0">
-            <a:schemeClr val="accent1"/>
-          </a:effectRef>
-          <a:fontRef idx="minor">
-            <a:schemeClr val="lt1"/>
-          </a:fontRef>
-        </p:style>
-        <p:txBody>
-          <a:bodyPr rtlCol="0" anchor="ctr"/>
-          <a:lstStyle/>
-          <a:p>
-            <a:pPr algn="ctr"/>
-            <a:endParaRPr lang="en-GB">
-              <a:solidFill>
-                <a:schemeClr val="tx1"/>
-              </a:solidFill>
-            </a:endParaRPr>
-          </a:p>
-        </p:txBody>
-      </p:sp>
-      <p:sp>
-        <p:nvSpPr>
-          <p:cNvPr id="8" name="ZoneTexte 7"/>
-          <p:cNvSpPr txBox="1"/>
-          <p:nvPr/>
-        </p:nvSpPr>
-        <p:spPr>
-          <a:xfrm>
-            <a:off x="1874195" y="1204843"/>
-            <a:ext cx="8443609" cy="1723549"/>
-          </a:xfrm>
-          <a:prstGeom prst="rect">
-            <a:avLst/>
-          </a:prstGeom>
-          <a:noFill/>
-        </p:spPr>
-        <p:txBody>
-          <a:bodyPr wrap="square" rtlCol="0">
-            <a:spAutoFit/>
-          </a:bodyPr>
-          <a:lstStyle/>
-          <a:p>
-            <a:pPr algn="ctr">
-              <a:spcAft>
-                <a:spcPts val="1200"/>
-              </a:spcAft>
-            </a:pPr>
-            <a:r>
-              <a:rPr lang="fr-FR" sz="2400" dirty="0"/>
-              <a:t>Il se peut que vous ne vous rappeliez plus de l’emplacement de l’autre chiffre composant la paire. </a:t>
-            </a:r>
-          </a:p>
-          <a:p>
-            <a:pPr algn="ctr">
-              <a:spcAft>
-                <a:spcPts val="1200"/>
-              </a:spcAft>
-            </a:pPr>
-            <a:r>
-              <a:rPr lang="fr-FR" sz="2400" dirty="0"/>
-              <a:t>Vous pourrez alors cliquer sur le bouton « Montrez-moi la prochaine paire », en bas à gauche de la grille:</a:t>
-            </a:r>
-            <a:endParaRPr lang="fr-FR" sz="2400" b="1" dirty="0"/>
-          </a:p>
-        </p:txBody>
-      </p:sp>
-      <p:pic>
-        <p:nvPicPr>
-          <p:cNvPr id="3" name="Picture 2">
-            <a:extLst>
-              <a:ext uri="{FF2B5EF4-FFF2-40B4-BE49-F238E27FC236}">
-                <a16:creationId xmlns:a16="http://schemas.microsoft.com/office/drawing/2014/main" id="{62E78A33-4A91-4109-8E3B-93A547C80554}"/>
-              </a:ext>
-            </a:extLst>
-          </p:cNvPr>
-          <p:cNvPicPr>
-            <a:picLocks noChangeAspect="1"/>
-          </p:cNvPicPr>
-          <p:nvPr/>
-        </p:nvPicPr>
-        <p:blipFill rotWithShape="1">
-          <a:blip r:embed="rId2"/>
-          <a:srcRect l="25295" t="64490" r="25907" b="5532"/>
-          <a:stretch/>
-        </p:blipFill>
-        <p:spPr>
-          <a:xfrm>
-            <a:off x="3695569" y="3933092"/>
-            <a:ext cx="4800862" cy="1966127"/>
-          </a:xfrm>
-          <a:prstGeom prst="rect">
-            <a:avLst/>
-          </a:prstGeom>
-        </p:spPr>
-      </p:pic>
-      <p:cxnSp>
-        <p:nvCxnSpPr>
-          <p:cNvPr id="6" name="Straight Arrow Connector 5">
-            <a:extLst>
-              <a:ext uri="{FF2B5EF4-FFF2-40B4-BE49-F238E27FC236}">
-                <a16:creationId xmlns:a16="http://schemas.microsoft.com/office/drawing/2014/main" id="{E4312EB6-4D0C-4ED2-AA55-6845DE2C422D}"/>
-              </a:ext>
-            </a:extLst>
-          </p:cNvPr>
-          <p:cNvCxnSpPr/>
-          <p:nvPr/>
-        </p:nvCxnSpPr>
-        <p:spPr>
-          <a:xfrm>
-            <a:off x="1609344" y="5142113"/>
-            <a:ext cx="2335525" cy="566928"/>
-          </a:xfrm>
-          <a:prstGeom prst="straightConnector1">
-            <a:avLst/>
-          </a:prstGeom>
-          <a:ln w="57150">
-            <a:solidFill>
-              <a:srgbClr val="FF0000"/>
-            </a:solidFill>
-            <a:tailEnd type="triangle"/>
-          </a:ln>
-        </p:spPr>
-        <p:style>
-          <a:lnRef idx="3">
-            <a:schemeClr val="accent2"/>
-          </a:lnRef>
-          <a:fillRef idx="0">
-            <a:schemeClr val="accent2"/>
-          </a:fillRef>
-          <a:effectRef idx="2">
-            <a:schemeClr val="accent2"/>
-          </a:effectRef>
-          <a:fontRef idx="minor">
-            <a:schemeClr val="tx1"/>
-          </a:fontRef>
-        </p:style>
-      </p:cxnSp>
-      <p:sp>
-        <p:nvSpPr>
-          <p:cNvPr id="10" name="ZoneTexte 9"/>
-          <p:cNvSpPr txBox="1"/>
-          <p:nvPr/>
-        </p:nvSpPr>
-        <p:spPr>
-          <a:xfrm>
-            <a:off x="3099106" y="379385"/>
-            <a:ext cx="5993789" cy="461665"/>
-          </a:xfrm>
-          <a:prstGeom prst="rect">
-            <a:avLst/>
-          </a:prstGeom>
-          <a:noFill/>
-          <a:ln>
-            <a:noFill/>
-          </a:ln>
-        </p:spPr>
-        <p:txBody>
-          <a:bodyPr wrap="square" rtlCol="0" anchor="ctr">
-            <a:spAutoFit/>
-          </a:bodyPr>
-          <a:lstStyle/>
-          <a:p>
-            <a:pPr algn="ctr">
-              <a:spcBef>
-                <a:spcPts val="1800"/>
-              </a:spcBef>
-              <a:spcAft>
-                <a:spcPts val="1800"/>
-              </a:spcAft>
-            </a:pPr>
-            <a:r>
-              <a:rPr lang="en-GB" sz="2400" b="1" dirty="0">
-                <a:solidFill>
-                  <a:srgbClr val="0070C0"/>
-                </a:solidFill>
-              </a:rPr>
-              <a:t>ETAPE 4 - PHASE DE TEST</a:t>
-            </a:r>
-          </a:p>
-        </p:txBody>
-      </p:sp>
-    </p:spTree>
-    <p:extLst>
-      <p:ext uri="{BB962C8B-B14F-4D97-AF65-F5344CB8AC3E}">
-        <p14:creationId xmlns:p14="http://schemas.microsoft.com/office/powerpoint/2010/main" val="4187121344"/>
-      </p:ext>
-    </p:extLst>
-  </p:cSld>
-  <p:clrMapOvr>
-    <a:masterClrMapping/>
-  </p:clrMapOvr>
-</p:sld>
-</file>
-
 <file path=ppt/slides/slide26.xml><?xml version="1.0" encoding="utf-8"?>
 <p:sld xmlns:a="http://schemas.openxmlformats.org/drawingml/2006/main" xmlns:r="http://schemas.openxmlformats.org/officeDocument/2006/relationships" xmlns:p="http://schemas.openxmlformats.org/presentationml/2006/main">
   <p:cSld>
@@ -10466,7 +10536,7 @@
         </p:nvSpPr>
         <p:spPr>
           <a:xfrm>
-            <a:off x="3554499" y="3080749"/>
+            <a:off x="3554499" y="3358254"/>
             <a:ext cx="5083002" cy="3026364"/>
           </a:xfrm>
           <a:prstGeom prst="rect">
@@ -10518,8 +10588,8 @@
         </p:nvSpPr>
         <p:spPr>
           <a:xfrm>
-            <a:off x="1874195" y="1391734"/>
-            <a:ext cx="8443609" cy="1200329"/>
+            <a:off x="1874195" y="1204843"/>
+            <a:ext cx="8443609" cy="1723549"/>
           </a:xfrm>
           <a:prstGeom prst="rect">
             <a:avLst/>
@@ -10539,8 +10609,20 @@
             </a:pPr>
             <a:r>
               <a:rPr lang="fr-FR" sz="2400" dirty="0"/>
-              <a:t>Lorsque vous pensez avoir atteint le score cible, cliquez sur le bouton « je crois avoir atteint le score cible » pour terminer la phase de test:</a:t>
-            </a:r>
+              <a:t>Il se peut que vous ne vous rappeliez plus de l’emplacement de l’autre chiffre composant la paire. </a:t>
+            </a:r>
+          </a:p>
+          <a:p>
+            <a:pPr algn="ctr">
+              <a:spcAft>
+                <a:spcPts val="1200"/>
+              </a:spcAft>
+            </a:pPr>
+            <a:r>
+              <a:rPr lang="fr-FR" sz="2400" dirty="0"/>
+              <a:t>Vous pourrez alors cliquer sur le bouton « Montrez-moi la prochaine paire », en bas à gauche de la grille:</a:t>
+            </a:r>
+            <a:endParaRPr lang="fr-FR" sz="2400" b="1" dirty="0"/>
           </a:p>
         </p:txBody>
       </p:sp>
@@ -10565,7 +10647,7 @@
         </p:blipFill>
         <p:spPr>
           <a:xfrm>
-            <a:off x="3695569" y="3655587"/>
+            <a:off x="3695569" y="3933092"/>
             <a:ext cx="4800862" cy="1966127"/>
           </a:xfrm>
           <a:prstGeom prst="rect">
@@ -10582,15 +10664,13 @@
               </a:ext>
             </a:extLst>
           </p:cNvPr>
-          <p:cNvCxnSpPr>
-            <a:cxnSpLocks/>
-          </p:cNvCxnSpPr>
+          <p:cNvCxnSpPr/>
           <p:nvPr/>
         </p:nvCxnSpPr>
         <p:spPr>
-          <a:xfrm flipH="1">
-            <a:off x="8388853" y="4928616"/>
-            <a:ext cx="1815851" cy="539496"/>
+          <a:xfrm>
+            <a:off x="1609344" y="5142113"/>
+            <a:ext cx="2335525" cy="566928"/>
           </a:xfrm>
           <a:prstGeom prst="straightConnector1">
             <a:avLst/>
@@ -10664,7 +10744,7 @@
     </p:spTree>
     <p:extLst>
       <p:ext uri="{BB962C8B-B14F-4D97-AF65-F5344CB8AC3E}">
-        <p14:creationId xmlns:p14="http://schemas.microsoft.com/office/powerpoint/2010/main" val="2896142137"/>
+        <p14:creationId xmlns:p14="http://schemas.microsoft.com/office/powerpoint/2010/main" val="4187121344"/>
       </p:ext>
     </p:extLst>
   </p:cSld>
@@ -10699,7 +10779,7 @@
         </p:nvSpPr>
         <p:spPr>
           <a:xfrm>
-            <a:off x="3554499" y="2366514"/>
+            <a:off x="3554499" y="3080749"/>
             <a:ext cx="5083002" cy="3026364"/>
           </a:xfrm>
           <a:prstGeom prst="rect">
@@ -10751,8 +10831,8 @@
         </p:nvSpPr>
         <p:spPr>
           <a:xfrm>
-            <a:off x="1874194" y="1252745"/>
-            <a:ext cx="8457161" cy="830997"/>
+            <a:off x="1874195" y="1391734"/>
+            <a:ext cx="8443609" cy="1200329"/>
           </a:xfrm>
           <a:prstGeom prst="rect">
             <a:avLst/>
@@ -10772,29 +10852,17 @@
             </a:pPr>
             <a:r>
               <a:rPr lang="fr-FR" sz="2400" dirty="0"/>
-              <a:t>Après la phase de test, nous vous demanderons de vous </a:t>
-            </a:r>
-            <a:r>
-              <a:rPr lang="fr-FR" sz="2400" dirty="0" err="1"/>
-              <a:t>auto-évaluer</a:t>
-            </a:r>
-            <a:r>
-              <a:rPr lang="fr-FR" sz="2400" dirty="0"/>
-              <a:t> </a:t>
-            </a:r>
-            <a:r>
-              <a:rPr lang="en-US" sz="2400" dirty="0"/>
-              <a:t>:</a:t>
+              <a:t>Lorsque vous pensez avoir atteint le score cible, cliquez sur le bouton « je crois avoir atteint le score cible » pour terminer la phase de test:</a:t>
             </a:r>
           </a:p>
         </p:txBody>
       </p:sp>
       <p:pic>
         <p:nvPicPr>
-          <p:cNvPr id="2" name="Picture 1">
+          <p:cNvPr id="3" name="Picture 2">
             <a:extLst>
               <a:ext uri="{FF2B5EF4-FFF2-40B4-BE49-F238E27FC236}">
-                <a16:creationId xmlns:a16="http://schemas.microsoft.com/office/drawing/2014/main" id="{57DC9D53-1594-4637-A7B7-B270E6EB6C27}"/>
+                <a16:creationId xmlns:a16="http://schemas.microsoft.com/office/drawing/2014/main" id="{62E78A33-4A91-4109-8E3B-93A547C80554}"/>
               </a:ext>
             </a:extLst>
           </p:cNvPr>
@@ -10805,129 +10873,63 @@
         </p:nvPicPr>
         <p:blipFill rotWithShape="1">
           <a:blip r:embed="rId2"/>
-          <a:srcRect l="30564" t="48800" r="29888" b="40933"/>
+          <a:srcRect l="25295" t="64490" r="25907" b="5532"/>
           <a:stretch/>
         </p:blipFill>
         <p:spPr>
           <a:xfrm>
-            <a:off x="3676396" y="3455318"/>
-            <a:ext cx="4839207" cy="837502"/>
+            <a:off x="3695569" y="3655587"/>
+            <a:ext cx="4800862" cy="1966127"/>
           </a:xfrm>
           <a:prstGeom prst="rect">
             <a:avLst/>
           </a:prstGeom>
         </p:spPr>
       </p:pic>
-      <p:sp>
-        <p:nvSpPr>
-          <p:cNvPr id="3" name="Rectangle 2"/>
-          <p:cNvSpPr/>
-          <p:nvPr/>
-        </p:nvSpPr>
-        <p:spPr>
-          <a:xfrm>
-            <a:off x="1745466" y="5760071"/>
-            <a:ext cx="8701068" cy="830997"/>
-          </a:xfrm>
-          <a:prstGeom prst="rect">
+      <p:cxnSp>
+        <p:nvCxnSpPr>
+          <p:cNvPr id="6" name="Straight Arrow Connector 5">
+            <a:extLst>
+              <a:ext uri="{FF2B5EF4-FFF2-40B4-BE49-F238E27FC236}">
+                <a16:creationId xmlns:a16="http://schemas.microsoft.com/office/drawing/2014/main" id="{E4312EB6-4D0C-4ED2-AA55-6845DE2C422D}"/>
+              </a:ext>
+            </a:extLst>
+          </p:cNvPr>
+          <p:cNvCxnSpPr>
+            <a:cxnSpLocks/>
+          </p:cNvCxnSpPr>
+          <p:nvPr/>
+        </p:nvCxnSpPr>
+        <p:spPr>
+          <a:xfrm flipH="1">
+            <a:off x="8388853" y="4928616"/>
+            <a:ext cx="1815851" cy="539496"/>
+          </a:xfrm>
+          <a:prstGeom prst="straightConnector1">
             <a:avLst/>
           </a:prstGeom>
-        </p:spPr>
-        <p:txBody>
-          <a:bodyPr wrap="square">
-            <a:spAutoFit/>
-          </a:bodyPr>
-          <a:lstStyle/>
-          <a:p>
-            <a:pPr algn="ctr">
-              <a:spcAft>
-                <a:spcPts val="1200"/>
-              </a:spcAft>
-            </a:pPr>
-            <a:r>
-              <a:rPr lang="en-US" sz="2400" dirty="0" err="1"/>
-              <a:t>Répondez</a:t>
-            </a:r>
-            <a:r>
-              <a:rPr lang="en-US" sz="2400" dirty="0"/>
-              <a:t> </a:t>
-            </a:r>
-            <a:r>
-              <a:rPr lang="en-US" sz="2400" dirty="0" err="1"/>
-              <a:t>en</a:t>
-            </a:r>
-            <a:r>
-              <a:rPr lang="en-US" sz="2400" dirty="0"/>
-              <a:t> </a:t>
-            </a:r>
-            <a:r>
-              <a:rPr lang="en-US" sz="2400" dirty="0" err="1"/>
-              <a:t>cliquant</a:t>
-            </a:r>
-            <a:r>
-              <a:rPr lang="en-US" sz="2400" dirty="0"/>
-              <a:t> sur le </a:t>
-            </a:r>
-            <a:r>
-              <a:rPr lang="en-US" sz="2400" dirty="0" err="1"/>
-              <a:t>nombre</a:t>
-            </a:r>
-            <a:r>
-              <a:rPr lang="en-US" sz="2400" dirty="0"/>
-              <a:t> </a:t>
-            </a:r>
-            <a:r>
-              <a:rPr lang="en-US" sz="2400" dirty="0" err="1"/>
-              <a:t>d’emplacements</a:t>
-            </a:r>
-            <a:r>
-              <a:rPr lang="en-US" sz="2400" dirty="0"/>
-              <a:t> que </a:t>
-            </a:r>
-            <a:r>
-              <a:rPr lang="en-US" sz="2400" dirty="0" err="1"/>
-              <a:t>vous</a:t>
-            </a:r>
-            <a:r>
-              <a:rPr lang="en-US" sz="2400" dirty="0"/>
-              <a:t> </a:t>
-            </a:r>
-            <a:r>
-              <a:rPr lang="en-US" sz="2400" dirty="0" err="1"/>
-              <a:t>pensez</a:t>
-            </a:r>
-            <a:r>
-              <a:rPr lang="en-US" sz="2400" dirty="0"/>
-              <a:t> </a:t>
-            </a:r>
-            <a:r>
-              <a:rPr lang="en-US" sz="2400" dirty="0" err="1"/>
-              <a:t>avoir</a:t>
-            </a:r>
-            <a:r>
-              <a:rPr lang="en-US" sz="2400" dirty="0"/>
-              <a:t> </a:t>
-            </a:r>
-            <a:r>
-              <a:rPr lang="en-US" sz="2400" dirty="0" err="1"/>
-              <a:t>correctement</a:t>
-            </a:r>
-            <a:r>
-              <a:rPr lang="en-US" sz="2400" dirty="0"/>
-              <a:t> </a:t>
-            </a:r>
-            <a:r>
-              <a:rPr lang="en-US" sz="2400" dirty="0" err="1"/>
-              <a:t>deviné</a:t>
-            </a:r>
-            <a:r>
-              <a:rPr lang="en-US" sz="2400" dirty="0"/>
-              <a:t>!</a:t>
-            </a:r>
-            <a:endParaRPr lang="en-GB" sz="2400" dirty="0"/>
-          </a:p>
-        </p:txBody>
-      </p:sp>
+          <a:ln w="57150">
+            <a:solidFill>
+              <a:srgbClr val="FF0000"/>
+            </a:solidFill>
+            <a:tailEnd type="triangle"/>
+          </a:ln>
+        </p:spPr>
+        <p:style>
+          <a:lnRef idx="3">
+            <a:schemeClr val="accent2"/>
+          </a:lnRef>
+          <a:fillRef idx="0">
+            <a:schemeClr val="accent2"/>
+          </a:fillRef>
+          <a:effectRef idx="2">
+            <a:schemeClr val="accent2"/>
+          </a:effectRef>
+          <a:fontRef idx="minor">
+            <a:schemeClr val="tx1"/>
+          </a:fontRef>
+        </p:style>
+      </p:cxnSp>
       <p:sp>
         <p:nvSpPr>
           <p:cNvPr id="10" name="ZoneTexte 9"/>
@@ -10967,7 +10969,7 @@
                   <a:srgbClr val="0070C0"/>
                 </a:solidFill>
               </a:rPr>
-              <a:t>ETAPE 5 : AUTO-ÉVALUATION</a:t>
+              <a:t>ETAPE 4 - PHASE DE TEST</a:t>
             </a:r>
           </a:p>
         </p:txBody>
@@ -10975,7 +10977,7 @@
     </p:spTree>
     <p:extLst>
       <p:ext uri="{BB962C8B-B14F-4D97-AF65-F5344CB8AC3E}">
-        <p14:creationId xmlns:p14="http://schemas.microsoft.com/office/powerpoint/2010/main" val="606719304"/>
+        <p14:creationId xmlns:p14="http://schemas.microsoft.com/office/powerpoint/2010/main" val="2896142137"/>
       </p:ext>
     </p:extLst>
   </p:cSld>
@@ -11010,7 +11012,7 @@
         </p:nvSpPr>
         <p:spPr>
           <a:xfrm>
-            <a:off x="3554499" y="2707708"/>
+            <a:off x="3554499" y="2366514"/>
             <a:ext cx="5083002" cy="3026364"/>
           </a:xfrm>
           <a:prstGeom prst="rect">
@@ -11054,12 +11056,58 @@
           </a:p>
         </p:txBody>
       </p:sp>
+      <p:sp>
+        <p:nvSpPr>
+          <p:cNvPr id="8" name="ZoneTexte 7"/>
+          <p:cNvSpPr txBox="1"/>
+          <p:nvPr/>
+        </p:nvSpPr>
+        <p:spPr>
+          <a:xfrm>
+            <a:off x="1874194" y="1252745"/>
+            <a:ext cx="8457161" cy="830997"/>
+          </a:xfrm>
+          <a:prstGeom prst="rect">
+            <a:avLst/>
+          </a:prstGeom>
+          <a:noFill/>
+        </p:spPr>
+        <p:txBody>
+          <a:bodyPr wrap="square" rtlCol="0">
+            <a:spAutoFit/>
+          </a:bodyPr>
+          <a:lstStyle/>
+          <a:p>
+            <a:pPr algn="ctr">
+              <a:spcAft>
+                <a:spcPts val="1200"/>
+              </a:spcAft>
+            </a:pPr>
+            <a:r>
+              <a:rPr lang="fr-FR" sz="2400" dirty="0"/>
+              <a:t>Après la phase de test, nous vous demanderons de vous </a:t>
+            </a:r>
+            <a:r>
+              <a:rPr lang="fr-FR" sz="2400" dirty="0" err="1"/>
+              <a:t>auto-évaluer</a:t>
+            </a:r>
+            <a:r>
+              <a:rPr lang="fr-FR" sz="2400" dirty="0"/>
+              <a:t> </a:t>
+            </a:r>
+            <a:r>
+              <a:rPr lang="en-US" sz="2400" dirty="0"/>
+              <a:t>:</a:t>
+            </a:r>
+          </a:p>
+        </p:txBody>
+      </p:sp>
       <p:pic>
         <p:nvPicPr>
-          <p:cNvPr id="10" name="Picture 9">
+          <p:cNvPr id="2" name="Picture 1">
             <a:extLst>
               <a:ext uri="{FF2B5EF4-FFF2-40B4-BE49-F238E27FC236}">
-                <a16:creationId xmlns:a16="http://schemas.microsoft.com/office/drawing/2014/main" id="{93D8FE7F-D7E9-4D36-829D-0129FED49DE2}"/>
+                <a16:creationId xmlns:a16="http://schemas.microsoft.com/office/drawing/2014/main" id="{57DC9D53-1594-4637-A7B7-B270E6EB6C27}"/>
               </a:ext>
             </a:extLst>
           </p:cNvPr>
@@ -11070,13 +11118,13 @@
         </p:nvPicPr>
         <p:blipFill rotWithShape="1">
           <a:blip r:embed="rId2"/>
-          <a:srcRect l="22830" t="10949" r="22948" b="73"/>
+          <a:srcRect l="30564" t="48800" r="29888" b="40933"/>
           <a:stretch/>
         </p:blipFill>
         <p:spPr>
           <a:xfrm>
-            <a:off x="4751830" y="2797824"/>
-            <a:ext cx="2651760" cy="2900996"/>
+            <a:off x="3676396" y="3455318"/>
+            <a:ext cx="4839207" cy="837502"/>
           </a:xfrm>
           <a:prstGeom prst="rect">
             <a:avLst/>
@@ -11085,28 +11133,21 @@
       </p:pic>
       <p:sp>
         <p:nvSpPr>
-          <p:cNvPr id="11" name="ZoneTexte 7">
-            <a:extLst>
-              <a:ext uri="{FF2B5EF4-FFF2-40B4-BE49-F238E27FC236}">
-                <a16:creationId xmlns:a16="http://schemas.microsoft.com/office/drawing/2014/main" id="{95989657-5D8A-49A2-B814-16BCC8CDACB2}"/>
-              </a:ext>
-            </a:extLst>
-          </p:cNvPr>
-          <p:cNvSpPr txBox="1"/>
-          <p:nvPr/>
-        </p:nvSpPr>
-        <p:spPr>
-          <a:xfrm>
-            <a:off x="1874195" y="1044401"/>
-            <a:ext cx="8443609" cy="1354217"/>
+          <p:cNvPr id="3" name="Rectangle 2"/>
+          <p:cNvSpPr/>
+          <p:nvPr/>
+        </p:nvSpPr>
+        <p:spPr>
+          <a:xfrm>
+            <a:off x="1745466" y="5760071"/>
+            <a:ext cx="8701068" cy="830997"/>
           </a:xfrm>
           <a:prstGeom prst="rect">
             <a:avLst/>
           </a:prstGeom>
-          <a:noFill/>
-        </p:spPr>
-        <p:txBody>
-          <a:bodyPr wrap="square" rtlCol="0">
+        </p:spPr>
+        <p:txBody>
+          <a:bodyPr wrap="square">
             <a:spAutoFit/>
           </a:bodyPr>
           <a:lstStyle/>
@@ -11117,24 +11158,44 @@
               </a:spcAft>
             </a:pPr>
             <a:r>
-              <a:rPr lang="en-GB" sz="2400" dirty="0"/>
-              <a:t>Apr</a:t>
-            </a:r>
-            <a:r>
               <a:rPr lang="en-US" sz="2400" dirty="0" err="1"/>
-              <a:t>ès</a:t>
+              <a:t>Répondez</a:t>
             </a:r>
             <a:r>
               <a:rPr lang="en-US" sz="2400" dirty="0"/>
-              <a:t> le auto-</a:t>
+              <a:t> </a:t>
             </a:r>
             <a:r>
               <a:rPr lang="en-US" sz="2400" dirty="0" err="1"/>
-              <a:t>évaluations</a:t>
+              <a:t>en</a:t>
             </a:r>
             <a:r>
               <a:rPr lang="en-US" sz="2400" dirty="0"/>
-              <a:t>, nous </a:t>
+              <a:t> </a:t>
+            </a:r>
+            <a:r>
+              <a:rPr lang="en-US" sz="2400" dirty="0" err="1"/>
+              <a:t>cliquant</a:t>
+            </a:r>
+            <a:r>
+              <a:rPr lang="en-US" sz="2400" dirty="0"/>
+              <a:t> sur le </a:t>
+            </a:r>
+            <a:r>
+              <a:rPr lang="en-US" sz="2400" dirty="0" err="1"/>
+              <a:t>nombre</a:t>
+            </a:r>
+            <a:r>
+              <a:rPr lang="en-US" sz="2400" dirty="0"/>
+              <a:t> </a:t>
+            </a:r>
+            <a:r>
+              <a:rPr lang="en-US" sz="2400" dirty="0" err="1"/>
+              <a:t>d’emplacements</a:t>
+            </a:r>
+            <a:r>
+              <a:rPr lang="en-US" sz="2400" dirty="0"/>
+              <a:t> que </a:t>
             </a:r>
             <a:r>
               <a:rPr lang="en-US" sz="2400" dirty="0" err="1"/>
@@ -11146,34 +11207,7 @@
             </a:r>
             <a:r>
               <a:rPr lang="en-US" sz="2400" dirty="0" err="1"/>
-              <a:t>donnerons</a:t>
-            </a:r>
-            <a:r>
-              <a:rPr lang="en-US" sz="2400" dirty="0"/>
-              <a:t> un retour sur </a:t>
-            </a:r>
-            <a:r>
-              <a:rPr lang="en-US" sz="2400" dirty="0" err="1"/>
-              <a:t>votre</a:t>
-            </a:r>
-            <a:r>
-              <a:rPr lang="en-US" sz="2400" dirty="0"/>
-              <a:t> performance.</a:t>
-            </a:r>
-          </a:p>
-          <a:p>
-            <a:pPr algn="ctr">
-              <a:spcAft>
-                <a:spcPts val="1200"/>
-              </a:spcAft>
-            </a:pPr>
-            <a:r>
-              <a:rPr lang="en-US" sz="2400" dirty="0"/>
-              <a:t>Nous </a:t>
-            </a:r>
-            <a:r>
-              <a:rPr lang="en-US" sz="2400" dirty="0" err="1"/>
-              <a:t>vous</a:t>
+              <a:t>pensez</a:t>
             </a:r>
             <a:r>
               <a:rPr lang="en-US" sz="2400" dirty="0"/>
@@ -11181,31 +11215,7 @@
             </a:r>
             <a:r>
               <a:rPr lang="en-US" sz="2400" dirty="0" err="1"/>
-              <a:t>montrerons</a:t>
-            </a:r>
-            <a:r>
-              <a:rPr lang="en-US" sz="2400" dirty="0"/>
-              <a:t>, </a:t>
-            </a:r>
-            <a:r>
-              <a:rPr lang="en-US" sz="2400" dirty="0" err="1"/>
-              <a:t>une</a:t>
-            </a:r>
-            <a:r>
-              <a:rPr lang="en-US" sz="2400" dirty="0"/>
-              <a:t> à </a:t>
-            </a:r>
-            <a:r>
-              <a:rPr lang="en-US" sz="2400" dirty="0" err="1"/>
-              <a:t>une</a:t>
-            </a:r>
-            <a:r>
-              <a:rPr lang="en-US" sz="2400" dirty="0"/>
-              <a:t>, </a:t>
-            </a:r>
-            <a:r>
-              <a:rPr lang="en-US" sz="2400" dirty="0" err="1"/>
-              <a:t>chaque</a:t>
+              <a:t>avoir</a:t>
             </a:r>
             <a:r>
               <a:rPr lang="en-US" sz="2400" dirty="0"/>
@@ -11213,159 +11223,27 @@
             </a:r>
             <a:r>
               <a:rPr lang="en-US" sz="2400" dirty="0" err="1"/>
-              <a:t>paire</a:t>
+              <a:t>correctement</a:t>
             </a:r>
             <a:r>
               <a:rPr lang="en-US" sz="2400" dirty="0"/>
-              <a:t> de </a:t>
+              <a:t> </a:t>
             </a:r>
             <a:r>
               <a:rPr lang="en-US" sz="2400" dirty="0" err="1"/>
-              <a:t>chiffres</a:t>
+              <a:t>deviné</a:t>
             </a:r>
             <a:r>
               <a:rPr lang="en-US" sz="2400" dirty="0"/>
-              <a:t>:</a:t>
-            </a:r>
-          </a:p>
-        </p:txBody>
-      </p:sp>
-      <p:cxnSp>
-        <p:nvCxnSpPr>
-          <p:cNvPr id="12" name="Straight Arrow Connector 11">
-            <a:extLst>
-              <a:ext uri="{FF2B5EF4-FFF2-40B4-BE49-F238E27FC236}">
-                <a16:creationId xmlns:a16="http://schemas.microsoft.com/office/drawing/2014/main" id="{016FCF26-4DF1-442A-897B-9167C8A5216B}"/>
-              </a:ext>
-            </a:extLst>
-          </p:cNvPr>
-          <p:cNvCxnSpPr>
-            <a:cxnSpLocks/>
-          </p:cNvCxnSpPr>
-          <p:nvPr/>
-        </p:nvCxnSpPr>
-        <p:spPr>
-          <a:xfrm>
-            <a:off x="2578608" y="3183975"/>
-            <a:ext cx="2103120" cy="588859"/>
-          </a:xfrm>
-          <a:prstGeom prst="straightConnector1">
-            <a:avLst/>
-          </a:prstGeom>
-          <a:ln w="57150">
-            <a:solidFill>
-              <a:srgbClr val="FF0000"/>
-            </a:solidFill>
-            <a:tailEnd type="triangle"/>
-          </a:ln>
-        </p:spPr>
-        <p:style>
-          <a:lnRef idx="3">
-            <a:schemeClr val="accent2"/>
-          </a:lnRef>
-          <a:fillRef idx="0">
-            <a:schemeClr val="accent2"/>
-          </a:fillRef>
-          <a:effectRef idx="2">
-            <a:schemeClr val="accent2"/>
-          </a:effectRef>
-          <a:fontRef idx="minor">
-            <a:schemeClr val="tx1"/>
-          </a:fontRef>
-        </p:style>
-      </p:cxnSp>
-      <p:sp>
-        <p:nvSpPr>
-          <p:cNvPr id="2" name="Rectangle 1"/>
-          <p:cNvSpPr/>
-          <p:nvPr/>
-        </p:nvSpPr>
-        <p:spPr>
-          <a:xfrm>
-            <a:off x="797257" y="6049226"/>
-            <a:ext cx="10597486" cy="461665"/>
-          </a:xfrm>
-          <a:prstGeom prst="rect">
-            <a:avLst/>
-          </a:prstGeom>
-        </p:spPr>
-        <p:txBody>
-          <a:bodyPr wrap="square">
-            <a:spAutoFit/>
-          </a:bodyPr>
-          <a:lstStyle/>
-          <a:p>
-            <a:pPr algn="ctr">
-              <a:spcAft>
-                <a:spcPts val="1200"/>
-              </a:spcAft>
-            </a:pPr>
-            <a:r>
-              <a:rPr lang="en-GB" sz="2400" dirty="0"/>
-              <a:t>Le </a:t>
-            </a:r>
-            <a:r>
-              <a:rPr lang="en-GB" sz="2400" dirty="0" err="1"/>
-              <a:t>chiffre</a:t>
-            </a:r>
-            <a:r>
-              <a:rPr lang="en-GB" sz="2400" dirty="0"/>
-              <a:t> qui </a:t>
-            </a:r>
-            <a:r>
-              <a:rPr lang="en-GB" sz="2400" dirty="0" err="1"/>
-              <a:t>vous</a:t>
-            </a:r>
-            <a:r>
-              <a:rPr lang="en-GB" sz="2400" dirty="0"/>
-              <a:t> a </a:t>
-            </a:r>
-            <a:r>
-              <a:rPr lang="en-GB" sz="2400" dirty="0" err="1"/>
-              <a:t>été</a:t>
-            </a:r>
-            <a:r>
-              <a:rPr lang="en-GB" sz="2400" dirty="0"/>
-              <a:t> </a:t>
-            </a:r>
-            <a:r>
-              <a:rPr lang="en-GB" sz="2400" dirty="0" err="1"/>
-              <a:t>montré</a:t>
-            </a:r>
-            <a:r>
-              <a:rPr lang="en-GB" sz="2400" dirty="0"/>
-              <a:t> pendant la phase de test sera </a:t>
-            </a:r>
-            <a:r>
-              <a:rPr lang="en-GB" sz="2400" dirty="0" err="1"/>
-              <a:t>surligné</a:t>
-            </a:r>
-            <a:r>
-              <a:rPr lang="en-GB" sz="2400" dirty="0"/>
-              <a:t> </a:t>
-            </a:r>
-            <a:r>
-              <a:rPr lang="en-GB" sz="2400" dirty="0" err="1"/>
-              <a:t>en</a:t>
-            </a:r>
-            <a:r>
-              <a:rPr lang="en-GB" sz="2400" dirty="0"/>
-              <a:t> </a:t>
-            </a:r>
-            <a:r>
-              <a:rPr lang="en-GB" sz="2400" dirty="0" err="1"/>
-              <a:t>jaune</a:t>
-            </a:r>
-            <a:r>
-              <a:rPr lang="en-GB" sz="2400" dirty="0"/>
-              <a:t>.</a:t>
-            </a:r>
-          </a:p>
-        </p:txBody>
-      </p:sp>
-      <p:sp>
-        <p:nvSpPr>
-          <p:cNvPr id="13" name="ZoneTexte 12"/>
+              <a:t>!</a:t>
+            </a:r>
+            <a:endParaRPr lang="en-GB" sz="2400" dirty="0"/>
+          </a:p>
+        </p:txBody>
+      </p:sp>
+      <p:sp>
+        <p:nvSpPr>
+          <p:cNvPr id="10" name="ZoneTexte 9"/>
           <p:cNvSpPr txBox="1"/>
           <p:nvPr/>
         </p:nvSpPr>
@@ -11402,171 +11280,15 @@
                   <a:srgbClr val="0070C0"/>
                 </a:solidFill>
               </a:rPr>
-              <a:t>ETAPE 6 – ÉVALUATION DE VOS RÉPONSES</a:t>
-            </a:r>
-          </a:p>
-        </p:txBody>
-      </p:sp>
-      <p:sp>
-        <p:nvSpPr>
-          <p:cNvPr id="4" name="Rectangle 3"/>
-          <p:cNvSpPr/>
-          <p:nvPr/>
-        </p:nvSpPr>
-        <p:spPr>
-          <a:xfrm>
-            <a:off x="4787361" y="3509319"/>
-            <a:ext cx="508392" cy="515453"/>
-          </a:xfrm>
-          <a:prstGeom prst="rect">
-            <a:avLst/>
-          </a:prstGeom>
-          <a:solidFill>
-            <a:schemeClr val="bg1"/>
-          </a:solidFill>
-          <a:ln>
-            <a:solidFill>
-              <a:schemeClr val="bg1"/>
-            </a:solidFill>
-          </a:ln>
-        </p:spPr>
-        <p:style>
-          <a:lnRef idx="2">
-            <a:schemeClr val="accent1">
-              <a:shade val="50000"/>
-            </a:schemeClr>
-          </a:lnRef>
-          <a:fillRef idx="1">
-            <a:schemeClr val="accent1"/>
-          </a:fillRef>
-          <a:effectRef idx="0">
-            <a:schemeClr val="accent1"/>
-          </a:effectRef>
-          <a:fontRef idx="minor">
-            <a:schemeClr val="lt1"/>
-          </a:fontRef>
-        </p:style>
-        <p:txBody>
-          <a:bodyPr rtlCol="0" anchor="ctr"/>
-          <a:lstStyle/>
-          <a:p>
-            <a:pPr algn="ctr"/>
-            <a:endParaRPr lang="en-GB" dirty="0"/>
-          </a:p>
-        </p:txBody>
-      </p:sp>
-      <p:sp>
-        <p:nvSpPr>
-          <p:cNvPr id="5" name="ZoneTexte 4"/>
-          <p:cNvSpPr txBox="1"/>
-          <p:nvPr/>
-        </p:nvSpPr>
-        <p:spPr>
-          <a:xfrm>
-            <a:off x="4857853" y="3501552"/>
-            <a:ext cx="367408" cy="523220"/>
-          </a:xfrm>
-          <a:prstGeom prst="rect">
-            <a:avLst/>
-          </a:prstGeom>
-          <a:noFill/>
-        </p:spPr>
-        <p:txBody>
-          <a:bodyPr wrap="none" rtlCol="0">
-            <a:spAutoFit/>
-          </a:bodyPr>
-          <a:lstStyle/>
-          <a:p>
-            <a:r>
-              <a:rPr lang="en-GB" sz="2800" dirty="0"/>
-              <a:t>1</a:t>
-            </a:r>
-            <a:endParaRPr lang="en-GB" dirty="0"/>
-          </a:p>
-        </p:txBody>
-      </p:sp>
-      <p:sp>
-        <p:nvSpPr>
-          <p:cNvPr id="14" name="Rectangle 13"/>
-          <p:cNvSpPr/>
-          <p:nvPr/>
-        </p:nvSpPr>
-        <p:spPr>
-          <a:xfrm>
-            <a:off x="6161315" y="4194825"/>
-            <a:ext cx="508392" cy="515453"/>
-          </a:xfrm>
-          <a:prstGeom prst="rect">
-            <a:avLst/>
-          </a:prstGeom>
-          <a:solidFill>
-            <a:schemeClr val="bg1"/>
-          </a:solidFill>
-          <a:ln>
-            <a:solidFill>
-              <a:schemeClr val="bg1"/>
-            </a:solidFill>
-          </a:ln>
-        </p:spPr>
-        <p:style>
-          <a:lnRef idx="2">
-            <a:schemeClr val="accent1">
-              <a:shade val="50000"/>
-            </a:schemeClr>
-          </a:lnRef>
-          <a:fillRef idx="1">
-            <a:schemeClr val="accent1"/>
-          </a:fillRef>
-          <a:effectRef idx="0">
-            <a:schemeClr val="accent1"/>
-          </a:effectRef>
-          <a:fontRef idx="minor">
-            <a:schemeClr val="lt1"/>
-          </a:fontRef>
-        </p:style>
-        <p:txBody>
-          <a:bodyPr rtlCol="0" anchor="ctr"/>
-          <a:lstStyle/>
-          <a:p>
-            <a:pPr algn="ctr"/>
-            <a:endParaRPr lang="en-GB" dirty="0"/>
-          </a:p>
-        </p:txBody>
-      </p:sp>
-      <p:sp>
-        <p:nvSpPr>
-          <p:cNvPr id="6" name="ZoneTexte 5"/>
-          <p:cNvSpPr txBox="1"/>
-          <p:nvPr/>
-        </p:nvSpPr>
-        <p:spPr>
-          <a:xfrm>
-            <a:off x="6245458" y="4197766"/>
-            <a:ext cx="367408" cy="523220"/>
-          </a:xfrm>
-          <a:prstGeom prst="rect">
-            <a:avLst/>
-          </a:prstGeom>
-          <a:noFill/>
-        </p:spPr>
-        <p:txBody>
-          <a:bodyPr wrap="none" rtlCol="0">
-            <a:spAutoFit/>
-          </a:bodyPr>
-          <a:lstStyle/>
-          <a:p>
-            <a:r>
-              <a:rPr lang="en-GB" sz="2800" dirty="0"/>
-              <a:t>1</a:t>
-            </a:r>
-            <a:endParaRPr lang="en-GB" dirty="0"/>
+              <a:t>ETAPE 5 : AUTO-ÉVALUATION</a:t>
+            </a:r>
           </a:p>
         </p:txBody>
       </p:sp>
     </p:spTree>
     <p:extLst>
       <p:ext uri="{BB962C8B-B14F-4D97-AF65-F5344CB8AC3E}">
-        <p14:creationId xmlns:p14="http://schemas.microsoft.com/office/powerpoint/2010/main" val="3322692336"/>
+        <p14:creationId xmlns:p14="http://schemas.microsoft.com/office/powerpoint/2010/main" val="606719304"/>
       </p:ext>
     </p:extLst>
   </p:cSld>
@@ -11601,7 +11323,7 @@
         </p:nvSpPr>
         <p:spPr>
           <a:xfrm>
-            <a:off x="3554499" y="2757750"/>
+            <a:off x="3554499" y="2707708"/>
             <a:ext cx="5083002" cy="3026364"/>
           </a:xfrm>
           <a:prstGeom prst="rect">
@@ -11666,7 +11388,7 @@
         </p:blipFill>
         <p:spPr>
           <a:xfrm>
-            <a:off x="4751830" y="2847866"/>
+            <a:off x="4751830" y="2797824"/>
             <a:ext cx="2651760" cy="2900996"/>
           </a:xfrm>
           <a:prstGeom prst="rect">
@@ -11676,10 +11398,10 @@
       </p:pic>
       <p:sp>
         <p:nvSpPr>
-          <p:cNvPr id="12" name="ZoneTexte 7">
+          <p:cNvPr id="11" name="ZoneTexte 7">
             <a:extLst>
               <a:ext uri="{FF2B5EF4-FFF2-40B4-BE49-F238E27FC236}">
-                <a16:creationId xmlns:a16="http://schemas.microsoft.com/office/drawing/2014/main" id="{F02FD1A1-9929-44D9-9F07-EED2E9FF9F21}"/>
+                <a16:creationId xmlns:a16="http://schemas.microsoft.com/office/drawing/2014/main" id="{95989657-5D8A-49A2-B814-16BCC8CDACB2}"/>
               </a:ext>
             </a:extLst>
           </p:cNvPr>
@@ -11688,8 +11410,8 @@
         </p:nvSpPr>
         <p:spPr>
           <a:xfrm>
-            <a:off x="1467110" y="1545401"/>
-            <a:ext cx="9257780" cy="461665"/>
+            <a:off x="1874195" y="1044401"/>
+            <a:ext cx="8443609" cy="1354217"/>
           </a:xfrm>
           <a:prstGeom prst="rect">
             <a:avLst/>
@@ -11709,73 +11431,124 @@
             </a:pPr>
             <a:r>
               <a:rPr lang="en-GB" sz="2400" dirty="0"/>
-              <a:t>Si </a:t>
-            </a:r>
-            <a:r>
-              <a:rPr lang="en-GB" sz="2400" dirty="0" err="1"/>
+              <a:t>Apr</a:t>
+            </a:r>
+            <a:r>
+              <a:rPr lang="en-US" sz="2400" dirty="0" err="1"/>
+              <a:t>ès</a:t>
+            </a:r>
+            <a:r>
+              <a:rPr lang="en-US" sz="2400" dirty="0"/>
+              <a:t> le auto-</a:t>
+            </a:r>
+            <a:r>
+              <a:rPr lang="en-US" sz="2400" dirty="0" err="1"/>
+              <a:t>évaluations</a:t>
+            </a:r>
+            <a:r>
+              <a:rPr lang="en-US" sz="2400" dirty="0"/>
+              <a:t>, nous </a:t>
+            </a:r>
+            <a:r>
+              <a:rPr lang="en-US" sz="2400" dirty="0" err="1"/>
               <a:t>vous</a:t>
             </a:r>
             <a:r>
-              <a:rPr lang="en-GB" sz="2400" dirty="0"/>
+              <a:rPr lang="en-US" sz="2400" dirty="0"/>
               <a:t> </a:t>
             </a:r>
             <a:r>
-              <a:rPr lang="en-GB" sz="2400" dirty="0" err="1"/>
-              <a:t>avez</a:t>
-            </a:r>
-            <a:r>
-              <a:rPr lang="en-GB" sz="2400" dirty="0"/>
+              <a:rPr lang="en-US" sz="2400" dirty="0" err="1"/>
+              <a:t>donnerons</a:t>
+            </a:r>
+            <a:r>
+              <a:rPr lang="en-US" sz="2400" dirty="0"/>
+              <a:t> un retour sur </a:t>
+            </a:r>
+            <a:r>
+              <a:rPr lang="en-US" sz="2400" dirty="0" err="1"/>
+              <a:t>votre</a:t>
+            </a:r>
+            <a:r>
+              <a:rPr lang="en-US" sz="2400" dirty="0"/>
+              <a:t> performance.</a:t>
+            </a:r>
+          </a:p>
+          <a:p>
+            <a:pPr algn="ctr">
+              <a:spcAft>
+                <a:spcPts val="1200"/>
+              </a:spcAft>
+            </a:pPr>
+            <a:r>
+              <a:rPr lang="en-US" sz="2400" dirty="0"/>
+              <a:t>Nous </a:t>
+            </a:r>
+            <a:r>
+              <a:rPr lang="en-US" sz="2400" dirty="0" err="1"/>
+              <a:t>vous</a:t>
+            </a:r>
+            <a:r>
+              <a:rPr lang="en-US" sz="2400" dirty="0"/>
               <a:t> </a:t>
             </a:r>
             <a:r>
-              <a:rPr lang="en-GB" sz="2400" dirty="0" err="1"/>
-              <a:t>désigné</a:t>
-            </a:r>
-            <a:r>
-              <a:rPr lang="en-GB" sz="2400" dirty="0"/>
-              <a:t> un emplacement </a:t>
-            </a:r>
-            <a:r>
-              <a:rPr lang="en-GB" sz="2400" dirty="0" err="1"/>
-              <a:t>erronné</a:t>
-            </a:r>
-            <a:r>
-              <a:rPr lang="en-GB" sz="2400" dirty="0"/>
+              <a:rPr lang="en-US" sz="2400" dirty="0" err="1"/>
+              <a:t>montrerons</a:t>
+            </a:r>
+            <a:r>
+              <a:rPr lang="en-US" sz="2400" dirty="0"/>
               <a:t>, </a:t>
             </a:r>
             <a:r>
-              <a:rPr lang="en-GB" sz="2400" dirty="0" err="1"/>
-              <a:t>il</a:t>
-            </a:r>
-            <a:r>
-              <a:rPr lang="en-GB" sz="2400" dirty="0"/>
-              <a:t> sera </a:t>
-            </a:r>
-            <a:r>
-              <a:rPr lang="en-GB" sz="2400" dirty="0" err="1"/>
-              <a:t>surligné</a:t>
-            </a:r>
-            <a:r>
-              <a:rPr lang="en-GB" sz="2400" dirty="0"/>
+              <a:rPr lang="en-US" sz="2400" dirty="0" err="1"/>
+              <a:t>une</a:t>
+            </a:r>
+            <a:r>
+              <a:rPr lang="en-US" sz="2400" dirty="0"/>
+              <a:t> à </a:t>
+            </a:r>
+            <a:r>
+              <a:rPr lang="en-US" sz="2400" dirty="0" err="1"/>
+              <a:t>une</a:t>
+            </a:r>
+            <a:r>
+              <a:rPr lang="en-US" sz="2400" dirty="0"/>
+              <a:t>, </a:t>
+            </a:r>
+            <a:r>
+              <a:rPr lang="en-US" sz="2400" dirty="0" err="1"/>
+              <a:t>chaque</a:t>
+            </a:r>
+            <a:r>
+              <a:rPr lang="en-US" sz="2400" dirty="0"/>
               <a:t> </a:t>
             </a:r>
             <a:r>
-              <a:rPr lang="en-GB" sz="2400" dirty="0" err="1"/>
-              <a:t>en</a:t>
-            </a:r>
-            <a:r>
-              <a:rPr lang="en-GB" sz="2400" dirty="0"/>
-              <a:t> rouge:</a:t>
+              <a:rPr lang="en-US" sz="2400" dirty="0" err="1"/>
+              <a:t>paire</a:t>
+            </a:r>
+            <a:r>
+              <a:rPr lang="en-US" sz="2400" dirty="0"/>
+              <a:t> de </a:t>
+            </a:r>
+            <a:r>
+              <a:rPr lang="en-US" sz="2400" dirty="0" err="1"/>
+              <a:t>chiffres</a:t>
+            </a:r>
+            <a:r>
+              <a:rPr lang="en-US" sz="2400" dirty="0"/>
+              <a:t>:</a:t>
             </a:r>
           </a:p>
         </p:txBody>
       </p:sp>
       <p:cxnSp>
         <p:nvCxnSpPr>
-          <p:cNvPr id="13" name="Straight Arrow Connector 12">
+          <p:cNvPr id="12" name="Straight Arrow Connector 11">
             <a:extLst>
               <a:ext uri="{FF2B5EF4-FFF2-40B4-BE49-F238E27FC236}">
-                <a16:creationId xmlns:a16="http://schemas.microsoft.com/office/drawing/2014/main" id="{FCCD4248-E6AC-4B59-A117-145AA482BE3A}"/>
+                <a16:creationId xmlns:a16="http://schemas.microsoft.com/office/drawing/2014/main" id="{016FCF26-4DF1-442A-897B-9167C8A5216B}"/>
               </a:ext>
             </a:extLst>
           </p:cNvPr>
@@ -11785,9 +11558,9 @@
           <p:nvPr/>
         </p:nvCxnSpPr>
         <p:spPr>
-          <a:xfrm flipV="1">
-            <a:off x="2331720" y="4572684"/>
-            <a:ext cx="2350008" cy="917916"/>
+          <a:xfrm>
+            <a:off x="2578608" y="3183975"/>
+            <a:ext cx="2103120" cy="588859"/>
           </a:xfrm>
           <a:prstGeom prst="straightConnector1">
             <a:avLst/>
@@ -11816,7 +11589,96 @@
       </p:cxnSp>
       <p:sp>
         <p:nvSpPr>
-          <p:cNvPr id="7" name="ZoneTexte 6"/>
+          <p:cNvPr id="2" name="Rectangle 1"/>
+          <p:cNvSpPr/>
+          <p:nvPr/>
+        </p:nvSpPr>
+        <p:spPr>
+          <a:xfrm>
+            <a:off x="797257" y="6049226"/>
+            <a:ext cx="10597486" cy="461665"/>
+          </a:xfrm>
+          <a:prstGeom prst="rect">
+            <a:avLst/>
+          </a:prstGeom>
+        </p:spPr>
+        <p:txBody>
+          <a:bodyPr wrap="square">
+            <a:spAutoFit/>
+          </a:bodyPr>
+          <a:lstStyle/>
+          <a:p>
+            <a:pPr algn="ctr">
+              <a:spcAft>
+                <a:spcPts val="1200"/>
+              </a:spcAft>
+            </a:pPr>
+            <a:r>
+              <a:rPr lang="en-GB" sz="2400" dirty="0"/>
+              <a:t>Le </a:t>
+            </a:r>
+            <a:r>
+              <a:rPr lang="en-GB" sz="2400" dirty="0" err="1"/>
+              <a:t>chiffre</a:t>
+            </a:r>
+            <a:r>
+              <a:rPr lang="en-GB" sz="2400" dirty="0"/>
+              <a:t> qui </a:t>
+            </a:r>
+            <a:r>
+              <a:rPr lang="en-GB" sz="2400" dirty="0" err="1"/>
+              <a:t>vous</a:t>
+            </a:r>
+            <a:r>
+              <a:rPr lang="en-GB" sz="2400" dirty="0"/>
+              <a:t> a </a:t>
+            </a:r>
+            <a:r>
+              <a:rPr lang="en-GB" sz="2400" dirty="0" err="1"/>
+              <a:t>été</a:t>
+            </a:r>
+            <a:r>
+              <a:rPr lang="en-GB" sz="2400" dirty="0"/>
+              <a:t> </a:t>
+            </a:r>
+            <a:r>
+              <a:rPr lang="en-GB" sz="2400" dirty="0" err="1"/>
+              <a:t>montré</a:t>
+            </a:r>
+            <a:r>
+              <a:rPr lang="en-GB" sz="2400" dirty="0"/>
+              <a:t> pendant la phase de test sera </a:t>
+            </a:r>
+            <a:r>
+              <a:rPr lang="en-GB" sz="2400" dirty="0" err="1"/>
+              <a:t>surligné</a:t>
+            </a:r>
+            <a:r>
+              <a:rPr lang="en-GB" sz="2400" dirty="0"/>
+              <a:t> </a:t>
+            </a:r>
+            <a:r>
+              <a:rPr lang="en-GB" sz="2400" dirty="0" err="1"/>
+              <a:t>en</a:t>
+            </a:r>
+            <a:r>
+              <a:rPr lang="en-GB" sz="2400" dirty="0"/>
+              <a:t> </a:t>
+            </a:r>
+            <a:r>
+              <a:rPr lang="en-GB" sz="2400" dirty="0" err="1"/>
+              <a:t>jaune</a:t>
+            </a:r>
+            <a:r>
+              <a:rPr lang="en-GB" sz="2400" dirty="0"/>
+              <a:t>.</a:t>
+            </a:r>
+          </a:p>
+        </p:txBody>
+      </p:sp>
+      <p:sp>
+        <p:nvSpPr>
+          <p:cNvPr id="13" name="ZoneTexte 12"/>
           <p:cNvSpPr txBox="1"/>
           <p:nvPr/>
         </p:nvSpPr>
@@ -11860,13 +11722,13 @@
       </p:sp>
       <p:sp>
         <p:nvSpPr>
-          <p:cNvPr id="8" name="Rectangle 7"/>
+          <p:cNvPr id="4" name="Rectangle 3"/>
           <p:cNvSpPr/>
           <p:nvPr/>
         </p:nvSpPr>
         <p:spPr>
           <a:xfrm>
-            <a:off x="4787361" y="3555216"/>
+            <a:off x="4787361" y="3509319"/>
             <a:ext cx="508392" cy="515453"/>
           </a:xfrm>
           <a:prstGeom prst="rect">
@@ -11908,13 +11770,13 @@
       </p:sp>
       <p:sp>
         <p:nvSpPr>
-          <p:cNvPr id="11" name="ZoneTexte 10"/>
+          <p:cNvPr id="5" name="ZoneTexte 4"/>
           <p:cNvSpPr txBox="1"/>
           <p:nvPr/>
         </p:nvSpPr>
         <p:spPr>
           <a:xfrm>
-            <a:off x="4857853" y="3547449"/>
+            <a:off x="4857853" y="3501552"/>
             <a:ext cx="367408" cy="523220"/>
           </a:xfrm>
           <a:prstGeom prst="rect">
@@ -11944,7 +11806,7 @@
         </p:nvSpPr>
         <p:spPr>
           <a:xfrm>
-            <a:off x="6164846" y="4244253"/>
+            <a:off x="6161315" y="4194825"/>
             <a:ext cx="508392" cy="515453"/>
           </a:xfrm>
           <a:prstGeom prst="rect">
@@ -11986,13 +11848,13 @@
       </p:sp>
       <p:sp>
         <p:nvSpPr>
-          <p:cNvPr id="15" name="ZoneTexte 14"/>
+          <p:cNvPr id="6" name="ZoneTexte 5"/>
           <p:cNvSpPr txBox="1"/>
           <p:nvPr/>
         </p:nvSpPr>
         <p:spPr>
           <a:xfrm>
-            <a:off x="6245458" y="4243663"/>
+            <a:off x="6245458" y="4197766"/>
             <a:ext cx="367408" cy="523220"/>
           </a:xfrm>
           <a:prstGeom prst="rect">
@@ -12017,7 +11879,7 @@
     </p:spTree>
     <p:extLst>
       <p:ext uri="{BB962C8B-B14F-4D97-AF65-F5344CB8AC3E}">
-        <p14:creationId xmlns:p14="http://schemas.microsoft.com/office/powerpoint/2010/main" val="857338445"/>
+        <p14:creationId xmlns:p14="http://schemas.microsoft.com/office/powerpoint/2010/main" val="3322692336"/>
       </p:ext>
     </p:extLst>
   </p:cSld>
@@ -12046,461 +11908,63 @@
       </p:grpSpPr>
       <p:sp>
         <p:nvSpPr>
-          <p:cNvPr id="5" name="ZoneTexte 4"/>
+          <p:cNvPr id="5" name="TextBox 4">
+            <a:extLst>
+              <a:ext uri="{FF2B5EF4-FFF2-40B4-BE49-F238E27FC236}">
+                <a16:creationId xmlns:a16="http://schemas.microsoft.com/office/drawing/2014/main" id="{A48C1231-E72A-4127-96A6-E9BE9CAAAC8D}"/>
+              </a:ext>
+            </a:extLst>
+          </p:cNvPr>
           <p:cNvSpPr txBox="1"/>
           <p:nvPr/>
         </p:nvSpPr>
         <p:spPr>
           <a:xfrm>
-            <a:off x="3878093" y="194719"/>
-            <a:ext cx="4435815" cy="830997"/>
+            <a:off x="1874195" y="2274838"/>
+            <a:ext cx="8443608" cy="2308324"/>
           </a:xfrm>
           <a:prstGeom prst="rect">
             <a:avLst/>
           </a:prstGeom>
           <a:noFill/>
-          <a:ln>
-            <a:noFill/>
-          </a:ln>
-        </p:spPr>
-        <p:txBody>
-          <a:bodyPr wrap="square" rtlCol="0" anchor="ctr">
+        </p:spPr>
+        <p:txBody>
+          <a:bodyPr wrap="square">
             <a:spAutoFit/>
           </a:bodyPr>
           <a:lstStyle/>
           <a:p>
-            <a:pPr algn="ctr">
-              <a:spcBef>
-                <a:spcPts val="1800"/>
-              </a:spcBef>
-              <a:spcAft>
-                <a:spcPts val="1800"/>
-              </a:spcAft>
-            </a:pPr>
-            <a:r>
-              <a:rPr lang="en-GB" sz="2400" b="1" dirty="0">
-                <a:solidFill>
-                  <a:srgbClr val="0070C0"/>
-                </a:solidFill>
-              </a:rPr>
-              <a:t>LES EXERCICES DE MEMOIRE : PRINCIPE</a:t>
-            </a:r>
-          </a:p>
-        </p:txBody>
-      </p:sp>
-      <p:sp>
-        <p:nvSpPr>
-          <p:cNvPr id="7" name="ZoneTexte 6"/>
-          <p:cNvSpPr txBox="1"/>
-          <p:nvPr/>
-        </p:nvSpPr>
-        <p:spPr>
-          <a:xfrm>
-            <a:off x="1874195" y="1346863"/>
-            <a:ext cx="8443609" cy="2015936"/>
-          </a:xfrm>
-          <a:prstGeom prst="rect">
-            <a:avLst/>
-          </a:prstGeom>
-          <a:noFill/>
-        </p:spPr>
-        <p:txBody>
-          <a:bodyPr wrap="square" rtlCol="0">
-            <a:spAutoFit/>
-          </a:bodyPr>
-          <a:lstStyle/>
-          <a:p>
-            <a:pPr algn="ctr">
-              <a:spcAft>
-                <a:spcPts val="600"/>
-              </a:spcAft>
-            </a:pPr>
-            <a:r>
-              <a:rPr lang="en-GB" sz="2400" dirty="0" err="1"/>
-              <a:t>Lors</a:t>
-            </a:r>
-            <a:r>
-              <a:rPr lang="en-GB" sz="2400" dirty="0"/>
-              <a:t> de </a:t>
-            </a:r>
-            <a:r>
-              <a:rPr lang="en-GB" sz="2400" dirty="0" err="1"/>
-              <a:t>chaque</a:t>
-            </a:r>
-            <a:r>
-              <a:rPr lang="en-GB" sz="2400" dirty="0"/>
-              <a:t> exercise de </a:t>
-            </a:r>
-            <a:r>
-              <a:rPr lang="en-GB" sz="2400" dirty="0" err="1"/>
-              <a:t>mémoire</a:t>
-            </a:r>
-            <a:r>
-              <a:rPr lang="en-GB" sz="2400" dirty="0"/>
-              <a:t>, </a:t>
-            </a:r>
-            <a:r>
-              <a:rPr lang="en-GB" sz="2400" dirty="0" err="1"/>
-              <a:t>vous</a:t>
-            </a:r>
-            <a:r>
-              <a:rPr lang="en-GB" sz="2400" dirty="0"/>
-              <a:t> </a:t>
-            </a:r>
-            <a:r>
-              <a:rPr lang="en-GB" sz="2400" dirty="0" err="1"/>
-              <a:t>devrez</a:t>
-            </a:r>
-            <a:r>
-              <a:rPr lang="en-GB" sz="2400" dirty="0"/>
-              <a:t> </a:t>
-            </a:r>
-            <a:r>
-              <a:rPr lang="en-GB" sz="2400" dirty="0" err="1"/>
-              <a:t>vous</a:t>
-            </a:r>
-            <a:r>
-              <a:rPr lang="en-GB" sz="2400" dirty="0"/>
-              <a:t> souvenir de la position de 8 </a:t>
-            </a:r>
-            <a:r>
-              <a:rPr lang="en-GB" sz="2400" dirty="0" err="1"/>
-              <a:t>paires</a:t>
-            </a:r>
-            <a:r>
-              <a:rPr lang="en-GB" sz="2400" dirty="0"/>
-              <a:t> de </a:t>
-            </a:r>
-            <a:r>
-              <a:rPr lang="en-GB" sz="2400" dirty="0" err="1"/>
-              <a:t>chiffres</a:t>
-            </a:r>
-            <a:r>
-              <a:rPr lang="en-GB" sz="2400" dirty="0"/>
-              <a:t> </a:t>
-            </a:r>
-            <a:r>
-              <a:rPr lang="en-GB" sz="2400" dirty="0" err="1"/>
-              <a:t>disposés</a:t>
-            </a:r>
-            <a:r>
-              <a:rPr lang="en-GB" sz="2400" dirty="0"/>
-              <a:t> sur </a:t>
-            </a:r>
-            <a:r>
-              <a:rPr lang="en-GB" sz="2400" dirty="0" err="1"/>
-              <a:t>une</a:t>
-            </a:r>
-            <a:r>
-              <a:rPr lang="en-GB" sz="2400" dirty="0"/>
-              <a:t> grille </a:t>
-            </a:r>
-            <a:r>
-              <a:rPr lang="en-GB" sz="2400" dirty="0" err="1"/>
-              <a:t>carrée</a:t>
-            </a:r>
-            <a:r>
-              <a:rPr lang="en-GB" sz="2400" dirty="0"/>
-              <a:t>.</a:t>
-            </a:r>
-          </a:p>
-          <a:p>
-            <a:pPr algn="ctr">
-              <a:spcAft>
-                <a:spcPts val="600"/>
-              </a:spcAft>
-            </a:pPr>
-            <a:r>
-              <a:rPr lang="en-GB" sz="2400" dirty="0"/>
-              <a:t>Dans </a:t>
-            </a:r>
-            <a:r>
-              <a:rPr lang="en-GB" sz="2400" dirty="0" err="1"/>
-              <a:t>l’exemple</a:t>
-            </a:r>
-            <a:r>
-              <a:rPr lang="en-GB" sz="2400" dirty="0"/>
-              <a:t> </a:t>
-            </a:r>
-            <a:r>
-              <a:rPr lang="en-GB" sz="2400" dirty="0" err="1"/>
-              <a:t>suivant</a:t>
-            </a:r>
-            <a:r>
-              <a:rPr lang="en-GB" sz="2400" dirty="0"/>
-              <a:t>, les deux chiffres “1” </a:t>
-            </a:r>
-            <a:r>
-              <a:rPr lang="en-GB" sz="2400" dirty="0" err="1"/>
-              <a:t>forment</a:t>
-            </a:r>
-            <a:r>
-              <a:rPr lang="en-GB" sz="2400" dirty="0"/>
-              <a:t> </a:t>
-            </a:r>
-            <a:r>
-              <a:rPr lang="en-GB" sz="2400" dirty="0" err="1"/>
-              <a:t>une</a:t>
-            </a:r>
-            <a:r>
-              <a:rPr lang="en-GB" sz="2400" dirty="0"/>
-              <a:t> </a:t>
-            </a:r>
-            <a:r>
-              <a:rPr lang="en-GB" sz="2400" dirty="0" err="1"/>
-              <a:t>paire</a:t>
-            </a:r>
-            <a:r>
-              <a:rPr lang="en-GB" sz="2400" dirty="0"/>
-              <a:t>, </a:t>
-            </a:r>
-            <a:r>
-              <a:rPr lang="en-GB" sz="2400" dirty="0" err="1"/>
-              <a:t>dont</a:t>
-            </a:r>
-            <a:r>
-              <a:rPr lang="en-GB" sz="2400" dirty="0"/>
-              <a:t> </a:t>
-            </a:r>
-            <a:r>
-              <a:rPr lang="en-GB" sz="2400" dirty="0" err="1"/>
-              <a:t>chaque</a:t>
-            </a:r>
-            <a:r>
-              <a:rPr lang="en-GB" sz="2400" dirty="0"/>
-              <a:t> element </a:t>
-            </a:r>
-            <a:r>
-              <a:rPr lang="en-GB" sz="2400" dirty="0" err="1"/>
-              <a:t>est</a:t>
-            </a:r>
-            <a:r>
-              <a:rPr lang="en-GB" sz="2400" dirty="0"/>
-              <a:t> </a:t>
-            </a:r>
-            <a:r>
-              <a:rPr lang="en-GB" sz="2400" dirty="0" err="1"/>
-              <a:t>positionné</a:t>
-            </a:r>
-            <a:r>
-              <a:rPr lang="en-GB" sz="2400" dirty="0"/>
-              <a:t> sur un emplacement de la grille: </a:t>
-            </a:r>
-          </a:p>
-        </p:txBody>
-      </p:sp>
-      <p:grpSp>
-        <p:nvGrpSpPr>
-          <p:cNvPr id="2" name="Groupe 1"/>
-          <p:cNvGrpSpPr/>
-          <p:nvPr/>
-        </p:nvGrpSpPr>
-        <p:grpSpPr>
-          <a:xfrm>
-            <a:off x="4807226" y="3724111"/>
-            <a:ext cx="2553693" cy="2475203"/>
-            <a:chOff x="4807226" y="3724111"/>
-            <a:chExt cx="2553693" cy="2475203"/>
-          </a:xfrm>
-        </p:grpSpPr>
-        <p:grpSp>
-          <p:nvGrpSpPr>
-            <p:cNvPr id="4" name="Groupe 3"/>
-            <p:cNvGrpSpPr/>
-            <p:nvPr/>
-          </p:nvGrpSpPr>
-          <p:grpSpPr>
-            <a:xfrm>
-              <a:off x="4807226" y="3724111"/>
-              <a:ext cx="2553693" cy="2475203"/>
-              <a:chOff x="4807226" y="3724111"/>
-              <a:chExt cx="2553693" cy="2475203"/>
-            </a:xfrm>
-          </p:grpSpPr>
-          <p:pic>
-            <p:nvPicPr>
-              <p:cNvPr id="12" name="Picture 1">
-                <a:extLst>
-                  <a:ext uri="{FF2B5EF4-FFF2-40B4-BE49-F238E27FC236}">
-                    <a16:creationId xmlns:a16="http://schemas.microsoft.com/office/drawing/2014/main" id="{88F87B56-3A1F-46ED-B0F7-1E813590C499}"/>
-                  </a:ext>
-                </a:extLst>
-              </p:cNvPr>
-              <p:cNvPicPr>
-                <a:picLocks noChangeAspect="1"/>
-              </p:cNvPicPr>
-              <p:nvPr/>
-            </p:nvPicPr>
-            <p:blipFill rotWithShape="1">
-              <a:blip r:embed="rId2"/>
-              <a:srcRect l="25294" t="16027" r="25294" b="12133"/>
-              <a:stretch/>
-            </p:blipFill>
-            <p:spPr>
-              <a:xfrm>
-                <a:off x="4807226" y="3724111"/>
-                <a:ext cx="2553693" cy="2475203"/>
-              </a:xfrm>
-              <a:prstGeom prst="rect">
-                <a:avLst/>
-              </a:prstGeom>
-            </p:spPr>
-          </p:pic>
-          <p:pic>
-            <p:nvPicPr>
-              <p:cNvPr id="13" name="Picture 1">
-                <a:extLst>
-                  <a:ext uri="{FF2B5EF4-FFF2-40B4-BE49-F238E27FC236}">
-                    <a16:creationId xmlns:a16="http://schemas.microsoft.com/office/drawing/2014/main" id="{88F87B56-3A1F-46ED-B0F7-1E813590C499}"/>
-                  </a:ext>
-                </a:extLst>
-              </p:cNvPr>
-              <p:cNvPicPr>
-                <a:picLocks noChangeAspect="1"/>
-              </p:cNvPicPr>
-              <p:nvPr/>
-            </p:nvPicPr>
-            <p:blipFill rotWithShape="1">
-              <a:blip r:embed="rId2"/>
-              <a:srcRect l="49823" t="69829" r="37838" b="12205"/>
-              <a:stretch/>
-            </p:blipFill>
-            <p:spPr>
-              <a:xfrm>
-                <a:off x="6072272" y="4325560"/>
-                <a:ext cx="637735" cy="618978"/>
-              </a:xfrm>
-              <a:prstGeom prst="rect">
-                <a:avLst/>
-              </a:prstGeom>
-            </p:spPr>
-          </p:pic>
-        </p:grpSp>
-        <p:sp>
-          <p:nvSpPr>
-            <p:cNvPr id="6" name="Rectangle 5"/>
-            <p:cNvSpPr/>
-            <p:nvPr/>
-          </p:nvSpPr>
-          <p:spPr>
-            <a:xfrm>
-              <a:off x="6160294" y="4405464"/>
-              <a:ext cx="469106" cy="464191"/>
-            </a:xfrm>
-            <a:prstGeom prst="rect">
-              <a:avLst/>
-            </a:prstGeom>
-            <a:solidFill>
-              <a:schemeClr val="bg1"/>
-            </a:solidFill>
-            <a:ln>
-              <a:solidFill>
-                <a:schemeClr val="bg1"/>
-              </a:solidFill>
-            </a:ln>
-          </p:spPr>
-          <p:style>
-            <a:lnRef idx="2">
-              <a:schemeClr val="accent1">
-                <a:shade val="50000"/>
-              </a:schemeClr>
-            </a:lnRef>
-            <a:fillRef idx="1">
-              <a:schemeClr val="accent1"/>
-            </a:fillRef>
-            <a:effectRef idx="0">
-              <a:schemeClr val="accent1"/>
-            </a:effectRef>
-            <a:fontRef idx="minor">
-              <a:schemeClr val="lt1"/>
-            </a:fontRef>
-          </p:style>
-          <p:txBody>
-            <a:bodyPr rtlCol="0" anchor="ctr"/>
-            <a:lstStyle/>
-            <a:p>
-              <a:pPr algn="ctr"/>
-              <a:r>
-                <a:rPr lang="en-GB" sz="2800" dirty="0">
-                  <a:solidFill>
-                    <a:schemeClr val="tx1"/>
-                  </a:solidFill>
-                </a:rPr>
-                <a:t>1</a:t>
-              </a:r>
-              <a:endParaRPr lang="en-GB" dirty="0">
-                <a:solidFill>
-                  <a:schemeClr val="tx1"/>
-                </a:solidFill>
-              </a:endParaRPr>
-            </a:p>
-          </p:txBody>
-        </p:sp>
-        <p:sp>
-          <p:nvSpPr>
-            <p:cNvPr id="10" name="Rectangle 9"/>
-            <p:cNvSpPr/>
-            <p:nvPr/>
-          </p:nvSpPr>
-          <p:spPr>
-            <a:xfrm>
-              <a:off x="6156586" y="5662764"/>
-              <a:ext cx="469106" cy="464191"/>
-            </a:xfrm>
-            <a:prstGeom prst="rect">
-              <a:avLst/>
-            </a:prstGeom>
-            <a:solidFill>
-              <a:schemeClr val="bg1"/>
-            </a:solidFill>
-            <a:ln>
-              <a:solidFill>
-                <a:schemeClr val="bg1"/>
-              </a:solidFill>
-            </a:ln>
-          </p:spPr>
-          <p:style>
-            <a:lnRef idx="2">
-              <a:schemeClr val="accent1">
-                <a:shade val="50000"/>
-              </a:schemeClr>
-            </a:lnRef>
-            <a:fillRef idx="1">
-              <a:schemeClr val="accent1"/>
-            </a:fillRef>
-            <a:effectRef idx="0">
-              <a:schemeClr val="accent1"/>
-            </a:effectRef>
-            <a:fontRef idx="minor">
-              <a:schemeClr val="lt1"/>
-            </a:fontRef>
-          </p:style>
-          <p:txBody>
-            <a:bodyPr rtlCol="0" anchor="ctr"/>
-            <a:lstStyle/>
-            <a:p>
-              <a:pPr algn="ctr"/>
-              <a:r>
-                <a:rPr lang="en-GB" sz="2800" dirty="0">
-                  <a:solidFill>
-                    <a:schemeClr val="tx1"/>
-                  </a:solidFill>
-                </a:rPr>
-                <a:t>1</a:t>
-              </a:r>
-              <a:endParaRPr lang="en-GB" dirty="0">
-                <a:solidFill>
-                  <a:schemeClr val="tx1"/>
-                </a:solidFill>
-              </a:endParaRPr>
-            </a:p>
-          </p:txBody>
-        </p:sp>
-      </p:grpSp>
+            <a:pPr algn="ctr"/>
+            <a:r>
+              <a:rPr lang="fr-FR" sz="2400" dirty="0"/>
+              <a:t>Vous recevrez une indemnisation financière de 8 € pour votre participation.</a:t>
+            </a:r>
+          </a:p>
+          <a:p>
+            <a:pPr algn="ctr"/>
+            <a:endParaRPr lang="fr-FR" sz="2400" dirty="0"/>
+          </a:p>
+          <a:p>
+            <a:pPr algn="ctr"/>
+            <a:r>
+              <a:rPr lang="fr-FR" sz="2400" dirty="0"/>
+              <a:t>Ayant déjà mené une version similaire de cette expérience, nous pourrons détecter si vous avez triché lors d'un exercice et </a:t>
+            </a:r>
+            <a:r>
+              <a:rPr lang="fr-FR" sz="2400" b="1" dirty="0"/>
+              <a:t>vous ne recevrez pas de paiement </a:t>
+            </a:r>
+            <a:r>
+              <a:rPr lang="fr-FR" sz="2400" dirty="0"/>
+              <a:t>si nous soupçonnons que c'est le cas.</a:t>
+            </a:r>
+          </a:p>
+        </p:txBody>
+      </p:sp>
     </p:spTree>
     <p:extLst>
       <p:ext uri="{BB962C8B-B14F-4D97-AF65-F5344CB8AC3E}">
-        <p14:creationId xmlns:p14="http://schemas.microsoft.com/office/powerpoint/2010/main" val="1917199260"/>
+        <p14:creationId xmlns:p14="http://schemas.microsoft.com/office/powerpoint/2010/main" val="817283279"/>
       </p:ext>
     </p:extLst>
   </p:cSld>
@@ -12535,7 +11999,7 @@
         </p:nvSpPr>
         <p:spPr>
           <a:xfrm>
-            <a:off x="3554499" y="2694060"/>
+            <a:off x="3554499" y="2757750"/>
             <a:ext cx="5083002" cy="3026364"/>
           </a:xfrm>
           <a:prstGeom prst="rect">
@@ -12581,10 +12045,10 @@
       </p:sp>
       <p:pic>
         <p:nvPicPr>
-          <p:cNvPr id="6" name="Picture 5">
+          <p:cNvPr id="10" name="Picture 9">
             <a:extLst>
               <a:ext uri="{FF2B5EF4-FFF2-40B4-BE49-F238E27FC236}">
-                <a16:creationId xmlns:a16="http://schemas.microsoft.com/office/drawing/2014/main" id="{1BA460D6-8CE1-4EEE-AE87-3496959FE4AD}"/>
+                <a16:creationId xmlns:a16="http://schemas.microsoft.com/office/drawing/2014/main" id="{93D8FE7F-D7E9-4D36-829D-0129FED49DE2}"/>
               </a:ext>
             </a:extLst>
           </p:cNvPr>
@@ -12595,25 +12059,121 @@
         </p:nvPicPr>
         <p:blipFill rotWithShape="1">
           <a:blip r:embed="rId2"/>
-          <a:srcRect l="22258" t="9539" r="21855" b="462"/>
+          <a:srcRect l="22830" t="10949" r="22948" b="73"/>
           <a:stretch/>
         </p:blipFill>
         <p:spPr>
           <a:xfrm>
-            <a:off x="4728970" y="2739630"/>
-            <a:ext cx="2734056" cy="2935224"/>
+            <a:off x="4751830" y="2847866"/>
+            <a:ext cx="2651760" cy="2900996"/>
           </a:xfrm>
           <a:prstGeom prst="rect">
             <a:avLst/>
           </a:prstGeom>
         </p:spPr>
       </p:pic>
+      <p:sp>
+        <p:nvSpPr>
+          <p:cNvPr id="12" name="ZoneTexte 7">
+            <a:extLst>
+              <a:ext uri="{FF2B5EF4-FFF2-40B4-BE49-F238E27FC236}">
+                <a16:creationId xmlns:a16="http://schemas.microsoft.com/office/drawing/2014/main" id="{F02FD1A1-9929-44D9-9F07-EED2E9FF9F21}"/>
+              </a:ext>
+            </a:extLst>
+          </p:cNvPr>
+          <p:cNvSpPr txBox="1"/>
+          <p:nvPr/>
+        </p:nvSpPr>
+        <p:spPr>
+          <a:xfrm>
+            <a:off x="1467110" y="1545401"/>
+            <a:ext cx="9257780" cy="461665"/>
+          </a:xfrm>
+          <a:prstGeom prst="rect">
+            <a:avLst/>
+          </a:prstGeom>
+          <a:noFill/>
+        </p:spPr>
+        <p:txBody>
+          <a:bodyPr wrap="square" rtlCol="0">
+            <a:spAutoFit/>
+          </a:bodyPr>
+          <a:lstStyle/>
+          <a:p>
+            <a:pPr algn="ctr">
+              <a:spcAft>
+                <a:spcPts val="1200"/>
+              </a:spcAft>
+            </a:pPr>
+            <a:r>
+              <a:rPr lang="en-GB" sz="2400" dirty="0"/>
+              <a:t>Si </a:t>
+            </a:r>
+            <a:r>
+              <a:rPr lang="en-GB" sz="2400" dirty="0" err="1"/>
+              <a:t>vous</a:t>
+            </a:r>
+            <a:r>
+              <a:rPr lang="en-GB" sz="2400" dirty="0"/>
+              <a:t> </a:t>
+            </a:r>
+            <a:r>
+              <a:rPr lang="en-GB" sz="2400" dirty="0" err="1"/>
+              <a:t>avez</a:t>
+            </a:r>
+            <a:r>
+              <a:rPr lang="en-GB" sz="2400" dirty="0"/>
+              <a:t> </a:t>
+            </a:r>
+            <a:r>
+              <a:rPr lang="en-GB" sz="2400" dirty="0" err="1"/>
+              <a:t>désigné</a:t>
+            </a:r>
+            <a:r>
+              <a:rPr lang="en-GB" sz="2400" dirty="0"/>
+              <a:t> un emplacement </a:t>
+            </a:r>
+            <a:r>
+              <a:rPr lang="en-GB" sz="2400" dirty="0" err="1"/>
+              <a:t>erronné</a:t>
+            </a:r>
+            <a:r>
+              <a:rPr lang="en-GB" sz="2400" dirty="0"/>
+              <a:t>, </a:t>
+            </a:r>
+            <a:r>
+              <a:rPr lang="en-GB" sz="2400" dirty="0" err="1"/>
+              <a:t>il</a:t>
+            </a:r>
+            <a:r>
+              <a:rPr lang="en-GB" sz="2400" dirty="0"/>
+              <a:t> sera </a:t>
+            </a:r>
+            <a:r>
+              <a:rPr lang="en-GB" sz="2400" dirty="0" err="1"/>
+              <a:t>surligné</a:t>
+            </a:r>
+            <a:r>
+              <a:rPr lang="en-GB" sz="2400" dirty="0"/>
+              <a:t> </a:t>
+            </a:r>
+            <a:r>
+              <a:rPr lang="en-GB" sz="2400" dirty="0" err="1"/>
+              <a:t>en</a:t>
+            </a:r>
+            <a:r>
+              <a:rPr lang="en-GB" sz="2400" dirty="0"/>
+              <a:t> rouge:</a:t>
+            </a:r>
+          </a:p>
+        </p:txBody>
+      </p:sp>
       <p:cxnSp>
         <p:nvCxnSpPr>
-          <p:cNvPr id="15" name="Straight Arrow Connector 14">
+          <p:cNvPr id="13" name="Straight Arrow Connector 12">
             <a:extLst>
               <a:ext uri="{FF2B5EF4-FFF2-40B4-BE49-F238E27FC236}">
-                <a16:creationId xmlns:a16="http://schemas.microsoft.com/office/drawing/2014/main" id="{ADEE2DD0-CFF8-4106-BE71-63AD01162339}"/>
+                <a16:creationId xmlns:a16="http://schemas.microsoft.com/office/drawing/2014/main" id="{FCCD4248-E6AC-4B59-A117-145AA482BE3A}"/>
               </a:ext>
             </a:extLst>
           </p:cNvPr>
@@ -12623,9 +12183,9 @@
           <p:nvPr/>
         </p:nvCxnSpPr>
         <p:spPr>
-          <a:xfrm flipH="1">
-            <a:off x="6875260" y="3819551"/>
-            <a:ext cx="2497340" cy="1"/>
+          <a:xfrm flipV="1">
+            <a:off x="2331720" y="4572684"/>
+            <a:ext cx="2350008" cy="917916"/>
           </a:xfrm>
           <a:prstGeom prst="straightConnector1">
             <a:avLst/>
@@ -12654,102 +12214,6 @@
       </p:cxnSp>
       <p:sp>
         <p:nvSpPr>
-          <p:cNvPr id="8" name="ZoneTexte 7">
-            <a:extLst>
-              <a:ext uri="{FF2B5EF4-FFF2-40B4-BE49-F238E27FC236}">
-                <a16:creationId xmlns:a16="http://schemas.microsoft.com/office/drawing/2014/main" id="{F02FD1A1-9929-44D9-9F07-EED2E9FF9F21}"/>
-              </a:ext>
-            </a:extLst>
-          </p:cNvPr>
-          <p:cNvSpPr txBox="1"/>
-          <p:nvPr/>
-        </p:nvSpPr>
-        <p:spPr>
-          <a:xfrm>
-            <a:off x="1646781" y="1545401"/>
-            <a:ext cx="8898438" cy="461665"/>
-          </a:xfrm>
-          <a:prstGeom prst="rect">
-            <a:avLst/>
-          </a:prstGeom>
-          <a:noFill/>
-        </p:spPr>
-        <p:txBody>
-          <a:bodyPr wrap="square" rtlCol="0">
-            <a:spAutoFit/>
-          </a:bodyPr>
-          <a:lstStyle/>
-          <a:p>
-            <a:pPr algn="ctr">
-              <a:spcAft>
-                <a:spcPts val="1200"/>
-              </a:spcAft>
-            </a:pPr>
-            <a:r>
-              <a:rPr lang="en-GB" sz="2400" dirty="0"/>
-              <a:t>Si </a:t>
-            </a:r>
-            <a:r>
-              <a:rPr lang="en-GB" sz="2400" dirty="0" err="1"/>
-              <a:t>vous</a:t>
-            </a:r>
-            <a:r>
-              <a:rPr lang="en-GB" sz="2400" dirty="0"/>
-              <a:t> </a:t>
-            </a:r>
-            <a:r>
-              <a:rPr lang="en-GB" sz="2400" dirty="0" err="1"/>
-              <a:t>avez</a:t>
-            </a:r>
-            <a:r>
-              <a:rPr lang="en-GB" sz="2400" dirty="0"/>
-              <a:t> </a:t>
-            </a:r>
-            <a:r>
-              <a:rPr lang="en-GB" sz="2400" dirty="0" err="1"/>
-              <a:t>désigné</a:t>
-            </a:r>
-            <a:r>
-              <a:rPr lang="en-GB" sz="2400" dirty="0"/>
-              <a:t> un emplacement correct, </a:t>
-            </a:r>
-            <a:r>
-              <a:rPr lang="en-GB" sz="2400" dirty="0" err="1"/>
-              <a:t>il</a:t>
-            </a:r>
-            <a:r>
-              <a:rPr lang="en-GB" sz="2400" dirty="0"/>
-              <a:t> sera </a:t>
-            </a:r>
-            <a:r>
-              <a:rPr lang="en-GB" sz="2400" dirty="0" err="1"/>
-              <a:t>surligné</a:t>
-            </a:r>
-            <a:r>
-              <a:rPr lang="en-GB" sz="2400" dirty="0"/>
-              <a:t> </a:t>
-            </a:r>
-            <a:r>
-              <a:rPr lang="en-GB" sz="2400" dirty="0" err="1"/>
-              <a:t>en</a:t>
-            </a:r>
-            <a:r>
-              <a:rPr lang="en-GB" sz="2400" dirty="0"/>
-              <a:t> </a:t>
-            </a:r>
-            <a:r>
-              <a:rPr lang="en-GB" sz="2400" dirty="0" err="1"/>
-              <a:t>vert</a:t>
-            </a:r>
-            <a:r>
-              <a:rPr lang="en-GB" sz="2400" dirty="0"/>
-              <a:t>:</a:t>
-            </a:r>
-          </a:p>
-        </p:txBody>
-      </p:sp>
-      <p:sp>
-        <p:nvSpPr>
           <p:cNvPr id="7" name="ZoneTexte 6"/>
           <p:cNvSpPr txBox="1"/>
           <p:nvPr/>
@@ -12794,14 +12258,14 @@
       </p:sp>
       <p:sp>
         <p:nvSpPr>
-          <p:cNvPr id="2" name="Rectangle 1"/>
+          <p:cNvPr id="8" name="Rectangle 7"/>
           <p:cNvSpPr/>
           <p:nvPr/>
         </p:nvSpPr>
         <p:spPr>
           <a:xfrm>
-            <a:off x="5482869" y="3502258"/>
-            <a:ext cx="501332" cy="501331"/>
+            <a:off x="4787361" y="3555216"/>
+            <a:ext cx="508392" cy="515453"/>
           </a:xfrm>
           <a:prstGeom prst="rect">
             <a:avLst/>
@@ -12836,20 +12300,50 @@
           <a:lstStyle/>
           <a:p>
             <a:pPr algn="ctr"/>
-            <a:endParaRPr lang="en-GB"/>
-          </a:p>
-        </p:txBody>
-      </p:sp>
-      <p:sp>
-        <p:nvSpPr>
-          <p:cNvPr id="10" name="Rectangle 9"/>
+            <a:endParaRPr lang="en-GB" dirty="0"/>
+          </a:p>
+        </p:txBody>
+      </p:sp>
+      <p:sp>
+        <p:nvSpPr>
+          <p:cNvPr id="11" name="ZoneTexte 10"/>
+          <p:cNvSpPr txBox="1"/>
+          <p:nvPr/>
+        </p:nvSpPr>
+        <p:spPr>
+          <a:xfrm>
+            <a:off x="4857853" y="3547449"/>
+            <a:ext cx="367408" cy="523220"/>
+          </a:xfrm>
+          <a:prstGeom prst="rect">
+            <a:avLst/>
+          </a:prstGeom>
+          <a:noFill/>
+        </p:spPr>
+        <p:txBody>
+          <a:bodyPr wrap="none" rtlCol="0">
+            <a:spAutoFit/>
+          </a:bodyPr>
+          <a:lstStyle/>
+          <a:p>
+            <a:r>
+              <a:rPr lang="en-GB" sz="2800" dirty="0"/>
+              <a:t>1</a:t>
+            </a:r>
+            <a:endParaRPr lang="en-GB" dirty="0"/>
+          </a:p>
+        </p:txBody>
+      </p:sp>
+      <p:sp>
+        <p:nvSpPr>
+          <p:cNvPr id="14" name="Rectangle 13"/>
           <p:cNvSpPr/>
           <p:nvPr/>
         </p:nvSpPr>
         <p:spPr>
           <a:xfrm>
-            <a:off x="6179064" y="3502258"/>
-            <a:ext cx="501332" cy="501331"/>
+            <a:off x="6164846" y="4244253"/>
+            <a:ext cx="508392" cy="515453"/>
           </a:xfrm>
           <a:prstGeom prst="rect">
             <a:avLst/>
@@ -12884,19 +12378,19 @@
           <a:lstStyle/>
           <a:p>
             <a:pPr algn="ctr"/>
-            <a:endParaRPr lang="en-GB"/>
-          </a:p>
-        </p:txBody>
-      </p:sp>
-      <p:sp>
-        <p:nvSpPr>
-          <p:cNvPr id="3" name="ZoneTexte 2"/>
+            <a:endParaRPr lang="en-GB" dirty="0"/>
+          </a:p>
+        </p:txBody>
+      </p:sp>
+      <p:sp>
+        <p:nvSpPr>
+          <p:cNvPr id="15" name="ZoneTexte 14"/>
           <p:cNvSpPr txBox="1"/>
           <p:nvPr/>
         </p:nvSpPr>
         <p:spPr>
           <a:xfrm>
-            <a:off x="5554448" y="3487055"/>
+            <a:off x="6245458" y="4243663"/>
             <a:ext cx="367408" cy="523220"/>
           </a:xfrm>
           <a:prstGeom prst="rect">
@@ -12912,44 +12406,16 @@
           <a:p>
             <a:r>
               <a:rPr lang="en-GB" sz="2800" dirty="0"/>
-              <a:t>8</a:t>
-            </a:r>
-          </a:p>
-        </p:txBody>
-      </p:sp>
-      <p:sp>
-        <p:nvSpPr>
-          <p:cNvPr id="11" name="ZoneTexte 10"/>
-          <p:cNvSpPr txBox="1"/>
-          <p:nvPr/>
-        </p:nvSpPr>
-        <p:spPr>
-          <a:xfrm>
-            <a:off x="6246026" y="3487055"/>
-            <a:ext cx="367408" cy="523220"/>
-          </a:xfrm>
-          <a:prstGeom prst="rect">
-            <a:avLst/>
-          </a:prstGeom>
-          <a:noFill/>
-        </p:spPr>
-        <p:txBody>
-          <a:bodyPr wrap="none" rtlCol="0">
-            <a:spAutoFit/>
-          </a:bodyPr>
-          <a:lstStyle/>
-          <a:p>
-            <a:r>
-              <a:rPr lang="en-GB" sz="2800" dirty="0"/>
-              <a:t>8</a:t>
-            </a:r>
+              <a:t>1</a:t>
+            </a:r>
+            <a:endParaRPr lang="en-GB" dirty="0"/>
           </a:p>
         </p:txBody>
       </p:sp>
     </p:spTree>
     <p:extLst>
       <p:ext uri="{BB962C8B-B14F-4D97-AF65-F5344CB8AC3E}">
-        <p14:creationId xmlns:p14="http://schemas.microsoft.com/office/powerpoint/2010/main" val="3208989387"/>
+        <p14:creationId xmlns:p14="http://schemas.microsoft.com/office/powerpoint/2010/main" val="857338445"/>
       </p:ext>
     </p:extLst>
   </p:cSld>
@@ -12978,14 +12444,235 @@
       </p:grpSpPr>
       <p:sp>
         <p:nvSpPr>
-          <p:cNvPr id="5" name="ZoneTexte 4"/>
+          <p:cNvPr id="9" name="Rectangle 8"/>
+          <p:cNvSpPr/>
+          <p:nvPr/>
+        </p:nvSpPr>
+        <p:spPr>
+          <a:xfrm>
+            <a:off x="3554499" y="2694060"/>
+            <a:ext cx="5083002" cy="3026364"/>
+          </a:xfrm>
+          <a:prstGeom prst="rect">
+            <a:avLst/>
+          </a:prstGeom>
+          <a:noFill/>
+          <a:ln w="76200">
+            <a:solidFill>
+              <a:schemeClr val="bg1">
+                <a:lumMod val="65000"/>
+              </a:schemeClr>
+            </a:solidFill>
+          </a:ln>
+        </p:spPr>
+        <p:style>
+          <a:lnRef idx="2">
+            <a:schemeClr val="accent1">
+              <a:shade val="50000"/>
+            </a:schemeClr>
+          </a:lnRef>
+          <a:fillRef idx="1">
+            <a:schemeClr val="accent1"/>
+          </a:fillRef>
+          <a:effectRef idx="0">
+            <a:schemeClr val="accent1"/>
+          </a:effectRef>
+          <a:fontRef idx="minor">
+            <a:schemeClr val="lt1"/>
+          </a:fontRef>
+        </p:style>
+        <p:txBody>
+          <a:bodyPr rtlCol="0" anchor="ctr"/>
+          <a:lstStyle/>
+          <a:p>
+            <a:pPr algn="ctr"/>
+            <a:endParaRPr lang="en-GB">
+              <a:solidFill>
+                <a:schemeClr val="tx1"/>
+              </a:solidFill>
+            </a:endParaRPr>
+          </a:p>
+        </p:txBody>
+      </p:sp>
+      <p:pic>
+        <p:nvPicPr>
+          <p:cNvPr id="6" name="Picture 5">
+            <a:extLst>
+              <a:ext uri="{FF2B5EF4-FFF2-40B4-BE49-F238E27FC236}">
+                <a16:creationId xmlns:a16="http://schemas.microsoft.com/office/drawing/2014/main" id="{1BA460D6-8CE1-4EEE-AE87-3496959FE4AD}"/>
+              </a:ext>
+            </a:extLst>
+          </p:cNvPr>
+          <p:cNvPicPr>
+            <a:picLocks noChangeAspect="1"/>
+          </p:cNvPicPr>
+          <p:nvPr/>
+        </p:nvPicPr>
+        <p:blipFill rotWithShape="1">
+          <a:blip r:embed="rId2"/>
+          <a:srcRect l="22258" t="9539" r="21855" b="462"/>
+          <a:stretch/>
+        </p:blipFill>
+        <p:spPr>
+          <a:xfrm>
+            <a:off x="4728970" y="2739630"/>
+            <a:ext cx="2734056" cy="2935224"/>
+          </a:xfrm>
+          <a:prstGeom prst="rect">
+            <a:avLst/>
+          </a:prstGeom>
+        </p:spPr>
+      </p:pic>
+      <p:cxnSp>
+        <p:nvCxnSpPr>
+          <p:cNvPr id="15" name="Straight Arrow Connector 14">
+            <a:extLst>
+              <a:ext uri="{FF2B5EF4-FFF2-40B4-BE49-F238E27FC236}">
+                <a16:creationId xmlns:a16="http://schemas.microsoft.com/office/drawing/2014/main" id="{ADEE2DD0-CFF8-4106-BE71-63AD01162339}"/>
+              </a:ext>
+            </a:extLst>
+          </p:cNvPr>
+          <p:cNvCxnSpPr>
+            <a:cxnSpLocks/>
+          </p:cNvCxnSpPr>
+          <p:nvPr/>
+        </p:nvCxnSpPr>
+        <p:spPr>
+          <a:xfrm flipH="1">
+            <a:off x="6875260" y="3819551"/>
+            <a:ext cx="2497340" cy="1"/>
+          </a:xfrm>
+          <a:prstGeom prst="straightConnector1">
+            <a:avLst/>
+          </a:prstGeom>
+          <a:ln w="57150">
+            <a:solidFill>
+              <a:srgbClr val="FF0000"/>
+            </a:solidFill>
+            <a:tailEnd type="triangle"/>
+          </a:ln>
+        </p:spPr>
+        <p:style>
+          <a:lnRef idx="3">
+            <a:schemeClr val="accent2"/>
+          </a:lnRef>
+          <a:fillRef idx="0">
+            <a:schemeClr val="accent2"/>
+          </a:fillRef>
+          <a:effectRef idx="2">
+            <a:schemeClr val="accent2"/>
+          </a:effectRef>
+          <a:fontRef idx="minor">
+            <a:schemeClr val="tx1"/>
+          </a:fontRef>
+        </p:style>
+      </p:cxnSp>
+      <p:sp>
+        <p:nvSpPr>
+          <p:cNvPr id="8" name="ZoneTexte 7">
+            <a:extLst>
+              <a:ext uri="{FF2B5EF4-FFF2-40B4-BE49-F238E27FC236}">
+                <a16:creationId xmlns:a16="http://schemas.microsoft.com/office/drawing/2014/main" id="{F02FD1A1-9929-44D9-9F07-EED2E9FF9F21}"/>
+              </a:ext>
+            </a:extLst>
+          </p:cNvPr>
           <p:cNvSpPr txBox="1"/>
           <p:nvPr/>
         </p:nvSpPr>
         <p:spPr>
           <a:xfrm>
-            <a:off x="3557275" y="379385"/>
-            <a:ext cx="5077450" cy="461665"/>
+            <a:off x="1646781" y="1545401"/>
+            <a:ext cx="8898438" cy="461665"/>
+          </a:xfrm>
+          <a:prstGeom prst="rect">
+            <a:avLst/>
+          </a:prstGeom>
+          <a:noFill/>
+        </p:spPr>
+        <p:txBody>
+          <a:bodyPr wrap="square" rtlCol="0">
+            <a:spAutoFit/>
+          </a:bodyPr>
+          <a:lstStyle/>
+          <a:p>
+            <a:pPr algn="ctr">
+              <a:spcAft>
+                <a:spcPts val="1200"/>
+              </a:spcAft>
+            </a:pPr>
+            <a:r>
+              <a:rPr lang="en-GB" sz="2400" dirty="0"/>
+              <a:t>Si </a:t>
+            </a:r>
+            <a:r>
+              <a:rPr lang="en-GB" sz="2400" dirty="0" err="1"/>
+              <a:t>vous</a:t>
+            </a:r>
+            <a:r>
+              <a:rPr lang="en-GB" sz="2400" dirty="0"/>
+              <a:t> </a:t>
+            </a:r>
+            <a:r>
+              <a:rPr lang="en-GB" sz="2400" dirty="0" err="1"/>
+              <a:t>avez</a:t>
+            </a:r>
+            <a:r>
+              <a:rPr lang="en-GB" sz="2400" dirty="0"/>
+              <a:t> </a:t>
+            </a:r>
+            <a:r>
+              <a:rPr lang="en-GB" sz="2400" dirty="0" err="1"/>
+              <a:t>désigné</a:t>
+            </a:r>
+            <a:r>
+              <a:rPr lang="en-GB" sz="2400" dirty="0"/>
+              <a:t> un emplacement correct, </a:t>
+            </a:r>
+            <a:r>
+              <a:rPr lang="en-GB" sz="2400" dirty="0" err="1"/>
+              <a:t>il</a:t>
+            </a:r>
+            <a:r>
+              <a:rPr lang="en-GB" sz="2400" dirty="0"/>
+              <a:t> sera </a:t>
+            </a:r>
+            <a:r>
+              <a:rPr lang="en-GB" sz="2400" dirty="0" err="1"/>
+              <a:t>surligné</a:t>
+            </a:r>
+            <a:r>
+              <a:rPr lang="en-GB" sz="2400" dirty="0"/>
+              <a:t> </a:t>
+            </a:r>
+            <a:r>
+              <a:rPr lang="en-GB" sz="2400" dirty="0" err="1"/>
+              <a:t>en</a:t>
+            </a:r>
+            <a:r>
+              <a:rPr lang="en-GB" sz="2400" dirty="0"/>
+              <a:t> </a:t>
+            </a:r>
+            <a:r>
+              <a:rPr lang="en-GB" sz="2400" dirty="0" err="1"/>
+              <a:t>vert</a:t>
+            </a:r>
+            <a:r>
+              <a:rPr lang="en-GB" sz="2400" dirty="0"/>
+              <a:t>:</a:t>
+            </a:r>
+          </a:p>
+        </p:txBody>
+      </p:sp>
+      <p:sp>
+        <p:nvSpPr>
+          <p:cNvPr id="7" name="ZoneTexte 6"/>
+          <p:cNvSpPr txBox="1"/>
+          <p:nvPr/>
+        </p:nvSpPr>
+        <p:spPr>
+          <a:xfrm>
+            <a:off x="3099106" y="379385"/>
+            <a:ext cx="5993789" cy="461665"/>
           </a:xfrm>
           <a:prstGeom prst="rect">
             <a:avLst/>
@@ -13015,27 +12702,117 @@
                   <a:srgbClr val="0070C0"/>
                 </a:solidFill>
               </a:rPr>
-              <a:t>FIN D’UN EXERCICE</a:t>
-            </a:r>
-          </a:p>
-        </p:txBody>
-      </p:sp>
-      <p:sp>
-        <p:nvSpPr>
-          <p:cNvPr id="14" name="ZoneTexte 7">
-            <a:extLst>
-              <a:ext uri="{FF2B5EF4-FFF2-40B4-BE49-F238E27FC236}">
-                <a16:creationId xmlns:a16="http://schemas.microsoft.com/office/drawing/2014/main" id="{6ED12362-E7CD-45EA-BA24-48CBC31A52FA}"/>
-              </a:ext>
-            </a:extLst>
-          </p:cNvPr>
+              <a:t>ETAPE 6 – ÉVALUATION DE VOS RÉPONSES</a:t>
+            </a:r>
+          </a:p>
+        </p:txBody>
+      </p:sp>
+      <p:sp>
+        <p:nvSpPr>
+          <p:cNvPr id="2" name="Rectangle 1"/>
+          <p:cNvSpPr/>
+          <p:nvPr/>
+        </p:nvSpPr>
+        <p:spPr>
+          <a:xfrm>
+            <a:off x="5482869" y="3502258"/>
+            <a:ext cx="501332" cy="501331"/>
+          </a:xfrm>
+          <a:prstGeom prst="rect">
+            <a:avLst/>
+          </a:prstGeom>
+          <a:solidFill>
+            <a:schemeClr val="bg1"/>
+          </a:solidFill>
+          <a:ln>
+            <a:solidFill>
+              <a:schemeClr val="bg1"/>
+            </a:solidFill>
+          </a:ln>
+        </p:spPr>
+        <p:style>
+          <a:lnRef idx="2">
+            <a:schemeClr val="accent1">
+              <a:shade val="50000"/>
+            </a:schemeClr>
+          </a:lnRef>
+          <a:fillRef idx="1">
+            <a:schemeClr val="accent1"/>
+          </a:fillRef>
+          <a:effectRef idx="0">
+            <a:schemeClr val="accent1"/>
+          </a:effectRef>
+          <a:fontRef idx="minor">
+            <a:schemeClr val="lt1"/>
+          </a:fontRef>
+        </p:style>
+        <p:txBody>
+          <a:bodyPr rtlCol="0" anchor="ctr"/>
+          <a:lstStyle/>
+          <a:p>
+            <a:pPr algn="ctr"/>
+            <a:endParaRPr lang="en-GB"/>
+          </a:p>
+        </p:txBody>
+      </p:sp>
+      <p:sp>
+        <p:nvSpPr>
+          <p:cNvPr id="10" name="Rectangle 9"/>
+          <p:cNvSpPr/>
+          <p:nvPr/>
+        </p:nvSpPr>
+        <p:spPr>
+          <a:xfrm>
+            <a:off x="6179064" y="3502258"/>
+            <a:ext cx="501332" cy="501331"/>
+          </a:xfrm>
+          <a:prstGeom prst="rect">
+            <a:avLst/>
+          </a:prstGeom>
+          <a:solidFill>
+            <a:schemeClr val="bg1"/>
+          </a:solidFill>
+          <a:ln>
+            <a:solidFill>
+              <a:schemeClr val="bg1"/>
+            </a:solidFill>
+          </a:ln>
+        </p:spPr>
+        <p:style>
+          <a:lnRef idx="2">
+            <a:schemeClr val="accent1">
+              <a:shade val="50000"/>
+            </a:schemeClr>
+          </a:lnRef>
+          <a:fillRef idx="1">
+            <a:schemeClr val="accent1"/>
+          </a:fillRef>
+          <a:effectRef idx="0">
+            <a:schemeClr val="accent1"/>
+          </a:effectRef>
+          <a:fontRef idx="minor">
+            <a:schemeClr val="lt1"/>
+          </a:fontRef>
+        </p:style>
+        <p:txBody>
+          <a:bodyPr rtlCol="0" anchor="ctr"/>
+          <a:lstStyle/>
+          <a:p>
+            <a:pPr algn="ctr"/>
+            <a:endParaRPr lang="en-GB"/>
+          </a:p>
+        </p:txBody>
+      </p:sp>
+      <p:sp>
+        <p:nvSpPr>
+          <p:cNvPr id="3" name="ZoneTexte 2"/>
           <p:cNvSpPr txBox="1"/>
           <p:nvPr/>
         </p:nvSpPr>
         <p:spPr>
           <a:xfrm>
-            <a:off x="1874195" y="2120950"/>
-            <a:ext cx="8443609" cy="2616101"/>
+            <a:off x="5554448" y="3487055"/>
+            <a:ext cx="367408" cy="523220"/>
           </a:xfrm>
           <a:prstGeom prst="rect">
             <a:avLst/>
@@ -13043,211 +12820,51 @@
           <a:noFill/>
         </p:spPr>
         <p:txBody>
-          <a:bodyPr wrap="square" rtlCol="0">
+          <a:bodyPr wrap="none" rtlCol="0">
             <a:spAutoFit/>
           </a:bodyPr>
           <a:lstStyle/>
           <a:p>
-            <a:pPr algn="ctr">
-              <a:spcAft>
-                <a:spcPts val="1200"/>
-              </a:spcAft>
-            </a:pPr>
-            <a:r>
-              <a:rPr lang="en-GB" sz="2400" dirty="0"/>
-              <a:t>Apr</a:t>
-            </a:r>
-            <a:r>
-              <a:rPr lang="en-US" sz="2400" dirty="0" err="1"/>
-              <a:t>ès</a:t>
-            </a:r>
-            <a:r>
-              <a:rPr lang="en-US" sz="2400" dirty="0"/>
-              <a:t> </a:t>
-            </a:r>
-            <a:r>
-              <a:rPr lang="en-US" sz="2400" dirty="0" err="1"/>
-              <a:t>l’étape</a:t>
-            </a:r>
-            <a:r>
-              <a:rPr lang="en-US" sz="2400" dirty="0"/>
-              <a:t> 6 (retour sur </a:t>
-            </a:r>
-            <a:r>
-              <a:rPr lang="en-US" sz="2400" dirty="0" err="1"/>
-              <a:t>votre</a:t>
-            </a:r>
-            <a:r>
-              <a:rPr lang="en-US" sz="2400" dirty="0"/>
-              <a:t> performance), </a:t>
-            </a:r>
-            <a:r>
-              <a:rPr lang="en-US" sz="2400" dirty="0" err="1"/>
-              <a:t>vous</a:t>
-            </a:r>
-            <a:r>
-              <a:rPr lang="en-US" sz="2400" dirty="0"/>
-              <a:t> </a:t>
-            </a:r>
-            <a:r>
-              <a:rPr lang="en-US" sz="2400" dirty="0" err="1"/>
-              <a:t>aurez</a:t>
-            </a:r>
-            <a:r>
-              <a:rPr lang="en-US" sz="2400" dirty="0"/>
-              <a:t> </a:t>
-            </a:r>
-            <a:r>
-              <a:rPr lang="en-US" sz="2400" dirty="0" err="1"/>
-              <a:t>completé</a:t>
-            </a:r>
-            <a:r>
-              <a:rPr lang="en-US" sz="2400" dirty="0"/>
-              <a:t> un </a:t>
-            </a:r>
-            <a:r>
-              <a:rPr lang="en-US" sz="2400" dirty="0" err="1"/>
-              <a:t>exercice</a:t>
-            </a:r>
-            <a:r>
-              <a:rPr lang="en-US" sz="2400" dirty="0"/>
-              <a:t> – bravo!</a:t>
-            </a:r>
-          </a:p>
-          <a:p>
-            <a:pPr algn="ctr">
-              <a:spcAft>
-                <a:spcPts val="1200"/>
-              </a:spcAft>
-            </a:pPr>
-            <a:r>
-              <a:rPr lang="en-US" sz="2400" dirty="0" err="1"/>
-              <a:t>Vous</a:t>
-            </a:r>
-            <a:r>
-              <a:rPr lang="en-US" sz="2400" dirty="0"/>
-              <a:t> </a:t>
-            </a:r>
-            <a:r>
-              <a:rPr lang="en-US" sz="2400" dirty="0" err="1"/>
-              <a:t>pourrez</a:t>
-            </a:r>
-            <a:r>
-              <a:rPr lang="en-US" sz="2400" dirty="0"/>
-              <a:t> </a:t>
-            </a:r>
-            <a:r>
-              <a:rPr lang="fr-FR" sz="2400" dirty="0"/>
-              <a:t>prendre autant de temps que vous le souhaitez avant de démarrer le prochain exercice.</a:t>
-            </a:r>
-            <a:endParaRPr lang="en-US" sz="2400" dirty="0"/>
-          </a:p>
-          <a:p>
-            <a:pPr algn="ctr">
-              <a:spcAft>
-                <a:spcPts val="1200"/>
-              </a:spcAft>
-            </a:pPr>
-            <a:r>
-              <a:rPr lang="en-US" sz="2400" dirty="0"/>
-              <a:t>Par </a:t>
-            </a:r>
-            <a:r>
-              <a:rPr lang="en-US" sz="2400" dirty="0" err="1"/>
-              <a:t>contre</a:t>
-            </a:r>
-            <a:r>
-              <a:rPr lang="en-US" sz="2400" dirty="0"/>
-              <a:t>, </a:t>
-            </a:r>
-            <a:r>
-              <a:rPr lang="en-US" sz="2400" dirty="0" err="1"/>
-              <a:t>si</a:t>
-            </a:r>
-            <a:r>
-              <a:rPr lang="en-US" sz="2400" dirty="0"/>
-              <a:t> </a:t>
-            </a:r>
-            <a:r>
-              <a:rPr lang="en-US" sz="2400" dirty="0" err="1"/>
-              <a:t>vous</a:t>
-            </a:r>
-            <a:r>
-              <a:rPr lang="en-US" sz="2400" dirty="0"/>
-              <a:t> </a:t>
-            </a:r>
-            <a:r>
-              <a:rPr lang="en-US" sz="2400" dirty="0" err="1"/>
-              <a:t>fermez</a:t>
-            </a:r>
-            <a:r>
-              <a:rPr lang="en-US" sz="2400" dirty="0"/>
-              <a:t> </a:t>
-            </a:r>
-            <a:r>
-              <a:rPr lang="en-US" sz="2400" dirty="0" err="1"/>
-              <a:t>l’onglet</a:t>
-            </a:r>
-            <a:r>
-              <a:rPr lang="en-US" sz="2400" dirty="0"/>
-              <a:t> de </a:t>
-            </a:r>
-            <a:r>
-              <a:rPr lang="en-US" sz="2400" dirty="0" err="1"/>
-              <a:t>votre</a:t>
-            </a:r>
-            <a:r>
-              <a:rPr lang="en-US" sz="2400" dirty="0"/>
-              <a:t> </a:t>
-            </a:r>
-            <a:r>
-              <a:rPr lang="en-US" sz="2400" dirty="0" err="1"/>
-              <a:t>navigateur</a:t>
-            </a:r>
-            <a:r>
-              <a:rPr lang="en-US" sz="2400" dirty="0"/>
-              <a:t>, </a:t>
-            </a:r>
-            <a:r>
-              <a:rPr lang="en-US" sz="2400" dirty="0" err="1"/>
-              <a:t>vous</a:t>
-            </a:r>
-            <a:r>
-              <a:rPr lang="en-US" sz="2400" dirty="0"/>
-              <a:t> </a:t>
-            </a:r>
-            <a:r>
-              <a:rPr lang="en-US" sz="2400" dirty="0" err="1"/>
-              <a:t>devrez</a:t>
-            </a:r>
-            <a:r>
-              <a:rPr lang="en-US" sz="2400" dirty="0"/>
-              <a:t> </a:t>
-            </a:r>
-            <a:r>
-              <a:rPr lang="en-US" sz="2400" dirty="0" err="1"/>
-              <a:t>recommencer</a:t>
-            </a:r>
-            <a:r>
-              <a:rPr lang="en-US" sz="2400" dirty="0"/>
-              <a:t> le test </a:t>
-            </a:r>
-            <a:r>
-              <a:rPr lang="en-US" sz="2400" dirty="0" err="1"/>
-              <a:t>depuis</a:t>
-            </a:r>
-            <a:r>
-              <a:rPr lang="en-US" sz="2400" dirty="0"/>
-              <a:t> la début…</a:t>
-            </a:r>
-            <a:endParaRPr lang="en-GB" sz="2400" b="1" dirty="0"/>
+            <a:r>
+              <a:rPr lang="en-GB" sz="2800" dirty="0"/>
+              <a:t>8</a:t>
+            </a:r>
+          </a:p>
+        </p:txBody>
+      </p:sp>
+      <p:sp>
+        <p:nvSpPr>
+          <p:cNvPr id="11" name="ZoneTexte 10"/>
+          <p:cNvSpPr txBox="1"/>
+          <p:nvPr/>
+        </p:nvSpPr>
+        <p:spPr>
+          <a:xfrm>
+            <a:off x="6246026" y="3487055"/>
+            <a:ext cx="367408" cy="523220"/>
+          </a:xfrm>
+          <a:prstGeom prst="rect">
+            <a:avLst/>
+          </a:prstGeom>
+          <a:noFill/>
+        </p:spPr>
+        <p:txBody>
+          <a:bodyPr wrap="none" rtlCol="0">
+            <a:spAutoFit/>
+          </a:bodyPr>
+          <a:lstStyle/>
+          <a:p>
+            <a:r>
+              <a:rPr lang="en-GB" sz="2800" dirty="0"/>
+              <a:t>8</a:t>
+            </a:r>
           </a:p>
         </p:txBody>
       </p:sp>
     </p:spTree>
     <p:extLst>
       <p:ext uri="{BB962C8B-B14F-4D97-AF65-F5344CB8AC3E}">
-        <p14:creationId xmlns:p14="http://schemas.microsoft.com/office/powerpoint/2010/main" val="3731612808"/>
+        <p14:creationId xmlns:p14="http://schemas.microsoft.com/office/powerpoint/2010/main" val="3208989387"/>
       </p:ext>
     </p:extLst>
   </p:cSld>
@@ -13313,6 +12930,304 @@
                   <a:srgbClr val="0070C0"/>
                 </a:solidFill>
               </a:rPr>
+              <a:t>FIN D’UN EXERCICE</a:t>
+            </a:r>
+          </a:p>
+        </p:txBody>
+      </p:sp>
+      <p:sp>
+        <p:nvSpPr>
+          <p:cNvPr id="14" name="ZoneTexte 7">
+            <a:extLst>
+              <a:ext uri="{FF2B5EF4-FFF2-40B4-BE49-F238E27FC236}">
+                <a16:creationId xmlns:a16="http://schemas.microsoft.com/office/drawing/2014/main" id="{6ED12362-E7CD-45EA-BA24-48CBC31A52FA}"/>
+              </a:ext>
+            </a:extLst>
+          </p:cNvPr>
+          <p:cNvSpPr txBox="1"/>
+          <p:nvPr/>
+        </p:nvSpPr>
+        <p:spPr>
+          <a:xfrm>
+            <a:off x="1874195" y="2120950"/>
+            <a:ext cx="8443609" cy="2616101"/>
+          </a:xfrm>
+          <a:prstGeom prst="rect">
+            <a:avLst/>
+          </a:prstGeom>
+          <a:noFill/>
+        </p:spPr>
+        <p:txBody>
+          <a:bodyPr wrap="square" rtlCol="0">
+            <a:spAutoFit/>
+          </a:bodyPr>
+          <a:lstStyle/>
+          <a:p>
+            <a:pPr algn="ctr">
+              <a:spcAft>
+                <a:spcPts val="1200"/>
+              </a:spcAft>
+            </a:pPr>
+            <a:r>
+              <a:rPr lang="en-GB" sz="2400" dirty="0"/>
+              <a:t>Apr</a:t>
+            </a:r>
+            <a:r>
+              <a:rPr lang="en-US" sz="2400" dirty="0" err="1"/>
+              <a:t>ès</a:t>
+            </a:r>
+            <a:r>
+              <a:rPr lang="en-US" sz="2400" dirty="0"/>
+              <a:t> </a:t>
+            </a:r>
+            <a:r>
+              <a:rPr lang="en-US" sz="2400" dirty="0" err="1"/>
+              <a:t>l’étape</a:t>
+            </a:r>
+            <a:r>
+              <a:rPr lang="en-US" sz="2400" dirty="0"/>
+              <a:t> 6 (retour sur </a:t>
+            </a:r>
+            <a:r>
+              <a:rPr lang="en-US" sz="2400" dirty="0" err="1"/>
+              <a:t>votre</a:t>
+            </a:r>
+            <a:r>
+              <a:rPr lang="en-US" sz="2400" dirty="0"/>
+              <a:t> performance), </a:t>
+            </a:r>
+            <a:r>
+              <a:rPr lang="en-US" sz="2400" dirty="0" err="1"/>
+              <a:t>vous</a:t>
+            </a:r>
+            <a:r>
+              <a:rPr lang="en-US" sz="2400" dirty="0"/>
+              <a:t> </a:t>
+            </a:r>
+            <a:r>
+              <a:rPr lang="en-US" sz="2400" dirty="0" err="1"/>
+              <a:t>aurez</a:t>
+            </a:r>
+            <a:r>
+              <a:rPr lang="en-US" sz="2400" dirty="0"/>
+              <a:t> </a:t>
+            </a:r>
+            <a:r>
+              <a:rPr lang="en-US" sz="2400" dirty="0" err="1"/>
+              <a:t>completé</a:t>
+            </a:r>
+            <a:r>
+              <a:rPr lang="en-US" sz="2400" dirty="0"/>
+              <a:t> un </a:t>
+            </a:r>
+            <a:r>
+              <a:rPr lang="en-US" sz="2400" dirty="0" err="1"/>
+              <a:t>exercice</a:t>
+            </a:r>
+            <a:r>
+              <a:rPr lang="en-US" sz="2400" dirty="0"/>
+              <a:t> – bravo!</a:t>
+            </a:r>
+          </a:p>
+          <a:p>
+            <a:pPr algn="ctr">
+              <a:spcAft>
+                <a:spcPts val="1200"/>
+              </a:spcAft>
+            </a:pPr>
+            <a:r>
+              <a:rPr lang="en-US" sz="2400" dirty="0" err="1"/>
+              <a:t>Vous</a:t>
+            </a:r>
+            <a:r>
+              <a:rPr lang="en-US" sz="2400" dirty="0"/>
+              <a:t> </a:t>
+            </a:r>
+            <a:r>
+              <a:rPr lang="en-US" sz="2400" dirty="0" err="1"/>
+              <a:t>pourrez</a:t>
+            </a:r>
+            <a:r>
+              <a:rPr lang="en-US" sz="2400" dirty="0"/>
+              <a:t> </a:t>
+            </a:r>
+            <a:r>
+              <a:rPr lang="fr-FR" sz="2400" dirty="0"/>
+              <a:t>prendre autant de temps que vous le souhaitez avant de démarrer le prochain exercice.</a:t>
+            </a:r>
+            <a:endParaRPr lang="en-US" sz="2400" dirty="0"/>
+          </a:p>
+          <a:p>
+            <a:pPr algn="ctr">
+              <a:spcAft>
+                <a:spcPts val="1200"/>
+              </a:spcAft>
+            </a:pPr>
+            <a:r>
+              <a:rPr lang="en-US" sz="2400" dirty="0"/>
+              <a:t>Par </a:t>
+            </a:r>
+            <a:r>
+              <a:rPr lang="en-US" sz="2400" dirty="0" err="1"/>
+              <a:t>contre</a:t>
+            </a:r>
+            <a:r>
+              <a:rPr lang="en-US" sz="2400" dirty="0"/>
+              <a:t>, </a:t>
+            </a:r>
+            <a:r>
+              <a:rPr lang="en-US" sz="2400" dirty="0" err="1"/>
+              <a:t>si</a:t>
+            </a:r>
+            <a:r>
+              <a:rPr lang="en-US" sz="2400" dirty="0"/>
+              <a:t> </a:t>
+            </a:r>
+            <a:r>
+              <a:rPr lang="en-US" sz="2400" dirty="0" err="1"/>
+              <a:t>vous</a:t>
+            </a:r>
+            <a:r>
+              <a:rPr lang="en-US" sz="2400" dirty="0"/>
+              <a:t> </a:t>
+            </a:r>
+            <a:r>
+              <a:rPr lang="en-US" sz="2400" dirty="0" err="1"/>
+              <a:t>fermez</a:t>
+            </a:r>
+            <a:r>
+              <a:rPr lang="en-US" sz="2400" dirty="0"/>
+              <a:t> </a:t>
+            </a:r>
+            <a:r>
+              <a:rPr lang="en-US" sz="2400" dirty="0" err="1"/>
+              <a:t>l’onglet</a:t>
+            </a:r>
+            <a:r>
+              <a:rPr lang="en-US" sz="2400" dirty="0"/>
+              <a:t> de </a:t>
+            </a:r>
+            <a:r>
+              <a:rPr lang="en-US" sz="2400" dirty="0" err="1"/>
+              <a:t>votre</a:t>
+            </a:r>
+            <a:r>
+              <a:rPr lang="en-US" sz="2400" dirty="0"/>
+              <a:t> </a:t>
+            </a:r>
+            <a:r>
+              <a:rPr lang="en-US" sz="2400" dirty="0" err="1"/>
+              <a:t>navigateur</a:t>
+            </a:r>
+            <a:r>
+              <a:rPr lang="en-US" sz="2400" dirty="0"/>
+              <a:t>, </a:t>
+            </a:r>
+            <a:r>
+              <a:rPr lang="en-US" sz="2400" dirty="0" err="1"/>
+              <a:t>vous</a:t>
+            </a:r>
+            <a:r>
+              <a:rPr lang="en-US" sz="2400" dirty="0"/>
+              <a:t> </a:t>
+            </a:r>
+            <a:r>
+              <a:rPr lang="en-US" sz="2400" dirty="0" err="1"/>
+              <a:t>devrez</a:t>
+            </a:r>
+            <a:r>
+              <a:rPr lang="en-US" sz="2400" dirty="0"/>
+              <a:t> </a:t>
+            </a:r>
+            <a:r>
+              <a:rPr lang="en-US" sz="2400" dirty="0" err="1"/>
+              <a:t>recommencer</a:t>
+            </a:r>
+            <a:r>
+              <a:rPr lang="en-US" sz="2400" dirty="0"/>
+              <a:t> le test </a:t>
+            </a:r>
+            <a:r>
+              <a:rPr lang="en-US" sz="2400" dirty="0" err="1"/>
+              <a:t>depuis</a:t>
+            </a:r>
+            <a:r>
+              <a:rPr lang="en-US" sz="2400" dirty="0"/>
+              <a:t> la début…</a:t>
+            </a:r>
+            <a:endParaRPr lang="en-GB" sz="2400" b="1" dirty="0"/>
+          </a:p>
+        </p:txBody>
+      </p:sp>
+    </p:spTree>
+    <p:extLst>
+      <p:ext uri="{BB962C8B-B14F-4D97-AF65-F5344CB8AC3E}">
+        <p14:creationId xmlns:p14="http://schemas.microsoft.com/office/powerpoint/2010/main" val="3731612808"/>
+      </p:ext>
+    </p:extLst>
+  </p:cSld>
+  <p:clrMapOvr>
+    <a:masterClrMapping/>
+  </p:clrMapOvr>
+</p:sld>
+</file>
+
+<file path=ppt/slides/slide33.xml><?xml version="1.0" encoding="utf-8"?>
+<p:sld xmlns:a="http://schemas.openxmlformats.org/drawingml/2006/main" xmlns:r="http://schemas.openxmlformats.org/officeDocument/2006/relationships" xmlns:p="http://schemas.openxmlformats.org/presentationml/2006/main">
+  <p:cSld>
+    <p:spTree>
+      <p:nvGrpSpPr>
+        <p:cNvPr id="1" name=""/>
+        <p:cNvGrpSpPr/>
+        <p:nvPr/>
+      </p:nvGrpSpPr>
+      <p:grpSpPr>
+        <a:xfrm>
+          <a:off x="0" y="0"/>
+          <a:ext cx="0" cy="0"/>
+          <a:chOff x="0" y="0"/>
+          <a:chExt cx="0" cy="0"/>
+        </a:xfrm>
+      </p:grpSpPr>
+      <p:sp>
+        <p:nvSpPr>
+          <p:cNvPr id="5" name="ZoneTexte 4"/>
+          <p:cNvSpPr txBox="1"/>
+          <p:nvPr/>
+        </p:nvSpPr>
+        <p:spPr>
+          <a:xfrm>
+            <a:off x="3557275" y="379385"/>
+            <a:ext cx="5077450" cy="461665"/>
+          </a:xfrm>
+          <a:prstGeom prst="rect">
+            <a:avLst/>
+          </a:prstGeom>
+          <a:noFill/>
+          <a:ln>
+            <a:noFill/>
+          </a:ln>
+        </p:spPr>
+        <p:txBody>
+          <a:bodyPr wrap="square" rtlCol="0" anchor="ctr">
+            <a:spAutoFit/>
+          </a:bodyPr>
+          <a:lstStyle/>
+          <a:p>
+            <a:pPr algn="ctr">
+              <a:spcBef>
+                <a:spcPts val="1800"/>
+              </a:spcBef>
+              <a:spcAft>
+                <a:spcPts val="1800"/>
+              </a:spcAft>
+            </a:pPr>
+            <a:r>
+              <a:rPr lang="en-GB" sz="2400" b="1" dirty="0">
+                <a:solidFill>
+                  <a:srgbClr val="0070C0"/>
+                </a:solidFill>
+              </a:rPr>
               <a:t>UNE PETITE VARIATION</a:t>
             </a:r>
           </a:p>
@@ -13654,7 +13569,7 @@
 </p:sld>
 </file>
 
-<file path=ppt/slides/slide33.xml><?xml version="1.0" encoding="utf-8"?>
+<file path=ppt/slides/slide34.xml><?xml version="1.0" encoding="utf-8"?>
 <p:sld xmlns:a="http://schemas.openxmlformats.org/drawingml/2006/main" xmlns:r="http://schemas.openxmlformats.org/officeDocument/2006/relationships" xmlns:p="http://schemas.openxmlformats.org/presentationml/2006/main">
   <p:cSld>
     <p:spTree>
@@ -14051,7 +13966,7 @@
 </p:sld>
 </file>
 
-<file path=ppt/slides/slide34.xml><?xml version="1.0" encoding="utf-8"?>
+<file path=ppt/slides/slide35.xml><?xml version="1.0" encoding="utf-8"?>
 <p:sld xmlns:a="http://schemas.openxmlformats.org/drawingml/2006/main" xmlns:r="http://schemas.openxmlformats.org/officeDocument/2006/relationships" xmlns:p="http://schemas.openxmlformats.org/presentationml/2006/main">
   <p:cSld>
     <p:spTree>
@@ -14188,7 +14103,7 @@
             </a:pPr>
             <a:r>
               <a:rPr lang="fr-FR" sz="2400" dirty="0"/>
-              <a:t>Nous vous montrerons la grille une fois et puis vous demanderons d’imaginer combien d’effort cela vous demanderait pour atteindre différents scores.</a:t>
+              <a:t>Nous vous montrerons la grille une fois et puis nous vous demanderons d’imaginer combien d’effort cela vous demanderait pour atteindre différents scores.</a:t>
             </a:r>
           </a:p>
           <a:p>
@@ -14246,6 +14161,489 @@
 </file>
 
 <file path=ppt/slides/slide4.xml><?xml version="1.0" encoding="utf-8"?>
+<p:sld xmlns:a="http://schemas.openxmlformats.org/drawingml/2006/main" xmlns:r="http://schemas.openxmlformats.org/officeDocument/2006/relationships" xmlns:p="http://schemas.openxmlformats.org/presentationml/2006/main">
+  <p:cSld>
+    <p:spTree>
+      <p:nvGrpSpPr>
+        <p:cNvPr id="1" name=""/>
+        <p:cNvGrpSpPr/>
+        <p:nvPr/>
+      </p:nvGrpSpPr>
+      <p:grpSpPr>
+        <a:xfrm>
+          <a:off x="0" y="0"/>
+          <a:ext cx="0" cy="0"/>
+          <a:chOff x="0" y="0"/>
+          <a:chExt cx="0" cy="0"/>
+        </a:xfrm>
+      </p:grpSpPr>
+      <p:sp>
+        <p:nvSpPr>
+          <p:cNvPr id="5" name="ZoneTexte 4"/>
+          <p:cNvSpPr txBox="1"/>
+          <p:nvPr/>
+        </p:nvSpPr>
+        <p:spPr>
+          <a:xfrm>
+            <a:off x="3878093" y="194719"/>
+            <a:ext cx="4435815" cy="830997"/>
+          </a:xfrm>
+          <a:prstGeom prst="rect">
+            <a:avLst/>
+          </a:prstGeom>
+          <a:noFill/>
+          <a:ln>
+            <a:noFill/>
+          </a:ln>
+        </p:spPr>
+        <p:txBody>
+          <a:bodyPr wrap="square" rtlCol="0" anchor="ctr">
+            <a:spAutoFit/>
+          </a:bodyPr>
+          <a:lstStyle/>
+          <a:p>
+            <a:pPr algn="ctr">
+              <a:spcBef>
+                <a:spcPts val="1800"/>
+              </a:spcBef>
+              <a:spcAft>
+                <a:spcPts val="1800"/>
+              </a:spcAft>
+            </a:pPr>
+            <a:r>
+              <a:rPr lang="en-GB" sz="2400" b="1" dirty="0">
+                <a:solidFill>
+                  <a:srgbClr val="0070C0"/>
+                </a:solidFill>
+              </a:rPr>
+              <a:t>LES EXERCICES DE MEMOIRE : PRINCIPE</a:t>
+            </a:r>
+          </a:p>
+        </p:txBody>
+      </p:sp>
+      <p:sp>
+        <p:nvSpPr>
+          <p:cNvPr id="7" name="ZoneTexte 6"/>
+          <p:cNvSpPr txBox="1"/>
+          <p:nvPr/>
+        </p:nvSpPr>
+        <p:spPr>
+          <a:xfrm>
+            <a:off x="1874195" y="1346863"/>
+            <a:ext cx="8443609" cy="2015936"/>
+          </a:xfrm>
+          <a:prstGeom prst="rect">
+            <a:avLst/>
+          </a:prstGeom>
+          <a:noFill/>
+        </p:spPr>
+        <p:txBody>
+          <a:bodyPr wrap="square" rtlCol="0">
+            <a:spAutoFit/>
+          </a:bodyPr>
+          <a:lstStyle/>
+          <a:p>
+            <a:pPr algn="ctr">
+              <a:spcAft>
+                <a:spcPts val="600"/>
+              </a:spcAft>
+            </a:pPr>
+            <a:r>
+              <a:rPr lang="en-GB" sz="2400" dirty="0" err="1"/>
+              <a:t>Lors</a:t>
+            </a:r>
+            <a:r>
+              <a:rPr lang="en-GB" sz="2400" dirty="0"/>
+              <a:t> de </a:t>
+            </a:r>
+            <a:r>
+              <a:rPr lang="en-GB" sz="2400" dirty="0" err="1"/>
+              <a:t>chaque</a:t>
+            </a:r>
+            <a:r>
+              <a:rPr lang="en-GB" sz="2400" dirty="0"/>
+              <a:t> exercise de </a:t>
+            </a:r>
+            <a:r>
+              <a:rPr lang="en-GB" sz="2400" dirty="0" err="1"/>
+              <a:t>mémoire</a:t>
+            </a:r>
+            <a:r>
+              <a:rPr lang="en-GB" sz="2400" dirty="0"/>
+              <a:t>, </a:t>
+            </a:r>
+            <a:r>
+              <a:rPr lang="en-GB" sz="2400" dirty="0" err="1"/>
+              <a:t>vous</a:t>
+            </a:r>
+            <a:r>
+              <a:rPr lang="en-GB" sz="2400" dirty="0"/>
+              <a:t> </a:t>
+            </a:r>
+            <a:r>
+              <a:rPr lang="en-GB" sz="2400" dirty="0" err="1"/>
+              <a:t>devrez</a:t>
+            </a:r>
+            <a:r>
+              <a:rPr lang="en-GB" sz="2400" dirty="0"/>
+              <a:t> </a:t>
+            </a:r>
+            <a:r>
+              <a:rPr lang="en-GB" sz="2400" dirty="0" err="1"/>
+              <a:t>vous</a:t>
+            </a:r>
+            <a:r>
+              <a:rPr lang="en-GB" sz="2400" dirty="0"/>
+              <a:t> souvenir de la position de 8 </a:t>
+            </a:r>
+            <a:r>
+              <a:rPr lang="en-GB" sz="2400" dirty="0" err="1"/>
+              <a:t>paires</a:t>
+            </a:r>
+            <a:r>
+              <a:rPr lang="en-GB" sz="2400" dirty="0"/>
+              <a:t> de </a:t>
+            </a:r>
+            <a:r>
+              <a:rPr lang="en-GB" sz="2400" dirty="0" err="1"/>
+              <a:t>chiffres</a:t>
+            </a:r>
+            <a:r>
+              <a:rPr lang="en-GB" sz="2400" dirty="0"/>
+              <a:t> </a:t>
+            </a:r>
+            <a:r>
+              <a:rPr lang="en-GB" sz="2400" dirty="0" err="1"/>
+              <a:t>disposés</a:t>
+            </a:r>
+            <a:r>
+              <a:rPr lang="en-GB" sz="2400" dirty="0"/>
+              <a:t> sur </a:t>
+            </a:r>
+            <a:r>
+              <a:rPr lang="en-GB" sz="2400" dirty="0" err="1"/>
+              <a:t>une</a:t>
+            </a:r>
+            <a:r>
+              <a:rPr lang="en-GB" sz="2400" dirty="0"/>
+              <a:t> grille </a:t>
+            </a:r>
+            <a:r>
+              <a:rPr lang="en-GB" sz="2400" dirty="0" err="1"/>
+              <a:t>carrée</a:t>
+            </a:r>
+            <a:r>
+              <a:rPr lang="en-GB" sz="2400" dirty="0"/>
+              <a:t>.</a:t>
+            </a:r>
+          </a:p>
+          <a:p>
+            <a:pPr algn="ctr">
+              <a:spcAft>
+                <a:spcPts val="600"/>
+              </a:spcAft>
+            </a:pPr>
+            <a:r>
+              <a:rPr lang="en-GB" sz="2400" dirty="0"/>
+              <a:t>Dans </a:t>
+            </a:r>
+            <a:r>
+              <a:rPr lang="en-GB" sz="2400" dirty="0" err="1"/>
+              <a:t>l’exemple</a:t>
+            </a:r>
+            <a:r>
+              <a:rPr lang="en-GB" sz="2400" dirty="0"/>
+              <a:t> </a:t>
+            </a:r>
+            <a:r>
+              <a:rPr lang="en-GB" sz="2400" dirty="0" err="1"/>
+              <a:t>suivant</a:t>
+            </a:r>
+            <a:r>
+              <a:rPr lang="en-GB" sz="2400" dirty="0"/>
+              <a:t>, les deux chiffres “1” </a:t>
+            </a:r>
+            <a:r>
+              <a:rPr lang="en-GB" sz="2400" dirty="0" err="1"/>
+              <a:t>forment</a:t>
+            </a:r>
+            <a:r>
+              <a:rPr lang="en-GB" sz="2400" dirty="0"/>
+              <a:t> </a:t>
+            </a:r>
+            <a:r>
+              <a:rPr lang="en-GB" sz="2400" dirty="0" err="1"/>
+              <a:t>une</a:t>
+            </a:r>
+            <a:r>
+              <a:rPr lang="en-GB" sz="2400" dirty="0"/>
+              <a:t> </a:t>
+            </a:r>
+            <a:r>
+              <a:rPr lang="en-GB" sz="2400" dirty="0" err="1"/>
+              <a:t>paire</a:t>
+            </a:r>
+            <a:r>
+              <a:rPr lang="en-GB" sz="2400" dirty="0"/>
+              <a:t>, </a:t>
+            </a:r>
+            <a:r>
+              <a:rPr lang="en-GB" sz="2400" dirty="0" err="1"/>
+              <a:t>dont</a:t>
+            </a:r>
+            <a:r>
+              <a:rPr lang="en-GB" sz="2400" dirty="0"/>
+              <a:t> </a:t>
+            </a:r>
+            <a:r>
+              <a:rPr lang="en-GB" sz="2400" dirty="0" err="1"/>
+              <a:t>chaque</a:t>
+            </a:r>
+            <a:r>
+              <a:rPr lang="en-GB" sz="2400" dirty="0"/>
+              <a:t> element </a:t>
+            </a:r>
+            <a:r>
+              <a:rPr lang="en-GB" sz="2400" dirty="0" err="1"/>
+              <a:t>est</a:t>
+            </a:r>
+            <a:r>
+              <a:rPr lang="en-GB" sz="2400" dirty="0"/>
+              <a:t> </a:t>
+            </a:r>
+            <a:r>
+              <a:rPr lang="en-GB" sz="2400" dirty="0" err="1"/>
+              <a:t>positionné</a:t>
+            </a:r>
+            <a:r>
+              <a:rPr lang="en-GB" sz="2400" dirty="0"/>
+              <a:t> sur un emplacement de la grille: </a:t>
+            </a:r>
+          </a:p>
+        </p:txBody>
+      </p:sp>
+      <p:grpSp>
+        <p:nvGrpSpPr>
+          <p:cNvPr id="2" name="Groupe 1"/>
+          <p:cNvGrpSpPr/>
+          <p:nvPr/>
+        </p:nvGrpSpPr>
+        <p:grpSpPr>
+          <a:xfrm>
+            <a:off x="4807226" y="3724111"/>
+            <a:ext cx="2553693" cy="2475203"/>
+            <a:chOff x="4807226" y="3724111"/>
+            <a:chExt cx="2553693" cy="2475203"/>
+          </a:xfrm>
+        </p:grpSpPr>
+        <p:grpSp>
+          <p:nvGrpSpPr>
+            <p:cNvPr id="4" name="Groupe 3"/>
+            <p:cNvGrpSpPr/>
+            <p:nvPr/>
+          </p:nvGrpSpPr>
+          <p:grpSpPr>
+            <a:xfrm>
+              <a:off x="4807226" y="3724111"/>
+              <a:ext cx="2553693" cy="2475203"/>
+              <a:chOff x="4807226" y="3724111"/>
+              <a:chExt cx="2553693" cy="2475203"/>
+            </a:xfrm>
+          </p:grpSpPr>
+          <p:pic>
+            <p:nvPicPr>
+              <p:cNvPr id="12" name="Picture 1">
+                <a:extLst>
+                  <a:ext uri="{FF2B5EF4-FFF2-40B4-BE49-F238E27FC236}">
+                    <a16:creationId xmlns:a16="http://schemas.microsoft.com/office/drawing/2014/main" id="{88F87B56-3A1F-46ED-B0F7-1E813590C499}"/>
+                  </a:ext>
+                </a:extLst>
+              </p:cNvPr>
+              <p:cNvPicPr>
+                <a:picLocks noChangeAspect="1"/>
+              </p:cNvPicPr>
+              <p:nvPr/>
+            </p:nvPicPr>
+            <p:blipFill rotWithShape="1">
+              <a:blip r:embed="rId2"/>
+              <a:srcRect l="25294" t="16027" r="25294" b="12133"/>
+              <a:stretch/>
+            </p:blipFill>
+            <p:spPr>
+              <a:xfrm>
+                <a:off x="4807226" y="3724111"/>
+                <a:ext cx="2553693" cy="2475203"/>
+              </a:xfrm>
+              <a:prstGeom prst="rect">
+                <a:avLst/>
+              </a:prstGeom>
+            </p:spPr>
+          </p:pic>
+          <p:pic>
+            <p:nvPicPr>
+              <p:cNvPr id="13" name="Picture 1">
+                <a:extLst>
+                  <a:ext uri="{FF2B5EF4-FFF2-40B4-BE49-F238E27FC236}">
+                    <a16:creationId xmlns:a16="http://schemas.microsoft.com/office/drawing/2014/main" id="{88F87B56-3A1F-46ED-B0F7-1E813590C499}"/>
+                  </a:ext>
+                </a:extLst>
+              </p:cNvPr>
+              <p:cNvPicPr>
+                <a:picLocks noChangeAspect="1"/>
+              </p:cNvPicPr>
+              <p:nvPr/>
+            </p:nvPicPr>
+            <p:blipFill rotWithShape="1">
+              <a:blip r:embed="rId2"/>
+              <a:srcRect l="49823" t="69829" r="37838" b="12205"/>
+              <a:stretch/>
+            </p:blipFill>
+            <p:spPr>
+              <a:xfrm>
+                <a:off x="6072272" y="4325560"/>
+                <a:ext cx="637735" cy="618978"/>
+              </a:xfrm>
+              <a:prstGeom prst="rect">
+                <a:avLst/>
+              </a:prstGeom>
+            </p:spPr>
+          </p:pic>
+        </p:grpSp>
+        <p:sp>
+          <p:nvSpPr>
+            <p:cNvPr id="6" name="Rectangle 5"/>
+            <p:cNvSpPr/>
+            <p:nvPr/>
+          </p:nvSpPr>
+          <p:spPr>
+            <a:xfrm>
+              <a:off x="6160294" y="4405464"/>
+              <a:ext cx="469106" cy="464191"/>
+            </a:xfrm>
+            <a:prstGeom prst="rect">
+              <a:avLst/>
+            </a:prstGeom>
+            <a:solidFill>
+              <a:schemeClr val="bg1"/>
+            </a:solidFill>
+            <a:ln>
+              <a:solidFill>
+                <a:schemeClr val="bg1"/>
+              </a:solidFill>
+            </a:ln>
+          </p:spPr>
+          <p:style>
+            <a:lnRef idx="2">
+              <a:schemeClr val="accent1">
+                <a:shade val="50000"/>
+              </a:schemeClr>
+            </a:lnRef>
+            <a:fillRef idx="1">
+              <a:schemeClr val="accent1"/>
+            </a:fillRef>
+            <a:effectRef idx="0">
+              <a:schemeClr val="accent1"/>
+            </a:effectRef>
+            <a:fontRef idx="minor">
+              <a:schemeClr val="lt1"/>
+            </a:fontRef>
+          </p:style>
+          <p:txBody>
+            <a:bodyPr rtlCol="0" anchor="ctr"/>
+            <a:lstStyle/>
+            <a:p>
+              <a:pPr algn="ctr"/>
+              <a:r>
+                <a:rPr lang="en-GB" sz="2800" dirty="0">
+                  <a:solidFill>
+                    <a:schemeClr val="tx1"/>
+                  </a:solidFill>
+                </a:rPr>
+                <a:t>1</a:t>
+              </a:r>
+              <a:endParaRPr lang="en-GB" dirty="0">
+                <a:solidFill>
+                  <a:schemeClr val="tx1"/>
+                </a:solidFill>
+              </a:endParaRPr>
+            </a:p>
+          </p:txBody>
+        </p:sp>
+        <p:sp>
+          <p:nvSpPr>
+            <p:cNvPr id="10" name="Rectangle 9"/>
+            <p:cNvSpPr/>
+            <p:nvPr/>
+          </p:nvSpPr>
+          <p:spPr>
+            <a:xfrm>
+              <a:off x="6156586" y="5662764"/>
+              <a:ext cx="469106" cy="464191"/>
+            </a:xfrm>
+            <a:prstGeom prst="rect">
+              <a:avLst/>
+            </a:prstGeom>
+            <a:solidFill>
+              <a:schemeClr val="bg1"/>
+            </a:solidFill>
+            <a:ln>
+              <a:solidFill>
+                <a:schemeClr val="bg1"/>
+              </a:solidFill>
+            </a:ln>
+          </p:spPr>
+          <p:style>
+            <a:lnRef idx="2">
+              <a:schemeClr val="accent1">
+                <a:shade val="50000"/>
+              </a:schemeClr>
+            </a:lnRef>
+            <a:fillRef idx="1">
+              <a:schemeClr val="accent1"/>
+            </a:fillRef>
+            <a:effectRef idx="0">
+              <a:schemeClr val="accent1"/>
+            </a:effectRef>
+            <a:fontRef idx="minor">
+              <a:schemeClr val="lt1"/>
+            </a:fontRef>
+          </p:style>
+          <p:txBody>
+            <a:bodyPr rtlCol="0" anchor="ctr"/>
+            <a:lstStyle/>
+            <a:p>
+              <a:pPr algn="ctr"/>
+              <a:r>
+                <a:rPr lang="en-GB" sz="2800" dirty="0">
+                  <a:solidFill>
+                    <a:schemeClr val="tx1"/>
+                  </a:solidFill>
+                </a:rPr>
+                <a:t>1</a:t>
+              </a:r>
+              <a:endParaRPr lang="en-GB" dirty="0">
+                <a:solidFill>
+                  <a:schemeClr val="tx1"/>
+                </a:solidFill>
+              </a:endParaRPr>
+            </a:p>
+          </p:txBody>
+        </p:sp>
+      </p:grpSp>
+    </p:spTree>
+    <p:extLst>
+      <p:ext uri="{BB962C8B-B14F-4D97-AF65-F5344CB8AC3E}">
+        <p14:creationId xmlns:p14="http://schemas.microsoft.com/office/powerpoint/2010/main" val="1917199260"/>
+      </p:ext>
+    </p:extLst>
+  </p:cSld>
+  <p:clrMapOvr>
+    <a:masterClrMapping/>
+  </p:clrMapOvr>
+</p:sld>
+</file>
+
+<file path=ppt/slides/slide5.xml><?xml version="1.0" encoding="utf-8"?>
 <p:sld xmlns:a="http://schemas.openxmlformats.org/drawingml/2006/main" xmlns:r="http://schemas.openxmlformats.org/officeDocument/2006/relationships" xmlns:p="http://schemas.openxmlformats.org/presentationml/2006/main">
   <p:cSld>
     <p:spTree>
@@ -14759,156 +15157,6 @@
 </p:sld>
 </file>
 
-<file path=ppt/slides/slide5.xml><?xml version="1.0" encoding="utf-8"?>
-<p:sld xmlns:a="http://schemas.openxmlformats.org/drawingml/2006/main" xmlns:r="http://schemas.openxmlformats.org/officeDocument/2006/relationships" xmlns:p="http://schemas.openxmlformats.org/presentationml/2006/main">
-  <p:cSld>
-    <p:spTree>
-      <p:nvGrpSpPr>
-        <p:cNvPr id="1" name=""/>
-        <p:cNvGrpSpPr/>
-        <p:nvPr/>
-      </p:nvGrpSpPr>
-      <p:grpSpPr>
-        <a:xfrm>
-          <a:off x="0" y="0"/>
-          <a:ext cx="0" cy="0"/>
-          <a:chOff x="0" y="0"/>
-          <a:chExt cx="0" cy="0"/>
-        </a:xfrm>
-      </p:grpSpPr>
-      <p:sp>
-        <p:nvSpPr>
-          <p:cNvPr id="7" name="ZoneTexte 6"/>
-          <p:cNvSpPr txBox="1"/>
-          <p:nvPr/>
-        </p:nvSpPr>
-        <p:spPr>
-          <a:xfrm>
-            <a:off x="1874195" y="1737755"/>
-            <a:ext cx="8443609" cy="4093428"/>
-          </a:xfrm>
-          <a:prstGeom prst="rect">
-            <a:avLst/>
-          </a:prstGeom>
-          <a:noFill/>
-        </p:spPr>
-        <p:txBody>
-          <a:bodyPr wrap="square" rtlCol="0">
-            <a:spAutoFit/>
-          </a:bodyPr>
-          <a:lstStyle/>
-          <a:p>
-            <a:pPr algn="ctr">
-              <a:spcAft>
-                <a:spcPts val="1200"/>
-              </a:spcAft>
-            </a:pPr>
-            <a:r>
-              <a:rPr lang="fr-FR" sz="2400" dirty="0"/>
-              <a:t>Pour réussir un exercice, il vous faudra donner un certain nombre de réponses correctes : c’est ce que nous appelons </a:t>
-            </a:r>
-            <a:r>
-              <a:rPr lang="fr-FR" sz="2400" b="1" dirty="0"/>
-              <a:t>le score cible </a:t>
-            </a:r>
-            <a:r>
-              <a:rPr lang="fr-FR" sz="2400" dirty="0"/>
-              <a:t>d’un exercice.</a:t>
-            </a:r>
-          </a:p>
-          <a:p>
-            <a:pPr algn="ctr">
-              <a:spcAft>
-                <a:spcPts val="1200"/>
-              </a:spcAft>
-            </a:pPr>
-            <a:r>
-              <a:rPr lang="fr-FR" sz="2400" dirty="0"/>
-              <a:t>Certains exercices vous paraîtront faciles, parce que le score cible sera faible (4 par exemple). D’autres vous paraîtront plus difficiles, parce que le score cible sera élevé (7 ou 8). </a:t>
-            </a:r>
-          </a:p>
-          <a:p>
-            <a:pPr algn="ctr">
-              <a:spcAft>
-                <a:spcPts val="1200"/>
-              </a:spcAft>
-            </a:pPr>
-            <a:r>
-              <a:rPr lang="fr-FR" sz="2400" dirty="0"/>
-              <a:t>Nous vous indiquerons le score cible au début de chaque exercice. Vous aurez la possibilité de doser votre effort de mémorisation en visualisant l’emplacement des 8 paires de chiffres autant de fois que vous le souhaitez, avant de démarrer la phase de test. </a:t>
-            </a:r>
-          </a:p>
-        </p:txBody>
-      </p:sp>
-      <p:sp>
-        <p:nvSpPr>
-          <p:cNvPr id="10" name="ZoneTexte 9"/>
-          <p:cNvSpPr txBox="1"/>
-          <p:nvPr/>
-        </p:nvSpPr>
-        <p:spPr>
-          <a:xfrm>
-            <a:off x="3878093" y="194719"/>
-            <a:ext cx="4435815" cy="830997"/>
-          </a:xfrm>
-          <a:prstGeom prst="rect">
-            <a:avLst/>
-          </a:prstGeom>
-          <a:noFill/>
-          <a:ln>
-            <a:noFill/>
-          </a:ln>
-        </p:spPr>
-        <p:txBody>
-          <a:bodyPr wrap="square" rtlCol="0" anchor="ctr">
-            <a:spAutoFit/>
-          </a:bodyPr>
-          <a:lstStyle/>
-          <a:p>
-            <a:pPr algn="ctr">
-              <a:spcBef>
-                <a:spcPts val="1800"/>
-              </a:spcBef>
-            </a:pPr>
-            <a:r>
-              <a:rPr lang="en-GB" sz="2400" b="1" dirty="0">
-                <a:solidFill>
-                  <a:srgbClr val="0070C0"/>
-                </a:solidFill>
-              </a:rPr>
-              <a:t>LES EXERCICES DE MEMOIRE :</a:t>
-            </a:r>
-          </a:p>
-          <a:p>
-            <a:pPr algn="ctr">
-              <a:spcAft>
-                <a:spcPts val="1800"/>
-              </a:spcAft>
-            </a:pPr>
-            <a:r>
-              <a:rPr lang="en-GB" sz="2400" b="1" dirty="0">
-                <a:solidFill>
-                  <a:srgbClr val="0070C0"/>
-                </a:solidFill>
-              </a:rPr>
-              <a:t>LE SCORE CIBLE</a:t>
-            </a:r>
-          </a:p>
-        </p:txBody>
-      </p:sp>
-    </p:spTree>
-    <p:extLst>
-      <p:ext uri="{BB962C8B-B14F-4D97-AF65-F5344CB8AC3E}">
-        <p14:creationId xmlns:p14="http://schemas.microsoft.com/office/powerpoint/2010/main" val="2559405358"/>
-      </p:ext>
-    </p:extLst>
-  </p:cSld>
-  <p:clrMapOvr>
-    <a:masterClrMapping/>
-  </p:clrMapOvr>
-</p:sld>
-</file>
-
 <file path=ppt/slides/slide6.xml><?xml version="1.0" encoding="utf-8"?>
 <p:sld xmlns:a="http://schemas.openxmlformats.org/drawingml/2006/main" xmlns:r="http://schemas.openxmlformats.org/officeDocument/2006/relationships" xmlns:p="http://schemas.openxmlformats.org/presentationml/2006/main">
   <p:cSld>
@@ -14928,13 +15176,77 @@
       </p:grpSpPr>
       <p:sp>
         <p:nvSpPr>
-          <p:cNvPr id="5" name="ZoneTexte 4"/>
+          <p:cNvPr id="7" name="ZoneTexte 6"/>
           <p:cNvSpPr txBox="1"/>
           <p:nvPr/>
         </p:nvSpPr>
         <p:spPr>
           <a:xfrm>
-            <a:off x="3878098" y="194719"/>
+            <a:off x="1874195" y="1737755"/>
+            <a:ext cx="8443609" cy="4093428"/>
+          </a:xfrm>
+          <a:prstGeom prst="rect">
+            <a:avLst/>
+          </a:prstGeom>
+          <a:noFill/>
+        </p:spPr>
+        <p:txBody>
+          <a:bodyPr wrap="square" rtlCol="0">
+            <a:spAutoFit/>
+          </a:bodyPr>
+          <a:lstStyle/>
+          <a:p>
+            <a:pPr algn="ctr">
+              <a:spcAft>
+                <a:spcPts val="1200"/>
+              </a:spcAft>
+            </a:pPr>
+            <a:r>
+              <a:rPr lang="fr-FR" sz="2400" dirty="0"/>
+              <a:t>Pour réussir un exercice, il vous faudra donner un certain nombre de réponses correctes : c’est ce que nous appelons </a:t>
+            </a:r>
+            <a:r>
+              <a:rPr lang="fr-FR" sz="2400" b="1" dirty="0"/>
+              <a:t>le score cible </a:t>
+            </a:r>
+            <a:r>
+              <a:rPr lang="fr-FR" sz="2400" dirty="0"/>
+              <a:t>d’un exercice.</a:t>
+            </a:r>
+          </a:p>
+          <a:p>
+            <a:pPr algn="ctr">
+              <a:spcAft>
+                <a:spcPts val="1200"/>
+              </a:spcAft>
+            </a:pPr>
+            <a:r>
+              <a:rPr lang="fr-FR" sz="2400" dirty="0"/>
+              <a:t>Certains exercices vous paraîtront faciles, parce que le score cible sera faible (4 par exemple). D’autres vous paraîtront plus difficiles, parce que le score cible sera élevé (7 ou 8). </a:t>
+            </a:r>
+          </a:p>
+          <a:p>
+            <a:pPr algn="ctr">
+              <a:spcAft>
+                <a:spcPts val="1200"/>
+              </a:spcAft>
+            </a:pPr>
+            <a:r>
+              <a:rPr lang="fr-FR" sz="2400" dirty="0"/>
+              <a:t>Nous vous indiquerons le score cible au début de chaque exercice. Vous aurez la possibilité de doser votre effort de mémorisation en visualisant l’emplacement des 8 paires de chiffres autant de fois que vous le souhaitez, avant de démarrer la phase de test. </a:t>
+            </a:r>
+          </a:p>
+        </p:txBody>
+      </p:sp>
+      <p:sp>
+        <p:nvSpPr>
+          <p:cNvPr id="10" name="ZoneTexte 9"/>
+          <p:cNvSpPr txBox="1"/>
+          <p:nvPr/>
+        </p:nvSpPr>
+        <p:spPr>
+          <a:xfrm>
+            <a:off x="3878093" y="194719"/>
             <a:ext cx="4435815" cy="830997"/>
           </a:xfrm>
           <a:prstGeom prst="rect">
@@ -14951,9 +15263,13 @@
           </a:bodyPr>
           <a:lstStyle/>
           <a:p>
-            <a:pPr algn="ctr"/>
-            <a:r>
-              <a:rPr lang="fr-FR" sz="2400" b="1" dirty="0">
+            <a:pPr algn="ctr">
+              <a:spcBef>
+                <a:spcPts val="1800"/>
+              </a:spcBef>
+            </a:pPr>
+            <a:r>
+              <a:rPr lang="en-GB" sz="2400" b="1" dirty="0">
                 <a:solidFill>
                   <a:srgbClr val="0070C0"/>
                 </a:solidFill>
@@ -14968,104 +15284,12 @@
               </a:spcAft>
             </a:pPr>
             <a:r>
-              <a:rPr lang="fr-FR" sz="2400" b="1" dirty="0">
+              <a:rPr lang="en-GB" sz="2400" b="1" dirty="0">
                 <a:solidFill>
                   <a:srgbClr val="0070C0"/>
                 </a:solidFill>
               </a:rPr>
-              <a:t>AUTO-ÉVALUATION</a:t>
-            </a:r>
-            <a:endParaRPr lang="en-GB" sz="2400" b="1" dirty="0">
-              <a:solidFill>
-                <a:srgbClr val="0070C0"/>
-              </a:solidFill>
-            </a:endParaRPr>
-          </a:p>
-        </p:txBody>
-      </p:sp>
-      <p:sp>
-        <p:nvSpPr>
-          <p:cNvPr id="7" name="ZoneTexte 6"/>
-          <p:cNvSpPr txBox="1"/>
-          <p:nvPr/>
-        </p:nvSpPr>
-        <p:spPr>
-          <a:xfrm>
-            <a:off x="1874195" y="1624292"/>
-            <a:ext cx="8443609" cy="4893647"/>
-          </a:xfrm>
-          <a:prstGeom prst="rect">
-            <a:avLst/>
-          </a:prstGeom>
-          <a:noFill/>
-        </p:spPr>
-        <p:txBody>
-          <a:bodyPr wrap="square" rtlCol="0">
-            <a:spAutoFit/>
-          </a:bodyPr>
-          <a:lstStyle/>
-          <a:p>
-            <a:pPr algn="ctr"/>
-            <a:r>
-              <a:rPr lang="en-GB" sz="2400" dirty="0"/>
-              <a:t>Au total, le test </a:t>
-            </a:r>
-            <a:r>
-              <a:rPr lang="en-GB" sz="2400" dirty="0" err="1"/>
-              <a:t>comprend</a:t>
-            </a:r>
-            <a:r>
-              <a:rPr lang="en-GB" sz="2400" dirty="0"/>
-              <a:t> 20 </a:t>
-            </a:r>
-            <a:r>
-              <a:rPr lang="fr-FR" sz="2400" dirty="0"/>
-              <a:t>exercices</a:t>
-            </a:r>
-            <a:r>
-              <a:rPr lang="en-GB" sz="2400" dirty="0"/>
-              <a:t> de </a:t>
-            </a:r>
-            <a:r>
-              <a:rPr lang="en-GB" sz="2400" dirty="0" err="1"/>
-              <a:t>mémoire</a:t>
-            </a:r>
-            <a:r>
-              <a:rPr lang="en-GB" sz="2400" dirty="0"/>
-              <a:t>.</a:t>
-            </a:r>
-          </a:p>
-          <a:p>
-            <a:pPr algn="ctr"/>
-            <a:endParaRPr lang="en-GB" sz="2400" dirty="0"/>
-          </a:p>
-          <a:p>
-            <a:pPr algn="ctr"/>
-            <a:r>
-              <a:rPr lang="fr-FR" sz="2400" dirty="0"/>
-              <a:t>Lors de chaque exercice de mémoire, vous adapterez votre effort pour essayer d’atteindre le score cible de l’exercice. Cela dit, vous ne serez pas toujours capable de réussir.</a:t>
-            </a:r>
-          </a:p>
-          <a:p>
-            <a:pPr algn="ctr"/>
-            <a:endParaRPr lang="fr-FR" sz="2400" dirty="0"/>
-          </a:p>
-          <a:p>
-            <a:pPr algn="ctr"/>
-            <a:r>
-              <a:rPr lang="fr-FR" sz="2400" dirty="0"/>
-              <a:t>A la fin de chaque exercice, nous vous demanderons donc de vous auto-évaluer. Ces auto-évaluations sont aussi importantes que la réussite des exercices !</a:t>
-            </a:r>
-          </a:p>
-          <a:p>
-            <a:pPr algn="ctr"/>
-            <a:endParaRPr lang="fr-FR" sz="2400" dirty="0"/>
-          </a:p>
-          <a:p>
-            <a:pPr algn="ctr"/>
-            <a:r>
-              <a:rPr lang="fr-FR" sz="2400" dirty="0"/>
-              <a:t>En plus de cette auto-évaluation, nous allons vous poser quelques questions supplémentaires. Nous allons maintenant vous détailler toutes les étapes des exercices de mémoire. </a:t>
+              <a:t>LE SCORE CIBLE</a:t>
             </a:r>
           </a:p>
         </p:txBody>
@@ -15073,7 +15297,7 @@
     </p:spTree>
     <p:extLst>
       <p:ext uri="{BB962C8B-B14F-4D97-AF65-F5344CB8AC3E}">
-        <p14:creationId xmlns:p14="http://schemas.microsoft.com/office/powerpoint/2010/main" val="205549586"/>
+        <p14:creationId xmlns:p14="http://schemas.microsoft.com/office/powerpoint/2010/main" val="2559405358"/>
       </p:ext>
     </p:extLst>
   </p:cSld>
@@ -15108,8 +15332,8 @@
         </p:nvSpPr>
         <p:spPr>
           <a:xfrm>
-            <a:off x="3576701" y="393899"/>
-            <a:ext cx="5038598" cy="461665"/>
+            <a:off x="3878098" y="194719"/>
+            <a:ext cx="4435815" cy="830997"/>
           </a:xfrm>
           <a:prstGeom prst="rect">
             <a:avLst/>
@@ -15125,22 +15349,35 @@
           </a:bodyPr>
           <a:lstStyle/>
           <a:p>
+            <a:pPr algn="ctr"/>
+            <a:r>
+              <a:rPr lang="fr-FR" sz="2400" b="1" dirty="0">
+                <a:solidFill>
+                  <a:srgbClr val="0070C0"/>
+                </a:solidFill>
+              </a:rPr>
+              <a:t>LES EXERCICES DE MEMOIRE :</a:t>
+            </a:r>
+          </a:p>
+          <a:p>
             <a:pPr algn="ctr">
-              <a:spcBef>
-                <a:spcPts val="1800"/>
-              </a:spcBef>
               <a:spcAft>
                 <a:spcPts val="1800"/>
               </a:spcAft>
             </a:pPr>
             <a:r>
-              <a:rPr lang="en-GB" sz="2400" b="1" dirty="0">
+              <a:rPr lang="fr-FR" sz="2400" b="1" dirty="0">
                 <a:solidFill>
                   <a:srgbClr val="0070C0"/>
                 </a:solidFill>
               </a:rPr>
-              <a:t>ETAPE 1 - AFFICHAGE DU SCORE CIBLE</a:t>
-            </a:r>
+              <a:t>AUTO-ÉVALUATION</a:t>
+            </a:r>
+            <a:endParaRPr lang="en-GB" sz="2400" b="1" dirty="0">
+              <a:solidFill>
+                <a:srgbClr val="0070C0"/>
+              </a:solidFill>
+            </a:endParaRPr>
           </a:p>
         </p:txBody>
       </p:sp>
@@ -15152,8 +15389,8 @@
         </p:nvSpPr>
         <p:spPr>
           <a:xfrm>
-            <a:off x="1874194" y="1243122"/>
-            <a:ext cx="8443609" cy="1200329"/>
+            <a:off x="1874195" y="1624292"/>
+            <a:ext cx="8443609" cy="4893647"/>
           </a:xfrm>
           <a:prstGeom prst="rect">
             <a:avLst/>
@@ -15166,151 +15403,75 @@
           </a:bodyPr>
           <a:lstStyle/>
           <a:p>
-            <a:pPr algn="ctr">
-              <a:spcAft>
-                <a:spcPts val="1200"/>
-              </a:spcAft>
-            </a:pPr>
+            <a:pPr algn="ctr"/>
+            <a:r>
+              <a:rPr lang="en-GB" sz="2400" dirty="0"/>
+              <a:t>Au total, le test </a:t>
+            </a:r>
+            <a:r>
+              <a:rPr lang="en-GB" sz="2400" dirty="0" err="1"/>
+              <a:t>comprend</a:t>
+            </a:r>
+            <a:r>
+              <a:rPr lang="en-GB" sz="2400" dirty="0"/>
+              <a:t> 20 </a:t>
+            </a:r>
             <a:r>
               <a:rPr lang="fr-FR" sz="2400" dirty="0"/>
-              <a:t>Au début de chaque exercice, nous vous indiquerons le numéro de l’exercice et le score cible (c’est-à-dire le nombre de réponses correctes que vous devrez donner pour réussir l’exercice). </a:t>
-            </a:r>
+              <a:t>exercices</a:t>
+            </a:r>
+            <a:r>
+              <a:rPr lang="en-GB" sz="2400" dirty="0"/>
+              <a:t> de </a:t>
+            </a:r>
+            <a:r>
+              <a:rPr lang="en-GB" sz="2400" dirty="0" err="1"/>
+              <a:t>mémoire</a:t>
+            </a:r>
+            <a:r>
+              <a:rPr lang="en-GB" sz="2400" dirty="0"/>
+              <a:t>.</a:t>
+            </a:r>
+          </a:p>
+          <a:p>
+            <a:pPr algn="ctr"/>
             <a:endParaRPr lang="en-GB" sz="2400" dirty="0"/>
           </a:p>
-        </p:txBody>
-      </p:sp>
-      <p:sp>
-        <p:nvSpPr>
-          <p:cNvPr id="9" name="Rectangle 8"/>
-          <p:cNvSpPr/>
-          <p:nvPr/>
-        </p:nvSpPr>
-        <p:spPr>
-          <a:xfrm>
-            <a:off x="3554499" y="3080749"/>
-            <a:ext cx="5083002" cy="3026364"/>
-          </a:xfrm>
-          <a:prstGeom prst="rect">
-            <a:avLst/>
-          </a:prstGeom>
-          <a:noFill/>
-          <a:ln w="76200">
-            <a:solidFill>
-              <a:schemeClr val="bg1">
-                <a:lumMod val="65000"/>
-              </a:schemeClr>
-            </a:solidFill>
-          </a:ln>
-        </p:spPr>
-        <p:style>
-          <a:lnRef idx="2">
-            <a:schemeClr val="accent1">
-              <a:shade val="50000"/>
-            </a:schemeClr>
-          </a:lnRef>
-          <a:fillRef idx="1">
-            <a:schemeClr val="accent1"/>
-          </a:fillRef>
-          <a:effectRef idx="0">
-            <a:schemeClr val="accent1"/>
-          </a:effectRef>
-          <a:fontRef idx="minor">
-            <a:schemeClr val="lt1"/>
-          </a:fontRef>
-        </p:style>
-        <p:txBody>
-          <a:bodyPr rtlCol="0" anchor="ctr"/>
-          <a:lstStyle/>
           <a:p>
             <a:pPr algn="ctr"/>
-            <a:endParaRPr lang="en-GB">
-              <a:solidFill>
-                <a:schemeClr val="tx1"/>
-              </a:solidFill>
-            </a:endParaRPr>
-          </a:p>
-        </p:txBody>
-      </p:sp>
-      <p:sp>
-        <p:nvSpPr>
-          <p:cNvPr id="11" name="ZoneTexte 9">
-            <a:extLst>
-              <a:ext uri="{FF2B5EF4-FFF2-40B4-BE49-F238E27FC236}">
-                <a16:creationId xmlns:a16="http://schemas.microsoft.com/office/drawing/2014/main" id="{C6521428-2C03-4866-9240-C0CA0E9FD4A9}"/>
-              </a:ext>
-            </a:extLst>
-          </p:cNvPr>
-          <p:cNvSpPr txBox="1"/>
-          <p:nvPr/>
-        </p:nvSpPr>
-        <p:spPr>
-          <a:xfrm>
-            <a:off x="4779798" y="3993766"/>
-            <a:ext cx="2632399" cy="1200329"/>
-          </a:xfrm>
-          <a:prstGeom prst="rect">
-            <a:avLst/>
-          </a:prstGeom>
-          <a:noFill/>
-        </p:spPr>
-        <p:txBody>
-          <a:bodyPr wrap="square" rtlCol="0">
-            <a:spAutoFit/>
-          </a:bodyPr>
-          <a:lstStyle/>
+            <a:r>
+              <a:rPr lang="fr-FR" sz="2400" dirty="0"/>
+              <a:t>Lors de chaque exercice de mémoire, vous adapterez votre effort pour essayer d’atteindre le score cible de l’exercice. Cela dit, vous ne serez pas toujours capable de réussir.</a:t>
+            </a:r>
+          </a:p>
           <a:p>
             <a:pPr algn="ctr"/>
-            <a:r>
-              <a:rPr lang="en-GB" sz="2400" dirty="0" err="1"/>
-              <a:t>Exercice</a:t>
-            </a:r>
-            <a:r>
-              <a:rPr lang="en-GB" sz="2400" dirty="0"/>
-              <a:t> </a:t>
-            </a:r>
-            <a:r>
-              <a:rPr lang="en-GB" sz="2400" dirty="0" err="1"/>
-              <a:t>numéro</a:t>
-            </a:r>
-            <a:r>
-              <a:rPr lang="en-GB" sz="2400" dirty="0"/>
-              <a:t>: </a:t>
-            </a:r>
-            <a:r>
-              <a:rPr lang="en-GB" sz="2400" b="1" dirty="0"/>
-              <a:t>6</a:t>
-            </a:r>
+            <a:endParaRPr lang="fr-FR" sz="2400" dirty="0"/>
           </a:p>
           <a:p>
             <a:pPr algn="ctr"/>
-            <a:endParaRPr lang="en-GB" sz="2400" b="1" dirty="0"/>
+            <a:r>
+              <a:rPr lang="fr-FR" sz="2400" dirty="0"/>
+              <a:t>A la fin de chaque exercice, nous vous demanderons donc de vous auto-évaluer. Ces auto-évaluations sont aussi importantes que la réussite des exercices !</a:t>
+            </a:r>
           </a:p>
           <a:p>
             <a:pPr algn="ctr"/>
-            <a:r>
-              <a:rPr lang="en-GB" sz="2400" dirty="0"/>
-              <a:t>Score </a:t>
-            </a:r>
-            <a:r>
-              <a:rPr lang="en-GB" sz="2400" dirty="0" err="1"/>
-              <a:t>cible</a:t>
-            </a:r>
-            <a:r>
-              <a:rPr lang="en-GB" sz="2400" dirty="0"/>
-              <a:t>: </a:t>
-            </a:r>
-            <a:r>
-              <a:rPr lang="en-GB" sz="2400" b="1" dirty="0"/>
-              <a:t>4</a:t>
-            </a:r>
-            <a:endParaRPr lang="en-GB" sz="2400" dirty="0"/>
+            <a:endParaRPr lang="fr-FR" sz="2400" dirty="0"/>
+          </a:p>
+          <a:p>
+            <a:pPr algn="ctr"/>
+            <a:r>
+              <a:rPr lang="fr-FR" sz="2400" dirty="0"/>
+              <a:t>En plus de cette auto-évaluation, nous allons vous poser quelques questions supplémentaires. Nous allons maintenant vous détailler toutes les étapes des exercices de mémoire. </a:t>
+            </a:r>
           </a:p>
         </p:txBody>
       </p:sp>
     </p:spTree>
     <p:extLst>
       <p:ext uri="{BB962C8B-B14F-4D97-AF65-F5344CB8AC3E}">
-        <p14:creationId xmlns:p14="http://schemas.microsoft.com/office/powerpoint/2010/main" val="4029809452"/>
+        <p14:creationId xmlns:p14="http://schemas.microsoft.com/office/powerpoint/2010/main" val="205549586"/>
       </p:ext>
     </p:extLst>
   </p:cSld>
@@ -15345,8 +15506,8 @@
         </p:nvSpPr>
         <p:spPr>
           <a:xfrm>
-            <a:off x="3103206" y="333892"/>
-            <a:ext cx="5985588" cy="461665"/>
+            <a:off x="3576701" y="393899"/>
+            <a:ext cx="5038598" cy="461665"/>
           </a:xfrm>
           <a:prstGeom prst="rect">
             <a:avLst/>
@@ -15371,18 +15532,13 @@
               </a:spcAft>
             </a:pPr>
             <a:r>
-              <a:rPr lang="fr-FR" sz="2400" b="1" dirty="0">
+              <a:rPr lang="en-GB" sz="2400" b="1" dirty="0">
                 <a:solidFill>
                   <a:srgbClr val="0070C0"/>
                 </a:solidFill>
               </a:rPr>
-              <a:t>ETAPE 2 - IMAGINATION DE L’EFFORT</a:t>
-            </a:r>
-            <a:endParaRPr lang="en-GB" sz="2400" b="1" dirty="0">
-              <a:solidFill>
-                <a:srgbClr val="0070C0"/>
-              </a:solidFill>
-            </a:endParaRPr>
+              <a:t>ETAPE 1 - AFFICHAGE DU SCORE CIBLE</a:t>
+            </a:r>
           </a:p>
         </p:txBody>
       </p:sp>
@@ -15394,8 +15550,8 @@
         </p:nvSpPr>
         <p:spPr>
           <a:xfrm>
-            <a:off x="1874195" y="999519"/>
-            <a:ext cx="8443609" cy="5524589"/>
+            <a:off x="1874194" y="1243122"/>
+            <a:ext cx="8443609" cy="1200329"/>
           </a:xfrm>
           <a:prstGeom prst="rect">
             <a:avLst/>
@@ -15414,97 +15570,145 @@
               </a:spcAft>
             </a:pPr>
             <a:r>
-              <a:rPr lang="fr-FR" sz="2300" dirty="0"/>
-              <a:t>Ensuite, nous allons vous demander d’imaginer combien d’effort cela vous demanderait pour atteindre le score cible. </a:t>
-            </a:r>
-          </a:p>
-          <a:p>
-            <a:pPr algn="ctr">
-              <a:spcAft>
-                <a:spcPts val="1200"/>
-              </a:spcAft>
-            </a:pPr>
-            <a:endParaRPr lang="fr-FR" sz="1400" dirty="0"/>
-          </a:p>
-          <a:p>
-            <a:pPr algn="ctr">
-              <a:spcAft>
-                <a:spcPts val="1200"/>
-              </a:spcAft>
-            </a:pPr>
-            <a:r>
-              <a:rPr lang="fr-FR" sz="2300" dirty="0"/>
-              <a:t>La question sera : </a:t>
-            </a:r>
-          </a:p>
-          <a:p>
-            <a:pPr algn="ctr">
-              <a:spcAft>
-                <a:spcPts val="1200"/>
-              </a:spcAft>
-            </a:pPr>
-            <a:r>
-              <a:rPr lang="fr-FR" sz="2300" dirty="0"/>
-              <a:t>« </a:t>
-            </a:r>
-            <a:r>
-              <a:rPr lang="fr-FR" sz="2300" b="1" dirty="0"/>
-              <a:t>Combien de fois pensez-vous avoir besoin de voir les chiffres de la grille pour atteindre le score cible ? </a:t>
-            </a:r>
-            <a:r>
-              <a:rPr lang="fr-FR" sz="2300" dirty="0"/>
-              <a:t>»</a:t>
-            </a:r>
-          </a:p>
-          <a:p>
-            <a:pPr algn="ctr">
-              <a:spcAft>
-                <a:spcPts val="1200"/>
-              </a:spcAft>
-            </a:pPr>
-            <a:endParaRPr lang="en-GB" sz="2300" dirty="0"/>
-          </a:p>
-          <a:p>
-            <a:pPr algn="ctr">
-              <a:spcAft>
-                <a:spcPts val="1200"/>
-              </a:spcAft>
-            </a:pPr>
-            <a:r>
-              <a:rPr lang="fr-FR" sz="2300" dirty="0"/>
-              <a:t>Au début, vous pourriez trouver cette question difficile. C’est normal: essayez simplement de répondre le mieux possible</a:t>
-            </a:r>
-            <a:r>
-              <a:rPr lang="en-GB" sz="2300" dirty="0"/>
-              <a:t>.</a:t>
-            </a:r>
-          </a:p>
-          <a:p>
-            <a:pPr algn="ctr">
-              <a:spcAft>
-                <a:spcPts val="1200"/>
-              </a:spcAft>
-            </a:pPr>
-            <a:endParaRPr lang="en-GB" sz="1600" dirty="0"/>
-          </a:p>
-          <a:p>
-            <a:pPr algn="ctr">
-              <a:spcAft>
-                <a:spcPts val="1200"/>
-              </a:spcAft>
-            </a:pPr>
-            <a:r>
-              <a:rPr lang="fr-FR" sz="2300" dirty="0"/>
-              <a:t>Lors de la phase de mémorisation, vous pourriez avoir besoin de plus (ou moins) d’effort qu’attendu. Pas de problème : vous serez libre de choisir votre effort (quelle qu’ait été votre réponse à cette question). </a:t>
-            </a:r>
-            <a:endParaRPr lang="en-GB" sz="2300" dirty="0"/>
+              <a:rPr lang="fr-FR" sz="2400" dirty="0"/>
+              <a:t>Au début de chaque exercice, nous vous indiquerons le numéro de l’exercice et le score cible (c’est-à-dire le nombre de réponses correctes que vous devrez donner pour réussir l’exercice). </a:t>
+            </a:r>
+            <a:endParaRPr lang="en-GB" sz="2400" dirty="0"/>
+          </a:p>
+        </p:txBody>
+      </p:sp>
+      <p:sp>
+        <p:nvSpPr>
+          <p:cNvPr id="9" name="Rectangle 8"/>
+          <p:cNvSpPr/>
+          <p:nvPr/>
+        </p:nvSpPr>
+        <p:spPr>
+          <a:xfrm>
+            <a:off x="3554499" y="3080749"/>
+            <a:ext cx="5083002" cy="3026364"/>
+          </a:xfrm>
+          <a:prstGeom prst="rect">
+            <a:avLst/>
+          </a:prstGeom>
+          <a:noFill/>
+          <a:ln w="76200">
+            <a:solidFill>
+              <a:schemeClr val="bg1">
+                <a:lumMod val="65000"/>
+              </a:schemeClr>
+            </a:solidFill>
+          </a:ln>
+        </p:spPr>
+        <p:style>
+          <a:lnRef idx="2">
+            <a:schemeClr val="accent1">
+              <a:shade val="50000"/>
+            </a:schemeClr>
+          </a:lnRef>
+          <a:fillRef idx="1">
+            <a:schemeClr val="accent1"/>
+          </a:fillRef>
+          <a:effectRef idx="0">
+            <a:schemeClr val="accent1"/>
+          </a:effectRef>
+          <a:fontRef idx="minor">
+            <a:schemeClr val="lt1"/>
+          </a:fontRef>
+        </p:style>
+        <p:txBody>
+          <a:bodyPr rtlCol="0" anchor="ctr"/>
+          <a:lstStyle/>
+          <a:p>
+            <a:pPr algn="ctr"/>
+            <a:endParaRPr lang="en-GB">
+              <a:solidFill>
+                <a:schemeClr val="tx1"/>
+              </a:solidFill>
+            </a:endParaRPr>
+          </a:p>
+        </p:txBody>
+      </p:sp>
+      <p:sp>
+        <p:nvSpPr>
+          <p:cNvPr id="11" name="ZoneTexte 9">
+            <a:extLst>
+              <a:ext uri="{FF2B5EF4-FFF2-40B4-BE49-F238E27FC236}">
+                <a16:creationId xmlns:a16="http://schemas.microsoft.com/office/drawing/2014/main" id="{C6521428-2C03-4866-9240-C0CA0E9FD4A9}"/>
+              </a:ext>
+            </a:extLst>
+          </p:cNvPr>
+          <p:cNvSpPr txBox="1"/>
+          <p:nvPr/>
+        </p:nvSpPr>
+        <p:spPr>
+          <a:xfrm>
+            <a:off x="4779798" y="3993766"/>
+            <a:ext cx="2632399" cy="1200329"/>
+          </a:xfrm>
+          <a:prstGeom prst="rect">
+            <a:avLst/>
+          </a:prstGeom>
+          <a:noFill/>
+        </p:spPr>
+        <p:txBody>
+          <a:bodyPr wrap="square" rtlCol="0">
+            <a:spAutoFit/>
+          </a:bodyPr>
+          <a:lstStyle/>
+          <a:p>
+            <a:pPr algn="ctr"/>
+            <a:r>
+              <a:rPr lang="en-GB" sz="2400" dirty="0" err="1"/>
+              <a:t>Exercice</a:t>
+            </a:r>
+            <a:r>
+              <a:rPr lang="en-GB" sz="2400" dirty="0"/>
+              <a:t> </a:t>
+            </a:r>
+            <a:r>
+              <a:rPr lang="en-GB" sz="2400" dirty="0" err="1"/>
+              <a:t>numéro</a:t>
+            </a:r>
+            <a:r>
+              <a:rPr lang="en-GB" sz="2400" dirty="0"/>
+              <a:t>: </a:t>
+            </a:r>
+            <a:r>
+              <a:rPr lang="en-GB" sz="2400" b="1" dirty="0"/>
+              <a:t>6</a:t>
+            </a:r>
+          </a:p>
+          <a:p>
+            <a:pPr algn="ctr"/>
+            <a:endParaRPr lang="en-GB" sz="2400" b="1" dirty="0"/>
+          </a:p>
+          <a:p>
+            <a:pPr algn="ctr"/>
+            <a:r>
+              <a:rPr lang="en-GB" sz="2400" dirty="0"/>
+              <a:t>Score </a:t>
+            </a:r>
+            <a:r>
+              <a:rPr lang="en-GB" sz="2400" dirty="0" err="1"/>
+              <a:t>cible</a:t>
+            </a:r>
+            <a:r>
+              <a:rPr lang="en-GB" sz="2400" dirty="0"/>
+              <a:t>: </a:t>
+            </a:r>
+            <a:r>
+              <a:rPr lang="en-GB" sz="2400" b="1" dirty="0"/>
+              <a:t>4</a:t>
+            </a:r>
+            <a:endParaRPr lang="en-GB" sz="2400" dirty="0"/>
           </a:p>
         </p:txBody>
       </p:sp>
     </p:spTree>
     <p:extLst>
       <p:ext uri="{BB962C8B-B14F-4D97-AF65-F5344CB8AC3E}">
-        <p14:creationId xmlns:p14="http://schemas.microsoft.com/office/powerpoint/2010/main" val="2178442365"/>
+        <p14:creationId xmlns:p14="http://schemas.microsoft.com/office/powerpoint/2010/main" val="4029809452"/>
       </p:ext>
     </p:extLst>
   </p:cSld>
@@ -15533,251 +15737,7 @@
       </p:grpSpPr>
       <p:sp>
         <p:nvSpPr>
-          <p:cNvPr id="7" name="ZoneTexte 6"/>
-          <p:cNvSpPr txBox="1"/>
-          <p:nvPr/>
-        </p:nvSpPr>
-        <p:spPr>
-          <a:xfrm>
-            <a:off x="1874195" y="1160836"/>
-            <a:ext cx="8443609" cy="830997"/>
-          </a:xfrm>
-          <a:prstGeom prst="rect">
-            <a:avLst/>
-          </a:prstGeom>
-          <a:noFill/>
-        </p:spPr>
-        <p:txBody>
-          <a:bodyPr wrap="square" rtlCol="0">
-            <a:spAutoFit/>
-          </a:bodyPr>
-          <a:lstStyle/>
-          <a:p>
-            <a:pPr algn="ctr">
-              <a:spcAft>
-                <a:spcPts val="1200"/>
-              </a:spcAft>
-            </a:pPr>
-            <a:r>
-              <a:rPr lang="fr-FR" sz="2400" dirty="0"/>
-              <a:t>Vous répondrez à cette question en déplaçant la barre rouge le long de la règle numérique:</a:t>
-            </a:r>
-          </a:p>
-        </p:txBody>
-      </p:sp>
-      <p:sp>
-        <p:nvSpPr>
-          <p:cNvPr id="5" name="Rectangle 4">
-            <a:extLst>
-              <a:ext uri="{FF2B5EF4-FFF2-40B4-BE49-F238E27FC236}">
-                <a16:creationId xmlns:a16="http://schemas.microsoft.com/office/drawing/2014/main" id="{81D94340-0653-49C5-B2BE-24A29E7CE6F2}"/>
-              </a:ext>
-            </a:extLst>
-          </p:cNvPr>
-          <p:cNvSpPr/>
-          <p:nvPr/>
-        </p:nvSpPr>
-        <p:spPr>
-          <a:xfrm>
-            <a:off x="880108" y="2257327"/>
-            <a:ext cx="10431779" cy="3026364"/>
-          </a:xfrm>
-          <a:prstGeom prst="rect">
-            <a:avLst/>
-          </a:prstGeom>
-          <a:noFill/>
-          <a:ln w="76200">
-            <a:solidFill>
-              <a:schemeClr val="bg1">
-                <a:lumMod val="65000"/>
-              </a:schemeClr>
-            </a:solidFill>
-          </a:ln>
-        </p:spPr>
-        <p:style>
-          <a:lnRef idx="2">
-            <a:schemeClr val="accent1">
-              <a:shade val="50000"/>
-            </a:schemeClr>
-          </a:lnRef>
-          <a:fillRef idx="1">
-            <a:schemeClr val="accent1"/>
-          </a:fillRef>
-          <a:effectRef idx="0">
-            <a:schemeClr val="accent1"/>
-          </a:effectRef>
-          <a:fontRef idx="minor">
-            <a:schemeClr val="lt1"/>
-          </a:fontRef>
-        </p:style>
-        <p:txBody>
-          <a:bodyPr rtlCol="0" anchor="ctr"/>
-          <a:lstStyle/>
-          <a:p>
-            <a:pPr algn="ctr"/>
-            <a:endParaRPr lang="en-GB">
-              <a:solidFill>
-                <a:schemeClr val="tx1"/>
-              </a:solidFill>
-            </a:endParaRPr>
-          </a:p>
-        </p:txBody>
-      </p:sp>
-      <p:pic>
-        <p:nvPicPr>
-          <p:cNvPr id="2" name="Picture 1">
-            <a:extLst>
-              <a:ext uri="{FF2B5EF4-FFF2-40B4-BE49-F238E27FC236}">
-                <a16:creationId xmlns:a16="http://schemas.microsoft.com/office/drawing/2014/main" id="{86604B23-64CC-48D6-9E97-5644FE03B812}"/>
-              </a:ext>
-            </a:extLst>
-          </p:cNvPr>
-          <p:cNvPicPr>
-            <a:picLocks noChangeAspect="1"/>
-          </p:cNvPicPr>
-          <p:nvPr/>
-        </p:nvPicPr>
-        <p:blipFill rotWithShape="1">
-          <a:blip r:embed="rId2"/>
-          <a:srcRect l="67" t="35200" r="556" b="55467"/>
-          <a:stretch/>
-        </p:blipFill>
-        <p:spPr>
-          <a:xfrm>
-            <a:off x="984500" y="3759820"/>
-            <a:ext cx="10222993" cy="640080"/>
-          </a:xfrm>
-          <a:prstGeom prst="rect">
-            <a:avLst/>
-          </a:prstGeom>
-        </p:spPr>
-      </p:pic>
-      <p:sp>
-        <p:nvSpPr>
-          <p:cNvPr id="3" name="Rectangle 2"/>
-          <p:cNvSpPr/>
-          <p:nvPr/>
-        </p:nvSpPr>
-        <p:spPr>
-          <a:xfrm>
-            <a:off x="1437565" y="5607946"/>
-            <a:ext cx="9316871" cy="830997"/>
-          </a:xfrm>
-          <a:prstGeom prst="rect">
-            <a:avLst/>
-          </a:prstGeom>
-        </p:spPr>
-        <p:txBody>
-          <a:bodyPr wrap="square">
-            <a:spAutoFit/>
-          </a:bodyPr>
-          <a:lstStyle/>
-          <a:p>
-            <a:pPr algn="ctr">
-              <a:spcAft>
-                <a:spcPts val="1200"/>
-              </a:spcAft>
-            </a:pPr>
-            <a:r>
-              <a:rPr lang="fr-FR" sz="2400" dirty="0"/>
-              <a:t>Dans l’exemple ci-dessus, j’ai répondu que j’aurai besoin de voir les chiffres de la grille entre 8 et 11 fois pour atteindre le score cible…</a:t>
-            </a:r>
-          </a:p>
-        </p:txBody>
-      </p:sp>
-      <p:sp>
-        <p:nvSpPr>
-          <p:cNvPr id="4" name="Rectangle 3"/>
-          <p:cNvSpPr/>
-          <p:nvPr/>
-        </p:nvSpPr>
-        <p:spPr>
-          <a:xfrm>
-            <a:off x="3048000" y="2953179"/>
-            <a:ext cx="6096000" cy="646331"/>
-          </a:xfrm>
-          <a:prstGeom prst="rect">
-            <a:avLst/>
-          </a:prstGeom>
-        </p:spPr>
-        <p:txBody>
-          <a:bodyPr>
-            <a:spAutoFit/>
-          </a:bodyPr>
-          <a:lstStyle/>
-          <a:p>
-            <a:pPr algn="ctr"/>
-            <a:r>
-              <a:rPr lang="en-GB" dirty="0" err="1"/>
-              <a:t>Combien</a:t>
-            </a:r>
-            <a:r>
-              <a:rPr lang="en-GB" dirty="0"/>
-              <a:t> de </a:t>
-            </a:r>
-            <a:r>
-              <a:rPr lang="en-GB" dirty="0" err="1"/>
-              <a:t>fois</a:t>
-            </a:r>
-            <a:r>
-              <a:rPr lang="en-GB" dirty="0"/>
-              <a:t> </a:t>
-            </a:r>
-            <a:r>
-              <a:rPr lang="en-GB" dirty="0" err="1"/>
-              <a:t>aurez-vous</a:t>
-            </a:r>
-            <a:r>
-              <a:rPr lang="en-GB" dirty="0"/>
-              <a:t> </a:t>
-            </a:r>
-            <a:r>
-              <a:rPr lang="en-GB" dirty="0" err="1"/>
-              <a:t>besoin</a:t>
-            </a:r>
-            <a:r>
-              <a:rPr lang="en-GB" dirty="0"/>
-              <a:t> de </a:t>
-            </a:r>
-            <a:r>
-              <a:rPr lang="en-GB" dirty="0" err="1"/>
-              <a:t>voir</a:t>
-            </a:r>
-            <a:r>
-              <a:rPr lang="en-GB" dirty="0"/>
-              <a:t> les </a:t>
-            </a:r>
-            <a:r>
-              <a:rPr lang="en-GB" dirty="0" err="1"/>
-              <a:t>chiffres</a:t>
-            </a:r>
-            <a:r>
-              <a:rPr lang="en-GB" dirty="0"/>
-              <a:t> de la grille pour </a:t>
-            </a:r>
-            <a:r>
-              <a:rPr lang="en-GB" dirty="0" err="1"/>
-              <a:t>atteindre</a:t>
-            </a:r>
-            <a:r>
-              <a:rPr lang="en-GB" dirty="0"/>
-              <a:t> le score </a:t>
-            </a:r>
-            <a:r>
-              <a:rPr lang="en-GB" dirty="0" err="1"/>
-              <a:t>cible</a:t>
-            </a:r>
-            <a:r>
-              <a:rPr lang="en-GB" dirty="0"/>
-              <a:t> ?</a:t>
-            </a:r>
-            <a:endParaRPr lang="fr-FR" dirty="0"/>
-          </a:p>
-        </p:txBody>
-      </p:sp>
-      <p:sp>
-        <p:nvSpPr>
-          <p:cNvPr id="10" name="ZoneTexte 9"/>
+          <p:cNvPr id="5" name="ZoneTexte 4"/>
           <p:cNvSpPr txBox="1"/>
           <p:nvPr/>
         </p:nvSpPr>
@@ -15824,10 +15784,125 @@
           </a:p>
         </p:txBody>
       </p:sp>
+      <p:sp>
+        <p:nvSpPr>
+          <p:cNvPr id="7" name="ZoneTexte 6"/>
+          <p:cNvSpPr txBox="1"/>
+          <p:nvPr/>
+        </p:nvSpPr>
+        <p:spPr>
+          <a:xfrm>
+            <a:off x="1874195" y="999519"/>
+            <a:ext cx="8443609" cy="5524589"/>
+          </a:xfrm>
+          <a:prstGeom prst="rect">
+            <a:avLst/>
+          </a:prstGeom>
+          <a:noFill/>
+        </p:spPr>
+        <p:txBody>
+          <a:bodyPr wrap="square" rtlCol="0">
+            <a:spAutoFit/>
+          </a:bodyPr>
+          <a:lstStyle/>
+          <a:p>
+            <a:pPr algn="ctr">
+              <a:spcAft>
+                <a:spcPts val="1200"/>
+              </a:spcAft>
+            </a:pPr>
+            <a:r>
+              <a:rPr lang="fr-FR" sz="2300" dirty="0"/>
+              <a:t>Ensuite, nous allons vous demander d’imaginer combien d’effort cela vous demanderait pour atteindre le score cible. </a:t>
+            </a:r>
+          </a:p>
+          <a:p>
+            <a:pPr algn="ctr">
+              <a:spcAft>
+                <a:spcPts val="1200"/>
+              </a:spcAft>
+            </a:pPr>
+            <a:endParaRPr lang="fr-FR" sz="1400" dirty="0"/>
+          </a:p>
+          <a:p>
+            <a:pPr algn="ctr">
+              <a:spcAft>
+                <a:spcPts val="1200"/>
+              </a:spcAft>
+            </a:pPr>
+            <a:r>
+              <a:rPr lang="fr-FR" sz="2300" dirty="0"/>
+              <a:t>La question sera : </a:t>
+            </a:r>
+          </a:p>
+          <a:p>
+            <a:pPr algn="ctr">
+              <a:spcAft>
+                <a:spcPts val="1200"/>
+              </a:spcAft>
+            </a:pPr>
+            <a:r>
+              <a:rPr lang="fr-FR" sz="2300" dirty="0"/>
+              <a:t>« </a:t>
+            </a:r>
+            <a:r>
+              <a:rPr lang="fr-FR" sz="2300" b="1" dirty="0"/>
+              <a:t>Combien de fois pensez-vous avoir besoin de voir les chiffres de la grille pour atteindre le score cible ? </a:t>
+            </a:r>
+            <a:r>
+              <a:rPr lang="fr-FR" sz="2300" dirty="0"/>
+              <a:t>»</a:t>
+            </a:r>
+          </a:p>
+          <a:p>
+            <a:pPr algn="ctr">
+              <a:spcAft>
+                <a:spcPts val="1200"/>
+              </a:spcAft>
+            </a:pPr>
+            <a:endParaRPr lang="en-GB" sz="2300" dirty="0"/>
+          </a:p>
+          <a:p>
+            <a:pPr algn="ctr">
+              <a:spcAft>
+                <a:spcPts val="1200"/>
+              </a:spcAft>
+            </a:pPr>
+            <a:r>
+              <a:rPr lang="fr-FR" sz="2300" dirty="0"/>
+              <a:t>Au début, vous pourriez trouver cette question difficile. C’est normal: essayez simplement de répondre le mieux possible</a:t>
+            </a:r>
+            <a:r>
+              <a:rPr lang="en-GB" sz="2300" dirty="0"/>
+              <a:t>.</a:t>
+            </a:r>
+          </a:p>
+          <a:p>
+            <a:pPr algn="ctr">
+              <a:spcAft>
+                <a:spcPts val="1200"/>
+              </a:spcAft>
+            </a:pPr>
+            <a:endParaRPr lang="en-GB" sz="1600" dirty="0"/>
+          </a:p>
+          <a:p>
+            <a:pPr algn="ctr">
+              <a:spcAft>
+                <a:spcPts val="1200"/>
+              </a:spcAft>
+            </a:pPr>
+            <a:r>
+              <a:rPr lang="fr-FR" sz="2300" dirty="0"/>
+              <a:t>Lors de la phase de mémorisation, vous pourriez avoir besoin de plus (ou moins) d’effort qu’attendu. Pas de problème : vous serez libre de choisir votre effort (quelle qu’ait été votre réponse à cette question). </a:t>
+            </a:r>
+            <a:endParaRPr lang="en-GB" sz="2300" dirty="0"/>
+          </a:p>
+        </p:txBody>
+      </p:sp>
     </p:spTree>
     <p:extLst>
       <p:ext uri="{BB962C8B-B14F-4D97-AF65-F5344CB8AC3E}">
-        <p14:creationId xmlns:p14="http://schemas.microsoft.com/office/powerpoint/2010/main" val="1930955706"/>
+        <p14:creationId xmlns:p14="http://schemas.microsoft.com/office/powerpoint/2010/main" val="2178442365"/>
       </p:ext>
     </p:extLst>
   </p:cSld>

--- a/src/SE_ELAN/Stimuli/Instructions_Rewarded.pptx
+++ b/src/SE_ELAN/Stimuli/Instructions_Rewarded.pptx
@@ -10,10 +10,10 @@
   <p:sldIdLst>
     <p:sldId id="256" r:id="rId2"/>
     <p:sldId id="270" r:id="rId3"/>
-    <p:sldId id="277" r:id="rId4"/>
-    <p:sldId id="265" r:id="rId5"/>
-    <p:sldId id="314" r:id="rId6"/>
-    <p:sldId id="317" r:id="rId7"/>
+    <p:sldId id="317" r:id="rId4"/>
+    <p:sldId id="277" r:id="rId5"/>
+    <p:sldId id="265" r:id="rId6"/>
+    <p:sldId id="314" r:id="rId7"/>
     <p:sldId id="263" r:id="rId8"/>
     <p:sldId id="284" r:id="rId9"/>
     <p:sldId id="280" r:id="rId10"/>
@@ -231,7 +231,7 @@
           <a:p>
             <a:fld id="{457B588A-FAB3-4C3F-A999-7E77BA0B8118}" type="datetimeFigureOut">
               <a:rPr lang="en-GB" smtClean="0"/>
-              <a:t>20/10/2021</a:t>
+              <a:t>21/10/2021</a:t>
             </a:fld>
             <a:endParaRPr lang="en-GB"/>
           </a:p>
@@ -297,7 +297,7 @@
           <a:p>
             <a:fld id="{756993CC-A683-496E-881E-006544134775}" type="slidenum">
               <a:rPr lang="en-GB" smtClean="0"/>
-              <a:t>‹N°›</a:t>
+              <a:t>‹#›</a:t>
             </a:fld>
             <a:endParaRPr lang="en-GB"/>
           </a:p>
@@ -445,7 +445,7 @@
           <a:p>
             <a:fld id="{1C2A38D2-D57A-4E64-B95F-0826012D069A}" type="datetimeFigureOut">
               <a:rPr lang="en-GB" smtClean="0"/>
-              <a:t>20/10/2021</a:t>
+              <a:t>21/10/2021</a:t>
             </a:fld>
             <a:endParaRPr lang="en-GB" dirty="0"/>
           </a:p>
@@ -487,7 +487,7 @@
           <a:p>
             <a:fld id="{9D7F7A4F-C86B-4E97-8396-79EF10BBD040}" type="slidenum">
               <a:rPr lang="en-GB" smtClean="0"/>
-              <a:t>‹N°›</a:t>
+              <a:t>‹#›</a:t>
             </a:fld>
             <a:endParaRPr lang="en-GB" dirty="0"/>
           </a:p>
@@ -615,7 +615,7 @@
           <a:p>
             <a:fld id="{1C2A38D2-D57A-4E64-B95F-0826012D069A}" type="datetimeFigureOut">
               <a:rPr lang="en-GB" smtClean="0"/>
-              <a:t>20/10/2021</a:t>
+              <a:t>21/10/2021</a:t>
             </a:fld>
             <a:endParaRPr lang="en-GB" dirty="0"/>
           </a:p>
@@ -657,7 +657,7 @@
           <a:p>
             <a:fld id="{9D7F7A4F-C86B-4E97-8396-79EF10BBD040}" type="slidenum">
               <a:rPr lang="en-GB" smtClean="0"/>
-              <a:t>‹N°›</a:t>
+              <a:t>‹#›</a:t>
             </a:fld>
             <a:endParaRPr lang="en-GB" dirty="0"/>
           </a:p>
@@ -795,7 +795,7 @@
           <a:p>
             <a:fld id="{1C2A38D2-D57A-4E64-B95F-0826012D069A}" type="datetimeFigureOut">
               <a:rPr lang="en-GB" smtClean="0"/>
-              <a:t>20/10/2021</a:t>
+              <a:t>21/10/2021</a:t>
             </a:fld>
             <a:endParaRPr lang="en-GB" dirty="0"/>
           </a:p>
@@ -837,7 +837,7 @@
           <a:p>
             <a:fld id="{9D7F7A4F-C86B-4E97-8396-79EF10BBD040}" type="slidenum">
               <a:rPr lang="en-GB" smtClean="0"/>
-              <a:t>‹N°›</a:t>
+              <a:t>‹#›</a:t>
             </a:fld>
             <a:endParaRPr lang="en-GB" dirty="0"/>
           </a:p>
@@ -965,7 +965,7 @@
           <a:p>
             <a:fld id="{1C2A38D2-D57A-4E64-B95F-0826012D069A}" type="datetimeFigureOut">
               <a:rPr lang="en-GB" smtClean="0"/>
-              <a:t>20/10/2021</a:t>
+              <a:t>21/10/2021</a:t>
             </a:fld>
             <a:endParaRPr lang="en-GB" dirty="0"/>
           </a:p>
@@ -1007,7 +1007,7 @@
           <a:p>
             <a:fld id="{9D7F7A4F-C86B-4E97-8396-79EF10BBD040}" type="slidenum">
               <a:rPr lang="en-GB" smtClean="0"/>
-              <a:t>‹N°›</a:t>
+              <a:t>‹#›</a:t>
             </a:fld>
             <a:endParaRPr lang="en-GB" dirty="0"/>
           </a:p>
@@ -1211,7 +1211,7 @@
           <a:p>
             <a:fld id="{1C2A38D2-D57A-4E64-B95F-0826012D069A}" type="datetimeFigureOut">
               <a:rPr lang="en-GB" smtClean="0"/>
-              <a:t>20/10/2021</a:t>
+              <a:t>21/10/2021</a:t>
             </a:fld>
             <a:endParaRPr lang="en-GB" dirty="0"/>
           </a:p>
@@ -1253,7 +1253,7 @@
           <a:p>
             <a:fld id="{9D7F7A4F-C86B-4E97-8396-79EF10BBD040}" type="slidenum">
               <a:rPr lang="en-GB" smtClean="0"/>
-              <a:t>‹N°›</a:t>
+              <a:t>‹#›</a:t>
             </a:fld>
             <a:endParaRPr lang="en-GB" dirty="0"/>
           </a:p>
@@ -1443,7 +1443,7 @@
           <a:p>
             <a:fld id="{1C2A38D2-D57A-4E64-B95F-0826012D069A}" type="datetimeFigureOut">
               <a:rPr lang="en-GB" smtClean="0"/>
-              <a:t>20/10/2021</a:t>
+              <a:t>21/10/2021</a:t>
             </a:fld>
             <a:endParaRPr lang="en-GB" dirty="0"/>
           </a:p>
@@ -1485,7 +1485,7 @@
           <a:p>
             <a:fld id="{9D7F7A4F-C86B-4E97-8396-79EF10BBD040}" type="slidenum">
               <a:rPr lang="en-GB" smtClean="0"/>
-              <a:t>‹N°›</a:t>
+              <a:t>‹#›</a:t>
             </a:fld>
             <a:endParaRPr lang="en-GB" dirty="0"/>
           </a:p>
@@ -1810,7 +1810,7 @@
           <a:p>
             <a:fld id="{1C2A38D2-D57A-4E64-B95F-0826012D069A}" type="datetimeFigureOut">
               <a:rPr lang="en-GB" smtClean="0"/>
-              <a:t>20/10/2021</a:t>
+              <a:t>21/10/2021</a:t>
             </a:fld>
             <a:endParaRPr lang="en-GB" dirty="0"/>
           </a:p>
@@ -1852,7 +1852,7 @@
           <a:p>
             <a:fld id="{9D7F7A4F-C86B-4E97-8396-79EF10BBD040}" type="slidenum">
               <a:rPr lang="en-GB" smtClean="0"/>
-              <a:t>‹N°›</a:t>
+              <a:t>‹#›</a:t>
             </a:fld>
             <a:endParaRPr lang="en-GB" dirty="0"/>
           </a:p>
@@ -1928,7 +1928,7 @@
           <a:p>
             <a:fld id="{1C2A38D2-D57A-4E64-B95F-0826012D069A}" type="datetimeFigureOut">
               <a:rPr lang="en-GB" smtClean="0"/>
-              <a:t>20/10/2021</a:t>
+              <a:t>21/10/2021</a:t>
             </a:fld>
             <a:endParaRPr lang="en-GB" dirty="0"/>
           </a:p>
@@ -1970,7 +1970,7 @@
           <a:p>
             <a:fld id="{9D7F7A4F-C86B-4E97-8396-79EF10BBD040}" type="slidenum">
               <a:rPr lang="en-GB" smtClean="0"/>
-              <a:t>‹N°›</a:t>
+              <a:t>‹#›</a:t>
             </a:fld>
             <a:endParaRPr lang="en-GB" dirty="0"/>
           </a:p>
@@ -2023,7 +2023,7 @@
           <a:p>
             <a:fld id="{1C2A38D2-D57A-4E64-B95F-0826012D069A}" type="datetimeFigureOut">
               <a:rPr lang="en-GB" smtClean="0"/>
-              <a:t>20/10/2021</a:t>
+              <a:t>21/10/2021</a:t>
             </a:fld>
             <a:endParaRPr lang="en-GB" dirty="0"/>
           </a:p>
@@ -2065,7 +2065,7 @@
           <a:p>
             <a:fld id="{9D7F7A4F-C86B-4E97-8396-79EF10BBD040}" type="slidenum">
               <a:rPr lang="en-GB" smtClean="0"/>
-              <a:t>‹N°›</a:t>
+              <a:t>‹#›</a:t>
             </a:fld>
             <a:endParaRPr lang="en-GB" dirty="0"/>
           </a:p>
@@ -2300,7 +2300,7 @@
           <a:p>
             <a:fld id="{1C2A38D2-D57A-4E64-B95F-0826012D069A}" type="datetimeFigureOut">
               <a:rPr lang="en-GB" smtClean="0"/>
-              <a:t>20/10/2021</a:t>
+              <a:t>21/10/2021</a:t>
             </a:fld>
             <a:endParaRPr lang="en-GB" dirty="0"/>
           </a:p>
@@ -2342,7 +2342,7 @@
           <a:p>
             <a:fld id="{9D7F7A4F-C86B-4E97-8396-79EF10BBD040}" type="slidenum">
               <a:rPr lang="en-GB" smtClean="0"/>
-              <a:t>‹N°›</a:t>
+              <a:t>‹#›</a:t>
             </a:fld>
             <a:endParaRPr lang="en-GB" dirty="0"/>
           </a:p>
@@ -2553,7 +2553,7 @@
           <a:p>
             <a:fld id="{1C2A38D2-D57A-4E64-B95F-0826012D069A}" type="datetimeFigureOut">
               <a:rPr lang="en-GB" smtClean="0"/>
-              <a:t>20/10/2021</a:t>
+              <a:t>21/10/2021</a:t>
             </a:fld>
             <a:endParaRPr lang="en-GB" dirty="0"/>
           </a:p>
@@ -2595,7 +2595,7 @@
           <a:p>
             <a:fld id="{9D7F7A4F-C86B-4E97-8396-79EF10BBD040}" type="slidenum">
               <a:rPr lang="en-GB" smtClean="0"/>
-              <a:t>‹N°›</a:t>
+              <a:t>‹#›</a:t>
             </a:fld>
             <a:endParaRPr lang="en-GB" dirty="0"/>
           </a:p>
@@ -2766,7 +2766,7 @@
           <a:p>
             <a:fld id="{1C2A38D2-D57A-4E64-B95F-0826012D069A}" type="datetimeFigureOut">
               <a:rPr lang="en-GB" smtClean="0"/>
-              <a:t>20/10/2021</a:t>
+              <a:t>21/10/2021</a:t>
             </a:fld>
             <a:endParaRPr lang="en-GB" dirty="0"/>
           </a:p>
@@ -2844,7 +2844,7 @@
           <a:p>
             <a:fld id="{9D7F7A4F-C86B-4E97-8396-79EF10BBD040}" type="slidenum">
               <a:rPr lang="en-GB" smtClean="0"/>
-              <a:t>‹N°›</a:t>
+              <a:t>‹#›</a:t>
             </a:fld>
             <a:endParaRPr lang="en-GB" dirty="0"/>
           </a:p>
@@ -5092,7 +5092,7 @@
             <a:p>
               <a:pPr algn="ctr"/>
               <a:r>
-                <a:rPr lang="en-GB" sz="2800" dirty="0" smtClean="0">
+                <a:rPr lang="en-GB" sz="2800" dirty="0">
                   <a:solidFill>
                     <a:schemeClr val="tx1"/>
                   </a:solidFill>
@@ -5690,7 +5690,7 @@
             <a:lstStyle/>
             <a:p>
               <a:r>
-                <a:rPr lang="en-GB" sz="2800" dirty="0" smtClean="0"/>
+                <a:rPr lang="en-GB" sz="2800" dirty="0"/>
                 <a:t>2</a:t>
               </a:r>
               <a:endParaRPr lang="en-GB" dirty="0"/>
@@ -5720,7 +5720,7 @@
             <a:lstStyle/>
             <a:p>
               <a:r>
-                <a:rPr lang="en-GB" sz="2800" dirty="0" smtClean="0"/>
+                <a:rPr lang="en-GB" sz="2800" dirty="0"/>
                 <a:t>2</a:t>
               </a:r>
               <a:endParaRPr lang="en-GB" dirty="0"/>
@@ -6277,10 +6277,9 @@
           <a:lstStyle/>
           <a:p>
             <a:r>
-              <a:rPr lang="en-GB" sz="2400" dirty="0" smtClean="0"/>
+              <a:rPr lang="en-GB" sz="2400" dirty="0"/>
               <a:t>3</a:t>
             </a:r>
-            <a:endParaRPr lang="en-GB" sz="2400" dirty="0"/>
           </a:p>
         </p:txBody>
       </p:sp>
@@ -6307,10 +6306,9 @@
           <a:lstStyle/>
           <a:p>
             <a:r>
-              <a:rPr lang="en-GB" sz="2400" dirty="0" smtClean="0"/>
+              <a:rPr lang="en-GB" sz="2400" dirty="0"/>
               <a:t>3</a:t>
             </a:r>
-            <a:endParaRPr lang="en-GB" sz="2400" dirty="0"/>
           </a:p>
         </p:txBody>
       </p:sp>
@@ -6892,10 +6890,9 @@
           <a:lstStyle/>
           <a:p>
             <a:r>
-              <a:rPr lang="en-GB" sz="2800" dirty="0" smtClean="0"/>
+              <a:rPr lang="en-GB" sz="2800" dirty="0"/>
               <a:t>4</a:t>
             </a:r>
-            <a:endParaRPr lang="en-GB" sz="2800" dirty="0"/>
           </a:p>
         </p:txBody>
       </p:sp>
@@ -7448,10 +7445,9 @@
           <a:lstStyle/>
           <a:p>
             <a:r>
-              <a:rPr lang="en-GB" sz="2800" dirty="0" smtClean="0"/>
+              <a:rPr lang="en-GB" sz="2800" dirty="0"/>
               <a:t>5</a:t>
             </a:r>
-            <a:endParaRPr lang="en-GB" sz="2800" dirty="0"/>
           </a:p>
         </p:txBody>
       </p:sp>
@@ -7478,10 +7474,9 @@
           <a:lstStyle/>
           <a:p>
             <a:r>
-              <a:rPr lang="en-GB" sz="2800" dirty="0" smtClean="0"/>
+              <a:rPr lang="en-GB" sz="2800" dirty="0"/>
               <a:t>5</a:t>
             </a:r>
-            <a:endParaRPr lang="en-GB" sz="2800" dirty="0"/>
           </a:p>
         </p:txBody>
       </p:sp>
@@ -7523,8 +7518,8 @@
         </p:nvSpPr>
         <p:spPr>
           <a:xfrm>
-            <a:off x="1874196" y="1536174"/>
-            <a:ext cx="8443609" cy="3785652"/>
+            <a:off x="1874196" y="1720840"/>
+            <a:ext cx="8443609" cy="3416320"/>
           </a:xfrm>
           <a:prstGeom prst="rect">
             <a:avLst/>
@@ -7581,10 +7576,6 @@
               <a:rPr lang="fr-FR" sz="2400" dirty="0"/>
               <a:t>En résumé, vous allez effectuer une série d’exercices de mémoire. Ces exercices seront plus ou moins difficiles. Pour chacun d’entre eux, nous vous demanderons d’auto-évaluer votre performance.</a:t>
             </a:r>
-          </a:p>
-          <a:p>
-            <a:pPr algn="ctr"/>
-            <a:endParaRPr lang="en-GB" sz="2400" dirty="0"/>
           </a:p>
         </p:txBody>
       </p:sp>
@@ -8137,10 +8128,9 @@
           <a:lstStyle/>
           <a:p>
             <a:r>
-              <a:rPr lang="en-GB" sz="2800" dirty="0" smtClean="0"/>
+              <a:rPr lang="en-GB" sz="2800" dirty="0"/>
               <a:t>6</a:t>
             </a:r>
-            <a:endParaRPr lang="en-GB" sz="2800" dirty="0"/>
           </a:p>
         </p:txBody>
       </p:sp>
@@ -8167,7 +8157,7 @@
           <a:lstStyle/>
           <a:p>
             <a:r>
-              <a:rPr lang="en-GB" sz="2800" dirty="0" smtClean="0"/>
+              <a:rPr lang="en-GB" sz="2800" dirty="0"/>
               <a:t>6</a:t>
             </a:r>
             <a:endParaRPr lang="en-GB" dirty="0"/>
@@ -8723,7 +8713,7 @@
           <a:lstStyle/>
           <a:p>
             <a:r>
-              <a:rPr lang="en-GB" sz="2800" dirty="0" smtClean="0"/>
+              <a:rPr lang="en-GB" sz="2800" dirty="0"/>
               <a:t>7</a:t>
             </a:r>
             <a:endParaRPr lang="en-GB" dirty="0"/>
@@ -8753,7 +8743,7 @@
           <a:lstStyle/>
           <a:p>
             <a:r>
-              <a:rPr lang="en-GB" sz="2800" dirty="0" smtClean="0"/>
+              <a:rPr lang="en-GB" sz="2800" dirty="0"/>
               <a:t>7</a:t>
             </a:r>
             <a:endParaRPr lang="en-GB" dirty="0"/>
@@ -9309,7 +9299,7 @@
           <a:lstStyle/>
           <a:p>
             <a:r>
-              <a:rPr lang="en-GB" sz="2800" dirty="0" smtClean="0"/>
+              <a:rPr lang="en-GB" sz="2800" dirty="0"/>
               <a:t>8</a:t>
             </a:r>
             <a:endParaRPr lang="en-GB" dirty="0"/>
@@ -9339,7 +9329,7 @@
           <a:lstStyle/>
           <a:p>
             <a:r>
-              <a:rPr lang="en-GB" sz="2800" dirty="0" smtClean="0"/>
+              <a:rPr lang="en-GB" sz="2800" dirty="0"/>
               <a:t>8</a:t>
             </a:r>
             <a:endParaRPr lang="en-GB" dirty="0"/>
@@ -10465,7 +10455,7 @@
               <a:p>
                 <a:pPr algn="ctr"/>
                 <a:r>
-                  <a:rPr lang="en-GB" sz="2800" dirty="0" smtClean="0">
+                  <a:rPr lang="en-GB" sz="2800" dirty="0">
                     <a:solidFill>
                       <a:schemeClr val="tx1"/>
                     </a:solidFill>
@@ -11801,7 +11791,7 @@
           <a:lstStyle/>
           <a:p>
             <a:r>
-              <a:rPr lang="en-GB" sz="2800" dirty="0" smtClean="0"/>
+              <a:rPr lang="en-GB" sz="2800" dirty="0"/>
               <a:t>1</a:t>
             </a:r>
             <a:endParaRPr lang="en-GB" dirty="0"/>
@@ -11879,7 +11869,7 @@
           <a:lstStyle/>
           <a:p>
             <a:r>
-              <a:rPr lang="en-GB" sz="2800" dirty="0" smtClean="0"/>
+              <a:rPr lang="en-GB" sz="2800" dirty="0"/>
               <a:t>1</a:t>
             </a:r>
             <a:endParaRPr lang="en-GB" dirty="0"/>
@@ -11918,461 +11908,63 @@
       </p:grpSpPr>
       <p:sp>
         <p:nvSpPr>
-          <p:cNvPr id="5" name="ZoneTexte 4"/>
+          <p:cNvPr id="5" name="TextBox 4">
+            <a:extLst>
+              <a:ext uri="{FF2B5EF4-FFF2-40B4-BE49-F238E27FC236}">
+                <a16:creationId xmlns:a16="http://schemas.microsoft.com/office/drawing/2014/main" id="{A48C1231-E72A-4127-96A6-E9BE9CAAAC8D}"/>
+              </a:ext>
+            </a:extLst>
+          </p:cNvPr>
           <p:cNvSpPr txBox="1"/>
           <p:nvPr/>
         </p:nvSpPr>
         <p:spPr>
           <a:xfrm>
-            <a:off x="3878093" y="194719"/>
-            <a:ext cx="4435815" cy="830997"/>
+            <a:off x="1874195" y="2274838"/>
+            <a:ext cx="8443608" cy="2308324"/>
           </a:xfrm>
           <a:prstGeom prst="rect">
             <a:avLst/>
           </a:prstGeom>
           <a:noFill/>
-          <a:ln>
-            <a:noFill/>
-          </a:ln>
-        </p:spPr>
-        <p:txBody>
-          <a:bodyPr wrap="square" rtlCol="0" anchor="ctr">
+        </p:spPr>
+        <p:txBody>
+          <a:bodyPr wrap="square">
             <a:spAutoFit/>
           </a:bodyPr>
           <a:lstStyle/>
           <a:p>
-            <a:pPr algn="ctr">
-              <a:spcBef>
-                <a:spcPts val="1800"/>
-              </a:spcBef>
-              <a:spcAft>
-                <a:spcPts val="1800"/>
-              </a:spcAft>
-            </a:pPr>
-            <a:r>
-              <a:rPr lang="en-GB" sz="2400" b="1" dirty="0">
-                <a:solidFill>
-                  <a:srgbClr val="0070C0"/>
-                </a:solidFill>
-              </a:rPr>
-              <a:t>LES EXERCICES DE MEMOIRE : PRINCIPE</a:t>
-            </a:r>
-          </a:p>
-        </p:txBody>
-      </p:sp>
-      <p:sp>
-        <p:nvSpPr>
-          <p:cNvPr id="7" name="ZoneTexte 6"/>
-          <p:cNvSpPr txBox="1"/>
-          <p:nvPr/>
-        </p:nvSpPr>
-        <p:spPr>
-          <a:xfrm>
-            <a:off x="1874195" y="1346863"/>
-            <a:ext cx="8443609" cy="2015936"/>
-          </a:xfrm>
-          <a:prstGeom prst="rect">
-            <a:avLst/>
-          </a:prstGeom>
-          <a:noFill/>
-        </p:spPr>
-        <p:txBody>
-          <a:bodyPr wrap="square" rtlCol="0">
-            <a:spAutoFit/>
-          </a:bodyPr>
-          <a:lstStyle/>
-          <a:p>
-            <a:pPr algn="ctr">
-              <a:spcAft>
-                <a:spcPts val="600"/>
-              </a:spcAft>
-            </a:pPr>
-            <a:r>
-              <a:rPr lang="en-GB" sz="2400" dirty="0" err="1"/>
-              <a:t>Lors</a:t>
-            </a:r>
-            <a:r>
-              <a:rPr lang="en-GB" sz="2400" dirty="0"/>
-              <a:t> de </a:t>
-            </a:r>
-            <a:r>
-              <a:rPr lang="en-GB" sz="2400" dirty="0" err="1"/>
-              <a:t>chaque</a:t>
-            </a:r>
-            <a:r>
-              <a:rPr lang="en-GB" sz="2400" dirty="0"/>
-              <a:t> exercise de </a:t>
-            </a:r>
-            <a:r>
-              <a:rPr lang="en-GB" sz="2400" dirty="0" err="1"/>
-              <a:t>mémoire</a:t>
-            </a:r>
-            <a:r>
-              <a:rPr lang="en-GB" sz="2400" dirty="0"/>
-              <a:t>, </a:t>
-            </a:r>
-            <a:r>
-              <a:rPr lang="en-GB" sz="2400" dirty="0" err="1"/>
-              <a:t>vous</a:t>
-            </a:r>
-            <a:r>
-              <a:rPr lang="en-GB" sz="2400" dirty="0"/>
-              <a:t> </a:t>
-            </a:r>
-            <a:r>
-              <a:rPr lang="en-GB" sz="2400" dirty="0" err="1"/>
-              <a:t>devrez</a:t>
-            </a:r>
-            <a:r>
-              <a:rPr lang="en-GB" sz="2400" dirty="0"/>
-              <a:t> </a:t>
-            </a:r>
-            <a:r>
-              <a:rPr lang="en-GB" sz="2400" dirty="0" err="1"/>
-              <a:t>vous</a:t>
-            </a:r>
-            <a:r>
-              <a:rPr lang="en-GB" sz="2400" dirty="0"/>
-              <a:t> souvenir de la position de 8 </a:t>
-            </a:r>
-            <a:r>
-              <a:rPr lang="en-GB" sz="2400" dirty="0" err="1"/>
-              <a:t>paires</a:t>
-            </a:r>
-            <a:r>
-              <a:rPr lang="en-GB" sz="2400" dirty="0"/>
-              <a:t> de </a:t>
-            </a:r>
-            <a:r>
-              <a:rPr lang="en-GB" sz="2400" dirty="0" err="1"/>
-              <a:t>chiffres</a:t>
-            </a:r>
-            <a:r>
-              <a:rPr lang="en-GB" sz="2400" dirty="0"/>
-              <a:t> </a:t>
-            </a:r>
-            <a:r>
-              <a:rPr lang="en-GB" sz="2400" dirty="0" err="1"/>
-              <a:t>disposés</a:t>
-            </a:r>
-            <a:r>
-              <a:rPr lang="en-GB" sz="2400" dirty="0"/>
-              <a:t> sur </a:t>
-            </a:r>
-            <a:r>
-              <a:rPr lang="en-GB" sz="2400" dirty="0" err="1"/>
-              <a:t>une</a:t>
-            </a:r>
-            <a:r>
-              <a:rPr lang="en-GB" sz="2400" dirty="0"/>
-              <a:t> grille </a:t>
-            </a:r>
-            <a:r>
-              <a:rPr lang="en-GB" sz="2400" dirty="0" err="1"/>
-              <a:t>carrée</a:t>
-            </a:r>
-            <a:r>
-              <a:rPr lang="en-GB" sz="2400" dirty="0"/>
-              <a:t>.</a:t>
-            </a:r>
-          </a:p>
-          <a:p>
-            <a:pPr algn="ctr">
-              <a:spcAft>
-                <a:spcPts val="600"/>
-              </a:spcAft>
-            </a:pPr>
-            <a:r>
-              <a:rPr lang="en-GB" sz="2400" dirty="0"/>
-              <a:t>Dans </a:t>
-            </a:r>
-            <a:r>
-              <a:rPr lang="en-GB" sz="2400" dirty="0" err="1"/>
-              <a:t>l’exemple</a:t>
-            </a:r>
-            <a:r>
-              <a:rPr lang="en-GB" sz="2400" dirty="0"/>
-              <a:t> </a:t>
-            </a:r>
-            <a:r>
-              <a:rPr lang="en-GB" sz="2400" dirty="0" err="1"/>
-              <a:t>suivant</a:t>
-            </a:r>
-            <a:r>
-              <a:rPr lang="en-GB" sz="2400" dirty="0"/>
-              <a:t>, les deux chiffres “1” </a:t>
-            </a:r>
-            <a:r>
-              <a:rPr lang="en-GB" sz="2400" dirty="0" err="1"/>
-              <a:t>forment</a:t>
-            </a:r>
-            <a:r>
-              <a:rPr lang="en-GB" sz="2400" dirty="0"/>
-              <a:t> </a:t>
-            </a:r>
-            <a:r>
-              <a:rPr lang="en-GB" sz="2400" dirty="0" err="1"/>
-              <a:t>une</a:t>
-            </a:r>
-            <a:r>
-              <a:rPr lang="en-GB" sz="2400" dirty="0"/>
-              <a:t> </a:t>
-            </a:r>
-            <a:r>
-              <a:rPr lang="en-GB" sz="2400" dirty="0" err="1"/>
-              <a:t>paire</a:t>
-            </a:r>
-            <a:r>
-              <a:rPr lang="en-GB" sz="2400" dirty="0"/>
-              <a:t>, </a:t>
-            </a:r>
-            <a:r>
-              <a:rPr lang="en-GB" sz="2400" dirty="0" err="1"/>
-              <a:t>dont</a:t>
-            </a:r>
-            <a:r>
-              <a:rPr lang="en-GB" sz="2400" dirty="0"/>
-              <a:t> </a:t>
-            </a:r>
-            <a:r>
-              <a:rPr lang="en-GB" sz="2400" dirty="0" err="1"/>
-              <a:t>chaque</a:t>
-            </a:r>
-            <a:r>
-              <a:rPr lang="en-GB" sz="2400" dirty="0"/>
-              <a:t> element </a:t>
-            </a:r>
-            <a:r>
-              <a:rPr lang="en-GB" sz="2400" dirty="0" err="1"/>
-              <a:t>est</a:t>
-            </a:r>
-            <a:r>
-              <a:rPr lang="en-GB" sz="2400" dirty="0"/>
-              <a:t> </a:t>
-            </a:r>
-            <a:r>
-              <a:rPr lang="en-GB" sz="2400" dirty="0" err="1"/>
-              <a:t>positionné</a:t>
-            </a:r>
-            <a:r>
-              <a:rPr lang="en-GB" sz="2400" dirty="0"/>
-              <a:t> sur un emplacement de la grille: </a:t>
-            </a:r>
-          </a:p>
-        </p:txBody>
-      </p:sp>
-      <p:grpSp>
-        <p:nvGrpSpPr>
-          <p:cNvPr id="2" name="Groupe 1"/>
-          <p:cNvGrpSpPr/>
-          <p:nvPr/>
-        </p:nvGrpSpPr>
-        <p:grpSpPr>
-          <a:xfrm>
-            <a:off x="4807226" y="3724111"/>
-            <a:ext cx="2553693" cy="2475203"/>
-            <a:chOff x="4807226" y="3724111"/>
-            <a:chExt cx="2553693" cy="2475203"/>
-          </a:xfrm>
-        </p:grpSpPr>
-        <p:grpSp>
-          <p:nvGrpSpPr>
-            <p:cNvPr id="4" name="Groupe 3"/>
-            <p:cNvGrpSpPr/>
-            <p:nvPr/>
-          </p:nvGrpSpPr>
-          <p:grpSpPr>
-            <a:xfrm>
-              <a:off x="4807226" y="3724111"/>
-              <a:ext cx="2553693" cy="2475203"/>
-              <a:chOff x="4807226" y="3724111"/>
-              <a:chExt cx="2553693" cy="2475203"/>
-            </a:xfrm>
-          </p:grpSpPr>
-          <p:pic>
-            <p:nvPicPr>
-              <p:cNvPr id="12" name="Picture 1">
-                <a:extLst>
-                  <a:ext uri="{FF2B5EF4-FFF2-40B4-BE49-F238E27FC236}">
-                    <a16:creationId xmlns:a16="http://schemas.microsoft.com/office/drawing/2014/main" id="{88F87B56-3A1F-46ED-B0F7-1E813590C499}"/>
-                  </a:ext>
-                </a:extLst>
-              </p:cNvPr>
-              <p:cNvPicPr>
-                <a:picLocks noChangeAspect="1"/>
-              </p:cNvPicPr>
-              <p:nvPr/>
-            </p:nvPicPr>
-            <p:blipFill rotWithShape="1">
-              <a:blip r:embed="rId2"/>
-              <a:srcRect l="25294" t="16027" r="25294" b="12133"/>
-              <a:stretch/>
-            </p:blipFill>
-            <p:spPr>
-              <a:xfrm>
-                <a:off x="4807226" y="3724111"/>
-                <a:ext cx="2553693" cy="2475203"/>
-              </a:xfrm>
-              <a:prstGeom prst="rect">
-                <a:avLst/>
-              </a:prstGeom>
-            </p:spPr>
-          </p:pic>
-          <p:pic>
-            <p:nvPicPr>
-              <p:cNvPr id="13" name="Picture 1">
-                <a:extLst>
-                  <a:ext uri="{FF2B5EF4-FFF2-40B4-BE49-F238E27FC236}">
-                    <a16:creationId xmlns:a16="http://schemas.microsoft.com/office/drawing/2014/main" id="{88F87B56-3A1F-46ED-B0F7-1E813590C499}"/>
-                  </a:ext>
-                </a:extLst>
-              </p:cNvPr>
-              <p:cNvPicPr>
-                <a:picLocks noChangeAspect="1"/>
-              </p:cNvPicPr>
-              <p:nvPr/>
-            </p:nvPicPr>
-            <p:blipFill rotWithShape="1">
-              <a:blip r:embed="rId2"/>
-              <a:srcRect l="49823" t="69829" r="37838" b="12205"/>
-              <a:stretch/>
-            </p:blipFill>
-            <p:spPr>
-              <a:xfrm>
-                <a:off x="6072272" y="4325560"/>
-                <a:ext cx="637735" cy="618978"/>
-              </a:xfrm>
-              <a:prstGeom prst="rect">
-                <a:avLst/>
-              </a:prstGeom>
-            </p:spPr>
-          </p:pic>
-        </p:grpSp>
-        <p:sp>
-          <p:nvSpPr>
-            <p:cNvPr id="6" name="Rectangle 5"/>
-            <p:cNvSpPr/>
-            <p:nvPr/>
-          </p:nvSpPr>
-          <p:spPr>
-            <a:xfrm>
-              <a:off x="6160294" y="4405464"/>
-              <a:ext cx="469106" cy="464191"/>
-            </a:xfrm>
-            <a:prstGeom prst="rect">
-              <a:avLst/>
-            </a:prstGeom>
-            <a:solidFill>
-              <a:schemeClr val="bg1"/>
-            </a:solidFill>
-            <a:ln>
-              <a:solidFill>
-                <a:schemeClr val="bg1"/>
-              </a:solidFill>
-            </a:ln>
-          </p:spPr>
-          <p:style>
-            <a:lnRef idx="2">
-              <a:schemeClr val="accent1">
-                <a:shade val="50000"/>
-              </a:schemeClr>
-            </a:lnRef>
-            <a:fillRef idx="1">
-              <a:schemeClr val="accent1"/>
-            </a:fillRef>
-            <a:effectRef idx="0">
-              <a:schemeClr val="accent1"/>
-            </a:effectRef>
-            <a:fontRef idx="minor">
-              <a:schemeClr val="lt1"/>
-            </a:fontRef>
-          </p:style>
-          <p:txBody>
-            <a:bodyPr rtlCol="0" anchor="ctr"/>
-            <a:lstStyle/>
-            <a:p>
-              <a:pPr algn="ctr"/>
-              <a:r>
-                <a:rPr lang="en-GB" sz="2800" dirty="0" smtClean="0">
-                  <a:solidFill>
-                    <a:schemeClr val="tx1"/>
-                  </a:solidFill>
-                </a:rPr>
-                <a:t>1</a:t>
-              </a:r>
-              <a:endParaRPr lang="en-GB" dirty="0">
-                <a:solidFill>
-                  <a:schemeClr val="tx1"/>
-                </a:solidFill>
-              </a:endParaRPr>
-            </a:p>
-          </p:txBody>
-        </p:sp>
-        <p:sp>
-          <p:nvSpPr>
-            <p:cNvPr id="10" name="Rectangle 9"/>
-            <p:cNvSpPr/>
-            <p:nvPr/>
-          </p:nvSpPr>
-          <p:spPr>
-            <a:xfrm>
-              <a:off x="6156586" y="5662764"/>
-              <a:ext cx="469106" cy="464191"/>
-            </a:xfrm>
-            <a:prstGeom prst="rect">
-              <a:avLst/>
-            </a:prstGeom>
-            <a:solidFill>
-              <a:schemeClr val="bg1"/>
-            </a:solidFill>
-            <a:ln>
-              <a:solidFill>
-                <a:schemeClr val="bg1"/>
-              </a:solidFill>
-            </a:ln>
-          </p:spPr>
-          <p:style>
-            <a:lnRef idx="2">
-              <a:schemeClr val="accent1">
-                <a:shade val="50000"/>
-              </a:schemeClr>
-            </a:lnRef>
-            <a:fillRef idx="1">
-              <a:schemeClr val="accent1"/>
-            </a:fillRef>
-            <a:effectRef idx="0">
-              <a:schemeClr val="accent1"/>
-            </a:effectRef>
-            <a:fontRef idx="minor">
-              <a:schemeClr val="lt1"/>
-            </a:fontRef>
-          </p:style>
-          <p:txBody>
-            <a:bodyPr rtlCol="0" anchor="ctr"/>
-            <a:lstStyle/>
-            <a:p>
-              <a:pPr algn="ctr"/>
-              <a:r>
-                <a:rPr lang="en-GB" sz="2800" dirty="0">
-                  <a:solidFill>
-                    <a:schemeClr val="tx1"/>
-                  </a:solidFill>
-                </a:rPr>
-                <a:t>1</a:t>
-              </a:r>
-              <a:endParaRPr lang="en-GB" dirty="0">
-                <a:solidFill>
-                  <a:schemeClr val="tx1"/>
-                </a:solidFill>
-              </a:endParaRPr>
-            </a:p>
-          </p:txBody>
-        </p:sp>
-      </p:grpSp>
+            <a:pPr algn="ctr"/>
+            <a:r>
+              <a:rPr lang="fr-FR" sz="2400" dirty="0"/>
+              <a:t>Vous recevrez une indemnisation financière de 8 € pour votre participation.</a:t>
+            </a:r>
+          </a:p>
+          <a:p>
+            <a:pPr algn="ctr"/>
+            <a:endParaRPr lang="fr-FR" sz="2400" dirty="0"/>
+          </a:p>
+          <a:p>
+            <a:pPr algn="ctr"/>
+            <a:r>
+              <a:rPr lang="fr-FR" sz="2400" dirty="0"/>
+              <a:t>Ayant déjà mené une version similaire de cette expérience, nous pourrons détecter si vous avez triché lors d'un exercice et </a:t>
+            </a:r>
+            <a:r>
+              <a:rPr lang="fr-FR" sz="2400" b="1" dirty="0"/>
+              <a:t>vous ne recevrez pas de paiement </a:t>
+            </a:r>
+            <a:r>
+              <a:rPr lang="fr-FR" sz="2400" dirty="0"/>
+              <a:t>si nous soupçonnons que c'est le cas.</a:t>
+            </a:r>
+          </a:p>
+        </p:txBody>
+      </p:sp>
     </p:spTree>
     <p:extLst>
       <p:ext uri="{BB962C8B-B14F-4D97-AF65-F5344CB8AC3E}">
-        <p14:creationId xmlns:p14="http://schemas.microsoft.com/office/powerpoint/2010/main" val="1917199260"/>
+        <p14:creationId xmlns:p14="http://schemas.microsoft.com/office/powerpoint/2010/main" val="817283279"/>
       </p:ext>
     </p:extLst>
   </p:cSld>
@@ -12735,7 +12327,7 @@
           <a:lstStyle/>
           <a:p>
             <a:r>
-              <a:rPr lang="en-GB" sz="2800" dirty="0" smtClean="0"/>
+              <a:rPr lang="en-GB" sz="2800" dirty="0"/>
               <a:t>1</a:t>
             </a:r>
             <a:endParaRPr lang="en-GB" dirty="0"/>
@@ -12813,7 +12405,7 @@
           <a:lstStyle/>
           <a:p>
             <a:r>
-              <a:rPr lang="en-GB" sz="2800" dirty="0" smtClean="0"/>
+              <a:rPr lang="en-GB" sz="2800" dirty="0"/>
               <a:t>1</a:t>
             </a:r>
             <a:endParaRPr lang="en-GB" dirty="0"/>
@@ -13234,10 +12826,9 @@
           <a:lstStyle/>
           <a:p>
             <a:r>
-              <a:rPr lang="en-GB" sz="2800" dirty="0" smtClean="0"/>
+              <a:rPr lang="en-GB" sz="2800" dirty="0"/>
               <a:t>8</a:t>
             </a:r>
-            <a:endParaRPr lang="en-GB" sz="2800" dirty="0"/>
           </a:p>
         </p:txBody>
       </p:sp>
@@ -13264,10 +12855,9 @@
           <a:lstStyle/>
           <a:p>
             <a:r>
-              <a:rPr lang="en-GB" sz="2800" dirty="0" smtClean="0"/>
+              <a:rPr lang="en-GB" sz="2800" dirty="0"/>
               <a:t>8</a:t>
             </a:r>
-            <a:endParaRPr lang="en-GB" sz="2800" dirty="0"/>
           </a:p>
         </p:txBody>
       </p:sp>
@@ -14513,7 +14103,7 @@
             </a:pPr>
             <a:r>
               <a:rPr lang="fr-FR" sz="2400" dirty="0"/>
-              <a:t>Nous vous montrerons la grille une fois et puis vous demanderons d’imaginer combien d’effort cela vous demanderait pour atteindre différents scores.</a:t>
+              <a:t>Nous vous montrerons la grille une fois et puis nous vous demanderons d’imaginer combien d’effort cela vous demanderait pour atteindre différents scores.</a:t>
             </a:r>
           </a:p>
           <a:p>
@@ -14571,6 +14161,489 @@
 </file>
 
 <file path=ppt/slides/slide4.xml><?xml version="1.0" encoding="utf-8"?>
+<p:sld xmlns:a="http://schemas.openxmlformats.org/drawingml/2006/main" xmlns:r="http://schemas.openxmlformats.org/officeDocument/2006/relationships" xmlns:p="http://schemas.openxmlformats.org/presentationml/2006/main">
+  <p:cSld>
+    <p:spTree>
+      <p:nvGrpSpPr>
+        <p:cNvPr id="1" name=""/>
+        <p:cNvGrpSpPr/>
+        <p:nvPr/>
+      </p:nvGrpSpPr>
+      <p:grpSpPr>
+        <a:xfrm>
+          <a:off x="0" y="0"/>
+          <a:ext cx="0" cy="0"/>
+          <a:chOff x="0" y="0"/>
+          <a:chExt cx="0" cy="0"/>
+        </a:xfrm>
+      </p:grpSpPr>
+      <p:sp>
+        <p:nvSpPr>
+          <p:cNvPr id="5" name="ZoneTexte 4"/>
+          <p:cNvSpPr txBox="1"/>
+          <p:nvPr/>
+        </p:nvSpPr>
+        <p:spPr>
+          <a:xfrm>
+            <a:off x="3878093" y="194719"/>
+            <a:ext cx="4435815" cy="830997"/>
+          </a:xfrm>
+          <a:prstGeom prst="rect">
+            <a:avLst/>
+          </a:prstGeom>
+          <a:noFill/>
+          <a:ln>
+            <a:noFill/>
+          </a:ln>
+        </p:spPr>
+        <p:txBody>
+          <a:bodyPr wrap="square" rtlCol="0" anchor="ctr">
+            <a:spAutoFit/>
+          </a:bodyPr>
+          <a:lstStyle/>
+          <a:p>
+            <a:pPr algn="ctr">
+              <a:spcBef>
+                <a:spcPts val="1800"/>
+              </a:spcBef>
+              <a:spcAft>
+                <a:spcPts val="1800"/>
+              </a:spcAft>
+            </a:pPr>
+            <a:r>
+              <a:rPr lang="en-GB" sz="2400" b="1" dirty="0">
+                <a:solidFill>
+                  <a:srgbClr val="0070C0"/>
+                </a:solidFill>
+              </a:rPr>
+              <a:t>LES EXERCICES DE MEMOIRE : PRINCIPE</a:t>
+            </a:r>
+          </a:p>
+        </p:txBody>
+      </p:sp>
+      <p:sp>
+        <p:nvSpPr>
+          <p:cNvPr id="7" name="ZoneTexte 6"/>
+          <p:cNvSpPr txBox="1"/>
+          <p:nvPr/>
+        </p:nvSpPr>
+        <p:spPr>
+          <a:xfrm>
+            <a:off x="1874195" y="1346863"/>
+            <a:ext cx="8443609" cy="2015936"/>
+          </a:xfrm>
+          <a:prstGeom prst="rect">
+            <a:avLst/>
+          </a:prstGeom>
+          <a:noFill/>
+        </p:spPr>
+        <p:txBody>
+          <a:bodyPr wrap="square" rtlCol="0">
+            <a:spAutoFit/>
+          </a:bodyPr>
+          <a:lstStyle/>
+          <a:p>
+            <a:pPr algn="ctr">
+              <a:spcAft>
+                <a:spcPts val="600"/>
+              </a:spcAft>
+            </a:pPr>
+            <a:r>
+              <a:rPr lang="en-GB" sz="2400" dirty="0" err="1"/>
+              <a:t>Lors</a:t>
+            </a:r>
+            <a:r>
+              <a:rPr lang="en-GB" sz="2400" dirty="0"/>
+              <a:t> de </a:t>
+            </a:r>
+            <a:r>
+              <a:rPr lang="en-GB" sz="2400" dirty="0" err="1"/>
+              <a:t>chaque</a:t>
+            </a:r>
+            <a:r>
+              <a:rPr lang="en-GB" sz="2400" dirty="0"/>
+              <a:t> exercise de </a:t>
+            </a:r>
+            <a:r>
+              <a:rPr lang="en-GB" sz="2400" dirty="0" err="1"/>
+              <a:t>mémoire</a:t>
+            </a:r>
+            <a:r>
+              <a:rPr lang="en-GB" sz="2400" dirty="0"/>
+              <a:t>, </a:t>
+            </a:r>
+            <a:r>
+              <a:rPr lang="en-GB" sz="2400" dirty="0" err="1"/>
+              <a:t>vous</a:t>
+            </a:r>
+            <a:r>
+              <a:rPr lang="en-GB" sz="2400" dirty="0"/>
+              <a:t> </a:t>
+            </a:r>
+            <a:r>
+              <a:rPr lang="en-GB" sz="2400" dirty="0" err="1"/>
+              <a:t>devrez</a:t>
+            </a:r>
+            <a:r>
+              <a:rPr lang="en-GB" sz="2400" dirty="0"/>
+              <a:t> </a:t>
+            </a:r>
+            <a:r>
+              <a:rPr lang="en-GB" sz="2400" dirty="0" err="1"/>
+              <a:t>vous</a:t>
+            </a:r>
+            <a:r>
+              <a:rPr lang="en-GB" sz="2400" dirty="0"/>
+              <a:t> souvenir de la position de 8 </a:t>
+            </a:r>
+            <a:r>
+              <a:rPr lang="en-GB" sz="2400" dirty="0" err="1"/>
+              <a:t>paires</a:t>
+            </a:r>
+            <a:r>
+              <a:rPr lang="en-GB" sz="2400" dirty="0"/>
+              <a:t> de </a:t>
+            </a:r>
+            <a:r>
+              <a:rPr lang="en-GB" sz="2400" dirty="0" err="1"/>
+              <a:t>chiffres</a:t>
+            </a:r>
+            <a:r>
+              <a:rPr lang="en-GB" sz="2400" dirty="0"/>
+              <a:t> </a:t>
+            </a:r>
+            <a:r>
+              <a:rPr lang="en-GB" sz="2400" dirty="0" err="1"/>
+              <a:t>disposés</a:t>
+            </a:r>
+            <a:r>
+              <a:rPr lang="en-GB" sz="2400" dirty="0"/>
+              <a:t> sur </a:t>
+            </a:r>
+            <a:r>
+              <a:rPr lang="en-GB" sz="2400" dirty="0" err="1"/>
+              <a:t>une</a:t>
+            </a:r>
+            <a:r>
+              <a:rPr lang="en-GB" sz="2400" dirty="0"/>
+              <a:t> grille </a:t>
+            </a:r>
+            <a:r>
+              <a:rPr lang="en-GB" sz="2400" dirty="0" err="1"/>
+              <a:t>carrée</a:t>
+            </a:r>
+            <a:r>
+              <a:rPr lang="en-GB" sz="2400" dirty="0"/>
+              <a:t>.</a:t>
+            </a:r>
+          </a:p>
+          <a:p>
+            <a:pPr algn="ctr">
+              <a:spcAft>
+                <a:spcPts val="600"/>
+              </a:spcAft>
+            </a:pPr>
+            <a:r>
+              <a:rPr lang="en-GB" sz="2400" dirty="0"/>
+              <a:t>Dans </a:t>
+            </a:r>
+            <a:r>
+              <a:rPr lang="en-GB" sz="2400" dirty="0" err="1"/>
+              <a:t>l’exemple</a:t>
+            </a:r>
+            <a:r>
+              <a:rPr lang="en-GB" sz="2400" dirty="0"/>
+              <a:t> </a:t>
+            </a:r>
+            <a:r>
+              <a:rPr lang="en-GB" sz="2400" dirty="0" err="1"/>
+              <a:t>suivant</a:t>
+            </a:r>
+            <a:r>
+              <a:rPr lang="en-GB" sz="2400" dirty="0"/>
+              <a:t>, les deux chiffres “1” </a:t>
+            </a:r>
+            <a:r>
+              <a:rPr lang="en-GB" sz="2400" dirty="0" err="1"/>
+              <a:t>forment</a:t>
+            </a:r>
+            <a:r>
+              <a:rPr lang="en-GB" sz="2400" dirty="0"/>
+              <a:t> </a:t>
+            </a:r>
+            <a:r>
+              <a:rPr lang="en-GB" sz="2400" dirty="0" err="1"/>
+              <a:t>une</a:t>
+            </a:r>
+            <a:r>
+              <a:rPr lang="en-GB" sz="2400" dirty="0"/>
+              <a:t> </a:t>
+            </a:r>
+            <a:r>
+              <a:rPr lang="en-GB" sz="2400" dirty="0" err="1"/>
+              <a:t>paire</a:t>
+            </a:r>
+            <a:r>
+              <a:rPr lang="en-GB" sz="2400" dirty="0"/>
+              <a:t>, </a:t>
+            </a:r>
+            <a:r>
+              <a:rPr lang="en-GB" sz="2400" dirty="0" err="1"/>
+              <a:t>dont</a:t>
+            </a:r>
+            <a:r>
+              <a:rPr lang="en-GB" sz="2400" dirty="0"/>
+              <a:t> </a:t>
+            </a:r>
+            <a:r>
+              <a:rPr lang="en-GB" sz="2400" dirty="0" err="1"/>
+              <a:t>chaque</a:t>
+            </a:r>
+            <a:r>
+              <a:rPr lang="en-GB" sz="2400" dirty="0"/>
+              <a:t> element </a:t>
+            </a:r>
+            <a:r>
+              <a:rPr lang="en-GB" sz="2400" dirty="0" err="1"/>
+              <a:t>est</a:t>
+            </a:r>
+            <a:r>
+              <a:rPr lang="en-GB" sz="2400" dirty="0"/>
+              <a:t> </a:t>
+            </a:r>
+            <a:r>
+              <a:rPr lang="en-GB" sz="2400" dirty="0" err="1"/>
+              <a:t>positionné</a:t>
+            </a:r>
+            <a:r>
+              <a:rPr lang="en-GB" sz="2400" dirty="0"/>
+              <a:t> sur un emplacement de la grille: </a:t>
+            </a:r>
+          </a:p>
+        </p:txBody>
+      </p:sp>
+      <p:grpSp>
+        <p:nvGrpSpPr>
+          <p:cNvPr id="2" name="Groupe 1"/>
+          <p:cNvGrpSpPr/>
+          <p:nvPr/>
+        </p:nvGrpSpPr>
+        <p:grpSpPr>
+          <a:xfrm>
+            <a:off x="4807226" y="3724111"/>
+            <a:ext cx="2553693" cy="2475203"/>
+            <a:chOff x="4807226" y="3724111"/>
+            <a:chExt cx="2553693" cy="2475203"/>
+          </a:xfrm>
+        </p:grpSpPr>
+        <p:grpSp>
+          <p:nvGrpSpPr>
+            <p:cNvPr id="4" name="Groupe 3"/>
+            <p:cNvGrpSpPr/>
+            <p:nvPr/>
+          </p:nvGrpSpPr>
+          <p:grpSpPr>
+            <a:xfrm>
+              <a:off x="4807226" y="3724111"/>
+              <a:ext cx="2553693" cy="2475203"/>
+              <a:chOff x="4807226" y="3724111"/>
+              <a:chExt cx="2553693" cy="2475203"/>
+            </a:xfrm>
+          </p:grpSpPr>
+          <p:pic>
+            <p:nvPicPr>
+              <p:cNvPr id="12" name="Picture 1">
+                <a:extLst>
+                  <a:ext uri="{FF2B5EF4-FFF2-40B4-BE49-F238E27FC236}">
+                    <a16:creationId xmlns:a16="http://schemas.microsoft.com/office/drawing/2014/main" id="{88F87B56-3A1F-46ED-B0F7-1E813590C499}"/>
+                  </a:ext>
+                </a:extLst>
+              </p:cNvPr>
+              <p:cNvPicPr>
+                <a:picLocks noChangeAspect="1"/>
+              </p:cNvPicPr>
+              <p:nvPr/>
+            </p:nvPicPr>
+            <p:blipFill rotWithShape="1">
+              <a:blip r:embed="rId2"/>
+              <a:srcRect l="25294" t="16027" r="25294" b="12133"/>
+              <a:stretch/>
+            </p:blipFill>
+            <p:spPr>
+              <a:xfrm>
+                <a:off x="4807226" y="3724111"/>
+                <a:ext cx="2553693" cy="2475203"/>
+              </a:xfrm>
+              <a:prstGeom prst="rect">
+                <a:avLst/>
+              </a:prstGeom>
+            </p:spPr>
+          </p:pic>
+          <p:pic>
+            <p:nvPicPr>
+              <p:cNvPr id="13" name="Picture 1">
+                <a:extLst>
+                  <a:ext uri="{FF2B5EF4-FFF2-40B4-BE49-F238E27FC236}">
+                    <a16:creationId xmlns:a16="http://schemas.microsoft.com/office/drawing/2014/main" id="{88F87B56-3A1F-46ED-B0F7-1E813590C499}"/>
+                  </a:ext>
+                </a:extLst>
+              </p:cNvPr>
+              <p:cNvPicPr>
+                <a:picLocks noChangeAspect="1"/>
+              </p:cNvPicPr>
+              <p:nvPr/>
+            </p:nvPicPr>
+            <p:blipFill rotWithShape="1">
+              <a:blip r:embed="rId2"/>
+              <a:srcRect l="49823" t="69829" r="37838" b="12205"/>
+              <a:stretch/>
+            </p:blipFill>
+            <p:spPr>
+              <a:xfrm>
+                <a:off x="6072272" y="4325560"/>
+                <a:ext cx="637735" cy="618978"/>
+              </a:xfrm>
+              <a:prstGeom prst="rect">
+                <a:avLst/>
+              </a:prstGeom>
+            </p:spPr>
+          </p:pic>
+        </p:grpSp>
+        <p:sp>
+          <p:nvSpPr>
+            <p:cNvPr id="6" name="Rectangle 5"/>
+            <p:cNvSpPr/>
+            <p:nvPr/>
+          </p:nvSpPr>
+          <p:spPr>
+            <a:xfrm>
+              <a:off x="6160294" y="4405464"/>
+              <a:ext cx="469106" cy="464191"/>
+            </a:xfrm>
+            <a:prstGeom prst="rect">
+              <a:avLst/>
+            </a:prstGeom>
+            <a:solidFill>
+              <a:schemeClr val="bg1"/>
+            </a:solidFill>
+            <a:ln>
+              <a:solidFill>
+                <a:schemeClr val="bg1"/>
+              </a:solidFill>
+            </a:ln>
+          </p:spPr>
+          <p:style>
+            <a:lnRef idx="2">
+              <a:schemeClr val="accent1">
+                <a:shade val="50000"/>
+              </a:schemeClr>
+            </a:lnRef>
+            <a:fillRef idx="1">
+              <a:schemeClr val="accent1"/>
+            </a:fillRef>
+            <a:effectRef idx="0">
+              <a:schemeClr val="accent1"/>
+            </a:effectRef>
+            <a:fontRef idx="minor">
+              <a:schemeClr val="lt1"/>
+            </a:fontRef>
+          </p:style>
+          <p:txBody>
+            <a:bodyPr rtlCol="0" anchor="ctr"/>
+            <a:lstStyle/>
+            <a:p>
+              <a:pPr algn="ctr"/>
+              <a:r>
+                <a:rPr lang="en-GB" sz="2800" dirty="0">
+                  <a:solidFill>
+                    <a:schemeClr val="tx1"/>
+                  </a:solidFill>
+                </a:rPr>
+                <a:t>1</a:t>
+              </a:r>
+              <a:endParaRPr lang="en-GB" dirty="0">
+                <a:solidFill>
+                  <a:schemeClr val="tx1"/>
+                </a:solidFill>
+              </a:endParaRPr>
+            </a:p>
+          </p:txBody>
+        </p:sp>
+        <p:sp>
+          <p:nvSpPr>
+            <p:cNvPr id="10" name="Rectangle 9"/>
+            <p:cNvSpPr/>
+            <p:nvPr/>
+          </p:nvSpPr>
+          <p:spPr>
+            <a:xfrm>
+              <a:off x="6156586" y="5662764"/>
+              <a:ext cx="469106" cy="464191"/>
+            </a:xfrm>
+            <a:prstGeom prst="rect">
+              <a:avLst/>
+            </a:prstGeom>
+            <a:solidFill>
+              <a:schemeClr val="bg1"/>
+            </a:solidFill>
+            <a:ln>
+              <a:solidFill>
+                <a:schemeClr val="bg1"/>
+              </a:solidFill>
+            </a:ln>
+          </p:spPr>
+          <p:style>
+            <a:lnRef idx="2">
+              <a:schemeClr val="accent1">
+                <a:shade val="50000"/>
+              </a:schemeClr>
+            </a:lnRef>
+            <a:fillRef idx="1">
+              <a:schemeClr val="accent1"/>
+            </a:fillRef>
+            <a:effectRef idx="0">
+              <a:schemeClr val="accent1"/>
+            </a:effectRef>
+            <a:fontRef idx="minor">
+              <a:schemeClr val="lt1"/>
+            </a:fontRef>
+          </p:style>
+          <p:txBody>
+            <a:bodyPr rtlCol="0" anchor="ctr"/>
+            <a:lstStyle/>
+            <a:p>
+              <a:pPr algn="ctr"/>
+              <a:r>
+                <a:rPr lang="en-GB" sz="2800" dirty="0">
+                  <a:solidFill>
+                    <a:schemeClr val="tx1"/>
+                  </a:solidFill>
+                </a:rPr>
+                <a:t>1</a:t>
+              </a:r>
+              <a:endParaRPr lang="en-GB" dirty="0">
+                <a:solidFill>
+                  <a:schemeClr val="tx1"/>
+                </a:solidFill>
+              </a:endParaRPr>
+            </a:p>
+          </p:txBody>
+        </p:sp>
+      </p:grpSp>
+    </p:spTree>
+    <p:extLst>
+      <p:ext uri="{BB962C8B-B14F-4D97-AF65-F5344CB8AC3E}">
+        <p14:creationId xmlns:p14="http://schemas.microsoft.com/office/powerpoint/2010/main" val="1917199260"/>
+      </p:ext>
+    </p:extLst>
+  </p:cSld>
+  <p:clrMapOvr>
+    <a:masterClrMapping/>
+  </p:clrMapOvr>
+</p:sld>
+</file>
+
+<file path=ppt/slides/slide5.xml><?xml version="1.0" encoding="utf-8"?>
 <p:sld xmlns:a="http://schemas.openxmlformats.org/drawingml/2006/main" xmlns:r="http://schemas.openxmlformats.org/officeDocument/2006/relationships" xmlns:p="http://schemas.openxmlformats.org/presentationml/2006/main">
   <p:cSld>
     <p:spTree>
@@ -15084,156 +15157,6 @@
 </p:sld>
 </file>
 
-<file path=ppt/slides/slide5.xml><?xml version="1.0" encoding="utf-8"?>
-<p:sld xmlns:a="http://schemas.openxmlformats.org/drawingml/2006/main" xmlns:r="http://schemas.openxmlformats.org/officeDocument/2006/relationships" xmlns:p="http://schemas.openxmlformats.org/presentationml/2006/main">
-  <p:cSld>
-    <p:spTree>
-      <p:nvGrpSpPr>
-        <p:cNvPr id="1" name=""/>
-        <p:cNvGrpSpPr/>
-        <p:nvPr/>
-      </p:nvGrpSpPr>
-      <p:grpSpPr>
-        <a:xfrm>
-          <a:off x="0" y="0"/>
-          <a:ext cx="0" cy="0"/>
-          <a:chOff x="0" y="0"/>
-          <a:chExt cx="0" cy="0"/>
-        </a:xfrm>
-      </p:grpSpPr>
-      <p:sp>
-        <p:nvSpPr>
-          <p:cNvPr id="7" name="ZoneTexte 6"/>
-          <p:cNvSpPr txBox="1"/>
-          <p:nvPr/>
-        </p:nvSpPr>
-        <p:spPr>
-          <a:xfrm>
-            <a:off x="1874195" y="1737755"/>
-            <a:ext cx="8443609" cy="4093428"/>
-          </a:xfrm>
-          <a:prstGeom prst="rect">
-            <a:avLst/>
-          </a:prstGeom>
-          <a:noFill/>
-        </p:spPr>
-        <p:txBody>
-          <a:bodyPr wrap="square" rtlCol="0">
-            <a:spAutoFit/>
-          </a:bodyPr>
-          <a:lstStyle/>
-          <a:p>
-            <a:pPr algn="ctr">
-              <a:spcAft>
-                <a:spcPts val="1200"/>
-              </a:spcAft>
-            </a:pPr>
-            <a:r>
-              <a:rPr lang="fr-FR" sz="2400" dirty="0"/>
-              <a:t>Pour réussir un exercice, il vous faudra donner un certain nombre de réponses correctes : c’est ce que nous appelons </a:t>
-            </a:r>
-            <a:r>
-              <a:rPr lang="fr-FR" sz="2400" b="1" dirty="0"/>
-              <a:t>le score cible </a:t>
-            </a:r>
-            <a:r>
-              <a:rPr lang="fr-FR" sz="2400" dirty="0"/>
-              <a:t>d’un exercice.</a:t>
-            </a:r>
-          </a:p>
-          <a:p>
-            <a:pPr algn="ctr">
-              <a:spcAft>
-                <a:spcPts val="1200"/>
-              </a:spcAft>
-            </a:pPr>
-            <a:r>
-              <a:rPr lang="fr-FR" sz="2400" dirty="0"/>
-              <a:t>Certains exercices vous paraîtront faciles, parce que le score cible sera faible (4 par exemple). D’autres vous paraîtront plus difficiles, parce que le score cible sera élevé (7 ou 8). </a:t>
-            </a:r>
-          </a:p>
-          <a:p>
-            <a:pPr algn="ctr">
-              <a:spcAft>
-                <a:spcPts val="1200"/>
-              </a:spcAft>
-            </a:pPr>
-            <a:r>
-              <a:rPr lang="fr-FR" sz="2400" dirty="0"/>
-              <a:t>Nous vous indiquerons le score cible au début de chaque exercice. Vous aurez la possibilité de doser votre effort de mémorisation en visualisant l’emplacement des 8 paires de chiffres autant de fois que vous le souhaitez, avant de démarrer la phase de test. </a:t>
-            </a:r>
-          </a:p>
-        </p:txBody>
-      </p:sp>
-      <p:sp>
-        <p:nvSpPr>
-          <p:cNvPr id="10" name="ZoneTexte 9"/>
-          <p:cNvSpPr txBox="1"/>
-          <p:nvPr/>
-        </p:nvSpPr>
-        <p:spPr>
-          <a:xfrm>
-            <a:off x="3878093" y="194719"/>
-            <a:ext cx="4435815" cy="830997"/>
-          </a:xfrm>
-          <a:prstGeom prst="rect">
-            <a:avLst/>
-          </a:prstGeom>
-          <a:noFill/>
-          <a:ln>
-            <a:noFill/>
-          </a:ln>
-        </p:spPr>
-        <p:txBody>
-          <a:bodyPr wrap="square" rtlCol="0" anchor="ctr">
-            <a:spAutoFit/>
-          </a:bodyPr>
-          <a:lstStyle/>
-          <a:p>
-            <a:pPr algn="ctr">
-              <a:spcBef>
-                <a:spcPts val="1800"/>
-              </a:spcBef>
-            </a:pPr>
-            <a:r>
-              <a:rPr lang="en-GB" sz="2400" b="1" dirty="0">
-                <a:solidFill>
-                  <a:srgbClr val="0070C0"/>
-                </a:solidFill>
-              </a:rPr>
-              <a:t>LES EXERCICES DE MEMOIRE :</a:t>
-            </a:r>
-          </a:p>
-          <a:p>
-            <a:pPr algn="ctr">
-              <a:spcAft>
-                <a:spcPts val="1800"/>
-              </a:spcAft>
-            </a:pPr>
-            <a:r>
-              <a:rPr lang="en-GB" sz="2400" b="1" dirty="0">
-                <a:solidFill>
-                  <a:srgbClr val="0070C0"/>
-                </a:solidFill>
-              </a:rPr>
-              <a:t>LE SCORE CIBLE</a:t>
-            </a:r>
-          </a:p>
-        </p:txBody>
-      </p:sp>
-    </p:spTree>
-    <p:extLst>
-      <p:ext uri="{BB962C8B-B14F-4D97-AF65-F5344CB8AC3E}">
-        <p14:creationId xmlns:p14="http://schemas.microsoft.com/office/powerpoint/2010/main" val="2559405358"/>
-      </p:ext>
-    </p:extLst>
-  </p:cSld>
-  <p:clrMapOvr>
-    <a:masterClrMapping/>
-  </p:clrMapOvr>
-</p:sld>
-</file>
-
 <file path=ppt/slides/slide6.xml><?xml version="1.0" encoding="utf-8"?>
 <p:sld xmlns:a="http://schemas.openxmlformats.org/drawingml/2006/main" xmlns:r="http://schemas.openxmlformats.org/officeDocument/2006/relationships" xmlns:p="http://schemas.openxmlformats.org/presentationml/2006/main">
   <p:cSld>
@@ -15260,7 +15183,7 @@
         <p:spPr>
           <a:xfrm>
             <a:off x="1874195" y="1737755"/>
-            <a:ext cx="8443609" cy="830997"/>
+            <a:ext cx="8443609" cy="4093428"/>
           </a:xfrm>
           <a:prstGeom prst="rect">
             <a:avLst/>
@@ -15280,33 +15203,38 @@
             </a:pPr>
             <a:r>
               <a:rPr lang="fr-FR" sz="2400" dirty="0"/>
-              <a:t>Vous recevrez une indemnisation </a:t>
-            </a:r>
-            <a:r>
-              <a:rPr lang="fr-FR" sz="2400" dirty="0" err="1"/>
-              <a:t>financiè</a:t>
-            </a:r>
-            <a:r>
-              <a:rPr lang="en-GB" sz="2400" dirty="0" smtClean="0"/>
-              <a:t>re de 1 </a:t>
-            </a:r>
-            <a:r>
-              <a:rPr lang="en-GB" sz="2400" dirty="0"/>
-              <a:t>€ </a:t>
+              <a:t>Pour réussir un exercice, il vous faudra donner un certain nombre de réponses correctes : c’est ce que nous appelons </a:t>
+            </a:r>
+            <a:r>
+              <a:rPr lang="fr-FR" sz="2400" b="1" dirty="0"/>
+              <a:t>le score cible </a:t>
             </a:r>
             <a:r>
               <a:rPr lang="fr-FR" sz="2400" dirty="0"/>
-              <a:t>en fonction du nombre de fois où vous atteignez (ou dépassez) le </a:t>
-            </a:r>
-            <a:r>
-              <a:rPr lang="fr-FR" sz="2400"/>
-              <a:t>score </a:t>
-            </a:r>
-            <a:r>
-              <a:rPr lang="fr-FR" sz="2400" smtClean="0"/>
-              <a:t>cible.</a:t>
-            </a:r>
-            <a:endParaRPr lang="fr-FR" sz="2400" dirty="0"/>
+              <a:t>d’un exercice.</a:t>
+            </a:r>
+          </a:p>
+          <a:p>
+            <a:pPr algn="ctr">
+              <a:spcAft>
+                <a:spcPts val="1200"/>
+              </a:spcAft>
+            </a:pPr>
+            <a:r>
+              <a:rPr lang="fr-FR" sz="2400" dirty="0"/>
+              <a:t>Certains exercices vous paraîtront faciles, parce que le score cible sera faible (4 par exemple). D’autres vous paraîtront plus difficiles, parce que le score cible sera élevé (7 ou 8). </a:t>
+            </a:r>
+          </a:p>
+          <a:p>
+            <a:pPr algn="ctr">
+              <a:spcAft>
+                <a:spcPts val="1200"/>
+              </a:spcAft>
+            </a:pPr>
+            <a:r>
+              <a:rPr lang="fr-FR" sz="2400" dirty="0"/>
+              <a:t>Nous vous indiquerons le score cible au début de chaque exercice. Vous aurez la possibilité de doser votre effort de mémorisation en visualisant l’emplacement des 8 paires de chiffres autant de fois que vous le souhaitez, avant de démarrer la phase de test. </a:t>
+            </a:r>
           </a:p>
         </p:txBody>
       </p:sp>
@@ -15369,7 +15297,7 @@
     </p:spTree>
     <p:extLst>
       <p:ext uri="{BB962C8B-B14F-4D97-AF65-F5344CB8AC3E}">
-        <p14:creationId xmlns:p14="http://schemas.microsoft.com/office/powerpoint/2010/main" val="1129581323"/>
+        <p14:creationId xmlns:p14="http://schemas.microsoft.com/office/powerpoint/2010/main" val="2559405358"/>
       </p:ext>
     </p:extLst>
   </p:cSld>
